--- a/1821086_matsuo_sotsuken.pptx
+++ b/1821086_matsuo_sotsuken.pptx
@@ -5,8 +5,8 @@
     <p:sldMasterId id="2147483648" r:id="rId1"/>
   </p:sldMasterIdLst>
   <p:sldIdLst>
-    <p:sldId id="256" r:id="rId2"/>
-    <p:sldId id="257" r:id="rId3"/>
+    <p:sldId id="257" r:id="rId2"/>
+    <p:sldId id="259" r:id="rId3"/>
   </p:sldIdLst>
   <p:sldSz cx="12192000" cy="6858000"/>
   <p:notesSz cx="6858000" cy="9144000"/>
@@ -105,6 +105,11 @@
       </a:defRPr>
     </a:lvl9pPr>
   </p:defaultTextStyle>
+  <p:extLst>
+    <p:ext uri="{EFAFB233-063F-42B5-8137-9DF3F51BA10A}">
+      <p15:sldGuideLst xmlns:p15="http://schemas.microsoft.com/office/powerpoint/2012/main"/>
+    </p:ext>
+  </p:extLst>
 </p:presentation>
 </file>
 
@@ -239,7 +244,7 @@
           <a:p>
             <a:fld id="{16F4358E-470D-4461-AD89-E4D77E6B2A93}" type="datetimeFigureOut">
               <a:rPr kumimoji="1" lang="ja-JP" altLang="en-US" smtClean="0"/>
-              <a:t>2021/4/16</a:t>
+              <a:t>2021/4/23</a:t>
             </a:fld>
             <a:endParaRPr kumimoji="1" lang="ja-JP" altLang="en-US"/>
           </a:p>
@@ -441,7 +446,7 @@
           <a:p>
             <a:fld id="{16F4358E-470D-4461-AD89-E4D77E6B2A93}" type="datetimeFigureOut">
               <a:rPr kumimoji="1" lang="ja-JP" altLang="en-US" smtClean="0"/>
-              <a:t>2021/4/16</a:t>
+              <a:t>2021/4/23</a:t>
             </a:fld>
             <a:endParaRPr kumimoji="1" lang="ja-JP" altLang="en-US"/>
           </a:p>
@@ -653,7 +658,7 @@
           <a:p>
             <a:fld id="{16F4358E-470D-4461-AD89-E4D77E6B2A93}" type="datetimeFigureOut">
               <a:rPr kumimoji="1" lang="ja-JP" altLang="en-US" smtClean="0"/>
-              <a:t>2021/4/16</a:t>
+              <a:t>2021/4/23</a:t>
             </a:fld>
             <a:endParaRPr kumimoji="1" lang="ja-JP" altLang="en-US"/>
           </a:p>
@@ -855,7 +860,7 @@
           <a:p>
             <a:fld id="{16F4358E-470D-4461-AD89-E4D77E6B2A93}" type="datetimeFigureOut">
               <a:rPr kumimoji="1" lang="ja-JP" altLang="en-US" smtClean="0"/>
-              <a:t>2021/4/16</a:t>
+              <a:t>2021/4/23</a:t>
             </a:fld>
             <a:endParaRPr kumimoji="1" lang="ja-JP" altLang="en-US"/>
           </a:p>
@@ -1101,7 +1106,7 @@
           <a:p>
             <a:fld id="{16F4358E-470D-4461-AD89-E4D77E6B2A93}" type="datetimeFigureOut">
               <a:rPr kumimoji="1" lang="ja-JP" altLang="en-US" smtClean="0"/>
-              <a:t>2021/4/16</a:t>
+              <a:t>2021/4/23</a:t>
             </a:fld>
             <a:endParaRPr kumimoji="1" lang="ja-JP" altLang="en-US"/>
           </a:p>
@@ -1397,7 +1402,7 @@
           <a:p>
             <a:fld id="{16F4358E-470D-4461-AD89-E4D77E6B2A93}" type="datetimeFigureOut">
               <a:rPr kumimoji="1" lang="ja-JP" altLang="en-US" smtClean="0"/>
-              <a:t>2021/4/16</a:t>
+              <a:t>2021/4/23</a:t>
             </a:fld>
             <a:endParaRPr kumimoji="1" lang="ja-JP" altLang="en-US"/>
           </a:p>
@@ -1828,7 +1833,7 @@
           <a:p>
             <a:fld id="{16F4358E-470D-4461-AD89-E4D77E6B2A93}" type="datetimeFigureOut">
               <a:rPr kumimoji="1" lang="ja-JP" altLang="en-US" smtClean="0"/>
-              <a:t>2021/4/16</a:t>
+              <a:t>2021/4/23</a:t>
             </a:fld>
             <a:endParaRPr kumimoji="1" lang="ja-JP" altLang="en-US"/>
           </a:p>
@@ -1946,7 +1951,7 @@
           <a:p>
             <a:fld id="{16F4358E-470D-4461-AD89-E4D77E6B2A93}" type="datetimeFigureOut">
               <a:rPr kumimoji="1" lang="ja-JP" altLang="en-US" smtClean="0"/>
-              <a:t>2021/4/16</a:t>
+              <a:t>2021/4/23</a:t>
             </a:fld>
             <a:endParaRPr kumimoji="1" lang="ja-JP" altLang="en-US"/>
           </a:p>
@@ -2041,7 +2046,7 @@
           <a:p>
             <a:fld id="{16F4358E-470D-4461-AD89-E4D77E6B2A93}" type="datetimeFigureOut">
               <a:rPr kumimoji="1" lang="ja-JP" altLang="en-US" smtClean="0"/>
-              <a:t>2021/4/16</a:t>
+              <a:t>2021/4/23</a:t>
             </a:fld>
             <a:endParaRPr kumimoji="1" lang="ja-JP" altLang="en-US"/>
           </a:p>
@@ -2350,7 +2355,7 @@
           <a:p>
             <a:fld id="{16F4358E-470D-4461-AD89-E4D77E6B2A93}" type="datetimeFigureOut">
               <a:rPr kumimoji="1" lang="ja-JP" altLang="en-US" smtClean="0"/>
-              <a:t>2021/4/16</a:t>
+              <a:t>2021/4/23</a:t>
             </a:fld>
             <a:endParaRPr kumimoji="1" lang="ja-JP" altLang="en-US"/>
           </a:p>
@@ -2603,7 +2608,7 @@
           <a:p>
             <a:fld id="{16F4358E-470D-4461-AD89-E4D77E6B2A93}" type="datetimeFigureOut">
               <a:rPr kumimoji="1" lang="ja-JP" altLang="en-US" smtClean="0"/>
-              <a:t>2021/4/16</a:t>
+              <a:t>2021/4/23</a:t>
             </a:fld>
             <a:endParaRPr kumimoji="1" lang="ja-JP" altLang="en-US"/>
           </a:p>
@@ -2848,7 +2853,7 @@
           <a:p>
             <a:fld id="{16F4358E-470D-4461-AD89-E4D77E6B2A93}" type="datetimeFigureOut">
               <a:rPr kumimoji="1" lang="ja-JP" altLang="en-US" smtClean="0"/>
-              <a:t>2021/4/16</a:t>
+              <a:t>2021/4/23</a:t>
             </a:fld>
             <a:endParaRPr kumimoji="1" lang="ja-JP" altLang="en-US"/>
           </a:p>
@@ -3260,47 +3265,263 @@
             <a:spLocks noGrp="1"/>
           </p:cNvSpPr>
           <p:nvPr>
-            <p:ph type="ctrTitle"/>
-          </p:nvPr>
-        </p:nvSpPr>
-        <p:spPr/>
-        <p:txBody>
-          <a:bodyPr/>
-          <a:lstStyle/>
-          <a:p>
+            <p:ph type="title"/>
+          </p:nvPr>
+        </p:nvSpPr>
+        <p:spPr/>
+        <p:txBody>
+          <a:bodyPr/>
+          <a:lstStyle/>
+          <a:p>
+            <a:r>
+              <a:rPr kumimoji="1" lang="ja-JP" altLang="en-US" dirty="0" smtClean="0"/>
+              <a:t>卒研の</a:t>
+            </a:r>
+            <a:r>
+              <a:rPr kumimoji="1" lang="ja-JP" altLang="en-US" dirty="0" smtClean="0"/>
+              <a:t>テーマ案</a:t>
+            </a:r>
             <a:endParaRPr kumimoji="1" lang="ja-JP" altLang="en-US" dirty="0"/>
           </a:p>
         </p:txBody>
       </p:sp>
       <p:sp>
         <p:nvSpPr>
-          <p:cNvPr id="3" name="サブタイトル 2"/>
-          <p:cNvSpPr>
-            <a:spLocks noGrp="1"/>
-          </p:cNvSpPr>
-          <p:nvPr>
-            <p:ph type="subTitle" idx="1"/>
-          </p:nvPr>
-        </p:nvSpPr>
-        <p:spPr/>
-        <p:txBody>
-          <a:bodyPr/>
-          <a:lstStyle/>
-          <a:p>
-            <a:endParaRPr kumimoji="1" lang="ja-JP" altLang="en-US"/>
+          <p:cNvPr id="3" name="テキスト ボックス 2"/>
+          <p:cNvSpPr txBox="1"/>
+          <p:nvPr/>
+        </p:nvSpPr>
+        <p:spPr>
+          <a:xfrm>
+            <a:off x="838200" y="1432289"/>
+            <a:ext cx="10565502" cy="2339102"/>
+          </a:xfrm>
+          <a:prstGeom prst="rect">
+            <a:avLst/>
+          </a:prstGeom>
+          <a:noFill/>
+        </p:spPr>
+        <p:txBody>
+          <a:bodyPr wrap="square" rtlCol="0">
+            <a:spAutoFit/>
+          </a:bodyPr>
+          <a:lstStyle/>
+          <a:p>
+            <a:r>
+              <a:rPr lang="ja-JP" altLang="en-US" sz="2000" b="1" dirty="0" smtClean="0"/>
+              <a:t>・雰囲気を考慮した入室管理システム</a:t>
+            </a:r>
+            <a:r>
+              <a:rPr lang="ja-JP" altLang="en-US" sz="2000" dirty="0" smtClean="0"/>
+              <a:t/>
+            </a:r>
+            <a:br>
+              <a:rPr lang="ja-JP" altLang="en-US" sz="2000" dirty="0" smtClean="0"/>
+            </a:br>
+            <a:r>
+              <a:rPr lang="ja-JP" altLang="en-US" dirty="0"/>
+              <a:t>→</a:t>
+            </a:r>
+            <a:r>
+              <a:rPr lang="ja-JP" altLang="en-US" dirty="0" smtClean="0"/>
+              <a:t>職員室など入室</a:t>
+            </a:r>
+            <a:r>
+              <a:rPr lang="ja-JP" altLang="en-US" dirty="0"/>
+              <a:t>禁止の札が無いのに</a:t>
+            </a:r>
+            <a:r>
+              <a:rPr lang="ja-JP" altLang="en-US" dirty="0" smtClean="0"/>
+              <a:t>入って、理不尽に怒られた。「会議中</a:t>
+            </a:r>
+            <a:r>
+              <a:rPr lang="ja-JP" altLang="en-US" dirty="0"/>
+              <a:t>だった、忙しい、</a:t>
+            </a:r>
+            <a:r>
+              <a:rPr lang="ja-JP" altLang="en-US" dirty="0" smtClean="0"/>
+              <a:t>不在」等、無駄足</a:t>
+            </a:r>
+            <a:r>
+              <a:rPr lang="ja-JP" altLang="en-US" dirty="0"/>
+              <a:t>になることがある</a:t>
+            </a:r>
+            <a:r>
+              <a:rPr lang="ja-JP" altLang="en-US" dirty="0" smtClean="0"/>
+              <a:t>ので雰囲気</a:t>
+            </a:r>
+            <a:r>
+              <a:rPr lang="ja-JP" altLang="en-US" dirty="0"/>
+              <a:t>を読み取って入室</a:t>
+            </a:r>
+            <a:r>
+              <a:rPr lang="ja-JP" altLang="en-US" dirty="0" smtClean="0"/>
+              <a:t>許可知らせるシステム。</a:t>
+            </a:r>
+            <a:endParaRPr lang="en-US" altLang="ja-JP" dirty="0" smtClean="0"/>
+          </a:p>
+          <a:p>
+            <a:r>
+              <a:rPr lang="en-US" altLang="ja-JP" dirty="0"/>
+              <a:t/>
+            </a:r>
+            <a:br>
+              <a:rPr lang="en-US" altLang="ja-JP" dirty="0"/>
+            </a:br>
+            <a:r>
+              <a:rPr lang="ja-JP" altLang="en-US" dirty="0" smtClean="0"/>
+              <a:t>課題</a:t>
+            </a:r>
+            <a:r>
+              <a:rPr lang="en-US" altLang="ja-JP" dirty="0" smtClean="0"/>
+              <a:t/>
+            </a:r>
+            <a:br>
+              <a:rPr lang="en-US" altLang="ja-JP" dirty="0" smtClean="0"/>
+            </a:br>
+            <a:r>
+              <a:rPr lang="ja-JP" altLang="en-US" dirty="0" smtClean="0"/>
+              <a:t>音声から雰囲気を判断する場合、怒って音が大きい波形なのか、賑わっていて大きい波形なのか判別するのが難しそう。人数や距離感などを判断材料にして</a:t>
+            </a:r>
+            <a:r>
+              <a:rPr lang="ja-JP" altLang="en-US" dirty="0"/>
+              <a:t>行う方</a:t>
+            </a:r>
+            <a:r>
+              <a:rPr lang="ja-JP" altLang="en-US" dirty="0" smtClean="0"/>
+              <a:t>がよさそう。</a:t>
+            </a:r>
+            <a:br>
+              <a:rPr lang="ja-JP" altLang="en-US" dirty="0" smtClean="0"/>
+            </a:br>
+            <a:endParaRPr kumimoji="1" lang="ja-JP" altLang="en-US" dirty="0"/>
+          </a:p>
+        </p:txBody>
+      </p:sp>
+      <p:sp>
+        <p:nvSpPr>
+          <p:cNvPr id="4" name="正方形/長方形 3"/>
+          <p:cNvSpPr/>
+          <p:nvPr/>
+        </p:nvSpPr>
+        <p:spPr>
+          <a:xfrm>
+            <a:off x="903609" y="3740613"/>
+            <a:ext cx="9462287" cy="3724096"/>
+          </a:xfrm>
+          <a:prstGeom prst="rect">
+            <a:avLst/>
+          </a:prstGeom>
+        </p:spPr>
+        <p:txBody>
+          <a:bodyPr wrap="square">
+            <a:spAutoFit/>
+          </a:bodyPr>
+          <a:lstStyle/>
+          <a:p>
+            <a:endParaRPr lang="en-US" altLang="ja-JP" dirty="0" smtClean="0"/>
+          </a:p>
+          <a:p>
+            <a:r>
+              <a:rPr lang="ja-JP" altLang="en-US" sz="2000" b="1" dirty="0" smtClean="0"/>
+              <a:t>・ロードバランサーを使った</a:t>
+            </a:r>
+            <a:r>
+              <a:rPr lang="en-US" altLang="ja-JP" sz="2000" b="1" dirty="0" smtClean="0"/>
+              <a:t>EC</a:t>
+            </a:r>
+            <a:r>
+              <a:rPr lang="ja-JP" altLang="en-US" sz="2000" b="1" dirty="0" smtClean="0"/>
+              <a:t>サイト</a:t>
+            </a:r>
+            <a:r>
+              <a:rPr lang="en-US" altLang="ja-JP" dirty="0" smtClean="0"/>
+              <a:t/>
+            </a:r>
+            <a:br>
+              <a:rPr lang="en-US" altLang="ja-JP" dirty="0" smtClean="0"/>
+            </a:br>
+            <a:r>
+              <a:rPr lang="en-US" altLang="ja-JP" dirty="0" smtClean="0"/>
+              <a:t/>
+            </a:r>
+            <a:br>
+              <a:rPr lang="en-US" altLang="ja-JP" dirty="0" smtClean="0"/>
+            </a:br>
+            <a:r>
+              <a:rPr lang="ja-JP" altLang="en-US" dirty="0" smtClean="0"/>
+              <a:t>課題</a:t>
+            </a:r>
+            <a:r>
+              <a:rPr lang="en-US" altLang="ja-JP" dirty="0" smtClean="0"/>
+              <a:t/>
+            </a:r>
+            <a:br>
+              <a:rPr lang="en-US" altLang="ja-JP" dirty="0" smtClean="0"/>
+            </a:br>
+            <a:r>
+              <a:rPr lang="ja-JP" altLang="en-US" dirty="0" smtClean="0"/>
+              <a:t>負荷分散処理させるためにサーバを複数に分けるが、一概に使用率が低いサーバが速いとは言えないのが問題。サーバとクライアントの距離が遠いとスピードは落ちてしまう。</a:t>
+            </a:r>
+            <a:r>
+              <a:rPr lang="en-US" altLang="ja-JP" dirty="0" smtClean="0"/>
+              <a:t/>
+            </a:r>
+            <a:br>
+              <a:rPr lang="en-US" altLang="ja-JP" dirty="0" smtClean="0"/>
+            </a:br>
+            <a:r>
+              <a:rPr lang="en-US" altLang="ja-JP" dirty="0" smtClean="0"/>
+              <a:t/>
+            </a:r>
+            <a:br>
+              <a:rPr lang="en-US" altLang="ja-JP" dirty="0" smtClean="0"/>
+            </a:br>
+            <a:r>
+              <a:rPr lang="ja-JP" altLang="en-US" dirty="0" smtClean="0"/>
+              <a:t>トラフィックが増えた場合には有効だが、トラフィックが少ないときはコストだけかかってしまう。余ったリソースを何かに使えないか。</a:t>
+            </a:r>
+            <a:endParaRPr lang="en-US" altLang="ja-JP" dirty="0" smtClean="0"/>
+          </a:p>
+          <a:p>
+            <a:r>
+              <a:rPr lang="en-US" altLang="ja-JP" dirty="0" smtClean="0"/>
+              <a:t/>
+            </a:r>
+            <a:br>
+              <a:rPr lang="en-US" altLang="ja-JP" dirty="0" smtClean="0"/>
+            </a:br>
+            <a:r>
+              <a:rPr lang="ja-JP" altLang="en-US" dirty="0" smtClean="0"/>
+              <a:t/>
+            </a:r>
+            <a:br>
+              <a:rPr lang="ja-JP" altLang="en-US" dirty="0" smtClean="0"/>
+            </a:br>
+            <a:endParaRPr lang="en-US" altLang="ja-JP" dirty="0" smtClean="0"/>
+          </a:p>
+          <a:p>
+            <a:endParaRPr lang="ja-JP" altLang="en-US" dirty="0"/>
           </a:p>
         </p:txBody>
       </p:sp>
     </p:spTree>
     <p:extLst>
       <p:ext uri="{BB962C8B-B14F-4D97-AF65-F5344CB8AC3E}">
-        <p14:creationId xmlns:p14="http://schemas.microsoft.com/office/powerpoint/2010/main" val="3835287737"/>
+        <p14:creationId xmlns:p14="http://schemas.microsoft.com/office/powerpoint/2010/main" val="4120774660"/>
       </p:ext>
     </p:extLst>
   </p:cSld>
   <p:clrMapOvr>
     <a:masterClrMapping/>
   </p:clrMapOvr>
+  <p:timing>
+    <p:tnLst>
+      <p:par>
+        <p:cTn id="1" dur="indefinite" restart="never" nodeType="tmRoot"/>
+      </p:par>
+    </p:tnLst>
+  </p:timing>
 </p:sld>
 </file>
 
@@ -3337,8 +3558,16 @@
           <a:lstStyle/>
           <a:p>
             <a:r>
-              <a:rPr kumimoji="1" lang="ja-JP" altLang="en-US" dirty="0" smtClean="0"/>
-              <a:t>卒研のテーマ</a:t>
+              <a:rPr lang="ja-JP" altLang="en-US" dirty="0"/>
+              <a:t>卒研の</a:t>
+            </a:r>
+            <a:r>
+              <a:rPr lang="ja-JP" altLang="en-US" dirty="0" smtClean="0"/>
+              <a:t>テーマ</a:t>
+            </a:r>
+            <a:r>
+              <a:rPr lang="ja-JP" altLang="en-US" dirty="0"/>
+              <a:t>案</a:t>
             </a:r>
             <a:endParaRPr kumimoji="1" lang="ja-JP" altLang="en-US" dirty="0"/>
           </a:p>
@@ -3346,132 +3575,62 @@
       </p:sp>
       <p:sp>
         <p:nvSpPr>
-          <p:cNvPr id="3" name="テキスト ボックス 2"/>
-          <p:cNvSpPr txBox="1"/>
+          <p:cNvPr id="3" name="正方形/長方形 2"/>
+          <p:cNvSpPr/>
           <p:nvPr/>
         </p:nvSpPr>
         <p:spPr>
           <a:xfrm>
-            <a:off x="1006109" y="1747879"/>
-            <a:ext cx="10179781" cy="4401205"/>
+            <a:off x="655455" y="2274838"/>
+            <a:ext cx="10924248" cy="1477328"/>
           </a:xfrm>
           <a:prstGeom prst="rect">
             <a:avLst/>
           </a:prstGeom>
-          <a:noFill/>
         </p:spPr>
         <p:txBody>
-          <a:bodyPr wrap="square" rtlCol="0">
+          <a:bodyPr wrap="square">
             <a:spAutoFit/>
           </a:bodyPr>
           <a:lstStyle/>
           <a:p>
             <a:r>
-              <a:rPr lang="ja-JP" altLang="en-US" sz="2800" dirty="0" smtClean="0"/>
-              <a:t>・雰囲気を考慮した入室管理システム</a:t>
+              <a:rPr lang="ja-JP" altLang="en-US" dirty="0"/>
+              <a:t>・行動に基づいた落とし物捜索システム。</a:t>
+            </a:r>
+            <a:endParaRPr lang="en-US" altLang="ja-JP" dirty="0"/>
+          </a:p>
+          <a:p>
+            <a:r>
+              <a:rPr lang="ja-JP" altLang="en-US" dirty="0"/>
+              <a:t>→やみくもに落とした場所を探すのは効率が悪いので、機械学習を使いその人の落としそうな場所を知らせるシステム。</a:t>
+            </a:r>
+            <a:endParaRPr lang="en-US" altLang="ja-JP" dirty="0"/>
+          </a:p>
+          <a:p>
+            <a:r>
+              <a:rPr lang="ja-JP" altLang="en-US" dirty="0"/>
+              <a:t>移動パスの絞り込みや数十万人の履歴のパスを匿名化して管理することになる。</a:t>
+            </a:r>
+            <a:r>
+              <a:rPr lang="en-US" altLang="ja-JP" dirty="0"/>
+              <a:t/>
             </a:r>
             <a:br>
-              <a:rPr lang="ja-JP" altLang="en-US" sz="2800" dirty="0" smtClean="0"/>
+              <a:rPr lang="en-US" altLang="ja-JP" dirty="0"/>
             </a:br>
             <a:r>
-              <a:rPr lang="ja-JP" altLang="en-US" sz="2800" dirty="0"/>
-              <a:t>→</a:t>
-            </a:r>
-            <a:r>
-              <a:rPr lang="ja-JP" altLang="en-US" sz="2800" dirty="0" smtClean="0"/>
-              <a:t>職員室など入室</a:t>
-            </a:r>
-            <a:r>
-              <a:rPr lang="ja-JP" altLang="en-US" sz="2800" dirty="0"/>
-              <a:t>禁止の札が無いのに</a:t>
-            </a:r>
-            <a:r>
-              <a:rPr lang="ja-JP" altLang="en-US" sz="2800" dirty="0" smtClean="0"/>
-              <a:t>入って、理不尽に怒られた。「会議中</a:t>
-            </a:r>
-            <a:r>
-              <a:rPr lang="ja-JP" altLang="en-US" sz="2800" dirty="0"/>
-              <a:t>だった、忙しい、</a:t>
-            </a:r>
-            <a:r>
-              <a:rPr lang="ja-JP" altLang="en-US" sz="2800" dirty="0" smtClean="0"/>
-              <a:t>不在」等、無駄足</a:t>
-            </a:r>
-            <a:r>
-              <a:rPr lang="ja-JP" altLang="en-US" sz="2800" dirty="0"/>
-              <a:t>になることがある</a:t>
-            </a:r>
-            <a:r>
-              <a:rPr lang="ja-JP" altLang="en-US" sz="2800" dirty="0" smtClean="0"/>
-              <a:t>ので雰囲気</a:t>
-            </a:r>
-            <a:r>
-              <a:rPr lang="ja-JP" altLang="en-US" sz="2800" dirty="0"/>
-              <a:t>を読み取って入室</a:t>
-            </a:r>
-            <a:r>
-              <a:rPr lang="ja-JP" altLang="en-US" sz="2800" dirty="0" smtClean="0"/>
-              <a:t>許可知らせるシステム。</a:t>
-            </a:r>
-            <a:br>
-              <a:rPr lang="ja-JP" altLang="en-US" sz="2800" dirty="0" smtClean="0"/>
-            </a:br>
-            <a:endParaRPr lang="en-US" altLang="ja-JP" sz="2800" dirty="0" smtClean="0"/>
-          </a:p>
-          <a:p>
-            <a:r>
-              <a:rPr lang="ja-JP" altLang="en-US" sz="2800" dirty="0" smtClean="0"/>
-              <a:t>・ロードバランサーを使った</a:t>
-            </a:r>
-            <a:r>
-              <a:rPr lang="en-US" altLang="ja-JP" sz="2800" dirty="0" smtClean="0"/>
-              <a:t>EC</a:t>
-            </a:r>
-            <a:r>
-              <a:rPr lang="ja-JP" altLang="en-US" sz="2800" dirty="0" smtClean="0"/>
-              <a:t>サイト</a:t>
-            </a:r>
-            <a:endParaRPr lang="en-US" altLang="ja-JP" sz="2800" dirty="0" smtClean="0"/>
-          </a:p>
-          <a:p>
-            <a:r>
-              <a:rPr lang="ja-JP" altLang="en-US" sz="2800" dirty="0" smtClean="0"/>
-              <a:t/>
-            </a:r>
-            <a:br>
-              <a:rPr lang="ja-JP" altLang="en-US" sz="2800" dirty="0" smtClean="0"/>
-            </a:br>
-            <a:r>
-              <a:rPr lang="ja-JP" altLang="en-US" sz="2800" dirty="0" smtClean="0"/>
-              <a:t>・</a:t>
-            </a:r>
-            <a:r>
-              <a:rPr lang="ja-JP" altLang="en-US" sz="2800" dirty="0" smtClean="0"/>
-              <a:t>行動</a:t>
-            </a:r>
-            <a:r>
-              <a:rPr lang="ja-JP" altLang="en-US" sz="2800" dirty="0"/>
-              <a:t>に基づいた落とし物捜索システム</a:t>
-            </a:r>
-            <a:r>
-              <a:rPr lang="ja-JP" altLang="en-US" sz="2800" dirty="0" smtClean="0"/>
-              <a:t>。</a:t>
-            </a:r>
-            <a:endParaRPr lang="en-US" altLang="ja-JP" sz="2800" dirty="0" smtClean="0"/>
-          </a:p>
-          <a:p>
-            <a:r>
-              <a:rPr lang="ja-JP" altLang="en-US" sz="2800" dirty="0" smtClean="0"/>
-              <a:t>→やみくもに落とした場所を探すのは効率が悪いので、機械学習を使いその人の落としそうな場所を知らせるシステム。</a:t>
-            </a:r>
-            <a:endParaRPr kumimoji="1" lang="ja-JP" altLang="en-US" sz="2800" dirty="0"/>
+              <a:rPr lang="ja-JP" altLang="en-US" dirty="0"/>
+              <a:t>そもそもキーファインダーのようなタグを使えば落とし物を無くせるのでこのシステムはよくない。</a:t>
+            </a:r>
+            <a:endParaRPr lang="en-US" altLang="ja-JP" dirty="0"/>
           </a:p>
         </p:txBody>
       </p:sp>
     </p:spTree>
     <p:extLst>
       <p:ext uri="{BB962C8B-B14F-4D97-AF65-F5344CB8AC3E}">
-        <p14:creationId xmlns:p14="http://schemas.microsoft.com/office/powerpoint/2010/main" val="4120774660"/>
+        <p14:creationId xmlns:p14="http://schemas.microsoft.com/office/powerpoint/2010/main" val="128287472"/>
       </p:ext>
     </p:extLst>
   </p:cSld>

--- a/1821086_matsuo_sotsuken.pptx
+++ b/1821086_matsuo_sotsuken.pptx
@@ -7,6 +7,11 @@
   <p:sldIdLst>
     <p:sldId id="257" r:id="rId2"/>
     <p:sldId id="259" r:id="rId3"/>
+    <p:sldId id="260" r:id="rId4"/>
+    <p:sldId id="261" r:id="rId5"/>
+    <p:sldId id="262" r:id="rId6"/>
+    <p:sldId id="263" r:id="rId7"/>
+    <p:sldId id="265" r:id="rId8"/>
   </p:sldIdLst>
   <p:sldSz cx="12192000" cy="6858000"/>
   <p:notesSz cx="6858000" cy="9144000"/>
@@ -244,7 +249,7 @@
           <a:p>
             <a:fld id="{16F4358E-470D-4461-AD89-E4D77E6B2A93}" type="datetimeFigureOut">
               <a:rPr kumimoji="1" lang="ja-JP" altLang="en-US" smtClean="0"/>
-              <a:t>2021/4/23</a:t>
+              <a:t>2021/4/30</a:t>
             </a:fld>
             <a:endParaRPr kumimoji="1" lang="ja-JP" altLang="en-US"/>
           </a:p>
@@ -446,7 +451,7 @@
           <a:p>
             <a:fld id="{16F4358E-470D-4461-AD89-E4D77E6B2A93}" type="datetimeFigureOut">
               <a:rPr kumimoji="1" lang="ja-JP" altLang="en-US" smtClean="0"/>
-              <a:t>2021/4/23</a:t>
+              <a:t>2021/4/30</a:t>
             </a:fld>
             <a:endParaRPr kumimoji="1" lang="ja-JP" altLang="en-US"/>
           </a:p>
@@ -658,7 +663,7 @@
           <a:p>
             <a:fld id="{16F4358E-470D-4461-AD89-E4D77E6B2A93}" type="datetimeFigureOut">
               <a:rPr kumimoji="1" lang="ja-JP" altLang="en-US" smtClean="0"/>
-              <a:t>2021/4/23</a:t>
+              <a:t>2021/4/30</a:t>
             </a:fld>
             <a:endParaRPr kumimoji="1" lang="ja-JP" altLang="en-US"/>
           </a:p>
@@ -860,7 +865,7 @@
           <a:p>
             <a:fld id="{16F4358E-470D-4461-AD89-E4D77E6B2A93}" type="datetimeFigureOut">
               <a:rPr kumimoji="1" lang="ja-JP" altLang="en-US" smtClean="0"/>
-              <a:t>2021/4/23</a:t>
+              <a:t>2021/4/30</a:t>
             </a:fld>
             <a:endParaRPr kumimoji="1" lang="ja-JP" altLang="en-US"/>
           </a:p>
@@ -1106,7 +1111,7 @@
           <a:p>
             <a:fld id="{16F4358E-470D-4461-AD89-E4D77E6B2A93}" type="datetimeFigureOut">
               <a:rPr kumimoji="1" lang="ja-JP" altLang="en-US" smtClean="0"/>
-              <a:t>2021/4/23</a:t>
+              <a:t>2021/4/30</a:t>
             </a:fld>
             <a:endParaRPr kumimoji="1" lang="ja-JP" altLang="en-US"/>
           </a:p>
@@ -1402,7 +1407,7 @@
           <a:p>
             <a:fld id="{16F4358E-470D-4461-AD89-E4D77E6B2A93}" type="datetimeFigureOut">
               <a:rPr kumimoji="1" lang="ja-JP" altLang="en-US" smtClean="0"/>
-              <a:t>2021/4/23</a:t>
+              <a:t>2021/4/30</a:t>
             </a:fld>
             <a:endParaRPr kumimoji="1" lang="ja-JP" altLang="en-US"/>
           </a:p>
@@ -1833,7 +1838,7 @@
           <a:p>
             <a:fld id="{16F4358E-470D-4461-AD89-E4D77E6B2A93}" type="datetimeFigureOut">
               <a:rPr kumimoji="1" lang="ja-JP" altLang="en-US" smtClean="0"/>
-              <a:t>2021/4/23</a:t>
+              <a:t>2021/4/30</a:t>
             </a:fld>
             <a:endParaRPr kumimoji="1" lang="ja-JP" altLang="en-US"/>
           </a:p>
@@ -1951,7 +1956,7 @@
           <a:p>
             <a:fld id="{16F4358E-470D-4461-AD89-E4D77E6B2A93}" type="datetimeFigureOut">
               <a:rPr kumimoji="1" lang="ja-JP" altLang="en-US" smtClean="0"/>
-              <a:t>2021/4/23</a:t>
+              <a:t>2021/4/30</a:t>
             </a:fld>
             <a:endParaRPr kumimoji="1" lang="ja-JP" altLang="en-US"/>
           </a:p>
@@ -2046,7 +2051,7 @@
           <a:p>
             <a:fld id="{16F4358E-470D-4461-AD89-E4D77E6B2A93}" type="datetimeFigureOut">
               <a:rPr kumimoji="1" lang="ja-JP" altLang="en-US" smtClean="0"/>
-              <a:t>2021/4/23</a:t>
+              <a:t>2021/4/30</a:t>
             </a:fld>
             <a:endParaRPr kumimoji="1" lang="ja-JP" altLang="en-US"/>
           </a:p>
@@ -2355,7 +2360,7 @@
           <a:p>
             <a:fld id="{16F4358E-470D-4461-AD89-E4D77E6B2A93}" type="datetimeFigureOut">
               <a:rPr kumimoji="1" lang="ja-JP" altLang="en-US" smtClean="0"/>
-              <a:t>2021/4/23</a:t>
+              <a:t>2021/4/30</a:t>
             </a:fld>
             <a:endParaRPr kumimoji="1" lang="ja-JP" altLang="en-US"/>
           </a:p>
@@ -2608,7 +2613,7 @@
           <a:p>
             <a:fld id="{16F4358E-470D-4461-AD89-E4D77E6B2A93}" type="datetimeFigureOut">
               <a:rPr kumimoji="1" lang="ja-JP" altLang="en-US" smtClean="0"/>
-              <a:t>2021/4/23</a:t>
+              <a:t>2021/4/30</a:t>
             </a:fld>
             <a:endParaRPr kumimoji="1" lang="ja-JP" altLang="en-US"/>
           </a:p>
@@ -2853,7 +2858,7 @@
           <a:p>
             <a:fld id="{16F4358E-470D-4461-AD89-E4D77E6B2A93}" type="datetimeFigureOut">
               <a:rPr kumimoji="1" lang="ja-JP" altLang="en-US" smtClean="0"/>
-              <a:t>2021/4/23</a:t>
+              <a:t>2021/4/30</a:t>
             </a:fld>
             <a:endParaRPr kumimoji="1" lang="ja-JP" altLang="en-US"/>
           </a:p>
@@ -3275,11 +3280,7 @@
           <a:p>
             <a:r>
               <a:rPr kumimoji="1" lang="ja-JP" altLang="en-US" dirty="0" smtClean="0"/>
-              <a:t>卒研の</a:t>
-            </a:r>
-            <a:r>
-              <a:rPr kumimoji="1" lang="ja-JP" altLang="en-US" dirty="0" smtClean="0"/>
-              <a:t>テーマ案</a:t>
+              <a:t>卒研のテーマ案</a:t>
             </a:r>
             <a:endParaRPr kumimoji="1" lang="ja-JP" altLang="en-US" dirty="0"/>
           </a:p>
@@ -3563,11 +3564,7 @@
             </a:r>
             <a:r>
               <a:rPr lang="ja-JP" altLang="en-US" dirty="0" smtClean="0"/>
-              <a:t>テーマ</a:t>
-            </a:r>
-            <a:r>
-              <a:rPr lang="ja-JP" altLang="en-US" dirty="0"/>
-              <a:t>案</a:t>
+              <a:t>テーマ案（没）</a:t>
             </a:r>
             <a:endParaRPr kumimoji="1" lang="ja-JP" altLang="en-US" dirty="0"/>
           </a:p>
@@ -3631,6 +3628,807 @@
     <p:extLst>
       <p:ext uri="{BB962C8B-B14F-4D97-AF65-F5344CB8AC3E}">
         <p14:creationId xmlns:p14="http://schemas.microsoft.com/office/powerpoint/2010/main" val="128287472"/>
+      </p:ext>
+    </p:extLst>
+  </p:cSld>
+  <p:clrMapOvr>
+    <a:masterClrMapping/>
+  </p:clrMapOvr>
+</p:sld>
+</file>
+
+<file path=ppt/slides/slide3.xml><?xml version="1.0" encoding="utf-8"?>
+<p:sld xmlns:a="http://schemas.openxmlformats.org/drawingml/2006/main" xmlns:r="http://schemas.openxmlformats.org/officeDocument/2006/relationships" xmlns:p="http://schemas.openxmlformats.org/presentationml/2006/main">
+  <p:cSld>
+    <p:spTree>
+      <p:nvGrpSpPr>
+        <p:cNvPr id="1" name=""/>
+        <p:cNvGrpSpPr/>
+        <p:nvPr/>
+      </p:nvGrpSpPr>
+      <p:grpSpPr>
+        <a:xfrm>
+          <a:off x="0" y="0"/>
+          <a:ext cx="0" cy="0"/>
+          <a:chOff x="0" y="0"/>
+          <a:chExt cx="0" cy="0"/>
+        </a:xfrm>
+      </p:grpSpPr>
+      <p:sp>
+        <p:nvSpPr>
+          <p:cNvPr id="2" name="タイトル 1"/>
+          <p:cNvSpPr>
+            <a:spLocks noGrp="1"/>
+          </p:cNvSpPr>
+          <p:nvPr>
+            <p:ph type="title"/>
+          </p:nvPr>
+        </p:nvSpPr>
+        <p:spPr/>
+        <p:txBody>
+          <a:bodyPr/>
+          <a:lstStyle/>
+          <a:p>
+            <a:r>
+              <a:rPr kumimoji="1" lang="ja-JP" altLang="en-US" dirty="0" smtClean="0"/>
+              <a:t>卒研テーマ</a:t>
+            </a:r>
+            <a:r>
+              <a:rPr kumimoji="1" lang="ja-JP" altLang="en-US" dirty="0" smtClean="0"/>
+              <a:t>決め</a:t>
+            </a:r>
+            <a:endParaRPr kumimoji="1" lang="ja-JP" altLang="en-US" dirty="0"/>
+          </a:p>
+        </p:txBody>
+      </p:sp>
+      <p:sp>
+        <p:nvSpPr>
+          <p:cNvPr id="3" name="テキスト ボックス 2"/>
+          <p:cNvSpPr txBox="1"/>
+          <p:nvPr/>
+        </p:nvSpPr>
+        <p:spPr>
+          <a:xfrm>
+            <a:off x="838200" y="1690688"/>
+            <a:ext cx="9623147" cy="2062103"/>
+          </a:xfrm>
+          <a:prstGeom prst="rect">
+            <a:avLst/>
+          </a:prstGeom>
+          <a:noFill/>
+        </p:spPr>
+        <p:txBody>
+          <a:bodyPr wrap="none" rtlCol="0">
+            <a:spAutoFit/>
+          </a:bodyPr>
+          <a:lstStyle/>
+          <a:p>
+            <a:r>
+              <a:rPr lang="ja-JP" altLang="en-US" sz="3200" dirty="0" smtClean="0"/>
+              <a:t>「観光地</a:t>
+            </a:r>
+            <a:r>
+              <a:rPr lang="ja-JP" altLang="en-US" sz="3200" dirty="0"/>
+              <a:t>推薦の動画を処理する</a:t>
+            </a:r>
+            <a:r>
+              <a:rPr lang="ja-JP" altLang="en-US" sz="3200" dirty="0" smtClean="0"/>
+              <a:t>ロードバランサー」</a:t>
+            </a:r>
+            <a:endParaRPr lang="ja-JP" altLang="en-US" sz="3200" dirty="0"/>
+          </a:p>
+          <a:p>
+            <a:r>
+              <a:rPr lang="ja-JP" altLang="en-US" sz="3200" dirty="0"/>
+              <a:t>という</a:t>
+            </a:r>
+            <a:r>
+              <a:rPr lang="ja-JP" altLang="en-US" sz="3200" dirty="0" smtClean="0"/>
+              <a:t>アーキテクチャ</a:t>
+            </a:r>
+            <a:r>
+              <a:rPr lang="en-US" altLang="ja-JP" sz="3200" dirty="0" smtClean="0"/>
+              <a:t/>
+            </a:r>
+            <a:br>
+              <a:rPr lang="en-US" altLang="ja-JP" sz="3200" dirty="0" smtClean="0"/>
+            </a:br>
+            <a:r>
+              <a:rPr lang="en-US" altLang="ja-JP" sz="3200" dirty="0" smtClean="0"/>
+              <a:t/>
+            </a:r>
+            <a:br>
+              <a:rPr lang="en-US" altLang="ja-JP" sz="3200" dirty="0" smtClean="0"/>
+            </a:br>
+            <a:r>
+              <a:rPr lang="ja-JP" altLang="en-US" sz="3200" dirty="0" smtClean="0"/>
+              <a:t>自分</a:t>
+            </a:r>
+            <a:r>
+              <a:rPr lang="ja-JP" altLang="en-US" sz="3200" dirty="0"/>
+              <a:t>が担当するのはＬＢの部分</a:t>
+            </a:r>
+            <a:endParaRPr kumimoji="1" lang="ja-JP" altLang="en-US" sz="3200" dirty="0"/>
+          </a:p>
+        </p:txBody>
+      </p:sp>
+    </p:spTree>
+    <p:extLst>
+      <p:ext uri="{BB962C8B-B14F-4D97-AF65-F5344CB8AC3E}">
+        <p14:creationId xmlns:p14="http://schemas.microsoft.com/office/powerpoint/2010/main" val="949286022"/>
+      </p:ext>
+    </p:extLst>
+  </p:cSld>
+  <p:clrMapOvr>
+    <a:masterClrMapping/>
+  </p:clrMapOvr>
+</p:sld>
+</file>
+
+<file path=ppt/slides/slide4.xml><?xml version="1.0" encoding="utf-8"?>
+<p:sld xmlns:a="http://schemas.openxmlformats.org/drawingml/2006/main" xmlns:r="http://schemas.openxmlformats.org/officeDocument/2006/relationships" xmlns:p="http://schemas.openxmlformats.org/presentationml/2006/main">
+  <p:cSld>
+    <p:spTree>
+      <p:nvGrpSpPr>
+        <p:cNvPr id="1" name=""/>
+        <p:cNvGrpSpPr/>
+        <p:nvPr/>
+      </p:nvGrpSpPr>
+      <p:grpSpPr>
+        <a:xfrm>
+          <a:off x="0" y="0"/>
+          <a:ext cx="0" cy="0"/>
+          <a:chOff x="0" y="0"/>
+          <a:chExt cx="0" cy="0"/>
+        </a:xfrm>
+      </p:grpSpPr>
+      <p:sp>
+        <p:nvSpPr>
+          <p:cNvPr id="5" name="タイトル 1"/>
+          <p:cNvSpPr>
+            <a:spLocks noGrp="1"/>
+          </p:cNvSpPr>
+          <p:nvPr>
+            <p:ph type="title"/>
+          </p:nvPr>
+        </p:nvSpPr>
+        <p:spPr>
+          <a:xfrm>
+            <a:off x="838200" y="365125"/>
+            <a:ext cx="10515600" cy="1325563"/>
+          </a:xfrm>
+        </p:spPr>
+        <p:txBody>
+          <a:bodyPr/>
+          <a:lstStyle/>
+          <a:p>
+            <a:r>
+              <a:rPr kumimoji="1" lang="ja-JP" altLang="en-US" dirty="0" smtClean="0"/>
+              <a:t>卒研テーマ決め</a:t>
+            </a:r>
+            <a:endParaRPr kumimoji="1" lang="ja-JP" altLang="en-US" dirty="0"/>
+          </a:p>
+        </p:txBody>
+      </p:sp>
+      <p:sp>
+        <p:nvSpPr>
+          <p:cNvPr id="6" name="テキスト ボックス 5"/>
+          <p:cNvSpPr txBox="1"/>
+          <p:nvPr/>
+        </p:nvSpPr>
+        <p:spPr>
+          <a:xfrm>
+            <a:off x="838200" y="1690688"/>
+            <a:ext cx="9430787" cy="4524315"/>
+          </a:xfrm>
+          <a:prstGeom prst="rect">
+            <a:avLst/>
+          </a:prstGeom>
+          <a:noFill/>
+        </p:spPr>
+        <p:txBody>
+          <a:bodyPr wrap="none" rtlCol="0">
+            <a:spAutoFit/>
+          </a:bodyPr>
+          <a:lstStyle/>
+          <a:p>
+            <a:r>
+              <a:rPr lang="ja-JP" altLang="en-US" sz="3200" dirty="0" smtClean="0"/>
+              <a:t>ロードバランサー</a:t>
+            </a:r>
+            <a:endParaRPr lang="ja-JP" altLang="en-US" sz="3200" dirty="0"/>
+          </a:p>
+          <a:p>
+            <a:r>
+              <a:rPr lang="en-US" altLang="ja-JP" sz="3200" dirty="0" smtClean="0"/>
+              <a:t/>
+            </a:r>
+            <a:br>
+              <a:rPr lang="en-US" altLang="ja-JP" sz="3200" dirty="0" smtClean="0"/>
+            </a:br>
+            <a:r>
+              <a:rPr lang="en-US" altLang="ja-JP" sz="3200" dirty="0" smtClean="0"/>
+              <a:t>client</a:t>
+            </a:r>
+            <a:r>
+              <a:rPr lang="ja-JP" altLang="en-US" sz="3200" dirty="0"/>
+              <a:t>からのリクエストを現在のコネクション数が</a:t>
+            </a:r>
+          </a:p>
+          <a:p>
+            <a:r>
+              <a:rPr lang="ja-JP" altLang="en-US" sz="3200" dirty="0"/>
+              <a:t>最も少ないサーバーに転送している</a:t>
+            </a:r>
+            <a:r>
+              <a:rPr lang="ja-JP" altLang="en-US" sz="3200" dirty="0" smtClean="0"/>
+              <a:t>。</a:t>
+            </a:r>
+            <a:r>
+              <a:rPr lang="en-US" altLang="ja-JP" sz="3200" dirty="0" smtClean="0"/>
+              <a:t/>
+            </a:r>
+            <a:br>
+              <a:rPr lang="en-US" altLang="ja-JP" sz="3200" dirty="0" smtClean="0"/>
+            </a:br>
+            <a:r>
+              <a:rPr lang="ja-JP" altLang="en-US" sz="3200" dirty="0" smtClean="0"/>
+              <a:t>→「</a:t>
+            </a:r>
+            <a:r>
+              <a:rPr lang="ja-JP" altLang="en-US" sz="3200" dirty="0"/>
+              <a:t>リーストコネクション」</a:t>
+            </a:r>
+          </a:p>
+          <a:p>
+            <a:r>
+              <a:rPr lang="en-US" altLang="ja-JP" sz="3200" dirty="0" smtClean="0"/>
+              <a:t/>
+            </a:r>
+            <a:br>
+              <a:rPr lang="en-US" altLang="ja-JP" sz="3200" dirty="0" smtClean="0"/>
+            </a:br>
+            <a:r>
+              <a:rPr lang="ja-JP" altLang="en-US" sz="3200" dirty="0" smtClean="0"/>
+              <a:t>アクセス</a:t>
+            </a:r>
+            <a:r>
+              <a:rPr lang="ja-JP" altLang="en-US" sz="3200" dirty="0"/>
+              <a:t>のリクエストをすべてのサーバー</a:t>
+            </a:r>
+            <a:r>
+              <a:rPr lang="ja-JP" altLang="en-US" sz="3200" dirty="0" smtClean="0"/>
+              <a:t>に</a:t>
+            </a:r>
+            <a:r>
+              <a:rPr lang="en-US" altLang="ja-JP" sz="3200" dirty="0" smtClean="0"/>
+              <a:t/>
+            </a:r>
+            <a:br>
+              <a:rPr lang="en-US" altLang="ja-JP" sz="3200" dirty="0" smtClean="0"/>
+            </a:br>
+            <a:r>
+              <a:rPr lang="ja-JP" altLang="en-US" sz="3200" dirty="0" smtClean="0"/>
+              <a:t>等しく</a:t>
+            </a:r>
+            <a:r>
+              <a:rPr lang="ja-JP" altLang="en-US" sz="3200" dirty="0"/>
+              <a:t>分散</a:t>
+            </a:r>
+            <a:r>
+              <a:rPr lang="ja-JP" altLang="en-US" sz="3200" dirty="0" smtClean="0"/>
+              <a:t>する</a:t>
+            </a:r>
+            <a:r>
+              <a:rPr lang="en-US" altLang="ja-JP" sz="3200" dirty="0" smtClean="0"/>
+              <a:t/>
+            </a:r>
+            <a:br>
+              <a:rPr lang="en-US" altLang="ja-JP" sz="3200" dirty="0" smtClean="0"/>
+            </a:br>
+            <a:r>
+              <a:rPr lang="ja-JP" altLang="en-US" sz="3200" dirty="0" smtClean="0"/>
+              <a:t>→「</a:t>
+            </a:r>
+            <a:r>
+              <a:rPr lang="ja-JP" altLang="en-US" sz="3200" dirty="0"/>
+              <a:t>ラウンドロビン</a:t>
+            </a:r>
+            <a:r>
+              <a:rPr lang="ja-JP" altLang="en-US" sz="3200" dirty="0" smtClean="0"/>
+              <a:t>」が</a:t>
+            </a:r>
+            <a:r>
+              <a:rPr lang="ja-JP" altLang="en-US" sz="3200" dirty="0"/>
+              <a:t>主流</a:t>
+            </a:r>
+            <a:endParaRPr kumimoji="1" lang="ja-JP" altLang="en-US" sz="3200" dirty="0"/>
+          </a:p>
+        </p:txBody>
+      </p:sp>
+    </p:spTree>
+    <p:extLst>
+      <p:ext uri="{BB962C8B-B14F-4D97-AF65-F5344CB8AC3E}">
+        <p14:creationId xmlns:p14="http://schemas.microsoft.com/office/powerpoint/2010/main" val="196396199"/>
+      </p:ext>
+    </p:extLst>
+  </p:cSld>
+  <p:clrMapOvr>
+    <a:masterClrMapping/>
+  </p:clrMapOvr>
+</p:sld>
+</file>
+
+<file path=ppt/slides/slide5.xml><?xml version="1.0" encoding="utf-8"?>
+<p:sld xmlns:a="http://schemas.openxmlformats.org/drawingml/2006/main" xmlns:r="http://schemas.openxmlformats.org/officeDocument/2006/relationships" xmlns:p="http://schemas.openxmlformats.org/presentationml/2006/main">
+  <p:cSld>
+    <p:spTree>
+      <p:nvGrpSpPr>
+        <p:cNvPr id="1" name=""/>
+        <p:cNvGrpSpPr/>
+        <p:nvPr/>
+      </p:nvGrpSpPr>
+      <p:grpSpPr>
+        <a:xfrm>
+          <a:off x="0" y="0"/>
+          <a:ext cx="0" cy="0"/>
+          <a:chOff x="0" y="0"/>
+          <a:chExt cx="0" cy="0"/>
+        </a:xfrm>
+      </p:grpSpPr>
+      <p:sp>
+        <p:nvSpPr>
+          <p:cNvPr id="4" name="タイトル 1"/>
+          <p:cNvSpPr>
+            <a:spLocks noGrp="1"/>
+          </p:cNvSpPr>
+          <p:nvPr>
+            <p:ph type="title"/>
+          </p:nvPr>
+        </p:nvSpPr>
+        <p:spPr>
+          <a:xfrm>
+            <a:off x="838200" y="365125"/>
+            <a:ext cx="10515600" cy="1325563"/>
+          </a:xfrm>
+        </p:spPr>
+        <p:txBody>
+          <a:bodyPr/>
+          <a:lstStyle/>
+          <a:p>
+            <a:r>
+              <a:rPr kumimoji="1" lang="ja-JP" altLang="en-US" dirty="0" smtClean="0"/>
+              <a:t>卒研テーマ決め</a:t>
+            </a:r>
+            <a:endParaRPr kumimoji="1" lang="ja-JP" altLang="en-US" dirty="0"/>
+          </a:p>
+        </p:txBody>
+      </p:sp>
+      <p:sp>
+        <p:nvSpPr>
+          <p:cNvPr id="5" name="テキスト ボックス 4"/>
+          <p:cNvSpPr txBox="1"/>
+          <p:nvPr/>
+        </p:nvSpPr>
+        <p:spPr>
+          <a:xfrm>
+            <a:off x="838200" y="1690688"/>
+            <a:ext cx="10033516" cy="4524315"/>
+          </a:xfrm>
+          <a:prstGeom prst="rect">
+            <a:avLst/>
+          </a:prstGeom>
+          <a:noFill/>
+        </p:spPr>
+        <p:txBody>
+          <a:bodyPr wrap="none" rtlCol="0">
+            <a:spAutoFit/>
+          </a:bodyPr>
+          <a:lstStyle/>
+          <a:p>
+            <a:r>
+              <a:rPr lang="ja-JP" altLang="en-US" sz="3200" dirty="0" smtClean="0"/>
+              <a:t>前回の卒研の会議で</a:t>
+            </a:r>
+            <a:r>
+              <a:rPr lang="en-US" altLang="ja-JP" sz="3200" dirty="0" smtClean="0"/>
+              <a:t/>
+            </a:r>
+            <a:br>
+              <a:rPr lang="en-US" altLang="ja-JP" sz="3200" dirty="0" smtClean="0"/>
+            </a:br>
+            <a:endParaRPr lang="en-US" altLang="ja-JP" sz="3200" dirty="0" smtClean="0"/>
+          </a:p>
+          <a:p>
+            <a:r>
+              <a:rPr lang="ja-JP" altLang="en-US" sz="3200" dirty="0" smtClean="0"/>
+              <a:t>現行の</a:t>
+            </a:r>
+            <a:r>
+              <a:rPr lang="en-US" altLang="ja-JP" sz="3200" dirty="0" smtClean="0"/>
+              <a:t>LB</a:t>
+            </a:r>
+            <a:r>
+              <a:rPr lang="ja-JP" altLang="en-US" sz="3200" dirty="0" smtClean="0"/>
+              <a:t>は負荷</a:t>
+            </a:r>
+            <a:r>
+              <a:rPr lang="ja-JP" altLang="en-US" sz="3200" dirty="0"/>
+              <a:t>（ロード）しかみてないので</a:t>
+            </a:r>
+          </a:p>
+          <a:p>
+            <a:r>
+              <a:rPr lang="ja-JP" altLang="en-US" sz="3200" dirty="0"/>
+              <a:t>観光地推薦をターゲット</a:t>
+            </a:r>
+            <a:r>
+              <a:rPr lang="ja-JP" altLang="en-US" sz="3200" dirty="0" smtClean="0"/>
+              <a:t>に</a:t>
+            </a:r>
+            <a:endParaRPr lang="en-US" altLang="ja-JP" sz="3200" dirty="0" smtClean="0"/>
+          </a:p>
+          <a:p>
+            <a:r>
+              <a:rPr lang="ja-JP" altLang="en-US" sz="3200" dirty="0"/>
+              <a:t>「</a:t>
+            </a:r>
+            <a:r>
+              <a:rPr lang="ja-JP" altLang="en-US" sz="3200" dirty="0" smtClean="0"/>
+              <a:t>ネットワーク</a:t>
+            </a:r>
+            <a:r>
+              <a:rPr lang="ja-JP" altLang="en-US" sz="3200" dirty="0"/>
+              <a:t>の</a:t>
+            </a:r>
+            <a:r>
+              <a:rPr lang="ja-JP" altLang="en-US" sz="3200" dirty="0" smtClean="0"/>
+              <a:t>速度」や</a:t>
+            </a:r>
+            <a:r>
+              <a:rPr lang="ja-JP" altLang="en-US" sz="3200" dirty="0"/>
+              <a:t>負荷に注目して</a:t>
+            </a:r>
+            <a:r>
+              <a:rPr lang="ja-JP" altLang="en-US" sz="3200" dirty="0" smtClean="0"/>
+              <a:t>行う</a:t>
+            </a:r>
+            <a:r>
+              <a:rPr lang="en-US" altLang="ja-JP" sz="3200" dirty="0" smtClean="0"/>
+              <a:t/>
+            </a:r>
+            <a:br>
+              <a:rPr lang="en-US" altLang="ja-JP" sz="3200" dirty="0" smtClean="0"/>
+            </a:br>
+            <a:r>
+              <a:rPr lang="ja-JP" altLang="en-US" sz="3200" dirty="0" smtClean="0"/>
+              <a:t>ＬＢ</a:t>
+            </a:r>
+            <a:r>
+              <a:rPr lang="ja-JP" altLang="en-US" sz="3200" dirty="0"/>
+              <a:t>が</a:t>
+            </a:r>
+            <a:r>
+              <a:rPr lang="ja-JP" altLang="en-US" sz="3200" dirty="0" smtClean="0"/>
+              <a:t>作れたら良い。</a:t>
+            </a:r>
+            <a:endParaRPr lang="en-US" altLang="ja-JP" sz="3200" dirty="0" smtClean="0"/>
+          </a:p>
+          <a:p>
+            <a:endParaRPr kumimoji="1" lang="en-US" altLang="ja-JP" sz="3200" dirty="0"/>
+          </a:p>
+          <a:p>
+            <a:r>
+              <a:rPr lang="ja-JP" altLang="en-US" sz="3200" dirty="0"/>
+              <a:t>ロードバランサーを自分で</a:t>
+            </a:r>
+            <a:r>
+              <a:rPr lang="ja-JP" altLang="en-US" sz="3200" dirty="0" smtClean="0"/>
+              <a:t>作れそうか調べる（宿題）</a:t>
+            </a:r>
+            <a:endParaRPr lang="ja-JP" altLang="en-US" sz="3200" dirty="0"/>
+          </a:p>
+          <a:p>
+            <a:r>
+              <a:rPr lang="ja-JP" altLang="en-US" sz="3200" dirty="0"/>
+              <a:t>実装方法、プログラミング方法。</a:t>
+            </a:r>
+            <a:endParaRPr kumimoji="1" lang="ja-JP" altLang="en-US" sz="3200" dirty="0"/>
+          </a:p>
+        </p:txBody>
+      </p:sp>
+    </p:spTree>
+    <p:extLst>
+      <p:ext uri="{BB962C8B-B14F-4D97-AF65-F5344CB8AC3E}">
+        <p14:creationId xmlns:p14="http://schemas.microsoft.com/office/powerpoint/2010/main" val="3239699594"/>
+      </p:ext>
+    </p:extLst>
+  </p:cSld>
+  <p:clrMapOvr>
+    <a:masterClrMapping/>
+  </p:clrMapOvr>
+</p:sld>
+</file>
+
+<file path=ppt/slides/slide6.xml><?xml version="1.0" encoding="utf-8"?>
+<p:sld xmlns:a="http://schemas.openxmlformats.org/drawingml/2006/main" xmlns:r="http://schemas.openxmlformats.org/officeDocument/2006/relationships" xmlns:p="http://schemas.openxmlformats.org/presentationml/2006/main">
+  <p:cSld>
+    <p:spTree>
+      <p:nvGrpSpPr>
+        <p:cNvPr id="1" name=""/>
+        <p:cNvGrpSpPr/>
+        <p:nvPr/>
+      </p:nvGrpSpPr>
+      <p:grpSpPr>
+        <a:xfrm>
+          <a:off x="0" y="0"/>
+          <a:ext cx="0" cy="0"/>
+          <a:chOff x="0" y="0"/>
+          <a:chExt cx="0" cy="0"/>
+        </a:xfrm>
+      </p:grpSpPr>
+      <p:sp>
+        <p:nvSpPr>
+          <p:cNvPr id="3" name="タイトル 1"/>
+          <p:cNvSpPr>
+            <a:spLocks noGrp="1"/>
+          </p:cNvSpPr>
+          <p:nvPr>
+            <p:ph type="title"/>
+          </p:nvPr>
+        </p:nvSpPr>
+        <p:spPr>
+          <a:xfrm>
+            <a:off x="838200" y="365125"/>
+            <a:ext cx="10515600" cy="1325563"/>
+          </a:xfrm>
+        </p:spPr>
+        <p:txBody>
+          <a:bodyPr/>
+          <a:lstStyle/>
+          <a:p>
+            <a:r>
+              <a:rPr kumimoji="1" lang="ja-JP" altLang="en-US" smtClean="0"/>
+              <a:t>卒研テーマ決め</a:t>
+            </a:r>
+            <a:endParaRPr kumimoji="1" lang="ja-JP" altLang="en-US" dirty="0"/>
+          </a:p>
+        </p:txBody>
+      </p:sp>
+      <p:sp>
+        <p:nvSpPr>
+          <p:cNvPr id="4" name="テキスト ボックス 3"/>
+          <p:cNvSpPr txBox="1"/>
+          <p:nvPr/>
+        </p:nvSpPr>
+        <p:spPr>
+          <a:xfrm>
+            <a:off x="838200" y="1690688"/>
+            <a:ext cx="10948792" cy="4524315"/>
+          </a:xfrm>
+          <a:prstGeom prst="rect">
+            <a:avLst/>
+          </a:prstGeom>
+          <a:noFill/>
+        </p:spPr>
+        <p:txBody>
+          <a:bodyPr wrap="square" rtlCol="0">
+            <a:spAutoFit/>
+          </a:bodyPr>
+          <a:lstStyle/>
+          <a:p>
+            <a:r>
+              <a:rPr lang="en-US" altLang="ja-JP" sz="3200" dirty="0"/>
+              <a:t>APACHE(WEB</a:t>
+            </a:r>
+            <a:r>
+              <a:rPr lang="ja-JP" altLang="en-US" sz="3200" dirty="0"/>
+              <a:t>サーバ</a:t>
+            </a:r>
+            <a:r>
+              <a:rPr lang="en-US" altLang="ja-JP" sz="3200" dirty="0"/>
+              <a:t>)</a:t>
+            </a:r>
+            <a:r>
+              <a:rPr lang="ja-JP" altLang="en-US" sz="3200" dirty="0"/>
+              <a:t>を使った</a:t>
+            </a:r>
+            <a:r>
+              <a:rPr lang="en-US" altLang="ja-JP" sz="3200" dirty="0"/>
+              <a:t>LB</a:t>
+            </a:r>
+            <a:r>
+              <a:rPr lang="ja-JP" altLang="en-US" sz="3200" dirty="0"/>
+              <a:t>の実装は</a:t>
+            </a:r>
+          </a:p>
+          <a:p>
+            <a:r>
+              <a:rPr lang="ja-JP" altLang="en-US" sz="3200" dirty="0"/>
+              <a:t>サイトや</a:t>
+            </a:r>
+            <a:r>
+              <a:rPr lang="en-US" altLang="ja-JP" sz="3200" dirty="0"/>
+              <a:t>2020</a:t>
+            </a:r>
+            <a:r>
+              <a:rPr lang="ja-JP" altLang="en-US" sz="3200" dirty="0"/>
+              <a:t>前期のセミナー資料を</a:t>
+            </a:r>
+            <a:r>
+              <a:rPr lang="ja-JP" altLang="en-US" sz="3200" dirty="0" smtClean="0"/>
+              <a:t>観て</a:t>
+            </a:r>
+            <a:endParaRPr lang="en-US" altLang="ja-JP" sz="3200" dirty="0" smtClean="0"/>
+          </a:p>
+          <a:p>
+            <a:r>
+              <a:rPr lang="ja-JP" altLang="en-US" sz="3200" dirty="0" smtClean="0"/>
+              <a:t>できそう</a:t>
+            </a:r>
+            <a:r>
+              <a:rPr lang="ja-JP" altLang="en-US" sz="3200" dirty="0"/>
+              <a:t>だと思った。</a:t>
+            </a:r>
+          </a:p>
+          <a:p>
+            <a:endParaRPr lang="ja-JP" altLang="en-US" sz="3200" dirty="0"/>
+          </a:p>
+          <a:p>
+            <a:r>
+              <a:rPr lang="en-US" altLang="ja-JP" sz="3200" dirty="0" smtClean="0"/>
+              <a:t>BUT</a:t>
+            </a:r>
+          </a:p>
+          <a:p>
+            <a:r>
+              <a:rPr lang="en-US" altLang="ja-JP" sz="3200" dirty="0" smtClean="0"/>
+              <a:t>→</a:t>
+            </a:r>
+            <a:r>
+              <a:rPr lang="ja-JP" altLang="en-US" sz="3200" dirty="0"/>
+              <a:t>ネットワークの速度を考慮するとなると</a:t>
+            </a:r>
+            <a:r>
+              <a:rPr lang="ja-JP" altLang="en-US" sz="3200" dirty="0" smtClean="0"/>
+              <a:t>、</a:t>
+            </a:r>
+            <a:endParaRPr lang="en-US" altLang="ja-JP" sz="3200" dirty="0" smtClean="0"/>
+          </a:p>
+          <a:p>
+            <a:r>
+              <a:rPr lang="ja-JP" altLang="en-US" sz="3200" dirty="0" smtClean="0"/>
+              <a:t>どうプログラム</a:t>
+            </a:r>
+            <a:r>
+              <a:rPr lang="ja-JP" altLang="en-US" sz="3200" dirty="0"/>
+              <a:t>を作っていいのかわからない。</a:t>
+            </a:r>
+          </a:p>
+          <a:p>
+            <a:endParaRPr lang="en-US" altLang="ja-JP" sz="3200" dirty="0" smtClean="0"/>
+          </a:p>
+          <a:p>
+            <a:r>
+              <a:rPr lang="ja-JP" altLang="en-US" sz="3200" dirty="0" smtClean="0"/>
+              <a:t>調べて</a:t>
+            </a:r>
+            <a:r>
+              <a:rPr lang="ja-JP" altLang="en-US" sz="3200" dirty="0"/>
+              <a:t>もあまり出てこなかった。</a:t>
+            </a:r>
+            <a:endParaRPr kumimoji="1" lang="ja-JP" altLang="en-US" sz="3200" dirty="0"/>
+          </a:p>
+        </p:txBody>
+      </p:sp>
+    </p:spTree>
+    <p:extLst>
+      <p:ext uri="{BB962C8B-B14F-4D97-AF65-F5344CB8AC3E}">
+        <p14:creationId xmlns:p14="http://schemas.microsoft.com/office/powerpoint/2010/main" val="3503619906"/>
+      </p:ext>
+    </p:extLst>
+  </p:cSld>
+  <p:clrMapOvr>
+    <a:masterClrMapping/>
+  </p:clrMapOvr>
+</p:sld>
+</file>
+
+<file path=ppt/slides/slide7.xml><?xml version="1.0" encoding="utf-8"?>
+<p:sld xmlns:a="http://schemas.openxmlformats.org/drawingml/2006/main" xmlns:r="http://schemas.openxmlformats.org/officeDocument/2006/relationships" xmlns:p="http://schemas.openxmlformats.org/presentationml/2006/main">
+  <p:cSld>
+    <p:spTree>
+      <p:nvGrpSpPr>
+        <p:cNvPr id="1" name=""/>
+        <p:cNvGrpSpPr/>
+        <p:nvPr/>
+      </p:nvGrpSpPr>
+      <p:grpSpPr>
+        <a:xfrm>
+          <a:off x="0" y="0"/>
+          <a:ext cx="0" cy="0"/>
+          <a:chOff x="0" y="0"/>
+          <a:chExt cx="0" cy="0"/>
+        </a:xfrm>
+      </p:grpSpPr>
+      <p:sp>
+        <p:nvSpPr>
+          <p:cNvPr id="3" name="タイトル 1"/>
+          <p:cNvSpPr>
+            <a:spLocks noGrp="1"/>
+          </p:cNvSpPr>
+          <p:nvPr>
+            <p:ph type="title"/>
+          </p:nvPr>
+        </p:nvSpPr>
+        <p:spPr>
+          <a:xfrm>
+            <a:off x="838200" y="365125"/>
+            <a:ext cx="10515600" cy="1325563"/>
+          </a:xfrm>
+        </p:spPr>
+        <p:txBody>
+          <a:bodyPr/>
+          <a:lstStyle/>
+          <a:p>
+            <a:r>
+              <a:rPr kumimoji="1" lang="ja-JP" altLang="en-US" dirty="0" smtClean="0"/>
+              <a:t>卒研テーマ決め</a:t>
+            </a:r>
+            <a:endParaRPr kumimoji="1" lang="ja-JP" altLang="en-US" dirty="0"/>
+          </a:p>
+        </p:txBody>
+      </p:sp>
+      <p:sp>
+        <p:nvSpPr>
+          <p:cNvPr id="4" name="テキスト ボックス 3"/>
+          <p:cNvSpPr txBox="1"/>
+          <p:nvPr/>
+        </p:nvSpPr>
+        <p:spPr>
+          <a:xfrm>
+            <a:off x="838200" y="1690688"/>
+            <a:ext cx="10948792" cy="584775"/>
+          </a:xfrm>
+          <a:prstGeom prst="rect">
+            <a:avLst/>
+          </a:prstGeom>
+          <a:noFill/>
+        </p:spPr>
+        <p:txBody>
+          <a:bodyPr wrap="square" rtlCol="0">
+            <a:spAutoFit/>
+          </a:bodyPr>
+          <a:lstStyle/>
+          <a:p>
+            <a:r>
+              <a:rPr lang="ja-JP" altLang="en-US" sz="3200" dirty="0"/>
+              <a:t>今の</a:t>
+            </a:r>
+            <a:r>
+              <a:rPr lang="ja-JP" altLang="en-US" sz="3200" dirty="0" smtClean="0"/>
+              <a:t>課題</a:t>
+            </a:r>
+            <a:r>
+              <a:rPr lang="ja-JP" altLang="en-US" sz="3200" dirty="0"/>
+              <a:t>：回線速度を考慮した</a:t>
+            </a:r>
+            <a:r>
+              <a:rPr lang="en-US" altLang="ja-JP" sz="3200" dirty="0"/>
+              <a:t>LB</a:t>
+            </a:r>
+            <a:r>
+              <a:rPr lang="ja-JP" altLang="en-US" sz="3200" dirty="0"/>
+              <a:t>のプログラム方法。</a:t>
+            </a:r>
+            <a:endParaRPr kumimoji="1" lang="ja-JP" altLang="en-US" sz="3200" dirty="0"/>
+          </a:p>
+        </p:txBody>
+      </p:sp>
+    </p:spTree>
+    <p:extLst>
+      <p:ext uri="{BB962C8B-B14F-4D97-AF65-F5344CB8AC3E}">
+        <p14:creationId xmlns:p14="http://schemas.microsoft.com/office/powerpoint/2010/main" val="211976784"/>
       </p:ext>
     </p:extLst>
   </p:cSld>

--- a/1821086_matsuo_sotsuken.pptx
+++ b/1821086_matsuo_sotsuken.pptx
@@ -4,6 +4,9 @@
   <p:sldMasterIdLst>
     <p:sldMasterId id="2147483648" r:id="rId1"/>
   </p:sldMasterIdLst>
+  <p:notesMasterIdLst>
+    <p:notesMasterId r:id="rId15"/>
+  </p:notesMasterIdLst>
   <p:sldIdLst>
     <p:sldId id="257" r:id="rId2"/>
     <p:sldId id="259" r:id="rId3"/>
@@ -12,6 +15,12 @@
     <p:sldId id="262" r:id="rId6"/>
     <p:sldId id="263" r:id="rId7"/>
     <p:sldId id="265" r:id="rId8"/>
+    <p:sldId id="266" r:id="rId9"/>
+    <p:sldId id="267" r:id="rId10"/>
+    <p:sldId id="268" r:id="rId11"/>
+    <p:sldId id="270" r:id="rId12"/>
+    <p:sldId id="271" r:id="rId13"/>
+    <p:sldId id="273" r:id="rId14"/>
   </p:sldIdLst>
   <p:sldSz cx="12192000" cy="6858000"/>
   <p:notesSz cx="6858000" cy="9144000"/>
@@ -118,6 +127,472 @@
 </p:presentation>
 </file>
 
+<file path=ppt/notesMasters/notesMaster1.xml><?xml version="1.0" encoding="utf-8"?>
+<p:notesMaster xmlns:a="http://schemas.openxmlformats.org/drawingml/2006/main" xmlns:r="http://schemas.openxmlformats.org/officeDocument/2006/relationships" xmlns:p="http://schemas.openxmlformats.org/presentationml/2006/main">
+  <p:cSld>
+    <p:bg>
+      <p:bgRef idx="1001">
+        <a:schemeClr val="bg1"/>
+      </p:bgRef>
+    </p:bg>
+    <p:spTree>
+      <p:nvGrpSpPr>
+        <p:cNvPr id="1" name=""/>
+        <p:cNvGrpSpPr/>
+        <p:nvPr/>
+      </p:nvGrpSpPr>
+      <p:grpSpPr>
+        <a:xfrm>
+          <a:off x="0" y="0"/>
+          <a:ext cx="0" cy="0"/>
+          <a:chOff x="0" y="0"/>
+          <a:chExt cx="0" cy="0"/>
+        </a:xfrm>
+      </p:grpSpPr>
+      <p:sp>
+        <p:nvSpPr>
+          <p:cNvPr id="2" name="ヘッダー プレースホルダー 1"/>
+          <p:cNvSpPr>
+            <a:spLocks noGrp="1"/>
+          </p:cNvSpPr>
+          <p:nvPr>
+            <p:ph type="hdr" sz="quarter"/>
+          </p:nvPr>
+        </p:nvSpPr>
+        <p:spPr>
+          <a:xfrm>
+            <a:off x="0" y="0"/>
+            <a:ext cx="2971800" cy="458788"/>
+          </a:xfrm>
+          <a:prstGeom prst="rect">
+            <a:avLst/>
+          </a:prstGeom>
+        </p:spPr>
+        <p:txBody>
+          <a:bodyPr vert="horz" lIns="91440" tIns="45720" rIns="91440" bIns="45720" rtlCol="0"/>
+          <a:lstStyle>
+            <a:lvl1pPr algn="l">
+              <a:defRPr sz="1200"/>
+            </a:lvl1pPr>
+          </a:lstStyle>
+          <a:p>
+            <a:endParaRPr kumimoji="1" lang="ja-JP" altLang="en-US"/>
+          </a:p>
+        </p:txBody>
+      </p:sp>
+      <p:sp>
+        <p:nvSpPr>
+          <p:cNvPr id="3" name="日付プレースホルダー 2"/>
+          <p:cNvSpPr>
+            <a:spLocks noGrp="1"/>
+          </p:cNvSpPr>
+          <p:nvPr>
+            <p:ph type="dt" idx="1"/>
+          </p:nvPr>
+        </p:nvSpPr>
+        <p:spPr>
+          <a:xfrm>
+            <a:off x="3884613" y="0"/>
+            <a:ext cx="2971800" cy="458788"/>
+          </a:xfrm>
+          <a:prstGeom prst="rect">
+            <a:avLst/>
+          </a:prstGeom>
+        </p:spPr>
+        <p:txBody>
+          <a:bodyPr vert="horz" lIns="91440" tIns="45720" rIns="91440" bIns="45720" rtlCol="0"/>
+          <a:lstStyle>
+            <a:lvl1pPr algn="r">
+              <a:defRPr sz="1200"/>
+            </a:lvl1pPr>
+          </a:lstStyle>
+          <a:p>
+            <a:fld id="{869FDBD3-40C4-4F2A-82A8-38E5DBC6C4C1}" type="datetimeFigureOut">
+              <a:rPr kumimoji="1" lang="ja-JP" altLang="en-US" smtClean="0"/>
+              <a:t>2021/5/7</a:t>
+            </a:fld>
+            <a:endParaRPr kumimoji="1" lang="ja-JP" altLang="en-US"/>
+          </a:p>
+        </p:txBody>
+      </p:sp>
+      <p:sp>
+        <p:nvSpPr>
+          <p:cNvPr id="4" name="スライド イメージ プレースホルダー 3"/>
+          <p:cNvSpPr>
+            <a:spLocks noGrp="1" noRot="1" noChangeAspect="1"/>
+          </p:cNvSpPr>
+          <p:nvPr>
+            <p:ph type="sldImg" idx="2"/>
+          </p:nvPr>
+        </p:nvSpPr>
+        <p:spPr>
+          <a:xfrm>
+            <a:off x="685800" y="1143000"/>
+            <a:ext cx="5486400" cy="3086100"/>
+          </a:xfrm>
+          <a:prstGeom prst="rect">
+            <a:avLst/>
+          </a:prstGeom>
+          <a:noFill/>
+          <a:ln w="12700">
+            <a:solidFill>
+              <a:prstClr val="black"/>
+            </a:solidFill>
+          </a:ln>
+        </p:spPr>
+        <p:txBody>
+          <a:bodyPr vert="horz" lIns="91440" tIns="45720" rIns="91440" bIns="45720" rtlCol="0" anchor="ctr"/>
+          <a:lstStyle/>
+          <a:p>
+            <a:endParaRPr lang="ja-JP" altLang="en-US"/>
+          </a:p>
+        </p:txBody>
+      </p:sp>
+      <p:sp>
+        <p:nvSpPr>
+          <p:cNvPr id="5" name="ノート プレースホルダー 4"/>
+          <p:cNvSpPr>
+            <a:spLocks noGrp="1"/>
+          </p:cNvSpPr>
+          <p:nvPr>
+            <p:ph type="body" sz="quarter" idx="3"/>
+          </p:nvPr>
+        </p:nvSpPr>
+        <p:spPr>
+          <a:xfrm>
+            <a:off x="685800" y="4400550"/>
+            <a:ext cx="5486400" cy="3600450"/>
+          </a:xfrm>
+          <a:prstGeom prst="rect">
+            <a:avLst/>
+          </a:prstGeom>
+        </p:spPr>
+        <p:txBody>
+          <a:bodyPr vert="horz" lIns="91440" tIns="45720" rIns="91440" bIns="45720" rtlCol="0"/>
+          <a:lstStyle/>
+          <a:p>
+            <a:pPr lvl="0"/>
+            <a:r>
+              <a:rPr kumimoji="1" lang="ja-JP" altLang="en-US" smtClean="0"/>
+              <a:t>マスター テキストの書式設定</a:t>
+            </a:r>
+          </a:p>
+          <a:p>
+            <a:pPr lvl="1"/>
+            <a:r>
+              <a:rPr kumimoji="1" lang="ja-JP" altLang="en-US" smtClean="0"/>
+              <a:t>第 </a:t>
+            </a:r>
+            <a:r>
+              <a:rPr kumimoji="1" lang="en-US" altLang="ja-JP" smtClean="0"/>
+              <a:t>2 </a:t>
+            </a:r>
+            <a:r>
+              <a:rPr kumimoji="1" lang="ja-JP" altLang="en-US" smtClean="0"/>
+              <a:t>レベル</a:t>
+            </a:r>
+          </a:p>
+          <a:p>
+            <a:pPr lvl="2"/>
+            <a:r>
+              <a:rPr kumimoji="1" lang="ja-JP" altLang="en-US" smtClean="0"/>
+              <a:t>第 </a:t>
+            </a:r>
+            <a:r>
+              <a:rPr kumimoji="1" lang="en-US" altLang="ja-JP" smtClean="0"/>
+              <a:t>3 </a:t>
+            </a:r>
+            <a:r>
+              <a:rPr kumimoji="1" lang="ja-JP" altLang="en-US" smtClean="0"/>
+              <a:t>レベル</a:t>
+            </a:r>
+          </a:p>
+          <a:p>
+            <a:pPr lvl="3"/>
+            <a:r>
+              <a:rPr kumimoji="1" lang="ja-JP" altLang="en-US" smtClean="0"/>
+              <a:t>第 </a:t>
+            </a:r>
+            <a:r>
+              <a:rPr kumimoji="1" lang="en-US" altLang="ja-JP" smtClean="0"/>
+              <a:t>4 </a:t>
+            </a:r>
+            <a:r>
+              <a:rPr kumimoji="1" lang="ja-JP" altLang="en-US" smtClean="0"/>
+              <a:t>レベル</a:t>
+            </a:r>
+          </a:p>
+          <a:p>
+            <a:pPr lvl="4"/>
+            <a:r>
+              <a:rPr kumimoji="1" lang="ja-JP" altLang="en-US" smtClean="0"/>
+              <a:t>第 </a:t>
+            </a:r>
+            <a:r>
+              <a:rPr kumimoji="1" lang="en-US" altLang="ja-JP" smtClean="0"/>
+              <a:t>5 </a:t>
+            </a:r>
+            <a:r>
+              <a:rPr kumimoji="1" lang="ja-JP" altLang="en-US" smtClean="0"/>
+              <a:t>レベル</a:t>
+            </a:r>
+            <a:endParaRPr kumimoji="1" lang="ja-JP" altLang="en-US"/>
+          </a:p>
+        </p:txBody>
+      </p:sp>
+      <p:sp>
+        <p:nvSpPr>
+          <p:cNvPr id="6" name="フッター プレースホルダー 5"/>
+          <p:cNvSpPr>
+            <a:spLocks noGrp="1"/>
+          </p:cNvSpPr>
+          <p:nvPr>
+            <p:ph type="ftr" sz="quarter" idx="4"/>
+          </p:nvPr>
+        </p:nvSpPr>
+        <p:spPr>
+          <a:xfrm>
+            <a:off x="0" y="8685213"/>
+            <a:ext cx="2971800" cy="458787"/>
+          </a:xfrm>
+          <a:prstGeom prst="rect">
+            <a:avLst/>
+          </a:prstGeom>
+        </p:spPr>
+        <p:txBody>
+          <a:bodyPr vert="horz" lIns="91440" tIns="45720" rIns="91440" bIns="45720" rtlCol="0" anchor="b"/>
+          <a:lstStyle>
+            <a:lvl1pPr algn="l">
+              <a:defRPr sz="1200"/>
+            </a:lvl1pPr>
+          </a:lstStyle>
+          <a:p>
+            <a:endParaRPr kumimoji="1" lang="ja-JP" altLang="en-US"/>
+          </a:p>
+        </p:txBody>
+      </p:sp>
+      <p:sp>
+        <p:nvSpPr>
+          <p:cNvPr id="7" name="スライド番号プレースホルダー 6"/>
+          <p:cNvSpPr>
+            <a:spLocks noGrp="1"/>
+          </p:cNvSpPr>
+          <p:nvPr>
+            <p:ph type="sldNum" sz="quarter" idx="5"/>
+          </p:nvPr>
+        </p:nvSpPr>
+        <p:spPr>
+          <a:xfrm>
+            <a:off x="3884613" y="8685213"/>
+            <a:ext cx="2971800" cy="458787"/>
+          </a:xfrm>
+          <a:prstGeom prst="rect">
+            <a:avLst/>
+          </a:prstGeom>
+        </p:spPr>
+        <p:txBody>
+          <a:bodyPr vert="horz" lIns="91440" tIns="45720" rIns="91440" bIns="45720" rtlCol="0" anchor="b"/>
+          <a:lstStyle>
+            <a:lvl1pPr algn="r">
+              <a:defRPr sz="1200"/>
+            </a:lvl1pPr>
+          </a:lstStyle>
+          <a:p>
+            <a:fld id="{6230462B-7D45-433C-95C4-97E0F23B80F9}" type="slidenum">
+              <a:rPr kumimoji="1" lang="ja-JP" altLang="en-US" smtClean="0"/>
+              <a:t>‹#›</a:t>
+            </a:fld>
+            <a:endParaRPr kumimoji="1" lang="ja-JP" altLang="en-US"/>
+          </a:p>
+        </p:txBody>
+      </p:sp>
+    </p:spTree>
+    <p:extLst>
+      <p:ext uri="{BB962C8B-B14F-4D97-AF65-F5344CB8AC3E}">
+        <p14:creationId xmlns:p14="http://schemas.microsoft.com/office/powerpoint/2010/main" val="2704404130"/>
+      </p:ext>
+    </p:extLst>
+  </p:cSld>
+  <p:clrMap bg1="lt1" tx1="dk1" bg2="lt2" tx2="dk2" accent1="accent1" accent2="accent2" accent3="accent3" accent4="accent4" accent5="accent5" accent6="accent6" hlink="hlink" folHlink="folHlink"/>
+  <p:notesStyle>
+    <a:lvl1pPr marL="0" algn="l" defTabSz="914400" rtl="0" eaLnBrk="1" latinLnBrk="0" hangingPunct="1">
+      <a:defRPr kumimoji="1" sz="1200" kern="1200">
+        <a:solidFill>
+          <a:schemeClr val="tx1"/>
+        </a:solidFill>
+        <a:latin typeface="+mn-lt"/>
+        <a:ea typeface="+mn-ea"/>
+        <a:cs typeface="+mn-cs"/>
+      </a:defRPr>
+    </a:lvl1pPr>
+    <a:lvl2pPr marL="457200" algn="l" defTabSz="914400" rtl="0" eaLnBrk="1" latinLnBrk="0" hangingPunct="1">
+      <a:defRPr kumimoji="1" sz="1200" kern="1200">
+        <a:solidFill>
+          <a:schemeClr val="tx1"/>
+        </a:solidFill>
+        <a:latin typeface="+mn-lt"/>
+        <a:ea typeface="+mn-ea"/>
+        <a:cs typeface="+mn-cs"/>
+      </a:defRPr>
+    </a:lvl2pPr>
+    <a:lvl3pPr marL="914400" algn="l" defTabSz="914400" rtl="0" eaLnBrk="1" latinLnBrk="0" hangingPunct="1">
+      <a:defRPr kumimoji="1" sz="1200" kern="1200">
+        <a:solidFill>
+          <a:schemeClr val="tx1"/>
+        </a:solidFill>
+        <a:latin typeface="+mn-lt"/>
+        <a:ea typeface="+mn-ea"/>
+        <a:cs typeface="+mn-cs"/>
+      </a:defRPr>
+    </a:lvl3pPr>
+    <a:lvl4pPr marL="1371600" algn="l" defTabSz="914400" rtl="0" eaLnBrk="1" latinLnBrk="0" hangingPunct="1">
+      <a:defRPr kumimoji="1" sz="1200" kern="1200">
+        <a:solidFill>
+          <a:schemeClr val="tx1"/>
+        </a:solidFill>
+        <a:latin typeface="+mn-lt"/>
+        <a:ea typeface="+mn-ea"/>
+        <a:cs typeface="+mn-cs"/>
+      </a:defRPr>
+    </a:lvl4pPr>
+    <a:lvl5pPr marL="1828800" algn="l" defTabSz="914400" rtl="0" eaLnBrk="1" latinLnBrk="0" hangingPunct="1">
+      <a:defRPr kumimoji="1" sz="1200" kern="1200">
+        <a:solidFill>
+          <a:schemeClr val="tx1"/>
+        </a:solidFill>
+        <a:latin typeface="+mn-lt"/>
+        <a:ea typeface="+mn-ea"/>
+        <a:cs typeface="+mn-cs"/>
+      </a:defRPr>
+    </a:lvl5pPr>
+    <a:lvl6pPr marL="2286000" algn="l" defTabSz="914400" rtl="0" eaLnBrk="1" latinLnBrk="0" hangingPunct="1">
+      <a:defRPr kumimoji="1" sz="1200" kern="1200">
+        <a:solidFill>
+          <a:schemeClr val="tx1"/>
+        </a:solidFill>
+        <a:latin typeface="+mn-lt"/>
+        <a:ea typeface="+mn-ea"/>
+        <a:cs typeface="+mn-cs"/>
+      </a:defRPr>
+    </a:lvl6pPr>
+    <a:lvl7pPr marL="2743200" algn="l" defTabSz="914400" rtl="0" eaLnBrk="1" latinLnBrk="0" hangingPunct="1">
+      <a:defRPr kumimoji="1" sz="1200" kern="1200">
+        <a:solidFill>
+          <a:schemeClr val="tx1"/>
+        </a:solidFill>
+        <a:latin typeface="+mn-lt"/>
+        <a:ea typeface="+mn-ea"/>
+        <a:cs typeface="+mn-cs"/>
+      </a:defRPr>
+    </a:lvl7pPr>
+    <a:lvl8pPr marL="3200400" algn="l" defTabSz="914400" rtl="0" eaLnBrk="1" latinLnBrk="0" hangingPunct="1">
+      <a:defRPr kumimoji="1" sz="1200" kern="1200">
+        <a:solidFill>
+          <a:schemeClr val="tx1"/>
+        </a:solidFill>
+        <a:latin typeface="+mn-lt"/>
+        <a:ea typeface="+mn-ea"/>
+        <a:cs typeface="+mn-cs"/>
+      </a:defRPr>
+    </a:lvl8pPr>
+    <a:lvl9pPr marL="3657600" algn="l" defTabSz="914400" rtl="0" eaLnBrk="1" latinLnBrk="0" hangingPunct="1">
+      <a:defRPr kumimoji="1" sz="1200" kern="1200">
+        <a:solidFill>
+          <a:schemeClr val="tx1"/>
+        </a:solidFill>
+        <a:latin typeface="+mn-lt"/>
+        <a:ea typeface="+mn-ea"/>
+        <a:cs typeface="+mn-cs"/>
+      </a:defRPr>
+    </a:lvl9pPr>
+  </p:notesStyle>
+</p:notesMaster>
+</file>
+
+<file path=ppt/notesSlides/notesSlide1.xml><?xml version="1.0" encoding="utf-8"?>
+<p:notes xmlns:a="http://schemas.openxmlformats.org/drawingml/2006/main" xmlns:r="http://schemas.openxmlformats.org/officeDocument/2006/relationships" xmlns:p="http://schemas.openxmlformats.org/presentationml/2006/main">
+  <p:cSld>
+    <p:spTree>
+      <p:nvGrpSpPr>
+        <p:cNvPr id="1" name=""/>
+        <p:cNvGrpSpPr/>
+        <p:nvPr/>
+      </p:nvGrpSpPr>
+      <p:grpSpPr>
+        <a:xfrm>
+          <a:off x="0" y="0"/>
+          <a:ext cx="0" cy="0"/>
+          <a:chOff x="0" y="0"/>
+          <a:chExt cx="0" cy="0"/>
+        </a:xfrm>
+      </p:grpSpPr>
+      <p:sp>
+        <p:nvSpPr>
+          <p:cNvPr id="2" name="スライド イメージ プレースホルダー 1"/>
+          <p:cNvSpPr>
+            <a:spLocks noGrp="1" noRot="1" noChangeAspect="1"/>
+          </p:cNvSpPr>
+          <p:nvPr>
+            <p:ph type="sldImg"/>
+          </p:nvPr>
+        </p:nvSpPr>
+        <p:spPr/>
+      </p:sp>
+      <p:sp>
+        <p:nvSpPr>
+          <p:cNvPr id="3" name="ノート プレースホルダー 2"/>
+          <p:cNvSpPr>
+            <a:spLocks noGrp="1"/>
+          </p:cNvSpPr>
+          <p:nvPr>
+            <p:ph type="body" idx="1"/>
+          </p:nvPr>
+        </p:nvSpPr>
+        <p:spPr/>
+        <p:txBody>
+          <a:bodyPr/>
+          <a:lstStyle/>
+          <a:p>
+            <a:endParaRPr kumimoji="1" lang="ja-JP" altLang="en-US"/>
+          </a:p>
+        </p:txBody>
+      </p:sp>
+      <p:sp>
+        <p:nvSpPr>
+          <p:cNvPr id="4" name="スライド番号プレースホルダー 3"/>
+          <p:cNvSpPr>
+            <a:spLocks noGrp="1"/>
+          </p:cNvSpPr>
+          <p:nvPr>
+            <p:ph type="sldNum" sz="quarter" idx="10"/>
+          </p:nvPr>
+        </p:nvSpPr>
+        <p:spPr/>
+        <p:txBody>
+          <a:bodyPr/>
+          <a:lstStyle/>
+          <a:p>
+            <a:fld id="{6230462B-7D45-433C-95C4-97E0F23B80F9}" type="slidenum">
+              <a:rPr kumimoji="1" lang="ja-JP" altLang="en-US" smtClean="0"/>
+              <a:t>7</a:t>
+            </a:fld>
+            <a:endParaRPr kumimoji="1" lang="ja-JP" altLang="en-US"/>
+          </a:p>
+        </p:txBody>
+      </p:sp>
+    </p:spTree>
+    <p:extLst>
+      <p:ext uri="{BB962C8B-B14F-4D97-AF65-F5344CB8AC3E}">
+        <p14:creationId xmlns:p14="http://schemas.microsoft.com/office/powerpoint/2010/main" val="2377052943"/>
+      </p:ext>
+    </p:extLst>
+  </p:cSld>
+  <p:clrMapOvr>
+    <a:masterClrMapping/>
+  </p:clrMapOvr>
+</p:notes>
+</file>
+
 <file path=ppt/slideLayouts/slideLayout1.xml><?xml version="1.0" encoding="utf-8"?>
 <p:sldLayout xmlns:a="http://schemas.openxmlformats.org/drawingml/2006/main" xmlns:r="http://schemas.openxmlformats.org/officeDocument/2006/relationships" xmlns:p="http://schemas.openxmlformats.org/presentationml/2006/main" type="title" preserve="1">
   <p:cSld name="タイトル スライド">
@@ -247,9 +722,9 @@
           <a:bodyPr/>
           <a:lstStyle/>
           <a:p>
-            <a:fld id="{16F4358E-470D-4461-AD89-E4D77E6B2A93}" type="datetimeFigureOut">
-              <a:rPr kumimoji="1" lang="ja-JP" altLang="en-US" smtClean="0"/>
-              <a:t>2021/4/30</a:t>
+            <a:fld id="{494AB2A1-E364-47CF-B5DC-53E264C607F6}" type="datetime1">
+              <a:rPr kumimoji="1" lang="ja-JP" altLang="en-US" smtClean="0"/>
+              <a:t>2021/5/7</a:t>
             </a:fld>
             <a:endParaRPr kumimoji="1" lang="ja-JP" altLang="en-US"/>
           </a:p>
@@ -449,9 +924,9 @@
           <a:bodyPr/>
           <a:lstStyle/>
           <a:p>
-            <a:fld id="{16F4358E-470D-4461-AD89-E4D77E6B2A93}" type="datetimeFigureOut">
-              <a:rPr kumimoji="1" lang="ja-JP" altLang="en-US" smtClean="0"/>
-              <a:t>2021/4/30</a:t>
+            <a:fld id="{493740D4-C406-4492-90E6-6432EEF92C60}" type="datetime1">
+              <a:rPr kumimoji="1" lang="ja-JP" altLang="en-US" smtClean="0"/>
+              <a:t>2021/5/7</a:t>
             </a:fld>
             <a:endParaRPr kumimoji="1" lang="ja-JP" altLang="en-US"/>
           </a:p>
@@ -661,9 +1136,9 @@
           <a:bodyPr/>
           <a:lstStyle/>
           <a:p>
-            <a:fld id="{16F4358E-470D-4461-AD89-E4D77E6B2A93}" type="datetimeFigureOut">
-              <a:rPr kumimoji="1" lang="ja-JP" altLang="en-US" smtClean="0"/>
-              <a:t>2021/4/30</a:t>
+            <a:fld id="{ED69396B-CE42-4776-89F8-D39FC42CFB56}" type="datetime1">
+              <a:rPr kumimoji="1" lang="ja-JP" altLang="en-US" smtClean="0"/>
+              <a:t>2021/5/7</a:t>
             </a:fld>
             <a:endParaRPr kumimoji="1" lang="ja-JP" altLang="en-US"/>
           </a:p>
@@ -863,9 +1338,9 @@
           <a:bodyPr/>
           <a:lstStyle/>
           <a:p>
-            <a:fld id="{16F4358E-470D-4461-AD89-E4D77E6B2A93}" type="datetimeFigureOut">
-              <a:rPr kumimoji="1" lang="ja-JP" altLang="en-US" smtClean="0"/>
-              <a:t>2021/4/30</a:t>
+            <a:fld id="{13625393-1B19-477D-ADB7-2A6386D3F149}" type="datetime1">
+              <a:rPr kumimoji="1" lang="ja-JP" altLang="en-US" smtClean="0"/>
+              <a:t>2021/5/7</a:t>
             </a:fld>
             <a:endParaRPr kumimoji="1" lang="ja-JP" altLang="en-US"/>
           </a:p>
@@ -1109,9 +1584,9 @@
           <a:bodyPr/>
           <a:lstStyle/>
           <a:p>
-            <a:fld id="{16F4358E-470D-4461-AD89-E4D77E6B2A93}" type="datetimeFigureOut">
-              <a:rPr kumimoji="1" lang="ja-JP" altLang="en-US" smtClean="0"/>
-              <a:t>2021/4/30</a:t>
+            <a:fld id="{E5FDA1EB-CBE3-4FB0-BB17-A44CDA0B54B3}" type="datetime1">
+              <a:rPr kumimoji="1" lang="ja-JP" altLang="en-US" smtClean="0"/>
+              <a:t>2021/5/7</a:t>
             </a:fld>
             <a:endParaRPr kumimoji="1" lang="ja-JP" altLang="en-US"/>
           </a:p>
@@ -1405,9 +1880,9 @@
           <a:bodyPr/>
           <a:lstStyle/>
           <a:p>
-            <a:fld id="{16F4358E-470D-4461-AD89-E4D77E6B2A93}" type="datetimeFigureOut">
-              <a:rPr kumimoji="1" lang="ja-JP" altLang="en-US" smtClean="0"/>
-              <a:t>2021/4/30</a:t>
+            <a:fld id="{C01EC069-9DC2-4DDB-AE63-C26A081803C1}" type="datetime1">
+              <a:rPr kumimoji="1" lang="ja-JP" altLang="en-US" smtClean="0"/>
+              <a:t>2021/5/7</a:t>
             </a:fld>
             <a:endParaRPr kumimoji="1" lang="ja-JP" altLang="en-US"/>
           </a:p>
@@ -1836,9 +2311,9 @@
           <a:bodyPr/>
           <a:lstStyle/>
           <a:p>
-            <a:fld id="{16F4358E-470D-4461-AD89-E4D77E6B2A93}" type="datetimeFigureOut">
-              <a:rPr kumimoji="1" lang="ja-JP" altLang="en-US" smtClean="0"/>
-              <a:t>2021/4/30</a:t>
+            <a:fld id="{FA16DDA6-9750-4222-A53D-9B2AFD4F7604}" type="datetime1">
+              <a:rPr kumimoji="1" lang="ja-JP" altLang="en-US" smtClean="0"/>
+              <a:t>2021/5/7</a:t>
             </a:fld>
             <a:endParaRPr kumimoji="1" lang="ja-JP" altLang="en-US"/>
           </a:p>
@@ -1954,9 +2429,9 @@
           <a:bodyPr/>
           <a:lstStyle/>
           <a:p>
-            <a:fld id="{16F4358E-470D-4461-AD89-E4D77E6B2A93}" type="datetimeFigureOut">
-              <a:rPr kumimoji="1" lang="ja-JP" altLang="en-US" smtClean="0"/>
-              <a:t>2021/4/30</a:t>
+            <a:fld id="{2A12A5DA-6757-4BE0-8138-B996B069D01C}" type="datetime1">
+              <a:rPr kumimoji="1" lang="ja-JP" altLang="en-US" smtClean="0"/>
+              <a:t>2021/5/7</a:t>
             </a:fld>
             <a:endParaRPr kumimoji="1" lang="ja-JP" altLang="en-US"/>
           </a:p>
@@ -2049,9 +2524,9 @@
           <a:bodyPr/>
           <a:lstStyle/>
           <a:p>
-            <a:fld id="{16F4358E-470D-4461-AD89-E4D77E6B2A93}" type="datetimeFigureOut">
-              <a:rPr kumimoji="1" lang="ja-JP" altLang="en-US" smtClean="0"/>
-              <a:t>2021/4/30</a:t>
+            <a:fld id="{80431E91-75F7-48C3-A2EB-716DBC94911B}" type="datetime1">
+              <a:rPr kumimoji="1" lang="ja-JP" altLang="en-US" smtClean="0"/>
+              <a:t>2021/5/7</a:t>
             </a:fld>
             <a:endParaRPr kumimoji="1" lang="ja-JP" altLang="en-US"/>
           </a:p>
@@ -2358,9 +2833,9 @@
           <a:bodyPr/>
           <a:lstStyle/>
           <a:p>
-            <a:fld id="{16F4358E-470D-4461-AD89-E4D77E6B2A93}" type="datetimeFigureOut">
-              <a:rPr kumimoji="1" lang="ja-JP" altLang="en-US" smtClean="0"/>
-              <a:t>2021/4/30</a:t>
+            <a:fld id="{2FD4BF64-4643-4F2F-9E14-ABA1F12A43DE}" type="datetime1">
+              <a:rPr kumimoji="1" lang="ja-JP" altLang="en-US" smtClean="0"/>
+              <a:t>2021/5/7</a:t>
             </a:fld>
             <a:endParaRPr kumimoji="1" lang="ja-JP" altLang="en-US"/>
           </a:p>
@@ -2611,9 +3086,9 @@
           <a:bodyPr/>
           <a:lstStyle/>
           <a:p>
-            <a:fld id="{16F4358E-470D-4461-AD89-E4D77E6B2A93}" type="datetimeFigureOut">
-              <a:rPr kumimoji="1" lang="ja-JP" altLang="en-US" smtClean="0"/>
-              <a:t>2021/4/30</a:t>
+            <a:fld id="{4775FF6E-0AC3-4CFF-BD5F-615BAFBBFB63}" type="datetime1">
+              <a:rPr kumimoji="1" lang="ja-JP" altLang="en-US" smtClean="0"/>
+              <a:t>2021/5/7</a:t>
             </a:fld>
             <a:endParaRPr kumimoji="1" lang="ja-JP" altLang="en-US"/>
           </a:p>
@@ -2856,9 +3331,9 @@
             </a:lvl1pPr>
           </a:lstStyle>
           <a:p>
-            <a:fld id="{16F4358E-470D-4461-AD89-E4D77E6B2A93}" type="datetimeFigureOut">
-              <a:rPr kumimoji="1" lang="ja-JP" altLang="en-US" smtClean="0"/>
-              <a:t>2021/4/30</a:t>
+            <a:fld id="{63DC7EF6-3FB0-4B29-8D75-11EE9B911EFB}" type="datetime1">
+              <a:rPr kumimoji="1" lang="ja-JP" altLang="en-US" smtClean="0"/>
+              <a:t>2021/5/7</a:t>
             </a:fld>
             <a:endParaRPr kumimoji="1" lang="ja-JP" altLang="en-US"/>
           </a:p>
@@ -2963,6 +3438,7 @@
     <p:sldLayoutId id="2147483658" r:id="rId10"/>
     <p:sldLayoutId id="2147483659" r:id="rId11"/>
   </p:sldLayoutIdLst>
+  <p:hf hdr="0" ftr="0" dt="0"/>
   <p:txStyles>
     <p:titleStyle>
       <a:lvl1pPr algn="l" defTabSz="914400" rtl="0" eaLnBrk="1" latinLnBrk="0" hangingPunct="1">
@@ -3506,6 +3982,29 @@
           </a:p>
         </p:txBody>
       </p:sp>
+      <p:sp>
+        <p:nvSpPr>
+          <p:cNvPr id="5" name="スライド番号プレースホルダー 4"/>
+          <p:cNvSpPr>
+            <a:spLocks noGrp="1"/>
+          </p:cNvSpPr>
+          <p:nvPr>
+            <p:ph type="sldNum" sz="quarter" idx="12"/>
+          </p:nvPr>
+        </p:nvSpPr>
+        <p:spPr/>
+        <p:txBody>
+          <a:bodyPr/>
+          <a:lstStyle/>
+          <a:p>
+            <a:fld id="{C1A4E16F-9CEB-47A6-B8DF-28924D05829B}" type="slidenum">
+              <a:rPr kumimoji="1" lang="ja-JP" altLang="en-US" smtClean="0"/>
+              <a:t>1</a:t>
+            </a:fld>
+            <a:endParaRPr kumimoji="1" lang="ja-JP" altLang="en-US"/>
+          </a:p>
+        </p:txBody>
+      </p:sp>
     </p:spTree>
     <p:extLst>
       <p:ext uri="{BB962C8B-B14F-4D97-AF65-F5344CB8AC3E}">
@@ -3526,6 +4025,959 @@
 </p:sld>
 </file>
 
+<file path=ppt/slides/slide10.xml><?xml version="1.0" encoding="utf-8"?>
+<p:sld xmlns:a="http://schemas.openxmlformats.org/drawingml/2006/main" xmlns:r="http://schemas.openxmlformats.org/officeDocument/2006/relationships" xmlns:p="http://schemas.openxmlformats.org/presentationml/2006/main">
+  <p:cSld>
+    <p:spTree>
+      <p:nvGrpSpPr>
+        <p:cNvPr id="1" name=""/>
+        <p:cNvGrpSpPr/>
+        <p:nvPr/>
+      </p:nvGrpSpPr>
+      <p:grpSpPr>
+        <a:xfrm>
+          <a:off x="0" y="0"/>
+          <a:ext cx="0" cy="0"/>
+          <a:chOff x="0" y="0"/>
+          <a:chExt cx="0" cy="0"/>
+        </a:xfrm>
+      </p:grpSpPr>
+      <p:sp>
+        <p:nvSpPr>
+          <p:cNvPr id="2" name="タイトル 1"/>
+          <p:cNvSpPr>
+            <a:spLocks noGrp="1"/>
+          </p:cNvSpPr>
+          <p:nvPr>
+            <p:ph type="title"/>
+          </p:nvPr>
+        </p:nvSpPr>
+        <p:spPr/>
+        <p:txBody>
+          <a:bodyPr>
+            <a:normAutofit/>
+          </a:bodyPr>
+          <a:lstStyle/>
+          <a:p>
+            <a:r>
+              <a:rPr kumimoji="1" lang="ja-JP" altLang="en-US" sz="4000" dirty="0" smtClean="0"/>
+              <a:t>レスポンス速度を考慮したロードバランサー</a:t>
+            </a:r>
+            <a:endParaRPr kumimoji="1" lang="ja-JP" altLang="en-US" sz="4000" dirty="0"/>
+          </a:p>
+        </p:txBody>
+      </p:sp>
+      <p:sp>
+        <p:nvSpPr>
+          <p:cNvPr id="3" name="スライド番号プレースホルダー 2"/>
+          <p:cNvSpPr>
+            <a:spLocks noGrp="1"/>
+          </p:cNvSpPr>
+          <p:nvPr>
+            <p:ph type="sldNum" sz="quarter" idx="12"/>
+          </p:nvPr>
+        </p:nvSpPr>
+        <p:spPr/>
+        <p:txBody>
+          <a:bodyPr/>
+          <a:lstStyle/>
+          <a:p>
+            <a:fld id="{C1A4E16F-9CEB-47A6-B8DF-28924D05829B}" type="slidenum">
+              <a:rPr kumimoji="1" lang="ja-JP" altLang="en-US" smtClean="0"/>
+              <a:t>10</a:t>
+            </a:fld>
+            <a:endParaRPr kumimoji="1" lang="ja-JP" altLang="en-US"/>
+          </a:p>
+        </p:txBody>
+      </p:sp>
+      <p:sp>
+        <p:nvSpPr>
+          <p:cNvPr id="5" name="テキスト ボックス 4"/>
+          <p:cNvSpPr txBox="1"/>
+          <p:nvPr/>
+        </p:nvSpPr>
+        <p:spPr>
+          <a:xfrm>
+            <a:off x="583387" y="1827490"/>
+            <a:ext cx="10373353" cy="1384995"/>
+          </a:xfrm>
+          <a:prstGeom prst="rect">
+            <a:avLst/>
+          </a:prstGeom>
+          <a:noFill/>
+        </p:spPr>
+        <p:txBody>
+          <a:bodyPr wrap="none" rtlCol="0">
+            <a:spAutoFit/>
+          </a:bodyPr>
+          <a:lstStyle/>
+          <a:p>
+            <a:r>
+              <a:rPr lang="ja-JP" altLang="en-US" sz="2800" dirty="0"/>
+              <a:t>応答時間を計測するプログラムの作り方を調べた。</a:t>
+            </a:r>
+            <a:r>
+              <a:rPr lang="en-US" altLang="ja-JP" sz="2800" dirty="0"/>
+              <a:t>(</a:t>
+            </a:r>
+            <a:r>
+              <a:rPr lang="ja-JP" altLang="en-US" sz="2800" dirty="0"/>
+              <a:t>今週：</a:t>
+            </a:r>
+            <a:r>
+              <a:rPr lang="en-US" altLang="ja-JP" sz="2800" dirty="0"/>
+              <a:t>5/7</a:t>
+            </a:r>
+            <a:r>
+              <a:rPr lang="en-US" altLang="ja-JP" sz="2800" dirty="0" smtClean="0"/>
+              <a:t>)</a:t>
+            </a:r>
+            <a:endParaRPr lang="en-US" altLang="ja-JP" sz="2800" dirty="0"/>
+          </a:p>
+          <a:p>
+            <a:endParaRPr lang="en-US" altLang="ja-JP" sz="2800" dirty="0"/>
+          </a:p>
+          <a:p>
+            <a:r>
+              <a:rPr lang="en-US" altLang="ja-JP" sz="2800" dirty="0" smtClean="0"/>
+              <a:t>   Python</a:t>
+            </a:r>
+            <a:r>
+              <a:rPr lang="ja-JP" altLang="en-US" sz="2800" dirty="0"/>
+              <a:t>でも</a:t>
+            </a:r>
+            <a:r>
+              <a:rPr lang="en-US" altLang="ja-JP" sz="2800" dirty="0"/>
+              <a:t>PHP</a:t>
+            </a:r>
+            <a:r>
+              <a:rPr lang="ja-JP" altLang="en-US" sz="2800" dirty="0"/>
+              <a:t>でも計測をすることができる。</a:t>
+            </a:r>
+            <a:endParaRPr kumimoji="1" lang="en-US" altLang="ja-JP" sz="2800" dirty="0" smtClean="0"/>
+          </a:p>
+        </p:txBody>
+      </p:sp>
+      <p:sp>
+        <p:nvSpPr>
+          <p:cNvPr id="4" name="テキスト ボックス 3"/>
+          <p:cNvSpPr txBox="1"/>
+          <p:nvPr/>
+        </p:nvSpPr>
+        <p:spPr>
+          <a:xfrm>
+            <a:off x="583387" y="4526480"/>
+            <a:ext cx="34197182" cy="646331"/>
+          </a:xfrm>
+          <a:prstGeom prst="rect">
+            <a:avLst/>
+          </a:prstGeom>
+          <a:noFill/>
+        </p:spPr>
+        <p:txBody>
+          <a:bodyPr wrap="none" rtlCol="0">
+            <a:spAutoFit/>
+          </a:bodyPr>
+          <a:lstStyle/>
+          <a:p>
+            <a:r>
+              <a:rPr lang="en-US" altLang="ja-JP" dirty="0" smtClean="0"/>
+              <a:t>PHP</a:t>
+            </a:r>
+            <a:r>
+              <a:rPr lang="ja-JP" altLang="en-US" dirty="0" err="1" smtClean="0"/>
+              <a:t>での</a:t>
+            </a:r>
+            <a:r>
+              <a:rPr lang="ja-JP" altLang="en-US" dirty="0" smtClean="0"/>
+              <a:t>やり方</a:t>
+            </a:r>
+            <a:r>
+              <a:rPr lang="en-US" altLang="ja-JP" dirty="0" smtClean="0"/>
+              <a:t/>
+            </a:r>
+            <a:br>
+              <a:rPr lang="en-US" altLang="ja-JP" dirty="0" smtClean="0"/>
+            </a:br>
+            <a:r>
+              <a:rPr lang="en-US" altLang="ja-JP" dirty="0" smtClean="0"/>
+              <a:t>https</a:t>
+            </a:r>
+            <a:r>
+              <a:rPr lang="en-US" altLang="ja-JP" dirty="0"/>
+              <a:t>://www.84kure.com/blog/2014/08/19/php-%E3%82%A6%E3%82%A7%E3%83%96%E3%82%B5%E3%83%BC%E3%83%90%E3%83%BC%E3%81%AE%E3%83%AC%E3%82%B9%E3%83%9D%E3%83%B3%E3%82%B9%E3%82%BF%E3%82%A4%E3%83%A0%E3%82%92%E8%A8%88%E6%B8%AC%E3%81%99%E3%82%8B/</a:t>
+            </a:r>
+            <a:endParaRPr kumimoji="1" lang="ja-JP" altLang="en-US" dirty="0"/>
+          </a:p>
+        </p:txBody>
+      </p:sp>
+      <p:sp>
+        <p:nvSpPr>
+          <p:cNvPr id="6" name="テキスト ボックス 5"/>
+          <p:cNvSpPr txBox="1"/>
+          <p:nvPr/>
+        </p:nvSpPr>
+        <p:spPr>
+          <a:xfrm>
+            <a:off x="583387" y="5252353"/>
+            <a:ext cx="7380547" cy="646331"/>
+          </a:xfrm>
+          <a:prstGeom prst="rect">
+            <a:avLst/>
+          </a:prstGeom>
+          <a:noFill/>
+        </p:spPr>
+        <p:txBody>
+          <a:bodyPr wrap="none" rtlCol="0">
+            <a:spAutoFit/>
+          </a:bodyPr>
+          <a:lstStyle/>
+          <a:p>
+            <a:r>
+              <a:rPr lang="en-US" altLang="ja-JP" dirty="0" smtClean="0"/>
+              <a:t>Python</a:t>
+            </a:r>
+            <a:r>
+              <a:rPr lang="ja-JP" altLang="en-US" dirty="0" err="1" smtClean="0"/>
+              <a:t>での</a:t>
+            </a:r>
+            <a:r>
+              <a:rPr lang="ja-JP" altLang="en-US" dirty="0" smtClean="0"/>
+              <a:t>やり方</a:t>
+            </a:r>
+            <a:r>
+              <a:rPr lang="en-US" altLang="ja-JP" dirty="0" smtClean="0"/>
+              <a:t/>
+            </a:r>
+            <a:br>
+              <a:rPr lang="en-US" altLang="ja-JP" dirty="0" smtClean="0"/>
+            </a:br>
+            <a:r>
+              <a:rPr lang="en-US" altLang="ja-JP" dirty="0" smtClean="0"/>
+              <a:t>https</a:t>
+            </a:r>
+            <a:r>
+              <a:rPr lang="en-US" altLang="ja-JP" dirty="0"/>
+              <a:t>://dot-blog.jp/news/python-measure-request-response-time/</a:t>
+            </a:r>
+            <a:endParaRPr kumimoji="1" lang="ja-JP" altLang="en-US" dirty="0"/>
+          </a:p>
+        </p:txBody>
+      </p:sp>
+      <p:sp>
+        <p:nvSpPr>
+          <p:cNvPr id="7" name="テキスト ボックス 6"/>
+          <p:cNvSpPr txBox="1"/>
+          <p:nvPr/>
+        </p:nvSpPr>
+        <p:spPr>
+          <a:xfrm>
+            <a:off x="496302" y="4003260"/>
+            <a:ext cx="1980029" cy="523220"/>
+          </a:xfrm>
+          <a:prstGeom prst="rect">
+            <a:avLst/>
+          </a:prstGeom>
+          <a:noFill/>
+        </p:spPr>
+        <p:txBody>
+          <a:bodyPr wrap="none" rtlCol="0">
+            <a:spAutoFit/>
+          </a:bodyPr>
+          <a:lstStyle/>
+          <a:p>
+            <a:r>
+              <a:rPr lang="ja-JP" altLang="en-US" sz="2800" dirty="0" smtClean="0"/>
+              <a:t>参考サイト</a:t>
+            </a:r>
+            <a:endParaRPr kumimoji="1" lang="en-US" altLang="ja-JP" sz="2800" dirty="0" smtClean="0"/>
+          </a:p>
+        </p:txBody>
+      </p:sp>
+      <p:sp>
+        <p:nvSpPr>
+          <p:cNvPr id="8" name="テキスト ボックス 7"/>
+          <p:cNvSpPr txBox="1"/>
+          <p:nvPr/>
+        </p:nvSpPr>
+        <p:spPr>
+          <a:xfrm>
+            <a:off x="583387" y="5978227"/>
+            <a:ext cx="5828840" cy="646331"/>
+          </a:xfrm>
+          <a:prstGeom prst="rect">
+            <a:avLst/>
+          </a:prstGeom>
+          <a:noFill/>
+        </p:spPr>
+        <p:txBody>
+          <a:bodyPr wrap="none" rtlCol="0">
+            <a:spAutoFit/>
+          </a:bodyPr>
+          <a:lstStyle/>
+          <a:p>
+            <a:r>
+              <a:rPr lang="en-US" altLang="ja-JP" dirty="0"/>
+              <a:t>requests </a:t>
+            </a:r>
+            <a:r>
+              <a:rPr lang="ja-JP" altLang="en-US" dirty="0" smtClean="0"/>
+              <a:t>モジュールについて</a:t>
+            </a:r>
+            <a:r>
+              <a:rPr lang="en-US" altLang="ja-JP" dirty="0" smtClean="0"/>
+              <a:t/>
+            </a:r>
+            <a:br>
+              <a:rPr lang="en-US" altLang="ja-JP" dirty="0" smtClean="0"/>
+            </a:br>
+            <a:r>
+              <a:rPr lang="en-US" altLang="ja-JP" dirty="0" smtClean="0"/>
+              <a:t>https://inokara.hateblo.jp/entry/2015/10/12/144532</a:t>
+            </a:r>
+            <a:endParaRPr kumimoji="1" lang="ja-JP" altLang="en-US" dirty="0"/>
+          </a:p>
+        </p:txBody>
+      </p:sp>
+    </p:spTree>
+    <p:extLst>
+      <p:ext uri="{BB962C8B-B14F-4D97-AF65-F5344CB8AC3E}">
+        <p14:creationId xmlns:p14="http://schemas.microsoft.com/office/powerpoint/2010/main" val="1804549029"/>
+      </p:ext>
+    </p:extLst>
+  </p:cSld>
+  <p:clrMapOvr>
+    <a:masterClrMapping/>
+  </p:clrMapOvr>
+</p:sld>
+</file>
+
+<file path=ppt/slides/slide11.xml><?xml version="1.0" encoding="utf-8"?>
+<p:sld xmlns:a="http://schemas.openxmlformats.org/drawingml/2006/main" xmlns:r="http://schemas.openxmlformats.org/officeDocument/2006/relationships" xmlns:p="http://schemas.openxmlformats.org/presentationml/2006/main">
+  <p:cSld>
+    <p:spTree>
+      <p:nvGrpSpPr>
+        <p:cNvPr id="1" name=""/>
+        <p:cNvGrpSpPr/>
+        <p:nvPr/>
+      </p:nvGrpSpPr>
+      <p:grpSpPr>
+        <a:xfrm>
+          <a:off x="0" y="0"/>
+          <a:ext cx="0" cy="0"/>
+          <a:chOff x="0" y="0"/>
+          <a:chExt cx="0" cy="0"/>
+        </a:xfrm>
+      </p:grpSpPr>
+      <p:sp>
+        <p:nvSpPr>
+          <p:cNvPr id="2" name="タイトル 1"/>
+          <p:cNvSpPr>
+            <a:spLocks noGrp="1"/>
+          </p:cNvSpPr>
+          <p:nvPr>
+            <p:ph type="title"/>
+          </p:nvPr>
+        </p:nvSpPr>
+        <p:spPr/>
+        <p:txBody>
+          <a:bodyPr>
+            <a:normAutofit/>
+          </a:bodyPr>
+          <a:lstStyle/>
+          <a:p>
+            <a:r>
+              <a:rPr kumimoji="1" lang="ja-JP" altLang="en-US" sz="4000" dirty="0" smtClean="0"/>
+              <a:t>レスポンス速度を考慮したロードバランサー</a:t>
+            </a:r>
+            <a:endParaRPr kumimoji="1" lang="ja-JP" altLang="en-US" sz="4000" dirty="0"/>
+          </a:p>
+        </p:txBody>
+      </p:sp>
+      <p:sp>
+        <p:nvSpPr>
+          <p:cNvPr id="3" name="スライド番号プレースホルダー 2"/>
+          <p:cNvSpPr>
+            <a:spLocks noGrp="1"/>
+          </p:cNvSpPr>
+          <p:nvPr>
+            <p:ph type="sldNum" sz="quarter" idx="12"/>
+          </p:nvPr>
+        </p:nvSpPr>
+        <p:spPr/>
+        <p:txBody>
+          <a:bodyPr/>
+          <a:lstStyle/>
+          <a:p>
+            <a:fld id="{C1A4E16F-9CEB-47A6-B8DF-28924D05829B}" type="slidenum">
+              <a:rPr kumimoji="1" lang="ja-JP" altLang="en-US" smtClean="0"/>
+              <a:t>11</a:t>
+            </a:fld>
+            <a:endParaRPr kumimoji="1" lang="ja-JP" altLang="en-US"/>
+          </a:p>
+        </p:txBody>
+      </p:sp>
+      <p:sp>
+        <p:nvSpPr>
+          <p:cNvPr id="8" name="テキスト ボックス 7"/>
+          <p:cNvSpPr txBox="1"/>
+          <p:nvPr/>
+        </p:nvSpPr>
+        <p:spPr>
+          <a:xfrm>
+            <a:off x="1414130" y="5834750"/>
+            <a:ext cx="9212778" cy="584775"/>
+          </a:xfrm>
+          <a:prstGeom prst="rect">
+            <a:avLst/>
+          </a:prstGeom>
+          <a:noFill/>
+        </p:spPr>
+        <p:txBody>
+          <a:bodyPr wrap="none" rtlCol="0">
+            <a:spAutoFit/>
+          </a:bodyPr>
+          <a:lstStyle/>
+          <a:p>
+            <a:r>
+              <a:rPr lang="ja-JP" altLang="en-US" sz="3200" dirty="0"/>
+              <a:t>→これらを作り変えてデータを取るようにする。</a:t>
+            </a:r>
+            <a:endParaRPr kumimoji="1" lang="ja-JP" altLang="en-US" sz="3200" dirty="0"/>
+          </a:p>
+        </p:txBody>
+      </p:sp>
+      <p:pic>
+        <p:nvPicPr>
+          <p:cNvPr id="10" name="図 9"/>
+          <p:cNvPicPr>
+            <a:picLocks noChangeAspect="1"/>
+          </p:cNvPicPr>
+          <p:nvPr/>
+        </p:nvPicPr>
+        <p:blipFill>
+          <a:blip r:embed="rId2">
+            <a:extLst>
+              <a:ext uri="{28A0092B-C50C-407E-A947-70E740481C1C}">
+                <a14:useLocalDpi xmlns:a14="http://schemas.microsoft.com/office/drawing/2010/main" val="0"/>
+              </a:ext>
+            </a:extLst>
+          </a:blip>
+          <a:stretch>
+            <a:fillRect/>
+          </a:stretch>
+        </p:blipFill>
+        <p:spPr>
+          <a:xfrm>
+            <a:off x="538902" y="1828800"/>
+            <a:ext cx="5222069" cy="3150606"/>
+          </a:xfrm>
+          <a:prstGeom prst="rect">
+            <a:avLst/>
+          </a:prstGeom>
+        </p:spPr>
+      </p:pic>
+      <p:pic>
+        <p:nvPicPr>
+          <p:cNvPr id="11" name="図 10"/>
+          <p:cNvPicPr>
+            <a:picLocks noChangeAspect="1"/>
+          </p:cNvPicPr>
+          <p:nvPr/>
+        </p:nvPicPr>
+        <p:blipFill>
+          <a:blip r:embed="rId3">
+            <a:extLst>
+              <a:ext uri="{28A0092B-C50C-407E-A947-70E740481C1C}">
+                <a14:useLocalDpi xmlns:a14="http://schemas.microsoft.com/office/drawing/2010/main" val="0"/>
+              </a:ext>
+            </a:extLst>
+          </a:blip>
+          <a:stretch>
+            <a:fillRect/>
+          </a:stretch>
+        </p:blipFill>
+        <p:spPr>
+          <a:xfrm>
+            <a:off x="6266121" y="2484761"/>
+            <a:ext cx="5504121" cy="1799677"/>
+          </a:xfrm>
+          <a:prstGeom prst="rect">
+            <a:avLst/>
+          </a:prstGeom>
+        </p:spPr>
+      </p:pic>
+      <p:sp>
+        <p:nvSpPr>
+          <p:cNvPr id="12" name="テキスト ボックス 11"/>
+          <p:cNvSpPr txBox="1"/>
+          <p:nvPr/>
+        </p:nvSpPr>
+        <p:spPr>
+          <a:xfrm>
+            <a:off x="838200" y="5160547"/>
+            <a:ext cx="8619667" cy="369332"/>
+          </a:xfrm>
+          <a:prstGeom prst="rect">
+            <a:avLst/>
+          </a:prstGeom>
+          <a:noFill/>
+        </p:spPr>
+        <p:txBody>
+          <a:bodyPr wrap="none" rtlCol="0">
+            <a:spAutoFit/>
+          </a:bodyPr>
+          <a:lstStyle/>
+          <a:p>
+            <a:r>
+              <a:rPr lang="en-US" altLang="ja-JP" dirty="0"/>
+              <a:t>requests </a:t>
+            </a:r>
+            <a:r>
+              <a:rPr lang="ja-JP" altLang="en-US" dirty="0"/>
+              <a:t>モジュールの </a:t>
+            </a:r>
+            <a:r>
+              <a:rPr lang="en-US" altLang="ja-JP" dirty="0"/>
+              <a:t>Response </a:t>
+            </a:r>
+            <a:r>
+              <a:rPr lang="ja-JP" altLang="en-US" dirty="0"/>
+              <a:t>オブジェクトで利用可能な </a:t>
+            </a:r>
+            <a:r>
+              <a:rPr lang="en-US" altLang="ja-JP" dirty="0"/>
+              <a:t>elapsed </a:t>
+            </a:r>
+            <a:r>
+              <a:rPr lang="ja-JP" altLang="en-US" dirty="0"/>
+              <a:t>パラメータ</a:t>
+            </a:r>
+            <a:endParaRPr kumimoji="1" lang="ja-JP" altLang="en-US" dirty="0"/>
+          </a:p>
+        </p:txBody>
+      </p:sp>
+    </p:spTree>
+    <p:extLst>
+      <p:ext uri="{BB962C8B-B14F-4D97-AF65-F5344CB8AC3E}">
+        <p14:creationId xmlns:p14="http://schemas.microsoft.com/office/powerpoint/2010/main" val="950310204"/>
+      </p:ext>
+    </p:extLst>
+  </p:cSld>
+  <p:clrMapOvr>
+    <a:masterClrMapping/>
+  </p:clrMapOvr>
+</p:sld>
+</file>
+
+<file path=ppt/slides/slide12.xml><?xml version="1.0" encoding="utf-8"?>
+<p:sld xmlns:a="http://schemas.openxmlformats.org/drawingml/2006/main" xmlns:r="http://schemas.openxmlformats.org/officeDocument/2006/relationships" xmlns:p="http://schemas.openxmlformats.org/presentationml/2006/main">
+  <p:cSld>
+    <p:spTree>
+      <p:nvGrpSpPr>
+        <p:cNvPr id="1" name=""/>
+        <p:cNvGrpSpPr/>
+        <p:nvPr/>
+      </p:nvGrpSpPr>
+      <p:grpSpPr>
+        <a:xfrm>
+          <a:off x="0" y="0"/>
+          <a:ext cx="0" cy="0"/>
+          <a:chOff x="0" y="0"/>
+          <a:chExt cx="0" cy="0"/>
+        </a:xfrm>
+      </p:grpSpPr>
+      <p:sp>
+        <p:nvSpPr>
+          <p:cNvPr id="2" name="タイトル 1"/>
+          <p:cNvSpPr>
+            <a:spLocks noGrp="1"/>
+          </p:cNvSpPr>
+          <p:nvPr>
+            <p:ph type="title"/>
+          </p:nvPr>
+        </p:nvSpPr>
+        <p:spPr/>
+        <p:txBody>
+          <a:bodyPr>
+            <a:normAutofit/>
+          </a:bodyPr>
+          <a:lstStyle/>
+          <a:p>
+            <a:r>
+              <a:rPr kumimoji="1" lang="ja-JP" altLang="en-US" sz="4000" dirty="0" smtClean="0"/>
+              <a:t>レスポンス速度を考慮したロードバランサー</a:t>
+            </a:r>
+            <a:endParaRPr kumimoji="1" lang="ja-JP" altLang="en-US" sz="4000" dirty="0"/>
+          </a:p>
+        </p:txBody>
+      </p:sp>
+      <p:sp>
+        <p:nvSpPr>
+          <p:cNvPr id="3" name="スライド番号プレースホルダー 2"/>
+          <p:cNvSpPr>
+            <a:spLocks noGrp="1"/>
+          </p:cNvSpPr>
+          <p:nvPr>
+            <p:ph type="sldNum" sz="quarter" idx="12"/>
+          </p:nvPr>
+        </p:nvSpPr>
+        <p:spPr/>
+        <p:txBody>
+          <a:bodyPr/>
+          <a:lstStyle/>
+          <a:p>
+            <a:fld id="{C1A4E16F-9CEB-47A6-B8DF-28924D05829B}" type="slidenum">
+              <a:rPr kumimoji="1" lang="ja-JP" altLang="en-US" smtClean="0"/>
+              <a:t>12</a:t>
+            </a:fld>
+            <a:endParaRPr kumimoji="1" lang="ja-JP" altLang="en-US"/>
+          </a:p>
+        </p:txBody>
+      </p:sp>
+      <p:sp>
+        <p:nvSpPr>
+          <p:cNvPr id="8" name="テキスト ボックス 7"/>
+          <p:cNvSpPr txBox="1"/>
+          <p:nvPr/>
+        </p:nvSpPr>
+        <p:spPr>
+          <a:xfrm>
+            <a:off x="521502" y="1690688"/>
+            <a:ext cx="8802410" cy="4647426"/>
+          </a:xfrm>
+          <a:prstGeom prst="rect">
+            <a:avLst/>
+          </a:prstGeom>
+          <a:noFill/>
+        </p:spPr>
+        <p:txBody>
+          <a:bodyPr wrap="none" rtlCol="0">
+            <a:spAutoFit/>
+          </a:bodyPr>
+          <a:lstStyle/>
+          <a:p>
+            <a:r>
+              <a:rPr lang="ja-JP" altLang="en-US" sz="3200" dirty="0"/>
+              <a:t>現時点の課題</a:t>
+            </a:r>
+          </a:p>
+          <a:p>
+            <a:endParaRPr lang="ja-JP" altLang="en-US" sz="2400" dirty="0"/>
+          </a:p>
+          <a:p>
+            <a:r>
+              <a:rPr lang="ja-JP" altLang="en-US" sz="2400" dirty="0"/>
+              <a:t>・レスポンス速度の計測は出来たが、これをデータに落として</a:t>
+            </a:r>
+          </a:p>
+          <a:p>
+            <a:r>
+              <a:rPr lang="en-US" altLang="ja-JP" sz="2400" dirty="0"/>
+              <a:t>1</a:t>
+            </a:r>
+            <a:r>
+              <a:rPr lang="ja-JP" altLang="en-US" sz="2400" dirty="0"/>
+              <a:t>日の平均レスポンス速度の結果を得る。</a:t>
+            </a:r>
+          </a:p>
+          <a:p>
+            <a:r>
+              <a:rPr lang="ja-JP" altLang="en-US" sz="2400" dirty="0"/>
+              <a:t>これが出来れば⇒</a:t>
+            </a:r>
+            <a:r>
+              <a:rPr lang="en-US" altLang="ja-JP" sz="2400" dirty="0"/>
+              <a:t>LB</a:t>
+            </a:r>
+            <a:r>
+              <a:rPr lang="ja-JP" altLang="en-US" sz="2400" dirty="0"/>
+              <a:t>の割り振りの判断材料になる！</a:t>
+            </a:r>
+          </a:p>
+          <a:p>
+            <a:endParaRPr lang="ja-JP" altLang="en-US" sz="2400" dirty="0"/>
+          </a:p>
+          <a:p>
+            <a:r>
+              <a:rPr lang="ja-JP" altLang="en-US" sz="2400" dirty="0"/>
+              <a:t>・計測したデータをどこにとっておけばいいか。</a:t>
+            </a:r>
+          </a:p>
+          <a:p>
+            <a:r>
+              <a:rPr lang="ja-JP" altLang="en-US" sz="2400" dirty="0"/>
+              <a:t>最終的に取ったデータは人間がみて判断するわけでは</a:t>
+            </a:r>
+            <a:r>
+              <a:rPr lang="ja-JP" altLang="en-US" sz="2400" dirty="0" smtClean="0"/>
+              <a:t>ない</a:t>
+            </a:r>
+            <a:r>
+              <a:rPr lang="en-US" altLang="ja-JP" sz="2400" dirty="0" smtClean="0"/>
+              <a:t/>
+            </a:r>
+            <a:br>
+              <a:rPr lang="en-US" altLang="ja-JP" sz="2400" dirty="0" smtClean="0"/>
+            </a:br>
+            <a:r>
+              <a:rPr lang="en-US" altLang="ja-JP" sz="2400" dirty="0" smtClean="0"/>
+              <a:t>(</a:t>
+            </a:r>
+            <a:r>
+              <a:rPr lang="en-US" altLang="ja-JP" sz="2400" dirty="0"/>
+              <a:t>LB</a:t>
+            </a:r>
+            <a:r>
+              <a:rPr lang="ja-JP" altLang="en-US" sz="2400" dirty="0"/>
+              <a:t>が割り振るためにデータを計測している</a:t>
+            </a:r>
+            <a:r>
+              <a:rPr lang="en-US" altLang="ja-JP" sz="2400" dirty="0" smtClean="0"/>
+              <a:t>)</a:t>
+            </a:r>
+            <a:r>
+              <a:rPr lang="ja-JP" altLang="en-US" sz="2400" dirty="0" smtClean="0"/>
+              <a:t>ので</a:t>
+            </a:r>
+            <a:r>
+              <a:rPr lang="en-US" altLang="ja-JP" sz="2400" dirty="0" smtClean="0"/>
+              <a:t/>
+            </a:r>
+            <a:br>
+              <a:rPr lang="en-US" altLang="ja-JP" sz="2400" dirty="0" smtClean="0"/>
+            </a:br>
+            <a:r>
+              <a:rPr lang="ja-JP" altLang="en-US" sz="2400" dirty="0" smtClean="0"/>
+              <a:t>後</a:t>
+            </a:r>
+            <a:r>
+              <a:rPr lang="ja-JP" altLang="en-US" sz="2400" dirty="0"/>
+              <a:t>のことを</a:t>
+            </a:r>
+            <a:r>
+              <a:rPr lang="ja-JP" altLang="en-US" sz="2400" dirty="0" smtClean="0"/>
+              <a:t>考えると</a:t>
+            </a:r>
+            <a:r>
+              <a:rPr lang="en-US" altLang="ja-JP" sz="2400" dirty="0" smtClean="0"/>
+              <a:t/>
+            </a:r>
+            <a:br>
+              <a:rPr lang="en-US" altLang="ja-JP" sz="2400" dirty="0" smtClean="0"/>
+            </a:br>
+            <a:endParaRPr lang="ja-JP" altLang="en-US" sz="2400" dirty="0"/>
+          </a:p>
+          <a:p>
+            <a:r>
+              <a:rPr lang="en-US" altLang="ja-JP" sz="2400" dirty="0" smtClean="0"/>
+              <a:t>CSV</a:t>
+            </a:r>
+            <a:r>
+              <a:rPr lang="ja-JP" altLang="en-US" sz="2400" dirty="0" smtClean="0"/>
+              <a:t>より</a:t>
+            </a:r>
+            <a:r>
+              <a:rPr lang="en-US" altLang="ja-JP" sz="2400" dirty="0" smtClean="0"/>
+              <a:t>MYSQL</a:t>
+            </a:r>
+            <a:r>
+              <a:rPr lang="ja-JP" altLang="en-US" sz="2400" dirty="0"/>
+              <a:t>？</a:t>
+            </a:r>
+            <a:endParaRPr kumimoji="1" lang="ja-JP" altLang="en-US" sz="2400" dirty="0"/>
+          </a:p>
+        </p:txBody>
+      </p:sp>
+    </p:spTree>
+    <p:extLst>
+      <p:ext uri="{BB962C8B-B14F-4D97-AF65-F5344CB8AC3E}">
+        <p14:creationId xmlns:p14="http://schemas.microsoft.com/office/powerpoint/2010/main" val="1493579226"/>
+      </p:ext>
+    </p:extLst>
+  </p:cSld>
+  <p:clrMapOvr>
+    <a:masterClrMapping/>
+  </p:clrMapOvr>
+</p:sld>
+</file>
+
+<file path=ppt/slides/slide13.xml><?xml version="1.0" encoding="utf-8"?>
+<p:sld xmlns:a="http://schemas.openxmlformats.org/drawingml/2006/main" xmlns:r="http://schemas.openxmlformats.org/officeDocument/2006/relationships" xmlns:p="http://schemas.openxmlformats.org/presentationml/2006/main">
+  <p:cSld>
+    <p:spTree>
+      <p:nvGrpSpPr>
+        <p:cNvPr id="1" name=""/>
+        <p:cNvGrpSpPr/>
+        <p:nvPr/>
+      </p:nvGrpSpPr>
+      <p:grpSpPr>
+        <a:xfrm>
+          <a:off x="0" y="0"/>
+          <a:ext cx="0" cy="0"/>
+          <a:chOff x="0" y="0"/>
+          <a:chExt cx="0" cy="0"/>
+        </a:xfrm>
+      </p:grpSpPr>
+      <p:sp>
+        <p:nvSpPr>
+          <p:cNvPr id="2" name="タイトル 1"/>
+          <p:cNvSpPr>
+            <a:spLocks noGrp="1"/>
+          </p:cNvSpPr>
+          <p:nvPr>
+            <p:ph type="title"/>
+          </p:nvPr>
+        </p:nvSpPr>
+        <p:spPr/>
+        <p:txBody>
+          <a:bodyPr>
+            <a:normAutofit/>
+          </a:bodyPr>
+          <a:lstStyle/>
+          <a:p>
+            <a:r>
+              <a:rPr kumimoji="1" lang="ja-JP" altLang="en-US" sz="4000" dirty="0" smtClean="0"/>
+              <a:t>レスポンス速度を考慮したロードバランサー</a:t>
+            </a:r>
+            <a:endParaRPr kumimoji="1" lang="ja-JP" altLang="en-US" sz="4000" dirty="0"/>
+          </a:p>
+        </p:txBody>
+      </p:sp>
+      <p:sp>
+        <p:nvSpPr>
+          <p:cNvPr id="3" name="スライド番号プレースホルダー 2"/>
+          <p:cNvSpPr>
+            <a:spLocks noGrp="1"/>
+          </p:cNvSpPr>
+          <p:nvPr>
+            <p:ph type="sldNum" sz="quarter" idx="12"/>
+          </p:nvPr>
+        </p:nvSpPr>
+        <p:spPr/>
+        <p:txBody>
+          <a:bodyPr/>
+          <a:lstStyle/>
+          <a:p>
+            <a:fld id="{C1A4E16F-9CEB-47A6-B8DF-28924D05829B}" type="slidenum">
+              <a:rPr kumimoji="1" lang="ja-JP" altLang="en-US" smtClean="0"/>
+              <a:t>13</a:t>
+            </a:fld>
+            <a:endParaRPr kumimoji="1" lang="ja-JP" altLang="en-US"/>
+          </a:p>
+        </p:txBody>
+      </p:sp>
+      <p:sp>
+        <p:nvSpPr>
+          <p:cNvPr id="8" name="テキスト ボックス 7"/>
+          <p:cNvSpPr txBox="1"/>
+          <p:nvPr/>
+        </p:nvSpPr>
+        <p:spPr>
+          <a:xfrm>
+            <a:off x="968070" y="1961415"/>
+            <a:ext cx="9212778" cy="2062103"/>
+          </a:xfrm>
+          <a:prstGeom prst="rect">
+            <a:avLst/>
+          </a:prstGeom>
+          <a:noFill/>
+        </p:spPr>
+        <p:txBody>
+          <a:bodyPr wrap="none" rtlCol="0">
+            <a:spAutoFit/>
+          </a:bodyPr>
+          <a:lstStyle/>
+          <a:p>
+            <a:r>
+              <a:rPr lang="ja-JP" altLang="en-US" sz="3200" dirty="0"/>
+              <a:t>今週</a:t>
+            </a:r>
+            <a:r>
+              <a:rPr lang="en-US" altLang="ja-JP" sz="3200" dirty="0"/>
+              <a:t>(5/7)</a:t>
+            </a:r>
+            <a:r>
+              <a:rPr lang="ja-JP" altLang="en-US" sz="3200" dirty="0"/>
+              <a:t>行ったこと</a:t>
+            </a:r>
+          </a:p>
+          <a:p>
+            <a:r>
+              <a:rPr lang="ja-JP" altLang="en-US" sz="3200" dirty="0"/>
+              <a:t>・レスポンス速度を</a:t>
+            </a:r>
+            <a:r>
+              <a:rPr lang="ja-JP" altLang="en-US" sz="3200" dirty="0" smtClean="0"/>
+              <a:t>測るプログラム作成（途中）</a:t>
+            </a:r>
+            <a:endParaRPr lang="ja-JP" altLang="en-US" sz="3200" dirty="0"/>
+          </a:p>
+          <a:p>
+            <a:r>
+              <a:rPr lang="ja-JP" altLang="en-US" sz="3200" dirty="0"/>
+              <a:t>・</a:t>
+            </a:r>
+            <a:r>
+              <a:rPr lang="en-US" altLang="ja-JP" sz="3200" dirty="0"/>
+              <a:t>C</a:t>
+            </a:r>
+            <a:r>
+              <a:rPr lang="ja-JP" altLang="en-US" sz="3200" dirty="0"/>
+              <a:t>言語、</a:t>
+            </a:r>
+            <a:r>
+              <a:rPr lang="en-US" altLang="ja-JP" sz="3200" dirty="0"/>
+              <a:t>Python</a:t>
+            </a:r>
+            <a:r>
+              <a:rPr lang="ja-JP" altLang="en-US" sz="3200" dirty="0"/>
+              <a:t>の</a:t>
+            </a:r>
+            <a:r>
+              <a:rPr lang="ja-JP" altLang="en-US" sz="3200" dirty="0" smtClean="0"/>
+              <a:t>勉強</a:t>
+            </a:r>
+            <a:r>
+              <a:rPr lang="en-US" altLang="ja-JP" sz="3200" dirty="0" smtClean="0"/>
+              <a:t>(</a:t>
+            </a:r>
+            <a:r>
+              <a:rPr lang="ja-JP" altLang="en-US" sz="3200" dirty="0" smtClean="0"/>
+              <a:t>ちょっとだけ</a:t>
+            </a:r>
+            <a:r>
+              <a:rPr lang="en-US" altLang="ja-JP" sz="3200" dirty="0" smtClean="0"/>
+              <a:t>)</a:t>
+            </a:r>
+            <a:endParaRPr lang="ja-JP" altLang="en-US" sz="3200" dirty="0"/>
+          </a:p>
+          <a:p>
+            <a:r>
+              <a:rPr lang="ja-JP" altLang="en-US" sz="3200" dirty="0"/>
+              <a:t>・レスポンス</a:t>
+            </a:r>
+            <a:r>
+              <a:rPr lang="ja-JP" altLang="en-US" sz="3200" dirty="0" smtClean="0"/>
+              <a:t>時間の用語を調べた。</a:t>
+            </a:r>
+            <a:endParaRPr kumimoji="1" lang="ja-JP" altLang="en-US" sz="2400" dirty="0"/>
+          </a:p>
+        </p:txBody>
+      </p:sp>
+    </p:spTree>
+    <p:extLst>
+      <p:ext uri="{BB962C8B-B14F-4D97-AF65-F5344CB8AC3E}">
+        <p14:creationId xmlns:p14="http://schemas.microsoft.com/office/powerpoint/2010/main" val="1210598288"/>
+      </p:ext>
+    </p:extLst>
+  </p:cSld>
+  <p:clrMapOvr>
+    <a:masterClrMapping/>
+  </p:clrMapOvr>
+</p:sld>
+</file>
+
 <file path=ppt/slides/slide2.xml><?xml version="1.0" encoding="utf-8"?>
 <p:sld xmlns:a="http://schemas.openxmlformats.org/drawingml/2006/main" xmlns:r="http://schemas.openxmlformats.org/officeDocument/2006/relationships" xmlns:p="http://schemas.openxmlformats.org/presentationml/2006/main">
   <p:cSld>
@@ -3621,6 +5073,29 @@
               <a:t>そもそもキーファインダーのようなタグを使えば落とし物を無くせるのでこのシステムはよくない。</a:t>
             </a:r>
             <a:endParaRPr lang="en-US" altLang="ja-JP" dirty="0"/>
+          </a:p>
+        </p:txBody>
+      </p:sp>
+      <p:sp>
+        <p:nvSpPr>
+          <p:cNvPr id="4" name="スライド番号プレースホルダー 3"/>
+          <p:cNvSpPr>
+            <a:spLocks noGrp="1"/>
+          </p:cNvSpPr>
+          <p:nvPr>
+            <p:ph type="sldNum" sz="quarter" idx="12"/>
+          </p:nvPr>
+        </p:nvSpPr>
+        <p:spPr/>
+        <p:txBody>
+          <a:bodyPr/>
+          <a:lstStyle/>
+          <a:p>
+            <a:fld id="{C1A4E16F-9CEB-47A6-B8DF-28924D05829B}" type="slidenum">
+              <a:rPr kumimoji="1" lang="ja-JP" altLang="en-US" smtClean="0"/>
+              <a:t>2</a:t>
+            </a:fld>
+            <a:endParaRPr kumimoji="1" lang="ja-JP" altLang="en-US"/>
           </a:p>
         </p:txBody>
       </p:sp>
@@ -3671,11 +5146,11 @@
           <a:p>
             <a:r>
               <a:rPr kumimoji="1" lang="ja-JP" altLang="en-US" dirty="0" smtClean="0"/>
-              <a:t>卒研テーマ</a:t>
-            </a:r>
-            <a:r>
-              <a:rPr kumimoji="1" lang="ja-JP" altLang="en-US" dirty="0" smtClean="0"/>
-              <a:t>決め</a:t>
+              <a:t>卒研テーマ決め</a:t>
+            </a:r>
+            <a:r>
+              <a:rPr kumimoji="1" lang="en-US" altLang="ja-JP" dirty="0" smtClean="0"/>
+              <a:t>4/30</a:t>
             </a:r>
             <a:endParaRPr kumimoji="1" lang="ja-JP" altLang="en-US" dirty="0"/>
           </a:p>
@@ -3749,6 +5224,29 @@
               <a:t>が担当するのはＬＢの部分</a:t>
             </a:r>
             <a:endParaRPr kumimoji="1" lang="ja-JP" altLang="en-US" sz="3200" dirty="0"/>
+          </a:p>
+        </p:txBody>
+      </p:sp>
+      <p:sp>
+        <p:nvSpPr>
+          <p:cNvPr id="4" name="スライド番号プレースホルダー 3"/>
+          <p:cNvSpPr>
+            <a:spLocks noGrp="1"/>
+          </p:cNvSpPr>
+          <p:nvPr>
+            <p:ph type="sldNum" sz="quarter" idx="12"/>
+          </p:nvPr>
+        </p:nvSpPr>
+        <p:spPr/>
+        <p:txBody>
+          <a:bodyPr/>
+          <a:lstStyle/>
+          <a:p>
+            <a:fld id="{C1A4E16F-9CEB-47A6-B8DF-28924D05829B}" type="slidenum">
+              <a:rPr kumimoji="1" lang="ja-JP" altLang="en-US" smtClean="0"/>
+              <a:t>3</a:t>
+            </a:fld>
+            <a:endParaRPr kumimoji="1" lang="ja-JP" altLang="en-US"/>
           </a:p>
         </p:txBody>
       </p:sp>
@@ -3806,6 +5304,10 @@
               <a:rPr kumimoji="1" lang="ja-JP" altLang="en-US" dirty="0" smtClean="0"/>
               <a:t>卒研テーマ決め</a:t>
             </a:r>
+            <a:r>
+              <a:rPr lang="en-US" altLang="ja-JP" dirty="0"/>
+              <a:t>4/30</a:t>
+            </a:r>
             <a:endParaRPr kumimoji="1" lang="ja-JP" altLang="en-US" dirty="0"/>
           </a:p>
         </p:txBody>
@@ -3943,6 +5445,29 @@
               <a:t>主流</a:t>
             </a:r>
             <a:endParaRPr kumimoji="1" lang="ja-JP" altLang="en-US" sz="3200" dirty="0"/>
+          </a:p>
+        </p:txBody>
+      </p:sp>
+      <p:sp>
+        <p:nvSpPr>
+          <p:cNvPr id="2" name="スライド番号プレースホルダー 1"/>
+          <p:cNvSpPr>
+            <a:spLocks noGrp="1"/>
+          </p:cNvSpPr>
+          <p:nvPr>
+            <p:ph type="sldNum" sz="quarter" idx="12"/>
+          </p:nvPr>
+        </p:nvSpPr>
+        <p:spPr/>
+        <p:txBody>
+          <a:bodyPr/>
+          <a:lstStyle/>
+          <a:p>
+            <a:fld id="{C1A4E16F-9CEB-47A6-B8DF-28924D05829B}" type="slidenum">
+              <a:rPr kumimoji="1" lang="ja-JP" altLang="en-US" smtClean="0"/>
+              <a:t>4</a:t>
+            </a:fld>
+            <a:endParaRPr kumimoji="1" lang="ja-JP" altLang="en-US"/>
           </a:p>
         </p:txBody>
       </p:sp>
@@ -4000,6 +5525,10 @@
               <a:rPr kumimoji="1" lang="ja-JP" altLang="en-US" dirty="0" smtClean="0"/>
               <a:t>卒研テーマ決め</a:t>
             </a:r>
+            <a:r>
+              <a:rPr lang="en-US" altLang="ja-JP" dirty="0"/>
+              <a:t>4/30</a:t>
+            </a:r>
             <a:endParaRPr kumimoji="1" lang="ja-JP" altLang="en-US" dirty="0"/>
           </a:p>
         </p:txBody>
@@ -4134,6 +5663,29 @@
               <a:t>実装方法、プログラミング方法。</a:t>
             </a:r>
             <a:endParaRPr kumimoji="1" lang="ja-JP" altLang="en-US" sz="3200" dirty="0"/>
+          </a:p>
+        </p:txBody>
+      </p:sp>
+      <p:sp>
+        <p:nvSpPr>
+          <p:cNvPr id="2" name="スライド番号プレースホルダー 1"/>
+          <p:cNvSpPr>
+            <a:spLocks noGrp="1"/>
+          </p:cNvSpPr>
+          <p:nvPr>
+            <p:ph type="sldNum" sz="quarter" idx="12"/>
+          </p:nvPr>
+        </p:nvSpPr>
+        <p:spPr/>
+        <p:txBody>
+          <a:bodyPr/>
+          <a:lstStyle/>
+          <a:p>
+            <a:fld id="{C1A4E16F-9CEB-47A6-B8DF-28924D05829B}" type="slidenum">
+              <a:rPr kumimoji="1" lang="ja-JP" altLang="en-US" smtClean="0"/>
+              <a:t>5</a:t>
+            </a:fld>
+            <a:endParaRPr kumimoji="1" lang="ja-JP" altLang="en-US"/>
           </a:p>
         </p:txBody>
       </p:sp>
@@ -4188,8 +5740,12 @@
           <a:lstStyle/>
           <a:p>
             <a:r>
-              <a:rPr kumimoji="1" lang="ja-JP" altLang="en-US" smtClean="0"/>
+              <a:rPr kumimoji="1" lang="ja-JP" altLang="en-US" dirty="0" smtClean="0"/>
               <a:t>卒研テーマ決め</a:t>
+            </a:r>
+            <a:r>
+              <a:rPr lang="en-US" altLang="ja-JP" dirty="0"/>
+              <a:t>4/30</a:t>
             </a:r>
             <a:endParaRPr kumimoji="1" lang="ja-JP" altLang="en-US" dirty="0"/>
           </a:p>
@@ -4318,6 +5874,29 @@
               <a:t>もあまり出てこなかった。</a:t>
             </a:r>
             <a:endParaRPr kumimoji="1" lang="ja-JP" altLang="en-US" sz="3200" dirty="0"/>
+          </a:p>
+        </p:txBody>
+      </p:sp>
+      <p:sp>
+        <p:nvSpPr>
+          <p:cNvPr id="2" name="スライド番号プレースホルダー 1"/>
+          <p:cNvSpPr>
+            <a:spLocks noGrp="1"/>
+          </p:cNvSpPr>
+          <p:nvPr>
+            <p:ph type="sldNum" sz="quarter" idx="12"/>
+          </p:nvPr>
+        </p:nvSpPr>
+        <p:spPr/>
+        <p:txBody>
+          <a:bodyPr/>
+          <a:lstStyle/>
+          <a:p>
+            <a:fld id="{C1A4E16F-9CEB-47A6-B8DF-28924D05829B}" type="slidenum">
+              <a:rPr kumimoji="1" lang="ja-JP" altLang="en-US" smtClean="0"/>
+              <a:t>6</a:t>
+            </a:fld>
+            <a:endParaRPr kumimoji="1" lang="ja-JP" altLang="en-US"/>
           </a:p>
         </p:txBody>
       </p:sp>
@@ -4375,6 +5954,10 @@
               <a:rPr kumimoji="1" lang="ja-JP" altLang="en-US" dirty="0" smtClean="0"/>
               <a:t>卒研テーマ決め</a:t>
             </a:r>
+            <a:r>
+              <a:rPr lang="en-US" altLang="ja-JP" dirty="0"/>
+              <a:t>4/30</a:t>
+            </a:r>
             <a:endParaRPr kumimoji="1" lang="ja-JP" altLang="en-US" dirty="0"/>
           </a:p>
         </p:txBody>
@@ -4425,10 +6008,329 @@
           </a:p>
         </p:txBody>
       </p:sp>
+      <p:sp>
+        <p:nvSpPr>
+          <p:cNvPr id="2" name="スライド番号プレースホルダー 1"/>
+          <p:cNvSpPr>
+            <a:spLocks noGrp="1"/>
+          </p:cNvSpPr>
+          <p:nvPr>
+            <p:ph type="sldNum" sz="quarter" idx="12"/>
+          </p:nvPr>
+        </p:nvSpPr>
+        <p:spPr/>
+        <p:txBody>
+          <a:bodyPr/>
+          <a:lstStyle/>
+          <a:p>
+            <a:fld id="{C1A4E16F-9CEB-47A6-B8DF-28924D05829B}" type="slidenum">
+              <a:rPr kumimoji="1" lang="ja-JP" altLang="en-US" smtClean="0"/>
+              <a:t>7</a:t>
+            </a:fld>
+            <a:endParaRPr kumimoji="1" lang="ja-JP" altLang="en-US"/>
+          </a:p>
+        </p:txBody>
+      </p:sp>
     </p:spTree>
     <p:extLst>
       <p:ext uri="{BB962C8B-B14F-4D97-AF65-F5344CB8AC3E}">
         <p14:creationId xmlns:p14="http://schemas.microsoft.com/office/powerpoint/2010/main" val="211976784"/>
+      </p:ext>
+    </p:extLst>
+  </p:cSld>
+  <p:clrMapOvr>
+    <a:masterClrMapping/>
+  </p:clrMapOvr>
+</p:sld>
+</file>
+
+<file path=ppt/slides/slide8.xml><?xml version="1.0" encoding="utf-8"?>
+<p:sld xmlns:a="http://schemas.openxmlformats.org/drawingml/2006/main" xmlns:r="http://schemas.openxmlformats.org/officeDocument/2006/relationships" xmlns:p="http://schemas.openxmlformats.org/presentationml/2006/main">
+  <p:cSld>
+    <p:spTree>
+      <p:nvGrpSpPr>
+        <p:cNvPr id="1" name=""/>
+        <p:cNvGrpSpPr/>
+        <p:nvPr/>
+      </p:nvGrpSpPr>
+      <p:grpSpPr>
+        <a:xfrm>
+          <a:off x="0" y="0"/>
+          <a:ext cx="0" cy="0"/>
+          <a:chOff x="0" y="0"/>
+          <a:chExt cx="0" cy="0"/>
+        </a:xfrm>
+      </p:grpSpPr>
+      <p:sp>
+        <p:nvSpPr>
+          <p:cNvPr id="2" name="タイトル 1"/>
+          <p:cNvSpPr>
+            <a:spLocks noGrp="1"/>
+          </p:cNvSpPr>
+          <p:nvPr>
+            <p:ph type="title"/>
+          </p:nvPr>
+        </p:nvSpPr>
+        <p:spPr/>
+        <p:txBody>
+          <a:bodyPr>
+            <a:normAutofit/>
+          </a:bodyPr>
+          <a:lstStyle/>
+          <a:p>
+            <a:r>
+              <a:rPr kumimoji="1" lang="ja-JP" altLang="en-US" sz="4000" dirty="0" smtClean="0"/>
+              <a:t>レスポンス速度を考慮したロードバランサー</a:t>
+            </a:r>
+            <a:endParaRPr kumimoji="1" lang="ja-JP" altLang="en-US" sz="4000" dirty="0"/>
+          </a:p>
+        </p:txBody>
+      </p:sp>
+      <p:sp>
+        <p:nvSpPr>
+          <p:cNvPr id="3" name="スライド番号プレースホルダー 2"/>
+          <p:cNvSpPr>
+            <a:spLocks noGrp="1"/>
+          </p:cNvSpPr>
+          <p:nvPr>
+            <p:ph type="sldNum" sz="quarter" idx="12"/>
+          </p:nvPr>
+        </p:nvSpPr>
+        <p:spPr/>
+        <p:txBody>
+          <a:bodyPr/>
+          <a:lstStyle/>
+          <a:p>
+            <a:fld id="{C1A4E16F-9CEB-47A6-B8DF-28924D05829B}" type="slidenum">
+              <a:rPr kumimoji="1" lang="ja-JP" altLang="en-US" smtClean="0"/>
+              <a:t>8</a:t>
+            </a:fld>
+            <a:endParaRPr kumimoji="1" lang="ja-JP" altLang="en-US"/>
+          </a:p>
+        </p:txBody>
+      </p:sp>
+      <p:pic>
+        <p:nvPicPr>
+          <p:cNvPr id="4" name="図 3"/>
+          <p:cNvPicPr>
+            <a:picLocks noChangeAspect="1"/>
+          </p:cNvPicPr>
+          <p:nvPr/>
+        </p:nvPicPr>
+        <p:blipFill>
+          <a:blip r:embed="rId2"/>
+          <a:stretch>
+            <a:fillRect/>
+          </a:stretch>
+        </p:blipFill>
+        <p:spPr>
+          <a:xfrm>
+            <a:off x="1029742" y="1690688"/>
+            <a:ext cx="3296798" cy="4092577"/>
+          </a:xfrm>
+          <a:prstGeom prst="rect">
+            <a:avLst/>
+          </a:prstGeom>
+        </p:spPr>
+      </p:pic>
+      <p:sp>
+        <p:nvSpPr>
+          <p:cNvPr id="5" name="テキスト ボックス 4"/>
+          <p:cNvSpPr txBox="1"/>
+          <p:nvPr/>
+        </p:nvSpPr>
+        <p:spPr>
+          <a:xfrm>
+            <a:off x="4563762" y="2479589"/>
+            <a:ext cx="5724644" cy="1692771"/>
+          </a:xfrm>
+          <a:prstGeom prst="rect">
+            <a:avLst/>
+          </a:prstGeom>
+          <a:noFill/>
+        </p:spPr>
+        <p:txBody>
+          <a:bodyPr wrap="none" rtlCol="0">
+            <a:spAutoFit/>
+          </a:bodyPr>
+          <a:lstStyle/>
+          <a:p>
+            <a:r>
+              <a:rPr kumimoji="1" lang="ja-JP" altLang="en-US" sz="3200" dirty="0" smtClean="0"/>
+              <a:t>イメージ</a:t>
+            </a:r>
+            <a:endParaRPr kumimoji="1" lang="en-US" altLang="ja-JP" sz="3200" dirty="0" smtClean="0"/>
+          </a:p>
+          <a:p>
+            <a:r>
+              <a:rPr kumimoji="1" lang="ja-JP" altLang="en-US" sz="2400" dirty="0" smtClean="0"/>
+              <a:t>冗長的なサーバ数個用意し</a:t>
+            </a:r>
+            <a:endParaRPr kumimoji="1" lang="en-US" altLang="ja-JP" sz="2400" dirty="0" smtClean="0"/>
+          </a:p>
+          <a:p>
+            <a:r>
+              <a:rPr lang="ja-JP" altLang="en-US" sz="2400" dirty="0" smtClean="0"/>
+              <a:t>負荷だけでなく、応答速度にも配慮して</a:t>
+            </a:r>
+            <a:endParaRPr lang="en-US" altLang="ja-JP" sz="2400" dirty="0" smtClean="0"/>
+          </a:p>
+          <a:p>
+            <a:r>
+              <a:rPr kumimoji="1" lang="ja-JP" altLang="en-US" sz="2400" dirty="0" smtClean="0"/>
+              <a:t>選択してくれる</a:t>
+            </a:r>
+            <a:r>
+              <a:rPr kumimoji="1" lang="en-US" altLang="ja-JP" sz="2400" dirty="0" smtClean="0"/>
+              <a:t>LB</a:t>
+            </a:r>
+          </a:p>
+        </p:txBody>
+      </p:sp>
+    </p:spTree>
+    <p:extLst>
+      <p:ext uri="{BB962C8B-B14F-4D97-AF65-F5344CB8AC3E}">
+        <p14:creationId xmlns:p14="http://schemas.microsoft.com/office/powerpoint/2010/main" val="1777600347"/>
+      </p:ext>
+    </p:extLst>
+  </p:cSld>
+  <p:clrMapOvr>
+    <a:masterClrMapping/>
+  </p:clrMapOvr>
+</p:sld>
+</file>
+
+<file path=ppt/slides/slide9.xml><?xml version="1.0" encoding="utf-8"?>
+<p:sld xmlns:a="http://schemas.openxmlformats.org/drawingml/2006/main" xmlns:r="http://schemas.openxmlformats.org/officeDocument/2006/relationships" xmlns:p="http://schemas.openxmlformats.org/presentationml/2006/main">
+  <p:cSld>
+    <p:spTree>
+      <p:nvGrpSpPr>
+        <p:cNvPr id="1" name=""/>
+        <p:cNvGrpSpPr/>
+        <p:nvPr/>
+      </p:nvGrpSpPr>
+      <p:grpSpPr>
+        <a:xfrm>
+          <a:off x="0" y="0"/>
+          <a:ext cx="0" cy="0"/>
+          <a:chOff x="0" y="0"/>
+          <a:chExt cx="0" cy="0"/>
+        </a:xfrm>
+      </p:grpSpPr>
+      <p:sp>
+        <p:nvSpPr>
+          <p:cNvPr id="2" name="タイトル 1"/>
+          <p:cNvSpPr>
+            <a:spLocks noGrp="1"/>
+          </p:cNvSpPr>
+          <p:nvPr>
+            <p:ph type="title"/>
+          </p:nvPr>
+        </p:nvSpPr>
+        <p:spPr/>
+        <p:txBody>
+          <a:bodyPr>
+            <a:normAutofit/>
+          </a:bodyPr>
+          <a:lstStyle/>
+          <a:p>
+            <a:r>
+              <a:rPr kumimoji="1" lang="ja-JP" altLang="en-US" sz="4000" dirty="0" smtClean="0"/>
+              <a:t>レスポンス速度を考慮したロードバランサー</a:t>
+            </a:r>
+            <a:endParaRPr kumimoji="1" lang="ja-JP" altLang="en-US" sz="4000" dirty="0"/>
+          </a:p>
+        </p:txBody>
+      </p:sp>
+      <p:sp>
+        <p:nvSpPr>
+          <p:cNvPr id="3" name="スライド番号プレースホルダー 2"/>
+          <p:cNvSpPr>
+            <a:spLocks noGrp="1"/>
+          </p:cNvSpPr>
+          <p:nvPr>
+            <p:ph type="sldNum" sz="quarter" idx="12"/>
+          </p:nvPr>
+        </p:nvSpPr>
+        <p:spPr/>
+        <p:txBody>
+          <a:bodyPr/>
+          <a:lstStyle/>
+          <a:p>
+            <a:fld id="{C1A4E16F-9CEB-47A6-B8DF-28924D05829B}" type="slidenum">
+              <a:rPr kumimoji="1" lang="ja-JP" altLang="en-US" smtClean="0"/>
+              <a:t>9</a:t>
+            </a:fld>
+            <a:endParaRPr kumimoji="1" lang="ja-JP" altLang="en-US"/>
+          </a:p>
+        </p:txBody>
+      </p:sp>
+      <p:sp>
+        <p:nvSpPr>
+          <p:cNvPr id="5" name="テキスト ボックス 4"/>
+          <p:cNvSpPr txBox="1"/>
+          <p:nvPr/>
+        </p:nvSpPr>
+        <p:spPr>
+          <a:xfrm>
+            <a:off x="746673" y="1916063"/>
+            <a:ext cx="10443885" cy="3046988"/>
+          </a:xfrm>
+          <a:prstGeom prst="rect">
+            <a:avLst/>
+          </a:prstGeom>
+          <a:noFill/>
+        </p:spPr>
+        <p:txBody>
+          <a:bodyPr wrap="none" rtlCol="0">
+            <a:spAutoFit/>
+          </a:bodyPr>
+          <a:lstStyle/>
+          <a:p>
+            <a:r>
+              <a:rPr lang="ja-JP" altLang="en-US" sz="3200" dirty="0"/>
+              <a:t>前回頂いたアドバイス</a:t>
+            </a:r>
+          </a:p>
+          <a:p>
+            <a:endParaRPr lang="ja-JP" altLang="en-US" sz="3200" dirty="0"/>
+          </a:p>
+          <a:p>
+            <a:r>
+              <a:rPr lang="ja-JP" altLang="en-US" sz="3200" dirty="0"/>
+              <a:t>一日の平均レスポンス時間を</a:t>
+            </a:r>
+            <a:r>
+              <a:rPr lang="en-US" altLang="ja-JP" sz="3200" dirty="0"/>
+              <a:t>DB</a:t>
+            </a:r>
+            <a:r>
+              <a:rPr lang="ja-JP" altLang="en-US" sz="3200" dirty="0"/>
+              <a:t>に取っておく</a:t>
+            </a:r>
+          </a:p>
+          <a:p>
+            <a:r>
+              <a:rPr lang="ja-JP" altLang="en-US" sz="3200" dirty="0"/>
+              <a:t>それを元にどのサーバを使うか選択する時の指標にする</a:t>
+            </a:r>
+          </a:p>
+          <a:p>
+            <a:endParaRPr lang="ja-JP" altLang="en-US" sz="3200" dirty="0"/>
+          </a:p>
+          <a:p>
+            <a:r>
+              <a:rPr lang="ja-JP" altLang="en-US" sz="3200" dirty="0"/>
+              <a:t>→まずは応答速度のデータを取る所からスタート</a:t>
+            </a:r>
+            <a:endParaRPr kumimoji="1" lang="en-US" altLang="ja-JP" sz="3200" dirty="0" smtClean="0"/>
+          </a:p>
+        </p:txBody>
+      </p:sp>
+    </p:spTree>
+    <p:extLst>
+      <p:ext uri="{BB962C8B-B14F-4D97-AF65-F5344CB8AC3E}">
+        <p14:creationId xmlns:p14="http://schemas.microsoft.com/office/powerpoint/2010/main" val="764324972"/>
       </p:ext>
     </p:extLst>
   </p:cSld>
@@ -4697,4 +6599,265 @@
     </a:ext>
   </a:extLst>
 </a:theme>
+</file>
+
+<file path=ppt/theme/theme2.xml><?xml version="1.0" encoding="utf-8"?>
+<a:theme xmlns:a="http://schemas.openxmlformats.org/drawingml/2006/main" name="Office テーマ">
+  <a:themeElements>
+    <a:clrScheme name="Office">
+      <a:dk1>
+        <a:sysClr val="windowText" lastClr="000000"/>
+      </a:dk1>
+      <a:lt1>
+        <a:sysClr val="window" lastClr="FFFFFF"/>
+      </a:lt1>
+      <a:dk2>
+        <a:srgbClr val="44546A"/>
+      </a:dk2>
+      <a:lt2>
+        <a:srgbClr val="E7E6E6"/>
+      </a:lt2>
+      <a:accent1>
+        <a:srgbClr val="5B9BD5"/>
+      </a:accent1>
+      <a:accent2>
+        <a:srgbClr val="ED7D31"/>
+      </a:accent2>
+      <a:accent3>
+        <a:srgbClr val="A5A5A5"/>
+      </a:accent3>
+      <a:accent4>
+        <a:srgbClr val="FFC000"/>
+      </a:accent4>
+      <a:accent5>
+        <a:srgbClr val="4472C4"/>
+      </a:accent5>
+      <a:accent6>
+        <a:srgbClr val="70AD47"/>
+      </a:accent6>
+      <a:hlink>
+        <a:srgbClr val="0563C1"/>
+      </a:hlink>
+      <a:folHlink>
+        <a:srgbClr val="954F72"/>
+      </a:folHlink>
+    </a:clrScheme>
+    <a:fontScheme name="Office">
+      <a:majorFont>
+        <a:latin typeface="Calibri Light" panose="020F0302020204030204"/>
+        <a:ea typeface=""/>
+        <a:cs typeface=""/>
+        <a:font script="Jpan" typeface="ＭＳ Ｐゴシック"/>
+        <a:font script="Hang" typeface="맑은 고딕"/>
+        <a:font script="Hans" typeface="宋体"/>
+        <a:font script="Hant" typeface="新細明體"/>
+        <a:font script="Arab" typeface="Times New Roman"/>
+        <a:font script="Hebr" typeface="Times New Roman"/>
+        <a:font script="Thai" typeface="Angsana New"/>
+        <a:font script="Ethi" typeface="Nyala"/>
+        <a:font script="Beng" typeface="Vrinda"/>
+        <a:font script="Gujr" typeface="Shruti"/>
+        <a:font script="Khmr" typeface="MoolBoran"/>
+        <a:font script="Knda" typeface="Tunga"/>
+        <a:font script="Guru" typeface="Raavi"/>
+        <a:font script="Cans" typeface="Euphemia"/>
+        <a:font script="Cher" typeface="Plantagenet Cherokee"/>
+        <a:font script="Yiii" typeface="Microsoft Yi Baiti"/>
+        <a:font script="Tibt" typeface="Microsoft Himalaya"/>
+        <a:font script="Thaa" typeface="MV Boli"/>
+        <a:font script="Deva" typeface="Mangal"/>
+        <a:font script="Telu" typeface="Gautami"/>
+        <a:font script="Taml" typeface="Latha"/>
+        <a:font script="Syrc" typeface="Estrangelo Edessa"/>
+        <a:font script="Orya" typeface="Kalinga"/>
+        <a:font script="Mlym" typeface="Kartika"/>
+        <a:font script="Laoo" typeface="DokChampa"/>
+        <a:font script="Sinh" typeface="Iskoola Pota"/>
+        <a:font script="Mong" typeface="Mongolian Baiti"/>
+        <a:font script="Viet" typeface="Times New Roman"/>
+        <a:font script="Uigh" typeface="Microsoft Uighur"/>
+        <a:font script="Geor" typeface="Sylfaen"/>
+      </a:majorFont>
+      <a:minorFont>
+        <a:latin typeface="Calibri" panose="020F0502020204030204"/>
+        <a:ea typeface=""/>
+        <a:cs typeface=""/>
+        <a:font script="Jpan" typeface="ＭＳ Ｐゴシック"/>
+        <a:font script="Hang" typeface="맑은 고딕"/>
+        <a:font script="Hans" typeface="宋体"/>
+        <a:font script="Hant" typeface="新細明體"/>
+        <a:font script="Arab" typeface="Arial"/>
+        <a:font script="Hebr" typeface="Arial"/>
+        <a:font script="Thai" typeface="Cordia New"/>
+        <a:font script="Ethi" typeface="Nyala"/>
+        <a:font script="Beng" typeface="Vrinda"/>
+        <a:font script="Gujr" typeface="Shruti"/>
+        <a:font script="Khmr" typeface="DaunPenh"/>
+        <a:font script="Knda" typeface="Tunga"/>
+        <a:font script="Guru" typeface="Raavi"/>
+        <a:font script="Cans" typeface="Euphemia"/>
+        <a:font script="Cher" typeface="Plantagenet Cherokee"/>
+        <a:font script="Yiii" typeface="Microsoft Yi Baiti"/>
+        <a:font script="Tibt" typeface="Microsoft Himalaya"/>
+        <a:font script="Thaa" typeface="MV Boli"/>
+        <a:font script="Deva" typeface="Mangal"/>
+        <a:font script="Telu" typeface="Gautami"/>
+        <a:font script="Taml" typeface="Latha"/>
+        <a:font script="Syrc" typeface="Estrangelo Edessa"/>
+        <a:font script="Orya" typeface="Kalinga"/>
+        <a:font script="Mlym" typeface="Kartika"/>
+        <a:font script="Laoo" typeface="DokChampa"/>
+        <a:font script="Sinh" typeface="Iskoola Pota"/>
+        <a:font script="Mong" typeface="Mongolian Baiti"/>
+        <a:font script="Viet" typeface="Arial"/>
+        <a:font script="Uigh" typeface="Microsoft Uighur"/>
+        <a:font script="Geor" typeface="Sylfaen"/>
+      </a:minorFont>
+    </a:fontScheme>
+    <a:fmtScheme name="Office">
+      <a:fillStyleLst>
+        <a:solidFill>
+          <a:schemeClr val="phClr"/>
+        </a:solidFill>
+        <a:gradFill rotWithShape="1">
+          <a:gsLst>
+            <a:gs pos="0">
+              <a:schemeClr val="phClr">
+                <a:lumMod val="110000"/>
+                <a:satMod val="105000"/>
+                <a:tint val="67000"/>
+              </a:schemeClr>
+            </a:gs>
+            <a:gs pos="50000">
+              <a:schemeClr val="phClr">
+                <a:lumMod val="105000"/>
+                <a:satMod val="103000"/>
+                <a:tint val="73000"/>
+              </a:schemeClr>
+            </a:gs>
+            <a:gs pos="100000">
+              <a:schemeClr val="phClr">
+                <a:lumMod val="105000"/>
+                <a:satMod val="109000"/>
+                <a:tint val="81000"/>
+              </a:schemeClr>
+            </a:gs>
+          </a:gsLst>
+          <a:lin ang="5400000" scaled="0"/>
+        </a:gradFill>
+        <a:gradFill rotWithShape="1">
+          <a:gsLst>
+            <a:gs pos="0">
+              <a:schemeClr val="phClr">
+                <a:satMod val="103000"/>
+                <a:lumMod val="102000"/>
+                <a:tint val="94000"/>
+              </a:schemeClr>
+            </a:gs>
+            <a:gs pos="50000">
+              <a:schemeClr val="phClr">
+                <a:satMod val="110000"/>
+                <a:lumMod val="100000"/>
+                <a:shade val="100000"/>
+              </a:schemeClr>
+            </a:gs>
+            <a:gs pos="100000">
+              <a:schemeClr val="phClr">
+                <a:lumMod val="99000"/>
+                <a:satMod val="120000"/>
+                <a:shade val="78000"/>
+              </a:schemeClr>
+            </a:gs>
+          </a:gsLst>
+          <a:lin ang="5400000" scaled="0"/>
+        </a:gradFill>
+      </a:fillStyleLst>
+      <a:lnStyleLst>
+        <a:ln w="6350" cap="flat" cmpd="sng" algn="ctr">
+          <a:solidFill>
+            <a:schemeClr val="phClr"/>
+          </a:solidFill>
+          <a:prstDash val="solid"/>
+          <a:miter lim="800000"/>
+        </a:ln>
+        <a:ln w="12700" cap="flat" cmpd="sng" algn="ctr">
+          <a:solidFill>
+            <a:schemeClr val="phClr"/>
+          </a:solidFill>
+          <a:prstDash val="solid"/>
+          <a:miter lim="800000"/>
+        </a:ln>
+        <a:ln w="19050" cap="flat" cmpd="sng" algn="ctr">
+          <a:solidFill>
+            <a:schemeClr val="phClr"/>
+          </a:solidFill>
+          <a:prstDash val="solid"/>
+          <a:miter lim="800000"/>
+        </a:ln>
+      </a:lnStyleLst>
+      <a:effectStyleLst>
+        <a:effectStyle>
+          <a:effectLst/>
+        </a:effectStyle>
+        <a:effectStyle>
+          <a:effectLst/>
+        </a:effectStyle>
+        <a:effectStyle>
+          <a:effectLst>
+            <a:outerShdw blurRad="57150" dist="19050" dir="5400000" algn="ctr" rotWithShape="0">
+              <a:srgbClr val="000000">
+                <a:alpha val="63000"/>
+              </a:srgbClr>
+            </a:outerShdw>
+          </a:effectLst>
+        </a:effectStyle>
+      </a:effectStyleLst>
+      <a:bgFillStyleLst>
+        <a:solidFill>
+          <a:schemeClr val="phClr"/>
+        </a:solidFill>
+        <a:solidFill>
+          <a:schemeClr val="phClr">
+            <a:tint val="95000"/>
+            <a:satMod val="170000"/>
+          </a:schemeClr>
+        </a:solidFill>
+        <a:gradFill rotWithShape="1">
+          <a:gsLst>
+            <a:gs pos="0">
+              <a:schemeClr val="phClr">
+                <a:tint val="93000"/>
+                <a:satMod val="150000"/>
+                <a:shade val="98000"/>
+                <a:lumMod val="102000"/>
+              </a:schemeClr>
+            </a:gs>
+            <a:gs pos="50000">
+              <a:schemeClr val="phClr">
+                <a:tint val="98000"/>
+                <a:satMod val="130000"/>
+                <a:shade val="90000"/>
+                <a:lumMod val="103000"/>
+              </a:schemeClr>
+            </a:gs>
+            <a:gs pos="100000">
+              <a:schemeClr val="phClr">
+                <a:shade val="63000"/>
+                <a:satMod val="120000"/>
+              </a:schemeClr>
+            </a:gs>
+          </a:gsLst>
+          <a:lin ang="5400000" scaled="0"/>
+        </a:gradFill>
+      </a:bgFillStyleLst>
+    </a:fmtScheme>
+  </a:themeElements>
+  <a:objectDefaults/>
+  <a:extraClrSchemeLst/>
+  <a:extLst>
+    <a:ext uri="{05A4C25C-085E-4340-85A3-A5531E510DB2}">
+      <thm15:themeFamily xmlns:thm15="http://schemas.microsoft.com/office/thememl/2012/main" name="Office Theme" id="{62F939B6-93AF-4DB8-9C6B-D6C7DFDC589F}" vid="{4A3C46E8-61CC-4603-A589-7422A47A8E4A}"/>
+    </a:ext>
+  </a:extLst>
+</a:theme>
 </file>
--- a/1821086_matsuo_sotsuken.pptx
+++ b/1821086_matsuo_sotsuken.pptx
@@ -2,7 +2,7 @@
 <file path=ppt/presentation.xml><?xml version="1.0" encoding="utf-8"?>
 <p:presentation xmlns:a="http://schemas.openxmlformats.org/drawingml/2006/main" xmlns:r="http://schemas.openxmlformats.org/officeDocument/2006/relationships" xmlns:p="http://schemas.openxmlformats.org/presentationml/2006/main" saveSubsetFonts="1">
   <p:sldMasterIdLst>
-    <p:sldMasterId id="2147483648" r:id="rId1"/>
+    <p:sldMasterId id="2147483660" r:id="rId1"/>
   </p:sldMasterIdLst>
   <p:notesMasterIdLst>
     <p:notesMasterId r:id="rId15"/>
@@ -22,14 +22,14 @@
     <p:sldId id="271" r:id="rId13"/>
     <p:sldId id="273" r:id="rId14"/>
   </p:sldIdLst>
-  <p:sldSz cx="12192000" cy="6858000"/>
+  <p:sldSz cx="9144000" cy="6858000" type="screen4x3"/>
   <p:notesSz cx="6858000" cy="9144000"/>
   <p:defaultTextStyle>
     <a:defPPr>
-      <a:defRPr lang="ja-JP"/>
+      <a:defRPr lang="en-US"/>
     </a:defPPr>
-    <a:lvl1pPr marL="0" algn="l" defTabSz="914400" rtl="0" eaLnBrk="1" latinLnBrk="0" hangingPunct="1">
-      <a:defRPr kumimoji="1" sz="1800" kern="1200">
+    <a:lvl1pPr marL="0" algn="l" defTabSz="457200" rtl="0" eaLnBrk="1" latinLnBrk="0" hangingPunct="1">
+      <a:defRPr sz="1800" kern="1200">
         <a:solidFill>
           <a:schemeClr val="tx1"/>
         </a:solidFill>
@@ -38,8 +38,8 @@
         <a:cs typeface="+mn-cs"/>
       </a:defRPr>
     </a:lvl1pPr>
-    <a:lvl2pPr marL="457200" algn="l" defTabSz="914400" rtl="0" eaLnBrk="1" latinLnBrk="0" hangingPunct="1">
-      <a:defRPr kumimoji="1" sz="1800" kern="1200">
+    <a:lvl2pPr marL="457200" algn="l" defTabSz="457200" rtl="0" eaLnBrk="1" latinLnBrk="0" hangingPunct="1">
+      <a:defRPr sz="1800" kern="1200">
         <a:solidFill>
           <a:schemeClr val="tx1"/>
         </a:solidFill>
@@ -48,8 +48,8 @@
         <a:cs typeface="+mn-cs"/>
       </a:defRPr>
     </a:lvl2pPr>
-    <a:lvl3pPr marL="914400" algn="l" defTabSz="914400" rtl="0" eaLnBrk="1" latinLnBrk="0" hangingPunct="1">
-      <a:defRPr kumimoji="1" sz="1800" kern="1200">
+    <a:lvl3pPr marL="914400" algn="l" defTabSz="457200" rtl="0" eaLnBrk="1" latinLnBrk="0" hangingPunct="1">
+      <a:defRPr sz="1800" kern="1200">
         <a:solidFill>
           <a:schemeClr val="tx1"/>
         </a:solidFill>
@@ -58,8 +58,8 @@
         <a:cs typeface="+mn-cs"/>
       </a:defRPr>
     </a:lvl3pPr>
-    <a:lvl4pPr marL="1371600" algn="l" defTabSz="914400" rtl="0" eaLnBrk="1" latinLnBrk="0" hangingPunct="1">
-      <a:defRPr kumimoji="1" sz="1800" kern="1200">
+    <a:lvl4pPr marL="1371600" algn="l" defTabSz="457200" rtl="0" eaLnBrk="1" latinLnBrk="0" hangingPunct="1">
+      <a:defRPr sz="1800" kern="1200">
         <a:solidFill>
           <a:schemeClr val="tx1"/>
         </a:solidFill>
@@ -68,8 +68,8 @@
         <a:cs typeface="+mn-cs"/>
       </a:defRPr>
     </a:lvl4pPr>
-    <a:lvl5pPr marL="1828800" algn="l" defTabSz="914400" rtl="0" eaLnBrk="1" latinLnBrk="0" hangingPunct="1">
-      <a:defRPr kumimoji="1" sz="1800" kern="1200">
+    <a:lvl5pPr marL="1828800" algn="l" defTabSz="457200" rtl="0" eaLnBrk="1" latinLnBrk="0" hangingPunct="1">
+      <a:defRPr sz="1800" kern="1200">
         <a:solidFill>
           <a:schemeClr val="tx1"/>
         </a:solidFill>
@@ -78,8 +78,8 @@
         <a:cs typeface="+mn-cs"/>
       </a:defRPr>
     </a:lvl5pPr>
-    <a:lvl6pPr marL="2286000" algn="l" defTabSz="914400" rtl="0" eaLnBrk="1" latinLnBrk="0" hangingPunct="1">
-      <a:defRPr kumimoji="1" sz="1800" kern="1200">
+    <a:lvl6pPr marL="2286000" algn="l" defTabSz="457200" rtl="0" eaLnBrk="1" latinLnBrk="0" hangingPunct="1">
+      <a:defRPr sz="1800" kern="1200">
         <a:solidFill>
           <a:schemeClr val="tx1"/>
         </a:solidFill>
@@ -88,8 +88,8 @@
         <a:cs typeface="+mn-cs"/>
       </a:defRPr>
     </a:lvl6pPr>
-    <a:lvl7pPr marL="2743200" algn="l" defTabSz="914400" rtl="0" eaLnBrk="1" latinLnBrk="0" hangingPunct="1">
-      <a:defRPr kumimoji="1" sz="1800" kern="1200">
+    <a:lvl7pPr marL="2743200" algn="l" defTabSz="457200" rtl="0" eaLnBrk="1" latinLnBrk="0" hangingPunct="1">
+      <a:defRPr sz="1800" kern="1200">
         <a:solidFill>
           <a:schemeClr val="tx1"/>
         </a:solidFill>
@@ -98,8 +98,8 @@
         <a:cs typeface="+mn-cs"/>
       </a:defRPr>
     </a:lvl7pPr>
-    <a:lvl8pPr marL="3200400" algn="l" defTabSz="914400" rtl="0" eaLnBrk="1" latinLnBrk="0" hangingPunct="1">
-      <a:defRPr kumimoji="1" sz="1800" kern="1200">
+    <a:lvl8pPr marL="3200400" algn="l" defTabSz="457200" rtl="0" eaLnBrk="1" latinLnBrk="0" hangingPunct="1">
+      <a:defRPr sz="1800" kern="1200">
         <a:solidFill>
           <a:schemeClr val="tx1"/>
         </a:solidFill>
@@ -108,8 +108,8 @@
         <a:cs typeface="+mn-cs"/>
       </a:defRPr>
     </a:lvl8pPr>
-    <a:lvl9pPr marL="3657600" algn="l" defTabSz="914400" rtl="0" eaLnBrk="1" latinLnBrk="0" hangingPunct="1">
-      <a:defRPr kumimoji="1" sz="1800" kern="1200">
+    <a:lvl9pPr marL="3657600" algn="l" defTabSz="457200" rtl="0" eaLnBrk="1" latinLnBrk="0" hangingPunct="1">
+      <a:defRPr sz="1800" kern="1200">
         <a:solidFill>
           <a:schemeClr val="tx1"/>
         </a:solidFill>
@@ -209,7 +209,7 @@
           <a:p>
             <a:fld id="{869FDBD3-40C4-4F2A-82A8-38E5DBC6C4C1}" type="datetimeFigureOut">
               <a:rPr kumimoji="1" lang="ja-JP" altLang="en-US" smtClean="0"/>
-              <a:t>2021/5/7</a:t>
+              <a:t>2021/5/10</a:t>
             </a:fld>
             <a:endParaRPr kumimoji="1" lang="ja-JP" altLang="en-US"/>
           </a:p>
@@ -227,8 +227,8 @@
         </p:nvSpPr>
         <p:spPr>
           <a:xfrm>
-            <a:off x="685800" y="1143000"/>
-            <a:ext cx="5486400" cy="3086100"/>
+            <a:off x="1371600" y="1143000"/>
+            <a:ext cx="4114800" cy="3086100"/>
           </a:xfrm>
           <a:prstGeom prst="rect">
             <a:avLst/>
@@ -536,7 +536,12 @@
             <p:ph type="sldImg"/>
           </p:nvPr>
         </p:nvSpPr>
-        <p:spPr/>
+        <p:spPr>
+          <a:xfrm>
+            <a:off x="1371600" y="1143000"/>
+            <a:ext cx="4114800" cy="3086100"/>
+          </a:xfrm>
+        </p:spPr>
       </p:sp>
       <p:sp>
         <p:nvSpPr>
@@ -612,7 +617,7 @@
       </p:grpSpPr>
       <p:sp>
         <p:nvSpPr>
-          <p:cNvPr id="2" name="タイトル 1"/>
+          <p:cNvPr id="2" name="Title 1"/>
           <p:cNvSpPr>
             <a:spLocks noGrp="1"/>
           </p:cNvSpPr>
@@ -622,8 +627,8 @@
         </p:nvSpPr>
         <p:spPr>
           <a:xfrm>
-            <a:off x="1524000" y="1122363"/>
-            <a:ext cx="9144000" cy="2387600"/>
+            <a:off x="685800" y="1122363"/>
+            <a:ext cx="7772400" cy="2387600"/>
           </a:xfrm>
         </p:spPr>
         <p:txBody>
@@ -635,16 +640,16 @@
           </a:lstStyle>
           <a:p>
             <a:r>
-              <a:rPr kumimoji="1" lang="ja-JP" altLang="en-US" smtClean="0"/>
+              <a:rPr lang="ja-JP" altLang="en-US" smtClean="0"/>
               <a:t>マスター タイトルの書式設定</a:t>
             </a:r>
-            <a:endParaRPr kumimoji="1" lang="ja-JP" altLang="en-US"/>
-          </a:p>
-        </p:txBody>
-      </p:sp>
-      <p:sp>
-        <p:nvSpPr>
-          <p:cNvPr id="3" name="サブタイトル 2"/>
+            <a:endParaRPr lang="en-US" dirty="0"/>
+          </a:p>
+        </p:txBody>
+      </p:sp>
+      <p:sp>
+        <p:nvSpPr>
+          <p:cNvPr id="3" name="Subtitle 2"/>
           <p:cNvSpPr>
             <a:spLocks noGrp="1"/>
           </p:cNvSpPr>
@@ -654,8 +659,8 @@
         </p:nvSpPr>
         <p:spPr>
           <a:xfrm>
-            <a:off x="1524000" y="3602038"/>
-            <a:ext cx="9144000" cy="1655762"/>
+            <a:off x="1143000" y="3602038"/>
+            <a:ext cx="6858000" cy="1655762"/>
           </a:xfrm>
         </p:spPr>
         <p:txBody>
@@ -700,16 +705,16 @@
           </a:lstStyle>
           <a:p>
             <a:r>
-              <a:rPr kumimoji="1" lang="ja-JP" altLang="en-US" smtClean="0"/>
+              <a:rPr lang="ja-JP" altLang="en-US" smtClean="0"/>
               <a:t>マスター サブタイトルの書式設定</a:t>
             </a:r>
-            <a:endParaRPr kumimoji="1" lang="ja-JP" altLang="en-US"/>
-          </a:p>
-        </p:txBody>
-      </p:sp>
-      <p:sp>
-        <p:nvSpPr>
-          <p:cNvPr id="4" name="日付プレースホルダー 3"/>
+            <a:endParaRPr lang="en-US" dirty="0"/>
+          </a:p>
+        </p:txBody>
+      </p:sp>
+      <p:sp>
+        <p:nvSpPr>
+          <p:cNvPr id="4" name="Date Placeholder 3"/>
           <p:cNvSpPr>
             <a:spLocks noGrp="1"/>
           </p:cNvSpPr>
@@ -724,7 +729,7 @@
           <a:p>
             <a:fld id="{494AB2A1-E364-47CF-B5DC-53E264C607F6}" type="datetime1">
               <a:rPr kumimoji="1" lang="ja-JP" altLang="en-US" smtClean="0"/>
-              <a:t>2021/5/7</a:t>
+              <a:t>2021/5/10</a:t>
             </a:fld>
             <a:endParaRPr kumimoji="1" lang="ja-JP" altLang="en-US"/>
           </a:p>
@@ -732,7 +737,7 @@
       </p:sp>
       <p:sp>
         <p:nvSpPr>
-          <p:cNvPr id="5" name="フッター プレースホルダー 4"/>
+          <p:cNvPr id="5" name="Footer Placeholder 4"/>
           <p:cNvSpPr>
             <a:spLocks noGrp="1"/>
           </p:cNvSpPr>
@@ -751,7 +756,7 @@
       </p:sp>
       <p:sp>
         <p:nvSpPr>
-          <p:cNvPr id="6" name="スライド番号プレースホルダー 5"/>
+          <p:cNvPr id="6" name="Slide Number Placeholder 5"/>
           <p:cNvSpPr>
             <a:spLocks noGrp="1"/>
           </p:cNvSpPr>
@@ -775,7 +780,7 @@
     </p:spTree>
     <p:extLst>
       <p:ext uri="{BB962C8B-B14F-4D97-AF65-F5344CB8AC3E}">
-        <p14:creationId xmlns:p14="http://schemas.microsoft.com/office/powerpoint/2010/main" val="341568565"/>
+        <p14:creationId xmlns:p14="http://schemas.microsoft.com/office/powerpoint/2010/main" val="2490998752"/>
       </p:ext>
     </p:extLst>
   </p:cSld>
@@ -804,7 +809,7 @@
       </p:grpSpPr>
       <p:sp>
         <p:nvSpPr>
-          <p:cNvPr id="2" name="タイトル 1"/>
+          <p:cNvPr id="2" name="Title 1"/>
           <p:cNvSpPr>
             <a:spLocks noGrp="1"/>
           </p:cNvSpPr>
@@ -818,16 +823,16 @@
           <a:lstStyle/>
           <a:p>
             <a:r>
-              <a:rPr kumimoji="1" lang="ja-JP" altLang="en-US" smtClean="0"/>
+              <a:rPr lang="ja-JP" altLang="en-US" smtClean="0"/>
               <a:t>マスター タイトルの書式設定</a:t>
             </a:r>
-            <a:endParaRPr kumimoji="1" lang="ja-JP" altLang="en-US"/>
-          </a:p>
-        </p:txBody>
-      </p:sp>
-      <p:sp>
-        <p:nvSpPr>
-          <p:cNvPr id="3" name="縦書きテキスト プレースホルダー 2"/>
+            <a:endParaRPr lang="en-US" dirty="0"/>
+          </a:p>
+        </p:txBody>
+      </p:sp>
+      <p:sp>
+        <p:nvSpPr>
+          <p:cNvPr id="3" name="Vertical Text Placeholder 2"/>
           <p:cNvSpPr>
             <a:spLocks noGrp="1"/>
           </p:cNvSpPr>
@@ -842,76 +847,76 @@
           <a:p>
             <a:pPr lvl="0"/>
             <a:r>
-              <a:rPr kumimoji="1" lang="ja-JP" altLang="en-US" smtClean="0"/>
+              <a:rPr lang="ja-JP" altLang="en-US" smtClean="0"/>
               <a:t>マスター テキストの書式設定</a:t>
             </a:r>
           </a:p>
           <a:p>
             <a:pPr lvl="1"/>
             <a:r>
-              <a:rPr kumimoji="1" lang="ja-JP" altLang="en-US" smtClean="0"/>
+              <a:rPr lang="ja-JP" altLang="en-US" smtClean="0"/>
               <a:t>第 </a:t>
             </a:r>
             <a:r>
-              <a:rPr kumimoji="1" lang="en-US" altLang="ja-JP" smtClean="0"/>
+              <a:rPr lang="en-US" altLang="ja-JP" smtClean="0"/>
               <a:t>2 </a:t>
             </a:r>
             <a:r>
-              <a:rPr kumimoji="1" lang="ja-JP" altLang="en-US" smtClean="0"/>
+              <a:rPr lang="ja-JP" altLang="en-US" smtClean="0"/>
               <a:t>レベル</a:t>
             </a:r>
           </a:p>
           <a:p>
             <a:pPr lvl="2"/>
             <a:r>
-              <a:rPr kumimoji="1" lang="ja-JP" altLang="en-US" smtClean="0"/>
+              <a:rPr lang="ja-JP" altLang="en-US" smtClean="0"/>
               <a:t>第 </a:t>
             </a:r>
             <a:r>
-              <a:rPr kumimoji="1" lang="en-US" altLang="ja-JP" smtClean="0"/>
+              <a:rPr lang="en-US" altLang="ja-JP" smtClean="0"/>
               <a:t>3 </a:t>
             </a:r>
             <a:r>
-              <a:rPr kumimoji="1" lang="ja-JP" altLang="en-US" smtClean="0"/>
+              <a:rPr lang="ja-JP" altLang="en-US" smtClean="0"/>
               <a:t>レベル</a:t>
             </a:r>
           </a:p>
           <a:p>
             <a:pPr lvl="3"/>
             <a:r>
-              <a:rPr kumimoji="1" lang="ja-JP" altLang="en-US" smtClean="0"/>
+              <a:rPr lang="ja-JP" altLang="en-US" smtClean="0"/>
               <a:t>第 </a:t>
             </a:r>
             <a:r>
-              <a:rPr kumimoji="1" lang="en-US" altLang="ja-JP" smtClean="0"/>
+              <a:rPr lang="en-US" altLang="ja-JP" smtClean="0"/>
               <a:t>4 </a:t>
             </a:r>
             <a:r>
-              <a:rPr kumimoji="1" lang="ja-JP" altLang="en-US" smtClean="0"/>
+              <a:rPr lang="ja-JP" altLang="en-US" smtClean="0"/>
               <a:t>レベル</a:t>
             </a:r>
           </a:p>
           <a:p>
             <a:pPr lvl="4"/>
             <a:r>
-              <a:rPr kumimoji="1" lang="ja-JP" altLang="en-US" smtClean="0"/>
+              <a:rPr lang="ja-JP" altLang="en-US" smtClean="0"/>
               <a:t>第 </a:t>
             </a:r>
             <a:r>
-              <a:rPr kumimoji="1" lang="en-US" altLang="ja-JP" smtClean="0"/>
+              <a:rPr lang="en-US" altLang="ja-JP" smtClean="0"/>
               <a:t>5 </a:t>
             </a:r>
             <a:r>
-              <a:rPr kumimoji="1" lang="ja-JP" altLang="en-US" smtClean="0"/>
+              <a:rPr lang="ja-JP" altLang="en-US" smtClean="0"/>
               <a:t>レベル</a:t>
             </a:r>
-            <a:endParaRPr kumimoji="1" lang="ja-JP" altLang="en-US"/>
-          </a:p>
-        </p:txBody>
-      </p:sp>
-      <p:sp>
-        <p:nvSpPr>
-          <p:cNvPr id="4" name="日付プレースホルダー 3"/>
+            <a:endParaRPr lang="en-US" dirty="0"/>
+          </a:p>
+        </p:txBody>
+      </p:sp>
+      <p:sp>
+        <p:nvSpPr>
+          <p:cNvPr id="4" name="Date Placeholder 3"/>
           <p:cNvSpPr>
             <a:spLocks noGrp="1"/>
           </p:cNvSpPr>
@@ -926,7 +931,7 @@
           <a:p>
             <a:fld id="{493740D4-C406-4492-90E6-6432EEF92C60}" type="datetime1">
               <a:rPr kumimoji="1" lang="ja-JP" altLang="en-US" smtClean="0"/>
-              <a:t>2021/5/7</a:t>
+              <a:t>2021/5/10</a:t>
             </a:fld>
             <a:endParaRPr kumimoji="1" lang="ja-JP" altLang="en-US"/>
           </a:p>
@@ -934,7 +939,7 @@
       </p:sp>
       <p:sp>
         <p:nvSpPr>
-          <p:cNvPr id="5" name="フッター プレースホルダー 4"/>
+          <p:cNvPr id="5" name="Footer Placeholder 4"/>
           <p:cNvSpPr>
             <a:spLocks noGrp="1"/>
           </p:cNvSpPr>
@@ -953,7 +958,7 @@
       </p:sp>
       <p:sp>
         <p:nvSpPr>
-          <p:cNvPr id="6" name="スライド番号プレースホルダー 5"/>
+          <p:cNvPr id="6" name="Slide Number Placeholder 5"/>
           <p:cNvSpPr>
             <a:spLocks noGrp="1"/>
           </p:cNvSpPr>
@@ -977,7 +982,7 @@
     </p:spTree>
     <p:extLst>
       <p:ext uri="{BB962C8B-B14F-4D97-AF65-F5344CB8AC3E}">
-        <p14:creationId xmlns:p14="http://schemas.microsoft.com/office/powerpoint/2010/main" val="1229598858"/>
+        <p14:creationId xmlns:p14="http://schemas.microsoft.com/office/powerpoint/2010/main" val="882711000"/>
       </p:ext>
     </p:extLst>
   </p:cSld>
@@ -1006,7 +1011,7 @@
       </p:grpSpPr>
       <p:sp>
         <p:nvSpPr>
-          <p:cNvPr id="2" name="縦書きタイトル 1"/>
+          <p:cNvPr id="2" name="Vertical Title 1"/>
           <p:cNvSpPr>
             <a:spLocks noGrp="1"/>
           </p:cNvSpPr>
@@ -1016,8 +1021,8 @@
         </p:nvSpPr>
         <p:spPr>
           <a:xfrm>
-            <a:off x="8724900" y="365125"/>
-            <a:ext cx="2628900" cy="5811838"/>
+            <a:off x="6543675" y="365125"/>
+            <a:ext cx="1971675" cy="5811838"/>
           </a:xfrm>
         </p:spPr>
         <p:txBody>
@@ -1025,16 +1030,16 @@
           <a:lstStyle/>
           <a:p>
             <a:r>
-              <a:rPr kumimoji="1" lang="ja-JP" altLang="en-US" smtClean="0"/>
+              <a:rPr lang="ja-JP" altLang="en-US" smtClean="0"/>
               <a:t>マスター タイトルの書式設定</a:t>
             </a:r>
-            <a:endParaRPr kumimoji="1" lang="ja-JP" altLang="en-US"/>
-          </a:p>
-        </p:txBody>
-      </p:sp>
-      <p:sp>
-        <p:nvSpPr>
-          <p:cNvPr id="3" name="縦書きテキスト プレースホルダー 2"/>
+            <a:endParaRPr lang="en-US" dirty="0"/>
+          </a:p>
+        </p:txBody>
+      </p:sp>
+      <p:sp>
+        <p:nvSpPr>
+          <p:cNvPr id="3" name="Vertical Text Placeholder 2"/>
           <p:cNvSpPr>
             <a:spLocks noGrp="1"/>
           </p:cNvSpPr>
@@ -1044,8 +1049,8 @@
         </p:nvSpPr>
         <p:spPr>
           <a:xfrm>
-            <a:off x="838200" y="365125"/>
-            <a:ext cx="7734300" cy="5811838"/>
+            <a:off x="628650" y="365125"/>
+            <a:ext cx="5800725" cy="5811838"/>
           </a:xfrm>
         </p:spPr>
         <p:txBody>
@@ -1054,76 +1059,76 @@
           <a:p>
             <a:pPr lvl="0"/>
             <a:r>
-              <a:rPr kumimoji="1" lang="ja-JP" altLang="en-US" smtClean="0"/>
+              <a:rPr lang="ja-JP" altLang="en-US" smtClean="0"/>
               <a:t>マスター テキストの書式設定</a:t>
             </a:r>
           </a:p>
           <a:p>
             <a:pPr lvl="1"/>
             <a:r>
-              <a:rPr kumimoji="1" lang="ja-JP" altLang="en-US" smtClean="0"/>
+              <a:rPr lang="ja-JP" altLang="en-US" smtClean="0"/>
               <a:t>第 </a:t>
             </a:r>
             <a:r>
-              <a:rPr kumimoji="1" lang="en-US" altLang="ja-JP" smtClean="0"/>
+              <a:rPr lang="en-US" altLang="ja-JP" smtClean="0"/>
               <a:t>2 </a:t>
             </a:r>
             <a:r>
-              <a:rPr kumimoji="1" lang="ja-JP" altLang="en-US" smtClean="0"/>
+              <a:rPr lang="ja-JP" altLang="en-US" smtClean="0"/>
               <a:t>レベル</a:t>
             </a:r>
           </a:p>
           <a:p>
             <a:pPr lvl="2"/>
             <a:r>
-              <a:rPr kumimoji="1" lang="ja-JP" altLang="en-US" smtClean="0"/>
+              <a:rPr lang="ja-JP" altLang="en-US" smtClean="0"/>
               <a:t>第 </a:t>
             </a:r>
             <a:r>
-              <a:rPr kumimoji="1" lang="en-US" altLang="ja-JP" smtClean="0"/>
+              <a:rPr lang="en-US" altLang="ja-JP" smtClean="0"/>
               <a:t>3 </a:t>
             </a:r>
             <a:r>
-              <a:rPr kumimoji="1" lang="ja-JP" altLang="en-US" smtClean="0"/>
+              <a:rPr lang="ja-JP" altLang="en-US" smtClean="0"/>
               <a:t>レベル</a:t>
             </a:r>
           </a:p>
           <a:p>
             <a:pPr lvl="3"/>
             <a:r>
-              <a:rPr kumimoji="1" lang="ja-JP" altLang="en-US" smtClean="0"/>
+              <a:rPr lang="ja-JP" altLang="en-US" smtClean="0"/>
               <a:t>第 </a:t>
             </a:r>
             <a:r>
-              <a:rPr kumimoji="1" lang="en-US" altLang="ja-JP" smtClean="0"/>
+              <a:rPr lang="en-US" altLang="ja-JP" smtClean="0"/>
               <a:t>4 </a:t>
             </a:r>
             <a:r>
-              <a:rPr kumimoji="1" lang="ja-JP" altLang="en-US" smtClean="0"/>
+              <a:rPr lang="ja-JP" altLang="en-US" smtClean="0"/>
               <a:t>レベル</a:t>
             </a:r>
           </a:p>
           <a:p>
             <a:pPr lvl="4"/>
             <a:r>
-              <a:rPr kumimoji="1" lang="ja-JP" altLang="en-US" smtClean="0"/>
+              <a:rPr lang="ja-JP" altLang="en-US" smtClean="0"/>
               <a:t>第 </a:t>
             </a:r>
             <a:r>
-              <a:rPr kumimoji="1" lang="en-US" altLang="ja-JP" smtClean="0"/>
+              <a:rPr lang="en-US" altLang="ja-JP" smtClean="0"/>
               <a:t>5 </a:t>
             </a:r>
             <a:r>
-              <a:rPr kumimoji="1" lang="ja-JP" altLang="en-US" smtClean="0"/>
+              <a:rPr lang="ja-JP" altLang="en-US" smtClean="0"/>
               <a:t>レベル</a:t>
             </a:r>
-            <a:endParaRPr kumimoji="1" lang="ja-JP" altLang="en-US"/>
-          </a:p>
-        </p:txBody>
-      </p:sp>
-      <p:sp>
-        <p:nvSpPr>
-          <p:cNvPr id="4" name="日付プレースホルダー 3"/>
+            <a:endParaRPr lang="en-US" dirty="0"/>
+          </a:p>
+        </p:txBody>
+      </p:sp>
+      <p:sp>
+        <p:nvSpPr>
+          <p:cNvPr id="4" name="Date Placeholder 3"/>
           <p:cNvSpPr>
             <a:spLocks noGrp="1"/>
           </p:cNvSpPr>
@@ -1138,7 +1143,7 @@
           <a:p>
             <a:fld id="{ED69396B-CE42-4776-89F8-D39FC42CFB56}" type="datetime1">
               <a:rPr kumimoji="1" lang="ja-JP" altLang="en-US" smtClean="0"/>
-              <a:t>2021/5/7</a:t>
+              <a:t>2021/5/10</a:t>
             </a:fld>
             <a:endParaRPr kumimoji="1" lang="ja-JP" altLang="en-US"/>
           </a:p>
@@ -1146,7 +1151,7 @@
       </p:sp>
       <p:sp>
         <p:nvSpPr>
-          <p:cNvPr id="5" name="フッター プレースホルダー 4"/>
+          <p:cNvPr id="5" name="Footer Placeholder 4"/>
           <p:cNvSpPr>
             <a:spLocks noGrp="1"/>
           </p:cNvSpPr>
@@ -1165,7 +1170,7 @@
       </p:sp>
       <p:sp>
         <p:nvSpPr>
-          <p:cNvPr id="6" name="スライド番号プレースホルダー 5"/>
+          <p:cNvPr id="6" name="Slide Number Placeholder 5"/>
           <p:cNvSpPr>
             <a:spLocks noGrp="1"/>
           </p:cNvSpPr>
@@ -1189,7 +1194,7 @@
     </p:spTree>
     <p:extLst>
       <p:ext uri="{BB962C8B-B14F-4D97-AF65-F5344CB8AC3E}">
-        <p14:creationId xmlns:p14="http://schemas.microsoft.com/office/powerpoint/2010/main" val="177673572"/>
+        <p14:creationId xmlns:p14="http://schemas.microsoft.com/office/powerpoint/2010/main" val="311274107"/>
       </p:ext>
     </p:extLst>
   </p:cSld>
@@ -1218,7 +1223,7 @@
       </p:grpSpPr>
       <p:sp>
         <p:nvSpPr>
-          <p:cNvPr id="2" name="タイトル 1"/>
+          <p:cNvPr id="2" name="Title 1"/>
           <p:cNvSpPr>
             <a:spLocks noGrp="1"/>
           </p:cNvSpPr>
@@ -1232,16 +1237,16 @@
           <a:lstStyle/>
           <a:p>
             <a:r>
-              <a:rPr kumimoji="1" lang="ja-JP" altLang="en-US" smtClean="0"/>
+              <a:rPr lang="ja-JP" altLang="en-US" smtClean="0"/>
               <a:t>マスター タイトルの書式設定</a:t>
             </a:r>
-            <a:endParaRPr kumimoji="1" lang="ja-JP" altLang="en-US"/>
-          </a:p>
-        </p:txBody>
-      </p:sp>
-      <p:sp>
-        <p:nvSpPr>
-          <p:cNvPr id="3" name="コンテンツ プレースホルダー 2"/>
+            <a:endParaRPr lang="en-US" dirty="0"/>
+          </a:p>
+        </p:txBody>
+      </p:sp>
+      <p:sp>
+        <p:nvSpPr>
+          <p:cNvPr id="3" name="Content Placeholder 2"/>
           <p:cNvSpPr>
             <a:spLocks noGrp="1"/>
           </p:cNvSpPr>
@@ -1256,76 +1261,76 @@
           <a:p>
             <a:pPr lvl="0"/>
             <a:r>
-              <a:rPr kumimoji="1" lang="ja-JP" altLang="en-US" smtClean="0"/>
+              <a:rPr lang="ja-JP" altLang="en-US" smtClean="0"/>
               <a:t>マスター テキストの書式設定</a:t>
             </a:r>
           </a:p>
           <a:p>
             <a:pPr lvl="1"/>
             <a:r>
-              <a:rPr kumimoji="1" lang="ja-JP" altLang="en-US" smtClean="0"/>
+              <a:rPr lang="ja-JP" altLang="en-US" smtClean="0"/>
               <a:t>第 </a:t>
             </a:r>
             <a:r>
-              <a:rPr kumimoji="1" lang="en-US" altLang="ja-JP" smtClean="0"/>
+              <a:rPr lang="en-US" altLang="ja-JP" smtClean="0"/>
               <a:t>2 </a:t>
             </a:r>
             <a:r>
-              <a:rPr kumimoji="1" lang="ja-JP" altLang="en-US" smtClean="0"/>
+              <a:rPr lang="ja-JP" altLang="en-US" smtClean="0"/>
               <a:t>レベル</a:t>
             </a:r>
           </a:p>
           <a:p>
             <a:pPr lvl="2"/>
             <a:r>
-              <a:rPr kumimoji="1" lang="ja-JP" altLang="en-US" smtClean="0"/>
+              <a:rPr lang="ja-JP" altLang="en-US" smtClean="0"/>
               <a:t>第 </a:t>
             </a:r>
             <a:r>
-              <a:rPr kumimoji="1" lang="en-US" altLang="ja-JP" smtClean="0"/>
+              <a:rPr lang="en-US" altLang="ja-JP" smtClean="0"/>
               <a:t>3 </a:t>
             </a:r>
             <a:r>
-              <a:rPr kumimoji="1" lang="ja-JP" altLang="en-US" smtClean="0"/>
+              <a:rPr lang="ja-JP" altLang="en-US" smtClean="0"/>
               <a:t>レベル</a:t>
             </a:r>
           </a:p>
           <a:p>
             <a:pPr lvl="3"/>
             <a:r>
-              <a:rPr kumimoji="1" lang="ja-JP" altLang="en-US" smtClean="0"/>
+              <a:rPr lang="ja-JP" altLang="en-US" smtClean="0"/>
               <a:t>第 </a:t>
             </a:r>
             <a:r>
-              <a:rPr kumimoji="1" lang="en-US" altLang="ja-JP" smtClean="0"/>
+              <a:rPr lang="en-US" altLang="ja-JP" smtClean="0"/>
               <a:t>4 </a:t>
             </a:r>
             <a:r>
-              <a:rPr kumimoji="1" lang="ja-JP" altLang="en-US" smtClean="0"/>
+              <a:rPr lang="ja-JP" altLang="en-US" smtClean="0"/>
               <a:t>レベル</a:t>
             </a:r>
           </a:p>
           <a:p>
             <a:pPr lvl="4"/>
             <a:r>
-              <a:rPr kumimoji="1" lang="ja-JP" altLang="en-US" smtClean="0"/>
+              <a:rPr lang="ja-JP" altLang="en-US" smtClean="0"/>
               <a:t>第 </a:t>
             </a:r>
             <a:r>
-              <a:rPr kumimoji="1" lang="en-US" altLang="ja-JP" smtClean="0"/>
+              <a:rPr lang="en-US" altLang="ja-JP" smtClean="0"/>
               <a:t>5 </a:t>
             </a:r>
             <a:r>
-              <a:rPr kumimoji="1" lang="ja-JP" altLang="en-US" smtClean="0"/>
+              <a:rPr lang="ja-JP" altLang="en-US" smtClean="0"/>
               <a:t>レベル</a:t>
             </a:r>
-            <a:endParaRPr kumimoji="1" lang="ja-JP" altLang="en-US"/>
-          </a:p>
-        </p:txBody>
-      </p:sp>
-      <p:sp>
-        <p:nvSpPr>
-          <p:cNvPr id="4" name="日付プレースホルダー 3"/>
+            <a:endParaRPr lang="en-US" dirty="0"/>
+          </a:p>
+        </p:txBody>
+      </p:sp>
+      <p:sp>
+        <p:nvSpPr>
+          <p:cNvPr id="4" name="Date Placeholder 3"/>
           <p:cNvSpPr>
             <a:spLocks noGrp="1"/>
           </p:cNvSpPr>
@@ -1340,7 +1345,7 @@
           <a:p>
             <a:fld id="{13625393-1B19-477D-ADB7-2A6386D3F149}" type="datetime1">
               <a:rPr kumimoji="1" lang="ja-JP" altLang="en-US" smtClean="0"/>
-              <a:t>2021/5/7</a:t>
+              <a:t>2021/5/10</a:t>
             </a:fld>
             <a:endParaRPr kumimoji="1" lang="ja-JP" altLang="en-US"/>
           </a:p>
@@ -1348,7 +1353,7 @@
       </p:sp>
       <p:sp>
         <p:nvSpPr>
-          <p:cNvPr id="5" name="フッター プレースホルダー 4"/>
+          <p:cNvPr id="5" name="Footer Placeholder 4"/>
           <p:cNvSpPr>
             <a:spLocks noGrp="1"/>
           </p:cNvSpPr>
@@ -1367,7 +1372,7 @@
       </p:sp>
       <p:sp>
         <p:nvSpPr>
-          <p:cNvPr id="6" name="スライド番号プレースホルダー 5"/>
+          <p:cNvPr id="6" name="Slide Number Placeholder 5"/>
           <p:cNvSpPr>
             <a:spLocks noGrp="1"/>
           </p:cNvSpPr>
@@ -1391,7 +1396,7 @@
     </p:spTree>
     <p:extLst>
       <p:ext uri="{BB962C8B-B14F-4D97-AF65-F5344CB8AC3E}">
-        <p14:creationId xmlns:p14="http://schemas.microsoft.com/office/powerpoint/2010/main" val="2941819400"/>
+        <p14:creationId xmlns:p14="http://schemas.microsoft.com/office/powerpoint/2010/main" val="3083113910"/>
       </p:ext>
     </p:extLst>
   </p:cSld>
@@ -1420,7 +1425,7 @@
       </p:grpSpPr>
       <p:sp>
         <p:nvSpPr>
-          <p:cNvPr id="2" name="タイトル 1"/>
+          <p:cNvPr id="2" name="Title 1"/>
           <p:cNvSpPr>
             <a:spLocks noGrp="1"/>
           </p:cNvSpPr>
@@ -1430,8 +1435,8 @@
         </p:nvSpPr>
         <p:spPr>
           <a:xfrm>
-            <a:off x="831850" y="1709738"/>
-            <a:ext cx="10515600" cy="2852737"/>
+            <a:off x="623888" y="1709739"/>
+            <a:ext cx="7886700" cy="2852737"/>
           </a:xfrm>
         </p:spPr>
         <p:txBody>
@@ -1443,16 +1448,16 @@
           </a:lstStyle>
           <a:p>
             <a:r>
-              <a:rPr kumimoji="1" lang="ja-JP" altLang="en-US" smtClean="0"/>
+              <a:rPr lang="ja-JP" altLang="en-US" smtClean="0"/>
               <a:t>マスター タイトルの書式設定</a:t>
             </a:r>
-            <a:endParaRPr kumimoji="1" lang="ja-JP" altLang="en-US"/>
-          </a:p>
-        </p:txBody>
-      </p:sp>
-      <p:sp>
-        <p:nvSpPr>
-          <p:cNvPr id="3" name="テキスト プレースホルダー 2"/>
+            <a:endParaRPr lang="en-US" dirty="0"/>
+          </a:p>
+        </p:txBody>
+      </p:sp>
+      <p:sp>
+        <p:nvSpPr>
+          <p:cNvPr id="3" name="Text Placeholder 2"/>
           <p:cNvSpPr>
             <a:spLocks noGrp="1"/>
           </p:cNvSpPr>
@@ -1462,8 +1467,8 @@
         </p:nvSpPr>
         <p:spPr>
           <a:xfrm>
-            <a:off x="831850" y="4589463"/>
-            <a:ext cx="10515600" cy="1500187"/>
+            <a:off x="623888" y="4589464"/>
+            <a:ext cx="7886700" cy="1500187"/>
           </a:xfrm>
         </p:spPr>
         <p:txBody>
@@ -1473,9 +1478,7 @@
               <a:buNone/>
               <a:defRPr sz="2400">
                 <a:solidFill>
-                  <a:schemeClr val="tx1">
-                    <a:tint val="75000"/>
-                  </a:schemeClr>
+                  <a:schemeClr val="tx1"/>
                 </a:solidFill>
               </a:defRPr>
             </a:lvl1pPr>
@@ -1563,7 +1566,7 @@
           <a:p>
             <a:pPr lvl="0"/>
             <a:r>
-              <a:rPr kumimoji="1" lang="ja-JP" altLang="en-US" smtClean="0"/>
+              <a:rPr lang="ja-JP" altLang="en-US" smtClean="0"/>
               <a:t>マスター テキストの書式設定</a:t>
             </a:r>
           </a:p>
@@ -1571,7 +1574,7 @@
       </p:sp>
       <p:sp>
         <p:nvSpPr>
-          <p:cNvPr id="4" name="日付プレースホルダー 3"/>
+          <p:cNvPr id="4" name="Date Placeholder 3"/>
           <p:cNvSpPr>
             <a:spLocks noGrp="1"/>
           </p:cNvSpPr>
@@ -1586,7 +1589,7 @@
           <a:p>
             <a:fld id="{E5FDA1EB-CBE3-4FB0-BB17-A44CDA0B54B3}" type="datetime1">
               <a:rPr kumimoji="1" lang="ja-JP" altLang="en-US" smtClean="0"/>
-              <a:t>2021/5/7</a:t>
+              <a:t>2021/5/10</a:t>
             </a:fld>
             <a:endParaRPr kumimoji="1" lang="ja-JP" altLang="en-US"/>
           </a:p>
@@ -1594,7 +1597,7 @@
       </p:sp>
       <p:sp>
         <p:nvSpPr>
-          <p:cNvPr id="5" name="フッター プレースホルダー 4"/>
+          <p:cNvPr id="5" name="Footer Placeholder 4"/>
           <p:cNvSpPr>
             <a:spLocks noGrp="1"/>
           </p:cNvSpPr>
@@ -1613,7 +1616,7 @@
       </p:sp>
       <p:sp>
         <p:nvSpPr>
-          <p:cNvPr id="6" name="スライド番号プレースホルダー 5"/>
+          <p:cNvPr id="6" name="Slide Number Placeholder 5"/>
           <p:cNvSpPr>
             <a:spLocks noGrp="1"/>
           </p:cNvSpPr>
@@ -1637,7 +1640,7 @@
     </p:spTree>
     <p:extLst>
       <p:ext uri="{BB962C8B-B14F-4D97-AF65-F5344CB8AC3E}">
-        <p14:creationId xmlns:p14="http://schemas.microsoft.com/office/powerpoint/2010/main" val="808127890"/>
+        <p14:creationId xmlns:p14="http://schemas.microsoft.com/office/powerpoint/2010/main" val="1019199875"/>
       </p:ext>
     </p:extLst>
   </p:cSld>
@@ -1666,7 +1669,7 @@
       </p:grpSpPr>
       <p:sp>
         <p:nvSpPr>
-          <p:cNvPr id="2" name="タイトル 1"/>
+          <p:cNvPr id="2" name="Title 1"/>
           <p:cNvSpPr>
             <a:spLocks noGrp="1"/>
           </p:cNvSpPr>
@@ -1680,16 +1683,16 @@
           <a:lstStyle/>
           <a:p>
             <a:r>
-              <a:rPr kumimoji="1" lang="ja-JP" altLang="en-US" smtClean="0"/>
+              <a:rPr lang="ja-JP" altLang="en-US" smtClean="0"/>
               <a:t>マスター タイトルの書式設定</a:t>
             </a:r>
-            <a:endParaRPr kumimoji="1" lang="ja-JP" altLang="en-US"/>
-          </a:p>
-        </p:txBody>
-      </p:sp>
-      <p:sp>
-        <p:nvSpPr>
-          <p:cNvPr id="3" name="コンテンツ プレースホルダー 2"/>
+            <a:endParaRPr lang="en-US" dirty="0"/>
+          </a:p>
+        </p:txBody>
+      </p:sp>
+      <p:sp>
+        <p:nvSpPr>
+          <p:cNvPr id="3" name="Content Placeholder 2"/>
           <p:cNvSpPr>
             <a:spLocks noGrp="1"/>
           </p:cNvSpPr>
@@ -1699,8 +1702,8 @@
         </p:nvSpPr>
         <p:spPr>
           <a:xfrm>
-            <a:off x="838200" y="1825625"/>
-            <a:ext cx="5181600" cy="4351338"/>
+            <a:off x="628650" y="1825625"/>
+            <a:ext cx="3886200" cy="4351338"/>
           </a:xfrm>
         </p:spPr>
         <p:txBody>
@@ -1709,76 +1712,76 @@
           <a:p>
             <a:pPr lvl="0"/>
             <a:r>
-              <a:rPr kumimoji="1" lang="ja-JP" altLang="en-US" smtClean="0"/>
+              <a:rPr lang="ja-JP" altLang="en-US" smtClean="0"/>
               <a:t>マスター テキストの書式設定</a:t>
             </a:r>
           </a:p>
           <a:p>
             <a:pPr lvl="1"/>
             <a:r>
-              <a:rPr kumimoji="1" lang="ja-JP" altLang="en-US" smtClean="0"/>
+              <a:rPr lang="ja-JP" altLang="en-US" smtClean="0"/>
               <a:t>第 </a:t>
             </a:r>
             <a:r>
-              <a:rPr kumimoji="1" lang="en-US" altLang="ja-JP" smtClean="0"/>
+              <a:rPr lang="en-US" altLang="ja-JP" smtClean="0"/>
               <a:t>2 </a:t>
             </a:r>
             <a:r>
-              <a:rPr kumimoji="1" lang="ja-JP" altLang="en-US" smtClean="0"/>
+              <a:rPr lang="ja-JP" altLang="en-US" smtClean="0"/>
               <a:t>レベル</a:t>
             </a:r>
           </a:p>
           <a:p>
             <a:pPr lvl="2"/>
             <a:r>
-              <a:rPr kumimoji="1" lang="ja-JP" altLang="en-US" smtClean="0"/>
+              <a:rPr lang="ja-JP" altLang="en-US" smtClean="0"/>
               <a:t>第 </a:t>
             </a:r>
             <a:r>
-              <a:rPr kumimoji="1" lang="en-US" altLang="ja-JP" smtClean="0"/>
+              <a:rPr lang="en-US" altLang="ja-JP" smtClean="0"/>
               <a:t>3 </a:t>
             </a:r>
             <a:r>
-              <a:rPr kumimoji="1" lang="ja-JP" altLang="en-US" smtClean="0"/>
+              <a:rPr lang="ja-JP" altLang="en-US" smtClean="0"/>
               <a:t>レベル</a:t>
             </a:r>
           </a:p>
           <a:p>
             <a:pPr lvl="3"/>
             <a:r>
-              <a:rPr kumimoji="1" lang="ja-JP" altLang="en-US" smtClean="0"/>
+              <a:rPr lang="ja-JP" altLang="en-US" smtClean="0"/>
               <a:t>第 </a:t>
             </a:r>
             <a:r>
-              <a:rPr kumimoji="1" lang="en-US" altLang="ja-JP" smtClean="0"/>
+              <a:rPr lang="en-US" altLang="ja-JP" smtClean="0"/>
               <a:t>4 </a:t>
             </a:r>
             <a:r>
-              <a:rPr kumimoji="1" lang="ja-JP" altLang="en-US" smtClean="0"/>
+              <a:rPr lang="ja-JP" altLang="en-US" smtClean="0"/>
               <a:t>レベル</a:t>
             </a:r>
           </a:p>
           <a:p>
             <a:pPr lvl="4"/>
             <a:r>
-              <a:rPr kumimoji="1" lang="ja-JP" altLang="en-US" smtClean="0"/>
+              <a:rPr lang="ja-JP" altLang="en-US" smtClean="0"/>
               <a:t>第 </a:t>
             </a:r>
             <a:r>
-              <a:rPr kumimoji="1" lang="en-US" altLang="ja-JP" smtClean="0"/>
+              <a:rPr lang="en-US" altLang="ja-JP" smtClean="0"/>
               <a:t>5 </a:t>
             </a:r>
             <a:r>
-              <a:rPr kumimoji="1" lang="ja-JP" altLang="en-US" smtClean="0"/>
+              <a:rPr lang="ja-JP" altLang="en-US" smtClean="0"/>
               <a:t>レベル</a:t>
             </a:r>
-            <a:endParaRPr kumimoji="1" lang="ja-JP" altLang="en-US"/>
-          </a:p>
-        </p:txBody>
-      </p:sp>
-      <p:sp>
-        <p:nvSpPr>
-          <p:cNvPr id="4" name="コンテンツ プレースホルダー 3"/>
+            <a:endParaRPr lang="en-US" dirty="0"/>
+          </a:p>
+        </p:txBody>
+      </p:sp>
+      <p:sp>
+        <p:nvSpPr>
+          <p:cNvPr id="4" name="Content Placeholder 3"/>
           <p:cNvSpPr>
             <a:spLocks noGrp="1"/>
           </p:cNvSpPr>
@@ -1788,8 +1791,8 @@
         </p:nvSpPr>
         <p:spPr>
           <a:xfrm>
-            <a:off x="6172200" y="1825625"/>
-            <a:ext cx="5181600" cy="4351338"/>
+            <a:off x="4629150" y="1825625"/>
+            <a:ext cx="3886200" cy="4351338"/>
           </a:xfrm>
         </p:spPr>
         <p:txBody>
@@ -1798,76 +1801,76 @@
           <a:p>
             <a:pPr lvl="0"/>
             <a:r>
-              <a:rPr kumimoji="1" lang="ja-JP" altLang="en-US" smtClean="0"/>
+              <a:rPr lang="ja-JP" altLang="en-US" smtClean="0"/>
               <a:t>マスター テキストの書式設定</a:t>
             </a:r>
           </a:p>
           <a:p>
             <a:pPr lvl="1"/>
             <a:r>
-              <a:rPr kumimoji="1" lang="ja-JP" altLang="en-US" smtClean="0"/>
+              <a:rPr lang="ja-JP" altLang="en-US" smtClean="0"/>
               <a:t>第 </a:t>
             </a:r>
             <a:r>
-              <a:rPr kumimoji="1" lang="en-US" altLang="ja-JP" smtClean="0"/>
+              <a:rPr lang="en-US" altLang="ja-JP" smtClean="0"/>
               <a:t>2 </a:t>
             </a:r>
             <a:r>
-              <a:rPr kumimoji="1" lang="ja-JP" altLang="en-US" smtClean="0"/>
+              <a:rPr lang="ja-JP" altLang="en-US" smtClean="0"/>
               <a:t>レベル</a:t>
             </a:r>
           </a:p>
           <a:p>
             <a:pPr lvl="2"/>
             <a:r>
-              <a:rPr kumimoji="1" lang="ja-JP" altLang="en-US" smtClean="0"/>
+              <a:rPr lang="ja-JP" altLang="en-US" smtClean="0"/>
               <a:t>第 </a:t>
             </a:r>
             <a:r>
-              <a:rPr kumimoji="1" lang="en-US" altLang="ja-JP" smtClean="0"/>
+              <a:rPr lang="en-US" altLang="ja-JP" smtClean="0"/>
               <a:t>3 </a:t>
             </a:r>
             <a:r>
-              <a:rPr kumimoji="1" lang="ja-JP" altLang="en-US" smtClean="0"/>
+              <a:rPr lang="ja-JP" altLang="en-US" smtClean="0"/>
               <a:t>レベル</a:t>
             </a:r>
           </a:p>
           <a:p>
             <a:pPr lvl="3"/>
             <a:r>
-              <a:rPr kumimoji="1" lang="ja-JP" altLang="en-US" smtClean="0"/>
+              <a:rPr lang="ja-JP" altLang="en-US" smtClean="0"/>
               <a:t>第 </a:t>
             </a:r>
             <a:r>
-              <a:rPr kumimoji="1" lang="en-US" altLang="ja-JP" smtClean="0"/>
+              <a:rPr lang="en-US" altLang="ja-JP" smtClean="0"/>
               <a:t>4 </a:t>
             </a:r>
             <a:r>
-              <a:rPr kumimoji="1" lang="ja-JP" altLang="en-US" smtClean="0"/>
+              <a:rPr lang="ja-JP" altLang="en-US" smtClean="0"/>
               <a:t>レベル</a:t>
             </a:r>
           </a:p>
           <a:p>
             <a:pPr lvl="4"/>
             <a:r>
-              <a:rPr kumimoji="1" lang="ja-JP" altLang="en-US" smtClean="0"/>
+              <a:rPr lang="ja-JP" altLang="en-US" smtClean="0"/>
               <a:t>第 </a:t>
             </a:r>
             <a:r>
-              <a:rPr kumimoji="1" lang="en-US" altLang="ja-JP" smtClean="0"/>
+              <a:rPr lang="en-US" altLang="ja-JP" smtClean="0"/>
               <a:t>5 </a:t>
             </a:r>
             <a:r>
-              <a:rPr kumimoji="1" lang="ja-JP" altLang="en-US" smtClean="0"/>
+              <a:rPr lang="ja-JP" altLang="en-US" smtClean="0"/>
               <a:t>レベル</a:t>
             </a:r>
-            <a:endParaRPr kumimoji="1" lang="ja-JP" altLang="en-US"/>
-          </a:p>
-        </p:txBody>
-      </p:sp>
-      <p:sp>
-        <p:nvSpPr>
-          <p:cNvPr id="5" name="日付プレースホルダー 4"/>
+            <a:endParaRPr lang="en-US" dirty="0"/>
+          </a:p>
+        </p:txBody>
+      </p:sp>
+      <p:sp>
+        <p:nvSpPr>
+          <p:cNvPr id="5" name="Date Placeholder 4"/>
           <p:cNvSpPr>
             <a:spLocks noGrp="1"/>
           </p:cNvSpPr>
@@ -1882,7 +1885,7 @@
           <a:p>
             <a:fld id="{C01EC069-9DC2-4DDB-AE63-C26A081803C1}" type="datetime1">
               <a:rPr kumimoji="1" lang="ja-JP" altLang="en-US" smtClean="0"/>
-              <a:t>2021/5/7</a:t>
+              <a:t>2021/5/10</a:t>
             </a:fld>
             <a:endParaRPr kumimoji="1" lang="ja-JP" altLang="en-US"/>
           </a:p>
@@ -1890,7 +1893,7 @@
       </p:sp>
       <p:sp>
         <p:nvSpPr>
-          <p:cNvPr id="6" name="フッター プレースホルダー 5"/>
+          <p:cNvPr id="6" name="Footer Placeholder 5"/>
           <p:cNvSpPr>
             <a:spLocks noGrp="1"/>
           </p:cNvSpPr>
@@ -1909,7 +1912,7 @@
       </p:sp>
       <p:sp>
         <p:nvSpPr>
-          <p:cNvPr id="7" name="スライド番号プレースホルダー 6"/>
+          <p:cNvPr id="7" name="Slide Number Placeholder 6"/>
           <p:cNvSpPr>
             <a:spLocks noGrp="1"/>
           </p:cNvSpPr>
@@ -1933,7 +1936,7 @@
     </p:spTree>
     <p:extLst>
       <p:ext uri="{BB962C8B-B14F-4D97-AF65-F5344CB8AC3E}">
-        <p14:creationId xmlns:p14="http://schemas.microsoft.com/office/powerpoint/2010/main" val="1611511318"/>
+        <p14:creationId xmlns:p14="http://schemas.microsoft.com/office/powerpoint/2010/main" val="2310008601"/>
       </p:ext>
     </p:extLst>
   </p:cSld>
@@ -1962,7 +1965,7 @@
       </p:grpSpPr>
       <p:sp>
         <p:nvSpPr>
-          <p:cNvPr id="2" name="タイトル 1"/>
+          <p:cNvPr id="2" name="Title 1"/>
           <p:cNvSpPr>
             <a:spLocks noGrp="1"/>
           </p:cNvSpPr>
@@ -1972,8 +1975,8 @@
         </p:nvSpPr>
         <p:spPr>
           <a:xfrm>
-            <a:off x="839788" y="365125"/>
-            <a:ext cx="10515600" cy="1325563"/>
+            <a:off x="629841" y="365126"/>
+            <a:ext cx="7886700" cy="1325563"/>
           </a:xfrm>
         </p:spPr>
         <p:txBody>
@@ -1981,16 +1984,16 @@
           <a:lstStyle/>
           <a:p>
             <a:r>
-              <a:rPr kumimoji="1" lang="ja-JP" altLang="en-US" smtClean="0"/>
+              <a:rPr lang="ja-JP" altLang="en-US" smtClean="0"/>
               <a:t>マスター タイトルの書式設定</a:t>
             </a:r>
-            <a:endParaRPr kumimoji="1" lang="ja-JP" altLang="en-US"/>
-          </a:p>
-        </p:txBody>
-      </p:sp>
-      <p:sp>
-        <p:nvSpPr>
-          <p:cNvPr id="3" name="テキスト プレースホルダー 2"/>
+            <a:endParaRPr lang="en-US" dirty="0"/>
+          </a:p>
+        </p:txBody>
+      </p:sp>
+      <p:sp>
+        <p:nvSpPr>
+          <p:cNvPr id="3" name="Text Placeholder 2"/>
           <p:cNvSpPr>
             <a:spLocks noGrp="1"/>
           </p:cNvSpPr>
@@ -2000,8 +2003,8 @@
         </p:nvSpPr>
         <p:spPr>
           <a:xfrm>
-            <a:off x="839788" y="1681163"/>
-            <a:ext cx="5157787" cy="823912"/>
+            <a:off x="629842" y="1681163"/>
+            <a:ext cx="3868340" cy="823912"/>
           </a:xfrm>
         </p:spPr>
         <p:txBody>
@@ -2047,7 +2050,7 @@
           <a:p>
             <a:pPr lvl="0"/>
             <a:r>
-              <a:rPr kumimoji="1" lang="ja-JP" altLang="en-US" smtClean="0"/>
+              <a:rPr lang="ja-JP" altLang="en-US" smtClean="0"/>
               <a:t>マスター テキストの書式設定</a:t>
             </a:r>
           </a:p>
@@ -2055,7 +2058,7 @@
       </p:sp>
       <p:sp>
         <p:nvSpPr>
-          <p:cNvPr id="4" name="コンテンツ プレースホルダー 3"/>
+          <p:cNvPr id="4" name="Content Placeholder 3"/>
           <p:cNvSpPr>
             <a:spLocks noGrp="1"/>
           </p:cNvSpPr>
@@ -2065,8 +2068,8 @@
         </p:nvSpPr>
         <p:spPr>
           <a:xfrm>
-            <a:off x="839788" y="2505075"/>
-            <a:ext cx="5157787" cy="3684588"/>
+            <a:off x="629842" y="2505075"/>
+            <a:ext cx="3868340" cy="3684588"/>
           </a:xfrm>
         </p:spPr>
         <p:txBody>
@@ -2075,76 +2078,76 @@
           <a:p>
             <a:pPr lvl="0"/>
             <a:r>
-              <a:rPr kumimoji="1" lang="ja-JP" altLang="en-US" smtClean="0"/>
+              <a:rPr lang="ja-JP" altLang="en-US" smtClean="0"/>
               <a:t>マスター テキストの書式設定</a:t>
             </a:r>
           </a:p>
           <a:p>
             <a:pPr lvl="1"/>
             <a:r>
-              <a:rPr kumimoji="1" lang="ja-JP" altLang="en-US" smtClean="0"/>
+              <a:rPr lang="ja-JP" altLang="en-US" smtClean="0"/>
               <a:t>第 </a:t>
             </a:r>
             <a:r>
-              <a:rPr kumimoji="1" lang="en-US" altLang="ja-JP" smtClean="0"/>
+              <a:rPr lang="en-US" altLang="ja-JP" smtClean="0"/>
               <a:t>2 </a:t>
             </a:r>
             <a:r>
-              <a:rPr kumimoji="1" lang="ja-JP" altLang="en-US" smtClean="0"/>
+              <a:rPr lang="ja-JP" altLang="en-US" smtClean="0"/>
               <a:t>レベル</a:t>
             </a:r>
           </a:p>
           <a:p>
             <a:pPr lvl="2"/>
             <a:r>
-              <a:rPr kumimoji="1" lang="ja-JP" altLang="en-US" smtClean="0"/>
+              <a:rPr lang="ja-JP" altLang="en-US" smtClean="0"/>
               <a:t>第 </a:t>
             </a:r>
             <a:r>
-              <a:rPr kumimoji="1" lang="en-US" altLang="ja-JP" smtClean="0"/>
+              <a:rPr lang="en-US" altLang="ja-JP" smtClean="0"/>
               <a:t>3 </a:t>
             </a:r>
             <a:r>
-              <a:rPr kumimoji="1" lang="ja-JP" altLang="en-US" smtClean="0"/>
+              <a:rPr lang="ja-JP" altLang="en-US" smtClean="0"/>
               <a:t>レベル</a:t>
             </a:r>
           </a:p>
           <a:p>
             <a:pPr lvl="3"/>
             <a:r>
-              <a:rPr kumimoji="1" lang="ja-JP" altLang="en-US" smtClean="0"/>
+              <a:rPr lang="ja-JP" altLang="en-US" smtClean="0"/>
               <a:t>第 </a:t>
             </a:r>
             <a:r>
-              <a:rPr kumimoji="1" lang="en-US" altLang="ja-JP" smtClean="0"/>
+              <a:rPr lang="en-US" altLang="ja-JP" smtClean="0"/>
               <a:t>4 </a:t>
             </a:r>
             <a:r>
-              <a:rPr kumimoji="1" lang="ja-JP" altLang="en-US" smtClean="0"/>
+              <a:rPr lang="ja-JP" altLang="en-US" smtClean="0"/>
               <a:t>レベル</a:t>
             </a:r>
           </a:p>
           <a:p>
             <a:pPr lvl="4"/>
             <a:r>
-              <a:rPr kumimoji="1" lang="ja-JP" altLang="en-US" smtClean="0"/>
+              <a:rPr lang="ja-JP" altLang="en-US" smtClean="0"/>
               <a:t>第 </a:t>
             </a:r>
             <a:r>
-              <a:rPr kumimoji="1" lang="en-US" altLang="ja-JP" smtClean="0"/>
+              <a:rPr lang="en-US" altLang="ja-JP" smtClean="0"/>
               <a:t>5 </a:t>
             </a:r>
             <a:r>
-              <a:rPr kumimoji="1" lang="ja-JP" altLang="en-US" smtClean="0"/>
+              <a:rPr lang="ja-JP" altLang="en-US" smtClean="0"/>
               <a:t>レベル</a:t>
             </a:r>
-            <a:endParaRPr kumimoji="1" lang="ja-JP" altLang="en-US"/>
-          </a:p>
-        </p:txBody>
-      </p:sp>
-      <p:sp>
-        <p:nvSpPr>
-          <p:cNvPr id="5" name="テキスト プレースホルダー 4"/>
+            <a:endParaRPr lang="en-US" dirty="0"/>
+          </a:p>
+        </p:txBody>
+      </p:sp>
+      <p:sp>
+        <p:nvSpPr>
+          <p:cNvPr id="5" name="Text Placeholder 4"/>
           <p:cNvSpPr>
             <a:spLocks noGrp="1"/>
           </p:cNvSpPr>
@@ -2154,8 +2157,8 @@
         </p:nvSpPr>
         <p:spPr>
           <a:xfrm>
-            <a:off x="6172200" y="1681163"/>
-            <a:ext cx="5183188" cy="823912"/>
+            <a:off x="4629150" y="1681163"/>
+            <a:ext cx="3887391" cy="823912"/>
           </a:xfrm>
         </p:spPr>
         <p:txBody>
@@ -2201,7 +2204,7 @@
           <a:p>
             <a:pPr lvl="0"/>
             <a:r>
-              <a:rPr kumimoji="1" lang="ja-JP" altLang="en-US" smtClean="0"/>
+              <a:rPr lang="ja-JP" altLang="en-US" smtClean="0"/>
               <a:t>マスター テキストの書式設定</a:t>
             </a:r>
           </a:p>
@@ -2209,7 +2212,7 @@
       </p:sp>
       <p:sp>
         <p:nvSpPr>
-          <p:cNvPr id="6" name="コンテンツ プレースホルダー 5"/>
+          <p:cNvPr id="6" name="Content Placeholder 5"/>
           <p:cNvSpPr>
             <a:spLocks noGrp="1"/>
           </p:cNvSpPr>
@@ -2219,8 +2222,8 @@
         </p:nvSpPr>
         <p:spPr>
           <a:xfrm>
-            <a:off x="6172200" y="2505075"/>
-            <a:ext cx="5183188" cy="3684588"/>
+            <a:off x="4629150" y="2505075"/>
+            <a:ext cx="3887391" cy="3684588"/>
           </a:xfrm>
         </p:spPr>
         <p:txBody>
@@ -2229,76 +2232,76 @@
           <a:p>
             <a:pPr lvl="0"/>
             <a:r>
-              <a:rPr kumimoji="1" lang="ja-JP" altLang="en-US" smtClean="0"/>
+              <a:rPr lang="ja-JP" altLang="en-US" smtClean="0"/>
               <a:t>マスター テキストの書式設定</a:t>
             </a:r>
           </a:p>
           <a:p>
             <a:pPr lvl="1"/>
             <a:r>
-              <a:rPr kumimoji="1" lang="ja-JP" altLang="en-US" smtClean="0"/>
+              <a:rPr lang="ja-JP" altLang="en-US" smtClean="0"/>
               <a:t>第 </a:t>
             </a:r>
             <a:r>
-              <a:rPr kumimoji="1" lang="en-US" altLang="ja-JP" smtClean="0"/>
+              <a:rPr lang="en-US" altLang="ja-JP" smtClean="0"/>
               <a:t>2 </a:t>
             </a:r>
             <a:r>
-              <a:rPr kumimoji="1" lang="ja-JP" altLang="en-US" smtClean="0"/>
+              <a:rPr lang="ja-JP" altLang="en-US" smtClean="0"/>
               <a:t>レベル</a:t>
             </a:r>
           </a:p>
           <a:p>
             <a:pPr lvl="2"/>
             <a:r>
-              <a:rPr kumimoji="1" lang="ja-JP" altLang="en-US" smtClean="0"/>
+              <a:rPr lang="ja-JP" altLang="en-US" smtClean="0"/>
               <a:t>第 </a:t>
             </a:r>
             <a:r>
-              <a:rPr kumimoji="1" lang="en-US" altLang="ja-JP" smtClean="0"/>
+              <a:rPr lang="en-US" altLang="ja-JP" smtClean="0"/>
               <a:t>3 </a:t>
             </a:r>
             <a:r>
-              <a:rPr kumimoji="1" lang="ja-JP" altLang="en-US" smtClean="0"/>
+              <a:rPr lang="ja-JP" altLang="en-US" smtClean="0"/>
               <a:t>レベル</a:t>
             </a:r>
           </a:p>
           <a:p>
             <a:pPr lvl="3"/>
             <a:r>
-              <a:rPr kumimoji="1" lang="ja-JP" altLang="en-US" smtClean="0"/>
+              <a:rPr lang="ja-JP" altLang="en-US" smtClean="0"/>
               <a:t>第 </a:t>
             </a:r>
             <a:r>
-              <a:rPr kumimoji="1" lang="en-US" altLang="ja-JP" smtClean="0"/>
+              <a:rPr lang="en-US" altLang="ja-JP" smtClean="0"/>
               <a:t>4 </a:t>
             </a:r>
             <a:r>
-              <a:rPr kumimoji="1" lang="ja-JP" altLang="en-US" smtClean="0"/>
+              <a:rPr lang="ja-JP" altLang="en-US" smtClean="0"/>
               <a:t>レベル</a:t>
             </a:r>
           </a:p>
           <a:p>
             <a:pPr lvl="4"/>
             <a:r>
-              <a:rPr kumimoji="1" lang="ja-JP" altLang="en-US" smtClean="0"/>
+              <a:rPr lang="ja-JP" altLang="en-US" smtClean="0"/>
               <a:t>第 </a:t>
             </a:r>
             <a:r>
-              <a:rPr kumimoji="1" lang="en-US" altLang="ja-JP" smtClean="0"/>
+              <a:rPr lang="en-US" altLang="ja-JP" smtClean="0"/>
               <a:t>5 </a:t>
             </a:r>
             <a:r>
-              <a:rPr kumimoji="1" lang="ja-JP" altLang="en-US" smtClean="0"/>
+              <a:rPr lang="ja-JP" altLang="en-US" smtClean="0"/>
               <a:t>レベル</a:t>
             </a:r>
-            <a:endParaRPr kumimoji="1" lang="ja-JP" altLang="en-US"/>
-          </a:p>
-        </p:txBody>
-      </p:sp>
-      <p:sp>
-        <p:nvSpPr>
-          <p:cNvPr id="7" name="日付プレースホルダー 6"/>
+            <a:endParaRPr lang="en-US" dirty="0"/>
+          </a:p>
+        </p:txBody>
+      </p:sp>
+      <p:sp>
+        <p:nvSpPr>
+          <p:cNvPr id="7" name="Date Placeholder 6"/>
           <p:cNvSpPr>
             <a:spLocks noGrp="1"/>
           </p:cNvSpPr>
@@ -2313,7 +2316,7 @@
           <a:p>
             <a:fld id="{FA16DDA6-9750-4222-A53D-9B2AFD4F7604}" type="datetime1">
               <a:rPr kumimoji="1" lang="ja-JP" altLang="en-US" smtClean="0"/>
-              <a:t>2021/5/7</a:t>
+              <a:t>2021/5/10</a:t>
             </a:fld>
             <a:endParaRPr kumimoji="1" lang="ja-JP" altLang="en-US"/>
           </a:p>
@@ -2321,7 +2324,7 @@
       </p:sp>
       <p:sp>
         <p:nvSpPr>
-          <p:cNvPr id="8" name="フッター プレースホルダー 7"/>
+          <p:cNvPr id="8" name="Footer Placeholder 7"/>
           <p:cNvSpPr>
             <a:spLocks noGrp="1"/>
           </p:cNvSpPr>
@@ -2340,7 +2343,7 @@
       </p:sp>
       <p:sp>
         <p:nvSpPr>
-          <p:cNvPr id="9" name="スライド番号プレースホルダー 8"/>
+          <p:cNvPr id="9" name="Slide Number Placeholder 8"/>
           <p:cNvSpPr>
             <a:spLocks noGrp="1"/>
           </p:cNvSpPr>
@@ -2364,7 +2367,7 @@
     </p:spTree>
     <p:extLst>
       <p:ext uri="{BB962C8B-B14F-4D97-AF65-F5344CB8AC3E}">
-        <p14:creationId xmlns:p14="http://schemas.microsoft.com/office/powerpoint/2010/main" val="2066171008"/>
+        <p14:creationId xmlns:p14="http://schemas.microsoft.com/office/powerpoint/2010/main" val="450515679"/>
       </p:ext>
     </p:extLst>
   </p:cSld>
@@ -2393,7 +2396,7 @@
       </p:grpSpPr>
       <p:sp>
         <p:nvSpPr>
-          <p:cNvPr id="2" name="タイトル 1"/>
+          <p:cNvPr id="2" name="Title 1"/>
           <p:cNvSpPr>
             <a:spLocks noGrp="1"/>
           </p:cNvSpPr>
@@ -2407,16 +2410,16 @@
           <a:lstStyle/>
           <a:p>
             <a:r>
-              <a:rPr kumimoji="1" lang="ja-JP" altLang="en-US" smtClean="0"/>
+              <a:rPr lang="ja-JP" altLang="en-US" smtClean="0"/>
               <a:t>マスター タイトルの書式設定</a:t>
             </a:r>
-            <a:endParaRPr kumimoji="1" lang="ja-JP" altLang="en-US"/>
-          </a:p>
-        </p:txBody>
-      </p:sp>
-      <p:sp>
-        <p:nvSpPr>
-          <p:cNvPr id="3" name="日付プレースホルダー 2"/>
+            <a:endParaRPr lang="en-US" dirty="0"/>
+          </a:p>
+        </p:txBody>
+      </p:sp>
+      <p:sp>
+        <p:nvSpPr>
+          <p:cNvPr id="3" name="Date Placeholder 2"/>
           <p:cNvSpPr>
             <a:spLocks noGrp="1"/>
           </p:cNvSpPr>
@@ -2431,7 +2434,7 @@
           <a:p>
             <a:fld id="{2A12A5DA-6757-4BE0-8138-B996B069D01C}" type="datetime1">
               <a:rPr kumimoji="1" lang="ja-JP" altLang="en-US" smtClean="0"/>
-              <a:t>2021/5/7</a:t>
+              <a:t>2021/5/10</a:t>
             </a:fld>
             <a:endParaRPr kumimoji="1" lang="ja-JP" altLang="en-US"/>
           </a:p>
@@ -2439,7 +2442,7 @@
       </p:sp>
       <p:sp>
         <p:nvSpPr>
-          <p:cNvPr id="4" name="フッター プレースホルダー 3"/>
+          <p:cNvPr id="4" name="Footer Placeholder 3"/>
           <p:cNvSpPr>
             <a:spLocks noGrp="1"/>
           </p:cNvSpPr>
@@ -2458,7 +2461,7 @@
       </p:sp>
       <p:sp>
         <p:nvSpPr>
-          <p:cNvPr id="5" name="スライド番号プレースホルダー 4"/>
+          <p:cNvPr id="5" name="Slide Number Placeholder 4"/>
           <p:cNvSpPr>
             <a:spLocks noGrp="1"/>
           </p:cNvSpPr>
@@ -2482,7 +2485,7 @@
     </p:spTree>
     <p:extLst>
       <p:ext uri="{BB962C8B-B14F-4D97-AF65-F5344CB8AC3E}">
-        <p14:creationId xmlns:p14="http://schemas.microsoft.com/office/powerpoint/2010/main" val="1977874518"/>
+        <p14:creationId xmlns:p14="http://schemas.microsoft.com/office/powerpoint/2010/main" val="2169279086"/>
       </p:ext>
     </p:extLst>
   </p:cSld>
@@ -2511,7 +2514,7 @@
       </p:grpSpPr>
       <p:sp>
         <p:nvSpPr>
-          <p:cNvPr id="2" name="日付プレースホルダー 1"/>
+          <p:cNvPr id="2" name="Date Placeholder 1"/>
           <p:cNvSpPr>
             <a:spLocks noGrp="1"/>
           </p:cNvSpPr>
@@ -2526,7 +2529,7 @@
           <a:p>
             <a:fld id="{80431E91-75F7-48C3-A2EB-716DBC94911B}" type="datetime1">
               <a:rPr kumimoji="1" lang="ja-JP" altLang="en-US" smtClean="0"/>
-              <a:t>2021/5/7</a:t>
+              <a:t>2021/5/10</a:t>
             </a:fld>
             <a:endParaRPr kumimoji="1" lang="ja-JP" altLang="en-US"/>
           </a:p>
@@ -2534,7 +2537,7 @@
       </p:sp>
       <p:sp>
         <p:nvSpPr>
-          <p:cNvPr id="3" name="フッター プレースホルダー 2"/>
+          <p:cNvPr id="3" name="Footer Placeholder 2"/>
           <p:cNvSpPr>
             <a:spLocks noGrp="1"/>
           </p:cNvSpPr>
@@ -2553,7 +2556,7 @@
       </p:sp>
       <p:sp>
         <p:nvSpPr>
-          <p:cNvPr id="4" name="スライド番号プレースホルダー 3"/>
+          <p:cNvPr id="4" name="Slide Number Placeholder 3"/>
           <p:cNvSpPr>
             <a:spLocks noGrp="1"/>
           </p:cNvSpPr>
@@ -2577,7 +2580,7 @@
     </p:spTree>
     <p:extLst>
       <p:ext uri="{BB962C8B-B14F-4D97-AF65-F5344CB8AC3E}">
-        <p14:creationId xmlns:p14="http://schemas.microsoft.com/office/powerpoint/2010/main" val="3082851380"/>
+        <p14:creationId xmlns:p14="http://schemas.microsoft.com/office/powerpoint/2010/main" val="3012580005"/>
       </p:ext>
     </p:extLst>
   </p:cSld>
@@ -2606,7 +2609,7 @@
       </p:grpSpPr>
       <p:sp>
         <p:nvSpPr>
-          <p:cNvPr id="2" name="タイトル 1"/>
+          <p:cNvPr id="2" name="Title 1"/>
           <p:cNvSpPr>
             <a:spLocks noGrp="1"/>
           </p:cNvSpPr>
@@ -2616,8 +2619,8 @@
         </p:nvSpPr>
         <p:spPr>
           <a:xfrm>
-            <a:off x="839788" y="457200"/>
-            <a:ext cx="3932237" cy="1600200"/>
+            <a:off x="629841" y="457200"/>
+            <a:ext cx="2949178" cy="1600200"/>
           </a:xfrm>
         </p:spPr>
         <p:txBody>
@@ -2629,16 +2632,16 @@
           </a:lstStyle>
           <a:p>
             <a:r>
-              <a:rPr kumimoji="1" lang="ja-JP" altLang="en-US" smtClean="0"/>
+              <a:rPr lang="ja-JP" altLang="en-US" smtClean="0"/>
               <a:t>マスター タイトルの書式設定</a:t>
             </a:r>
-            <a:endParaRPr kumimoji="1" lang="ja-JP" altLang="en-US"/>
-          </a:p>
-        </p:txBody>
-      </p:sp>
-      <p:sp>
-        <p:nvSpPr>
-          <p:cNvPr id="3" name="コンテンツ プレースホルダー 2"/>
+            <a:endParaRPr lang="en-US" dirty="0"/>
+          </a:p>
+        </p:txBody>
+      </p:sp>
+      <p:sp>
+        <p:nvSpPr>
+          <p:cNvPr id="3" name="Content Placeholder 2"/>
           <p:cNvSpPr>
             <a:spLocks noGrp="1"/>
           </p:cNvSpPr>
@@ -2648,8 +2651,8 @@
         </p:nvSpPr>
         <p:spPr>
           <a:xfrm>
-            <a:off x="5183188" y="987425"/>
-            <a:ext cx="6172200" cy="4873625"/>
+            <a:off x="3887391" y="987426"/>
+            <a:ext cx="4629150" cy="4873625"/>
           </a:xfrm>
         </p:spPr>
         <p:txBody>
@@ -2686,76 +2689,76 @@
           <a:p>
             <a:pPr lvl="0"/>
             <a:r>
-              <a:rPr kumimoji="1" lang="ja-JP" altLang="en-US" smtClean="0"/>
+              <a:rPr lang="ja-JP" altLang="en-US" smtClean="0"/>
               <a:t>マスター テキストの書式設定</a:t>
             </a:r>
           </a:p>
           <a:p>
             <a:pPr lvl="1"/>
             <a:r>
-              <a:rPr kumimoji="1" lang="ja-JP" altLang="en-US" smtClean="0"/>
+              <a:rPr lang="ja-JP" altLang="en-US" smtClean="0"/>
               <a:t>第 </a:t>
             </a:r>
             <a:r>
-              <a:rPr kumimoji="1" lang="en-US" altLang="ja-JP" smtClean="0"/>
+              <a:rPr lang="en-US" altLang="ja-JP" smtClean="0"/>
               <a:t>2 </a:t>
             </a:r>
             <a:r>
-              <a:rPr kumimoji="1" lang="ja-JP" altLang="en-US" smtClean="0"/>
+              <a:rPr lang="ja-JP" altLang="en-US" smtClean="0"/>
               <a:t>レベル</a:t>
             </a:r>
           </a:p>
           <a:p>
             <a:pPr lvl="2"/>
             <a:r>
-              <a:rPr kumimoji="1" lang="ja-JP" altLang="en-US" smtClean="0"/>
+              <a:rPr lang="ja-JP" altLang="en-US" smtClean="0"/>
               <a:t>第 </a:t>
             </a:r>
             <a:r>
-              <a:rPr kumimoji="1" lang="en-US" altLang="ja-JP" smtClean="0"/>
+              <a:rPr lang="en-US" altLang="ja-JP" smtClean="0"/>
               <a:t>3 </a:t>
             </a:r>
             <a:r>
-              <a:rPr kumimoji="1" lang="ja-JP" altLang="en-US" smtClean="0"/>
+              <a:rPr lang="ja-JP" altLang="en-US" smtClean="0"/>
               <a:t>レベル</a:t>
             </a:r>
           </a:p>
           <a:p>
             <a:pPr lvl="3"/>
             <a:r>
-              <a:rPr kumimoji="1" lang="ja-JP" altLang="en-US" smtClean="0"/>
+              <a:rPr lang="ja-JP" altLang="en-US" smtClean="0"/>
               <a:t>第 </a:t>
             </a:r>
             <a:r>
-              <a:rPr kumimoji="1" lang="en-US" altLang="ja-JP" smtClean="0"/>
+              <a:rPr lang="en-US" altLang="ja-JP" smtClean="0"/>
               <a:t>4 </a:t>
             </a:r>
             <a:r>
-              <a:rPr kumimoji="1" lang="ja-JP" altLang="en-US" smtClean="0"/>
+              <a:rPr lang="ja-JP" altLang="en-US" smtClean="0"/>
               <a:t>レベル</a:t>
             </a:r>
           </a:p>
           <a:p>
             <a:pPr lvl="4"/>
             <a:r>
-              <a:rPr kumimoji="1" lang="ja-JP" altLang="en-US" smtClean="0"/>
+              <a:rPr lang="ja-JP" altLang="en-US" smtClean="0"/>
               <a:t>第 </a:t>
             </a:r>
             <a:r>
-              <a:rPr kumimoji="1" lang="en-US" altLang="ja-JP" smtClean="0"/>
+              <a:rPr lang="en-US" altLang="ja-JP" smtClean="0"/>
               <a:t>5 </a:t>
             </a:r>
             <a:r>
-              <a:rPr kumimoji="1" lang="ja-JP" altLang="en-US" smtClean="0"/>
+              <a:rPr lang="ja-JP" altLang="en-US" smtClean="0"/>
               <a:t>レベル</a:t>
             </a:r>
-            <a:endParaRPr kumimoji="1" lang="ja-JP" altLang="en-US"/>
-          </a:p>
-        </p:txBody>
-      </p:sp>
-      <p:sp>
-        <p:nvSpPr>
-          <p:cNvPr id="4" name="テキスト プレースホルダー 3"/>
+            <a:endParaRPr lang="en-US" dirty="0"/>
+          </a:p>
+        </p:txBody>
+      </p:sp>
+      <p:sp>
+        <p:nvSpPr>
+          <p:cNvPr id="4" name="Text Placeholder 3"/>
           <p:cNvSpPr>
             <a:spLocks noGrp="1"/>
           </p:cNvSpPr>
@@ -2765,8 +2768,8 @@
         </p:nvSpPr>
         <p:spPr>
           <a:xfrm>
-            <a:off x="839788" y="2057400"/>
-            <a:ext cx="3932237" cy="3811588"/>
+            <a:off x="629841" y="2057400"/>
+            <a:ext cx="2949178" cy="3811588"/>
           </a:xfrm>
         </p:spPr>
         <p:txBody>
@@ -2812,7 +2815,7 @@
           <a:p>
             <a:pPr lvl="0"/>
             <a:r>
-              <a:rPr kumimoji="1" lang="ja-JP" altLang="en-US" smtClean="0"/>
+              <a:rPr lang="ja-JP" altLang="en-US" smtClean="0"/>
               <a:t>マスター テキストの書式設定</a:t>
             </a:r>
           </a:p>
@@ -2820,7 +2823,7 @@
       </p:sp>
       <p:sp>
         <p:nvSpPr>
-          <p:cNvPr id="5" name="日付プレースホルダー 4"/>
+          <p:cNvPr id="5" name="Date Placeholder 4"/>
           <p:cNvSpPr>
             <a:spLocks noGrp="1"/>
           </p:cNvSpPr>
@@ -2835,7 +2838,7 @@
           <a:p>
             <a:fld id="{2FD4BF64-4643-4F2F-9E14-ABA1F12A43DE}" type="datetime1">
               <a:rPr kumimoji="1" lang="ja-JP" altLang="en-US" smtClean="0"/>
-              <a:t>2021/5/7</a:t>
+              <a:t>2021/5/10</a:t>
             </a:fld>
             <a:endParaRPr kumimoji="1" lang="ja-JP" altLang="en-US"/>
           </a:p>
@@ -2843,7 +2846,7 @@
       </p:sp>
       <p:sp>
         <p:nvSpPr>
-          <p:cNvPr id="6" name="フッター プレースホルダー 5"/>
+          <p:cNvPr id="6" name="Footer Placeholder 5"/>
           <p:cNvSpPr>
             <a:spLocks noGrp="1"/>
           </p:cNvSpPr>
@@ -2862,7 +2865,7 @@
       </p:sp>
       <p:sp>
         <p:nvSpPr>
-          <p:cNvPr id="7" name="スライド番号プレースホルダー 6"/>
+          <p:cNvPr id="7" name="Slide Number Placeholder 6"/>
           <p:cNvSpPr>
             <a:spLocks noGrp="1"/>
           </p:cNvSpPr>
@@ -2886,7 +2889,7 @@
     </p:spTree>
     <p:extLst>
       <p:ext uri="{BB962C8B-B14F-4D97-AF65-F5344CB8AC3E}">
-        <p14:creationId xmlns:p14="http://schemas.microsoft.com/office/powerpoint/2010/main" val="358736423"/>
+        <p14:creationId xmlns:p14="http://schemas.microsoft.com/office/powerpoint/2010/main" val="3369946815"/>
       </p:ext>
     </p:extLst>
   </p:cSld>
@@ -2915,7 +2918,7 @@
       </p:grpSpPr>
       <p:sp>
         <p:nvSpPr>
-          <p:cNvPr id="2" name="タイトル 1"/>
+          <p:cNvPr id="2" name="Title 1"/>
           <p:cNvSpPr>
             <a:spLocks noGrp="1"/>
           </p:cNvSpPr>
@@ -2925,8 +2928,8 @@
         </p:nvSpPr>
         <p:spPr>
           <a:xfrm>
-            <a:off x="839788" y="457200"/>
-            <a:ext cx="3932237" cy="1600200"/>
+            <a:off x="629841" y="457200"/>
+            <a:ext cx="2949178" cy="1600200"/>
           </a:xfrm>
         </p:spPr>
         <p:txBody>
@@ -2938,18 +2941,18 @@
           </a:lstStyle>
           <a:p>
             <a:r>
-              <a:rPr kumimoji="1" lang="ja-JP" altLang="en-US" smtClean="0"/>
+              <a:rPr lang="ja-JP" altLang="en-US" smtClean="0"/>
               <a:t>マスター タイトルの書式設定</a:t>
             </a:r>
-            <a:endParaRPr kumimoji="1" lang="ja-JP" altLang="en-US"/>
-          </a:p>
-        </p:txBody>
-      </p:sp>
-      <p:sp>
-        <p:nvSpPr>
-          <p:cNvPr id="3" name="図プレースホルダー 2"/>
-          <p:cNvSpPr>
-            <a:spLocks noGrp="1"/>
+            <a:endParaRPr lang="en-US" dirty="0"/>
+          </a:p>
+        </p:txBody>
+      </p:sp>
+      <p:sp>
+        <p:nvSpPr>
+          <p:cNvPr id="3" name="Picture Placeholder 2"/>
+          <p:cNvSpPr>
+            <a:spLocks noGrp="1" noChangeAspect="1"/>
           </p:cNvSpPr>
           <p:nvPr>
             <p:ph type="pic" idx="1"/>
@@ -2957,12 +2960,12 @@
         </p:nvSpPr>
         <p:spPr>
           <a:xfrm>
-            <a:off x="5183188" y="987425"/>
-            <a:ext cx="6172200" cy="4873625"/>
+            <a:off x="3887391" y="987426"/>
+            <a:ext cx="4629150" cy="4873625"/>
           </a:xfrm>
         </p:spPr>
         <p:txBody>
-          <a:bodyPr/>
+          <a:bodyPr anchor="t"/>
           <a:lstStyle>
             <a:lvl1pPr marL="0" indent="0">
               <a:buNone/>
@@ -3002,13 +3005,17 @@
             </a:lvl9pPr>
           </a:lstStyle>
           <a:p>
-            <a:endParaRPr kumimoji="1" lang="ja-JP" altLang="en-US"/>
-          </a:p>
-        </p:txBody>
-      </p:sp>
-      <p:sp>
-        <p:nvSpPr>
-          <p:cNvPr id="4" name="テキスト プレースホルダー 3"/>
+            <a:r>
+              <a:rPr lang="ja-JP" altLang="en-US" smtClean="0"/>
+              <a:t>図を追加</a:t>
+            </a:r>
+            <a:endParaRPr lang="en-US" dirty="0"/>
+          </a:p>
+        </p:txBody>
+      </p:sp>
+      <p:sp>
+        <p:nvSpPr>
+          <p:cNvPr id="4" name="Text Placeholder 3"/>
           <p:cNvSpPr>
             <a:spLocks noGrp="1"/>
           </p:cNvSpPr>
@@ -3018,8 +3025,8 @@
         </p:nvSpPr>
         <p:spPr>
           <a:xfrm>
-            <a:off x="839788" y="2057400"/>
-            <a:ext cx="3932237" cy="3811588"/>
+            <a:off x="629841" y="2057400"/>
+            <a:ext cx="2949178" cy="3811588"/>
           </a:xfrm>
         </p:spPr>
         <p:txBody>
@@ -3065,7 +3072,7 @@
           <a:p>
             <a:pPr lvl="0"/>
             <a:r>
-              <a:rPr kumimoji="1" lang="ja-JP" altLang="en-US" smtClean="0"/>
+              <a:rPr lang="ja-JP" altLang="en-US" smtClean="0"/>
               <a:t>マスター テキストの書式設定</a:t>
             </a:r>
           </a:p>
@@ -3073,7 +3080,7 @@
       </p:sp>
       <p:sp>
         <p:nvSpPr>
-          <p:cNvPr id="5" name="日付プレースホルダー 4"/>
+          <p:cNvPr id="5" name="Date Placeholder 4"/>
           <p:cNvSpPr>
             <a:spLocks noGrp="1"/>
           </p:cNvSpPr>
@@ -3088,7 +3095,7 @@
           <a:p>
             <a:fld id="{4775FF6E-0AC3-4CFF-BD5F-615BAFBBFB63}" type="datetime1">
               <a:rPr kumimoji="1" lang="ja-JP" altLang="en-US" smtClean="0"/>
-              <a:t>2021/5/7</a:t>
+              <a:t>2021/5/10</a:t>
             </a:fld>
             <a:endParaRPr kumimoji="1" lang="ja-JP" altLang="en-US"/>
           </a:p>
@@ -3096,7 +3103,7 @@
       </p:sp>
       <p:sp>
         <p:nvSpPr>
-          <p:cNvPr id="6" name="フッター プレースホルダー 5"/>
+          <p:cNvPr id="6" name="Footer Placeholder 5"/>
           <p:cNvSpPr>
             <a:spLocks noGrp="1"/>
           </p:cNvSpPr>
@@ -3115,7 +3122,7 @@
       </p:sp>
       <p:sp>
         <p:nvSpPr>
-          <p:cNvPr id="7" name="スライド番号プレースホルダー 6"/>
+          <p:cNvPr id="7" name="Slide Number Placeholder 6"/>
           <p:cNvSpPr>
             <a:spLocks noGrp="1"/>
           </p:cNvSpPr>
@@ -3139,7 +3146,7 @@
     </p:spTree>
     <p:extLst>
       <p:ext uri="{BB962C8B-B14F-4D97-AF65-F5344CB8AC3E}">
-        <p14:creationId xmlns:p14="http://schemas.microsoft.com/office/powerpoint/2010/main" val="2360239177"/>
+        <p14:creationId xmlns:p14="http://schemas.microsoft.com/office/powerpoint/2010/main" val="3745447901"/>
       </p:ext>
     </p:extLst>
   </p:cSld>
@@ -3173,7 +3180,7 @@
       </p:grpSpPr>
       <p:sp>
         <p:nvSpPr>
-          <p:cNvPr id="2" name="タイトル プレースホルダー 1"/>
+          <p:cNvPr id="2" name="Title Placeholder 1"/>
           <p:cNvSpPr>
             <a:spLocks noGrp="1"/>
           </p:cNvSpPr>
@@ -3183,8 +3190,8 @@
         </p:nvSpPr>
         <p:spPr>
           <a:xfrm>
-            <a:off x="838200" y="365125"/>
-            <a:ext cx="10515600" cy="1325563"/>
+            <a:off x="628650" y="365126"/>
+            <a:ext cx="7886700" cy="1325563"/>
           </a:xfrm>
           <a:prstGeom prst="rect">
             <a:avLst/>
@@ -3197,16 +3204,16 @@
           <a:lstStyle/>
           <a:p>
             <a:r>
-              <a:rPr kumimoji="1" lang="ja-JP" altLang="en-US" smtClean="0"/>
+              <a:rPr lang="ja-JP" altLang="en-US" smtClean="0"/>
               <a:t>マスター タイトルの書式設定</a:t>
             </a:r>
-            <a:endParaRPr kumimoji="1" lang="ja-JP" altLang="en-US"/>
-          </a:p>
-        </p:txBody>
-      </p:sp>
-      <p:sp>
-        <p:nvSpPr>
-          <p:cNvPr id="3" name="テキスト プレースホルダー 2"/>
+            <a:endParaRPr lang="en-US" dirty="0"/>
+          </a:p>
+        </p:txBody>
+      </p:sp>
+      <p:sp>
+        <p:nvSpPr>
+          <p:cNvPr id="3" name="Text Placeholder 2"/>
           <p:cNvSpPr>
             <a:spLocks noGrp="1"/>
           </p:cNvSpPr>
@@ -3216,8 +3223,8 @@
         </p:nvSpPr>
         <p:spPr>
           <a:xfrm>
-            <a:off x="838200" y="1825625"/>
-            <a:ext cx="10515600" cy="4351338"/>
+            <a:off x="628650" y="1825625"/>
+            <a:ext cx="7886700" cy="4351338"/>
           </a:xfrm>
           <a:prstGeom prst="rect">
             <a:avLst/>
@@ -3231,76 +3238,76 @@
           <a:p>
             <a:pPr lvl="0"/>
             <a:r>
-              <a:rPr kumimoji="1" lang="ja-JP" altLang="en-US" smtClean="0"/>
+              <a:rPr lang="ja-JP" altLang="en-US" smtClean="0"/>
               <a:t>マスター テキストの書式設定</a:t>
             </a:r>
           </a:p>
           <a:p>
             <a:pPr lvl="1"/>
             <a:r>
-              <a:rPr kumimoji="1" lang="ja-JP" altLang="en-US" smtClean="0"/>
+              <a:rPr lang="ja-JP" altLang="en-US" smtClean="0"/>
               <a:t>第 </a:t>
             </a:r>
             <a:r>
-              <a:rPr kumimoji="1" lang="en-US" altLang="ja-JP" smtClean="0"/>
+              <a:rPr lang="en-US" altLang="ja-JP" smtClean="0"/>
               <a:t>2 </a:t>
             </a:r>
             <a:r>
-              <a:rPr kumimoji="1" lang="ja-JP" altLang="en-US" smtClean="0"/>
+              <a:rPr lang="ja-JP" altLang="en-US" smtClean="0"/>
               <a:t>レベル</a:t>
             </a:r>
           </a:p>
           <a:p>
             <a:pPr lvl="2"/>
             <a:r>
-              <a:rPr kumimoji="1" lang="ja-JP" altLang="en-US" smtClean="0"/>
+              <a:rPr lang="ja-JP" altLang="en-US" smtClean="0"/>
               <a:t>第 </a:t>
             </a:r>
             <a:r>
-              <a:rPr kumimoji="1" lang="en-US" altLang="ja-JP" smtClean="0"/>
+              <a:rPr lang="en-US" altLang="ja-JP" smtClean="0"/>
               <a:t>3 </a:t>
             </a:r>
             <a:r>
-              <a:rPr kumimoji="1" lang="ja-JP" altLang="en-US" smtClean="0"/>
+              <a:rPr lang="ja-JP" altLang="en-US" smtClean="0"/>
               <a:t>レベル</a:t>
             </a:r>
           </a:p>
           <a:p>
             <a:pPr lvl="3"/>
             <a:r>
-              <a:rPr kumimoji="1" lang="ja-JP" altLang="en-US" smtClean="0"/>
+              <a:rPr lang="ja-JP" altLang="en-US" smtClean="0"/>
               <a:t>第 </a:t>
             </a:r>
             <a:r>
-              <a:rPr kumimoji="1" lang="en-US" altLang="ja-JP" smtClean="0"/>
+              <a:rPr lang="en-US" altLang="ja-JP" smtClean="0"/>
               <a:t>4 </a:t>
             </a:r>
             <a:r>
-              <a:rPr kumimoji="1" lang="ja-JP" altLang="en-US" smtClean="0"/>
+              <a:rPr lang="ja-JP" altLang="en-US" smtClean="0"/>
               <a:t>レベル</a:t>
             </a:r>
           </a:p>
           <a:p>
             <a:pPr lvl="4"/>
             <a:r>
-              <a:rPr kumimoji="1" lang="ja-JP" altLang="en-US" smtClean="0"/>
+              <a:rPr lang="ja-JP" altLang="en-US" smtClean="0"/>
               <a:t>第 </a:t>
             </a:r>
             <a:r>
-              <a:rPr kumimoji="1" lang="en-US" altLang="ja-JP" smtClean="0"/>
+              <a:rPr lang="en-US" altLang="ja-JP" smtClean="0"/>
               <a:t>5 </a:t>
             </a:r>
             <a:r>
-              <a:rPr kumimoji="1" lang="ja-JP" altLang="en-US" smtClean="0"/>
+              <a:rPr lang="ja-JP" altLang="en-US" smtClean="0"/>
               <a:t>レベル</a:t>
             </a:r>
-            <a:endParaRPr kumimoji="1" lang="ja-JP" altLang="en-US"/>
-          </a:p>
-        </p:txBody>
-      </p:sp>
-      <p:sp>
-        <p:nvSpPr>
-          <p:cNvPr id="4" name="日付プレースホルダー 3"/>
+            <a:endParaRPr lang="en-US" dirty="0"/>
+          </a:p>
+        </p:txBody>
+      </p:sp>
+      <p:sp>
+        <p:nvSpPr>
+          <p:cNvPr id="4" name="Date Placeholder 3"/>
           <p:cNvSpPr>
             <a:spLocks noGrp="1"/>
           </p:cNvSpPr>
@@ -3310,8 +3317,8 @@
         </p:nvSpPr>
         <p:spPr>
           <a:xfrm>
-            <a:off x="838200" y="6356350"/>
-            <a:ext cx="2743200" cy="365125"/>
+            <a:off x="628650" y="6356351"/>
+            <a:ext cx="2057400" cy="365125"/>
           </a:xfrm>
           <a:prstGeom prst="rect">
             <a:avLst/>
@@ -3333,7 +3340,7 @@
           <a:p>
             <a:fld id="{63DC7EF6-3FB0-4B29-8D75-11EE9B911EFB}" type="datetime1">
               <a:rPr kumimoji="1" lang="ja-JP" altLang="en-US" smtClean="0"/>
-              <a:t>2021/5/7</a:t>
+              <a:t>2021/5/10</a:t>
             </a:fld>
             <a:endParaRPr kumimoji="1" lang="ja-JP" altLang="en-US"/>
           </a:p>
@@ -3341,7 +3348,7 @@
       </p:sp>
       <p:sp>
         <p:nvSpPr>
-          <p:cNvPr id="5" name="フッター プレースホルダー 4"/>
+          <p:cNvPr id="5" name="Footer Placeholder 4"/>
           <p:cNvSpPr>
             <a:spLocks noGrp="1"/>
           </p:cNvSpPr>
@@ -3351,8 +3358,8 @@
         </p:nvSpPr>
         <p:spPr>
           <a:xfrm>
-            <a:off x="4038600" y="6356350"/>
-            <a:ext cx="4114800" cy="365125"/>
+            <a:off x="3028950" y="6356351"/>
+            <a:ext cx="3086100" cy="365125"/>
           </a:xfrm>
           <a:prstGeom prst="rect">
             <a:avLst/>
@@ -3378,7 +3385,7 @@
       </p:sp>
       <p:sp>
         <p:nvSpPr>
-          <p:cNvPr id="6" name="スライド番号プレースホルダー 5"/>
+          <p:cNvPr id="6" name="Slide Number Placeholder 5"/>
           <p:cNvSpPr>
             <a:spLocks noGrp="1"/>
           </p:cNvSpPr>
@@ -3388,8 +3395,8 @@
         </p:nvSpPr>
         <p:spPr>
           <a:xfrm>
-            <a:off x="8610600" y="6356350"/>
-            <a:ext cx="2743200" cy="365125"/>
+            <a:off x="6457950" y="6356351"/>
+            <a:ext cx="2057400" cy="365125"/>
           </a:xfrm>
           <a:prstGeom prst="rect">
             <a:avLst/>
@@ -3420,23 +3427,23 @@
     </p:spTree>
     <p:extLst>
       <p:ext uri="{BB962C8B-B14F-4D97-AF65-F5344CB8AC3E}">
-        <p14:creationId xmlns:p14="http://schemas.microsoft.com/office/powerpoint/2010/main" val="2529514567"/>
+        <p14:creationId xmlns:p14="http://schemas.microsoft.com/office/powerpoint/2010/main" val="996475673"/>
       </p:ext>
     </p:extLst>
   </p:cSld>
   <p:clrMap bg1="lt1" tx1="dk1" bg2="lt2" tx2="dk2" accent1="accent1" accent2="accent2" accent3="accent3" accent4="accent4" accent5="accent5" accent6="accent6" hlink="hlink" folHlink="folHlink"/>
   <p:sldLayoutIdLst>
-    <p:sldLayoutId id="2147483649" r:id="rId1"/>
-    <p:sldLayoutId id="2147483650" r:id="rId2"/>
-    <p:sldLayoutId id="2147483651" r:id="rId3"/>
-    <p:sldLayoutId id="2147483652" r:id="rId4"/>
-    <p:sldLayoutId id="2147483653" r:id="rId5"/>
-    <p:sldLayoutId id="2147483654" r:id="rId6"/>
-    <p:sldLayoutId id="2147483655" r:id="rId7"/>
-    <p:sldLayoutId id="2147483656" r:id="rId8"/>
-    <p:sldLayoutId id="2147483657" r:id="rId9"/>
-    <p:sldLayoutId id="2147483658" r:id="rId10"/>
-    <p:sldLayoutId id="2147483659" r:id="rId11"/>
+    <p:sldLayoutId id="2147483661" r:id="rId1"/>
+    <p:sldLayoutId id="2147483662" r:id="rId2"/>
+    <p:sldLayoutId id="2147483663" r:id="rId3"/>
+    <p:sldLayoutId id="2147483664" r:id="rId4"/>
+    <p:sldLayoutId id="2147483665" r:id="rId5"/>
+    <p:sldLayoutId id="2147483666" r:id="rId6"/>
+    <p:sldLayoutId id="2147483667" r:id="rId7"/>
+    <p:sldLayoutId id="2147483668" r:id="rId8"/>
+    <p:sldLayoutId id="2147483669" r:id="rId9"/>
+    <p:sldLayoutId id="2147483670" r:id="rId10"/>
+    <p:sldLayoutId id="2147483671" r:id="rId11"/>
   </p:sldLayoutIdLst>
   <p:hf hdr="0" ftr="0" dt="0"/>
   <p:txStyles>
@@ -3625,7 +3632,7 @@
     </p:bodyStyle>
     <p:otherStyle>
       <a:defPPr>
-        <a:defRPr lang="ja-JP"/>
+        <a:defRPr lang="en-US"/>
       </a:defPPr>
       <a:lvl1pPr marL="0" algn="l" defTabSz="914400" rtl="0" eaLnBrk="1" latinLnBrk="0" hangingPunct="1">
         <a:defRPr kumimoji="1" sz="1800" kern="1200">
@@ -3764,14 +3771,37 @@
       </p:sp>
       <p:sp>
         <p:nvSpPr>
+          <p:cNvPr id="5" name="スライド番号プレースホルダー 4"/>
+          <p:cNvSpPr>
+            <a:spLocks noGrp="1"/>
+          </p:cNvSpPr>
+          <p:nvPr>
+            <p:ph type="sldNum" sz="quarter" idx="12"/>
+          </p:nvPr>
+        </p:nvSpPr>
+        <p:spPr/>
+        <p:txBody>
+          <a:bodyPr/>
+          <a:lstStyle/>
+          <a:p>
+            <a:fld id="{C1A4E16F-9CEB-47A6-B8DF-28924D05829B}" type="slidenum">
+              <a:rPr kumimoji="1" lang="ja-JP" altLang="en-US" smtClean="0"/>
+              <a:t>1</a:t>
+            </a:fld>
+            <a:endParaRPr kumimoji="1" lang="ja-JP" altLang="en-US"/>
+          </a:p>
+        </p:txBody>
+      </p:sp>
+      <p:sp>
+        <p:nvSpPr>
           <p:cNvPr id="3" name="テキスト ボックス 2"/>
           <p:cNvSpPr txBox="1"/>
           <p:nvPr/>
         </p:nvSpPr>
         <p:spPr>
           <a:xfrm>
-            <a:off x="838200" y="1432289"/>
-            <a:ext cx="10565502" cy="2339102"/>
+            <a:off x="628650" y="1931467"/>
+            <a:ext cx="7924127" cy="1777410"/>
           </a:xfrm>
           <a:prstGeom prst="rect">
             <a:avLst/>
@@ -3785,93 +3815,93 @@
           <a:lstStyle/>
           <a:p>
             <a:r>
-              <a:rPr lang="ja-JP" altLang="en-US" sz="2000" b="1" dirty="0" smtClean="0"/>
+              <a:rPr lang="ja-JP" altLang="en-US" sz="1500" b="1" dirty="0"/>
               <a:t>・雰囲気を考慮した入室管理システム</a:t>
             </a:r>
             <a:r>
-              <a:rPr lang="ja-JP" altLang="en-US" sz="2000" dirty="0" smtClean="0"/>
+              <a:rPr lang="ja-JP" altLang="en-US" sz="1500" dirty="0"/>
               <a:t/>
             </a:r>
             <a:br>
-              <a:rPr lang="ja-JP" altLang="en-US" sz="2000" dirty="0" smtClean="0"/>
+              <a:rPr lang="ja-JP" altLang="en-US" sz="1500" dirty="0"/>
             </a:br>
             <a:r>
-              <a:rPr lang="ja-JP" altLang="en-US" dirty="0"/>
+              <a:rPr lang="ja-JP" altLang="en-US" sz="1350" dirty="0"/>
               <a:t>→</a:t>
             </a:r>
             <a:r>
-              <a:rPr lang="ja-JP" altLang="en-US" dirty="0" smtClean="0"/>
+              <a:rPr lang="ja-JP" altLang="en-US" sz="1350" dirty="0"/>
               <a:t>職員室など入室</a:t>
             </a:r>
             <a:r>
-              <a:rPr lang="ja-JP" altLang="en-US" dirty="0"/>
+              <a:rPr lang="ja-JP" altLang="en-US" sz="1350" dirty="0"/>
               <a:t>禁止の札が無いのに</a:t>
             </a:r>
             <a:r>
-              <a:rPr lang="ja-JP" altLang="en-US" dirty="0" smtClean="0"/>
+              <a:rPr lang="ja-JP" altLang="en-US" sz="1350" dirty="0"/>
               <a:t>入って、理不尽に怒られた。「会議中</a:t>
             </a:r>
             <a:r>
-              <a:rPr lang="ja-JP" altLang="en-US" dirty="0"/>
+              <a:rPr lang="ja-JP" altLang="en-US" sz="1350" dirty="0"/>
               <a:t>だった、忙しい、</a:t>
             </a:r>
             <a:r>
-              <a:rPr lang="ja-JP" altLang="en-US" dirty="0" smtClean="0"/>
+              <a:rPr lang="ja-JP" altLang="en-US" sz="1350" dirty="0"/>
               <a:t>不在」等、無駄足</a:t>
             </a:r>
             <a:r>
-              <a:rPr lang="ja-JP" altLang="en-US" dirty="0"/>
+              <a:rPr lang="ja-JP" altLang="en-US" sz="1350" dirty="0"/>
               <a:t>になることがある</a:t>
             </a:r>
             <a:r>
-              <a:rPr lang="ja-JP" altLang="en-US" dirty="0" smtClean="0"/>
+              <a:rPr lang="ja-JP" altLang="en-US" sz="1350" dirty="0"/>
               <a:t>ので雰囲気</a:t>
             </a:r>
             <a:r>
-              <a:rPr lang="ja-JP" altLang="en-US" dirty="0"/>
+              <a:rPr lang="ja-JP" altLang="en-US" sz="1350" dirty="0"/>
               <a:t>を読み取って入室</a:t>
             </a:r>
             <a:r>
-              <a:rPr lang="ja-JP" altLang="en-US" dirty="0" smtClean="0"/>
+              <a:rPr lang="ja-JP" altLang="en-US" sz="1350" dirty="0"/>
               <a:t>許可知らせるシステム。</a:t>
             </a:r>
-            <a:endParaRPr lang="en-US" altLang="ja-JP" dirty="0" smtClean="0"/>
-          </a:p>
-          <a:p>
-            <a:r>
-              <a:rPr lang="en-US" altLang="ja-JP" dirty="0"/>
+            <a:endParaRPr lang="en-US" altLang="ja-JP" sz="1350" dirty="0"/>
+          </a:p>
+          <a:p>
+            <a:r>
+              <a:rPr lang="en-US" altLang="ja-JP" sz="1350" dirty="0"/>
               <a:t/>
             </a:r>
             <a:br>
-              <a:rPr lang="en-US" altLang="ja-JP" dirty="0"/>
+              <a:rPr lang="en-US" altLang="ja-JP" sz="1350" dirty="0"/>
             </a:br>
             <a:r>
-              <a:rPr lang="ja-JP" altLang="en-US" dirty="0" smtClean="0"/>
+              <a:rPr lang="ja-JP" altLang="en-US" sz="1350" dirty="0"/>
               <a:t>課題</a:t>
             </a:r>
             <a:r>
-              <a:rPr lang="en-US" altLang="ja-JP" dirty="0" smtClean="0"/>
+              <a:rPr lang="en-US" altLang="ja-JP" sz="1350" dirty="0"/>
               <a:t/>
             </a:r>
             <a:br>
-              <a:rPr lang="en-US" altLang="ja-JP" dirty="0" smtClean="0"/>
+              <a:rPr lang="en-US" altLang="ja-JP" sz="1350" dirty="0"/>
             </a:br>
             <a:r>
-              <a:rPr lang="ja-JP" altLang="en-US" dirty="0" smtClean="0"/>
+              <a:rPr lang="ja-JP" altLang="en-US" sz="1350" dirty="0"/>
               <a:t>音声から雰囲気を判断する場合、怒って音が大きい波形なのか、賑わっていて大きい波形なのか判別するのが難しそう。人数や距離感などを判断材料にして</a:t>
             </a:r>
             <a:r>
-              <a:rPr lang="ja-JP" altLang="en-US" dirty="0"/>
+              <a:rPr lang="ja-JP" altLang="en-US" sz="1350" dirty="0"/>
               <a:t>行う方</a:t>
             </a:r>
             <a:r>
-              <a:rPr lang="ja-JP" altLang="en-US" dirty="0" smtClean="0"/>
+              <a:rPr lang="ja-JP" altLang="en-US" sz="1350" dirty="0"/>
               <a:t>がよさそう。</a:t>
             </a:r>
             <a:br>
-              <a:rPr lang="ja-JP" altLang="en-US" dirty="0" smtClean="0"/>
+              <a:rPr lang="ja-JP" altLang="en-US" sz="1350" dirty="0"/>
             </a:br>
-            <a:endParaRPr kumimoji="1" lang="ja-JP" altLang="en-US" dirty="0"/>
+            <a:endParaRPr lang="ja-JP" altLang="en-US" sz="1350" dirty="0"/>
           </a:p>
         </p:txBody>
       </p:sp>
@@ -3883,8 +3913,8 @@
         </p:nvSpPr>
         <p:spPr>
           <a:xfrm>
-            <a:off x="903609" y="3740613"/>
-            <a:ext cx="9462287" cy="3724096"/>
+            <a:off x="677707" y="3662710"/>
+            <a:ext cx="7096715" cy="2816156"/>
           </a:xfrm>
           <a:prstGeom prst="rect">
             <a:avLst/>
@@ -3896,112 +3926,89 @@
           </a:bodyPr>
           <a:lstStyle/>
           <a:p>
-            <a:endParaRPr lang="en-US" altLang="ja-JP" dirty="0" smtClean="0"/>
-          </a:p>
-          <a:p>
-            <a:r>
-              <a:rPr lang="ja-JP" altLang="en-US" sz="2000" b="1" dirty="0" smtClean="0"/>
+            <a:endParaRPr lang="en-US" altLang="ja-JP" sz="1350" dirty="0"/>
+          </a:p>
+          <a:p>
+            <a:r>
+              <a:rPr lang="ja-JP" altLang="en-US" sz="1500" b="1" dirty="0"/>
               <a:t>・ロードバランサーを使った</a:t>
             </a:r>
             <a:r>
-              <a:rPr lang="en-US" altLang="ja-JP" sz="2000" b="1" dirty="0" smtClean="0"/>
+              <a:rPr lang="en-US" altLang="ja-JP" sz="1500" b="1" dirty="0"/>
               <a:t>EC</a:t>
             </a:r>
             <a:r>
-              <a:rPr lang="ja-JP" altLang="en-US" sz="2000" b="1" dirty="0" smtClean="0"/>
+              <a:rPr lang="ja-JP" altLang="en-US" sz="1500" b="1" dirty="0"/>
               <a:t>サイト</a:t>
             </a:r>
             <a:r>
-              <a:rPr lang="en-US" altLang="ja-JP" dirty="0" smtClean="0"/>
+              <a:rPr lang="en-US" altLang="ja-JP" sz="1350" dirty="0"/>
               <a:t/>
             </a:r>
             <a:br>
-              <a:rPr lang="en-US" altLang="ja-JP" dirty="0" smtClean="0"/>
+              <a:rPr lang="en-US" altLang="ja-JP" sz="1350" dirty="0"/>
             </a:br>
             <a:r>
-              <a:rPr lang="en-US" altLang="ja-JP" dirty="0" smtClean="0"/>
+              <a:rPr lang="en-US" altLang="ja-JP" sz="1350" dirty="0"/>
               <a:t/>
             </a:r>
             <a:br>
-              <a:rPr lang="en-US" altLang="ja-JP" dirty="0" smtClean="0"/>
+              <a:rPr lang="en-US" altLang="ja-JP" sz="1350" dirty="0"/>
             </a:br>
             <a:r>
-              <a:rPr lang="ja-JP" altLang="en-US" dirty="0" smtClean="0"/>
+              <a:rPr lang="ja-JP" altLang="en-US" sz="1350" dirty="0"/>
               <a:t>課題</a:t>
             </a:r>
             <a:r>
-              <a:rPr lang="en-US" altLang="ja-JP" dirty="0" smtClean="0"/>
+              <a:rPr lang="en-US" altLang="ja-JP" sz="1350" dirty="0"/>
               <a:t/>
             </a:r>
             <a:br>
-              <a:rPr lang="en-US" altLang="ja-JP" dirty="0" smtClean="0"/>
+              <a:rPr lang="en-US" altLang="ja-JP" sz="1350" dirty="0"/>
             </a:br>
             <a:r>
-              <a:rPr lang="ja-JP" altLang="en-US" dirty="0" smtClean="0"/>
+              <a:rPr lang="ja-JP" altLang="en-US" sz="1350" dirty="0"/>
               <a:t>負荷分散処理させるためにサーバを複数に分けるが、一概に使用率が低いサーバが速いとは言えないのが問題。サーバとクライアントの距離が遠いとスピードは落ちてしまう。</a:t>
             </a:r>
             <a:r>
-              <a:rPr lang="en-US" altLang="ja-JP" dirty="0" smtClean="0"/>
+              <a:rPr lang="en-US" altLang="ja-JP" sz="1350" dirty="0"/>
               <a:t/>
             </a:r>
             <a:br>
-              <a:rPr lang="en-US" altLang="ja-JP" dirty="0" smtClean="0"/>
+              <a:rPr lang="en-US" altLang="ja-JP" sz="1350" dirty="0"/>
             </a:br>
             <a:r>
-              <a:rPr lang="en-US" altLang="ja-JP" dirty="0" smtClean="0"/>
+              <a:rPr lang="en-US" altLang="ja-JP" sz="1350" dirty="0"/>
               <a:t/>
             </a:r>
             <a:br>
-              <a:rPr lang="en-US" altLang="ja-JP" dirty="0" smtClean="0"/>
+              <a:rPr lang="en-US" altLang="ja-JP" sz="1350" dirty="0"/>
             </a:br>
             <a:r>
-              <a:rPr lang="ja-JP" altLang="en-US" dirty="0" smtClean="0"/>
+              <a:rPr lang="ja-JP" altLang="en-US" sz="1350" dirty="0"/>
               <a:t>トラフィックが増えた場合には有効だが、トラフィックが少ないときはコストだけかかってしまう。余ったリソースを何かに使えないか。</a:t>
             </a:r>
-            <a:endParaRPr lang="en-US" altLang="ja-JP" dirty="0" smtClean="0"/>
-          </a:p>
-          <a:p>
-            <a:r>
-              <a:rPr lang="en-US" altLang="ja-JP" dirty="0" smtClean="0"/>
+            <a:endParaRPr lang="en-US" altLang="ja-JP" sz="1350" dirty="0"/>
+          </a:p>
+          <a:p>
+            <a:r>
+              <a:rPr lang="en-US" altLang="ja-JP" sz="1350" dirty="0"/>
               <a:t/>
             </a:r>
             <a:br>
-              <a:rPr lang="en-US" altLang="ja-JP" dirty="0" smtClean="0"/>
+              <a:rPr lang="en-US" altLang="ja-JP" sz="1350" dirty="0"/>
             </a:br>
             <a:r>
-              <a:rPr lang="ja-JP" altLang="en-US" dirty="0" smtClean="0"/>
+              <a:rPr lang="ja-JP" altLang="en-US" sz="1350" dirty="0"/>
               <a:t/>
             </a:r>
             <a:br>
-              <a:rPr lang="ja-JP" altLang="en-US" dirty="0" smtClean="0"/>
+              <a:rPr lang="ja-JP" altLang="en-US" sz="1350" dirty="0"/>
             </a:br>
-            <a:endParaRPr lang="en-US" altLang="ja-JP" dirty="0" smtClean="0"/>
-          </a:p>
-          <a:p>
-            <a:endParaRPr lang="ja-JP" altLang="en-US" dirty="0"/>
-          </a:p>
-        </p:txBody>
-      </p:sp>
-      <p:sp>
-        <p:nvSpPr>
-          <p:cNvPr id="5" name="スライド番号プレースホルダー 4"/>
-          <p:cNvSpPr>
-            <a:spLocks noGrp="1"/>
-          </p:cNvSpPr>
-          <p:nvPr>
-            <p:ph type="sldNum" sz="quarter" idx="12"/>
-          </p:nvPr>
-        </p:nvSpPr>
-        <p:spPr/>
-        <p:txBody>
-          <a:bodyPr/>
-          <a:lstStyle/>
-          <a:p>
-            <a:fld id="{C1A4E16F-9CEB-47A6-B8DF-28924D05829B}" type="slidenum">
-              <a:rPr kumimoji="1" lang="ja-JP" altLang="en-US" smtClean="0"/>
-              <a:t>1</a:t>
-            </a:fld>
-            <a:endParaRPr kumimoji="1" lang="ja-JP" altLang="en-US"/>
+            <a:endParaRPr lang="en-US" altLang="ja-JP" sz="1350" dirty="0"/>
+          </a:p>
+          <a:p>
+            <a:endParaRPr lang="ja-JP" altLang="en-US" sz="1350" dirty="0"/>
           </a:p>
         </p:txBody>
       </p:sp>
@@ -4060,10 +4067,10 @@
           <a:lstStyle/>
           <a:p>
             <a:r>
-              <a:rPr kumimoji="1" lang="ja-JP" altLang="en-US" sz="4000" dirty="0" smtClean="0"/>
+              <a:rPr lang="ja-JP" altLang="en-US" sz="3000" dirty="0"/>
               <a:t>レスポンス速度を考慮したロードバランサー</a:t>
             </a:r>
-            <a:endParaRPr kumimoji="1" lang="ja-JP" altLang="en-US" sz="4000" dirty="0"/>
+            <a:endParaRPr lang="ja-JP" altLang="en-US" sz="3000" dirty="0"/>
           </a:p>
         </p:txBody>
       </p:sp>
@@ -4098,8 +4105,8 @@
         </p:nvSpPr>
         <p:spPr>
           <a:xfrm>
-            <a:off x="583387" y="1827490"/>
-            <a:ext cx="10373353" cy="1384995"/>
+            <a:off x="437541" y="2227868"/>
+            <a:ext cx="7822975" cy="1061829"/>
           </a:xfrm>
           <a:prstGeom prst="rect">
             <a:avLst/>
@@ -4113,48 +4120,48 @@
           <a:lstStyle/>
           <a:p>
             <a:r>
-              <a:rPr lang="ja-JP" altLang="en-US" sz="2800" dirty="0"/>
+              <a:rPr lang="ja-JP" altLang="en-US" sz="2100" dirty="0"/>
               <a:t>応答時間を計測するプログラムの作り方を調べた。</a:t>
             </a:r>
             <a:r>
-              <a:rPr lang="en-US" altLang="ja-JP" sz="2800" dirty="0"/>
+              <a:rPr lang="en-US" altLang="ja-JP" sz="2100" dirty="0"/>
               <a:t>(</a:t>
             </a:r>
             <a:r>
-              <a:rPr lang="ja-JP" altLang="en-US" sz="2800" dirty="0"/>
+              <a:rPr lang="ja-JP" altLang="en-US" sz="2100" dirty="0"/>
               <a:t>今週：</a:t>
             </a:r>
             <a:r>
-              <a:rPr lang="en-US" altLang="ja-JP" sz="2800" dirty="0"/>
+              <a:rPr lang="en-US" altLang="ja-JP" sz="2100" dirty="0"/>
               <a:t>5/7</a:t>
             </a:r>
             <a:r>
-              <a:rPr lang="en-US" altLang="ja-JP" sz="2800" dirty="0" smtClean="0"/>
+              <a:rPr lang="en-US" altLang="ja-JP" sz="2100" dirty="0"/>
               <a:t>)</a:t>
             </a:r>
-            <a:endParaRPr lang="en-US" altLang="ja-JP" sz="2800" dirty="0"/>
-          </a:p>
-          <a:p>
-            <a:endParaRPr lang="en-US" altLang="ja-JP" sz="2800" dirty="0"/>
-          </a:p>
-          <a:p>
-            <a:r>
-              <a:rPr lang="en-US" altLang="ja-JP" sz="2800" dirty="0" smtClean="0"/>
+            <a:endParaRPr lang="en-US" altLang="ja-JP" sz="2100" dirty="0"/>
+          </a:p>
+          <a:p>
+            <a:endParaRPr lang="en-US" altLang="ja-JP" sz="2100" dirty="0"/>
+          </a:p>
+          <a:p>
+            <a:r>
+              <a:rPr lang="en-US" altLang="ja-JP" sz="2100" dirty="0"/>
               <a:t>   Python</a:t>
             </a:r>
             <a:r>
-              <a:rPr lang="ja-JP" altLang="en-US" sz="2800" dirty="0"/>
+              <a:rPr lang="ja-JP" altLang="en-US" sz="2100" dirty="0"/>
               <a:t>でも</a:t>
             </a:r>
             <a:r>
-              <a:rPr lang="en-US" altLang="ja-JP" sz="2800" dirty="0"/>
+              <a:rPr lang="en-US" altLang="ja-JP" sz="2100" dirty="0"/>
               <a:t>PHP</a:t>
             </a:r>
             <a:r>
-              <a:rPr lang="ja-JP" altLang="en-US" sz="2800" dirty="0"/>
+              <a:rPr lang="ja-JP" altLang="en-US" sz="2100" dirty="0"/>
               <a:t>でも計測をすることができる。</a:t>
             </a:r>
-            <a:endParaRPr kumimoji="1" lang="en-US" altLang="ja-JP" sz="2800" dirty="0" smtClean="0"/>
+            <a:endParaRPr lang="en-US" altLang="ja-JP" sz="2100" dirty="0"/>
           </a:p>
         </p:txBody>
       </p:sp>
@@ -4166,8 +4173,8 @@
         </p:nvSpPr>
         <p:spPr>
           <a:xfrm>
-            <a:off x="583387" y="4526480"/>
-            <a:ext cx="34197182" cy="646331"/>
+            <a:off x="437541" y="4252111"/>
+            <a:ext cx="25771799" cy="507831"/>
           </a:xfrm>
           <a:prstGeom prst="rect">
             <a:avLst/>
@@ -4181,33 +4188,33 @@
           <a:lstStyle/>
           <a:p>
             <a:r>
-              <a:rPr lang="en-US" altLang="ja-JP" dirty="0" smtClean="0"/>
+              <a:rPr lang="en-US" altLang="ja-JP" sz="1350" dirty="0"/>
               <a:t>PHP</a:t>
             </a:r>
             <a:r>
-              <a:rPr lang="ja-JP" altLang="en-US" dirty="0" err="1" smtClean="0"/>
+              <a:rPr lang="ja-JP" altLang="en-US" sz="1350" dirty="0" err="1"/>
               <a:t>での</a:t>
             </a:r>
             <a:r>
-              <a:rPr lang="ja-JP" altLang="en-US" dirty="0" smtClean="0"/>
+              <a:rPr lang="ja-JP" altLang="en-US" sz="1350" dirty="0"/>
               <a:t>やり方</a:t>
             </a:r>
             <a:r>
-              <a:rPr lang="en-US" altLang="ja-JP" dirty="0" smtClean="0"/>
+              <a:rPr lang="en-US" altLang="ja-JP" sz="1350" dirty="0"/>
               <a:t/>
             </a:r>
             <a:br>
-              <a:rPr lang="en-US" altLang="ja-JP" dirty="0" smtClean="0"/>
+              <a:rPr lang="en-US" altLang="ja-JP" sz="1350" dirty="0"/>
             </a:br>
             <a:r>
-              <a:rPr lang="en-US" altLang="ja-JP" dirty="0" smtClean="0"/>
+              <a:rPr lang="en-US" altLang="ja-JP" sz="1350" dirty="0"/>
               <a:t>https</a:t>
             </a:r>
             <a:r>
-              <a:rPr lang="en-US" altLang="ja-JP" dirty="0"/>
+              <a:rPr lang="en-US" altLang="ja-JP" sz="1350" dirty="0"/>
               <a:t>://www.84kure.com/blog/2014/08/19/php-%E3%82%A6%E3%82%A7%E3%83%96%E3%82%B5%E3%83%BC%E3%83%90%E3%83%BC%E3%81%AE%E3%83%AC%E3%82%B9%E3%83%9D%E3%83%B3%E3%82%B9%E3%82%BF%E3%82%A4%E3%83%A0%E3%82%92%E8%A8%88%E6%B8%AC%E3%81%99%E3%82%8B/</a:t>
             </a:r>
-            <a:endParaRPr kumimoji="1" lang="ja-JP" altLang="en-US" dirty="0"/>
+            <a:endParaRPr lang="ja-JP" altLang="en-US" sz="1350" dirty="0"/>
           </a:p>
         </p:txBody>
       </p:sp>
@@ -4219,8 +4226,8 @@
         </p:nvSpPr>
         <p:spPr>
           <a:xfrm>
-            <a:off x="583387" y="5252353"/>
-            <a:ext cx="7380547" cy="646331"/>
+            <a:off x="437541" y="4796515"/>
+            <a:ext cx="5575565" cy="507831"/>
           </a:xfrm>
           <a:prstGeom prst="rect">
             <a:avLst/>
@@ -4234,33 +4241,33 @@
           <a:lstStyle/>
           <a:p>
             <a:r>
-              <a:rPr lang="en-US" altLang="ja-JP" dirty="0" smtClean="0"/>
+              <a:rPr lang="en-US" altLang="ja-JP" sz="1350" dirty="0"/>
               <a:t>Python</a:t>
             </a:r>
             <a:r>
-              <a:rPr lang="ja-JP" altLang="en-US" dirty="0" err="1" smtClean="0"/>
+              <a:rPr lang="ja-JP" altLang="en-US" sz="1350" dirty="0" err="1"/>
               <a:t>での</a:t>
             </a:r>
             <a:r>
-              <a:rPr lang="ja-JP" altLang="en-US" dirty="0" smtClean="0"/>
+              <a:rPr lang="ja-JP" altLang="en-US" sz="1350" dirty="0"/>
               <a:t>やり方</a:t>
             </a:r>
             <a:r>
-              <a:rPr lang="en-US" altLang="ja-JP" dirty="0" smtClean="0"/>
+              <a:rPr lang="en-US" altLang="ja-JP" sz="1350" dirty="0"/>
               <a:t/>
             </a:r>
             <a:br>
-              <a:rPr lang="en-US" altLang="ja-JP" dirty="0" smtClean="0"/>
+              <a:rPr lang="en-US" altLang="ja-JP" sz="1350" dirty="0"/>
             </a:br>
             <a:r>
-              <a:rPr lang="en-US" altLang="ja-JP" dirty="0" smtClean="0"/>
+              <a:rPr lang="en-US" altLang="ja-JP" sz="1350" dirty="0"/>
               <a:t>https</a:t>
             </a:r>
             <a:r>
-              <a:rPr lang="en-US" altLang="ja-JP" dirty="0"/>
+              <a:rPr lang="en-US" altLang="ja-JP" sz="1350" dirty="0"/>
               <a:t>://dot-blog.jp/news/python-measure-request-response-time/</a:t>
             </a:r>
-            <a:endParaRPr kumimoji="1" lang="ja-JP" altLang="en-US" dirty="0"/>
+            <a:endParaRPr lang="ja-JP" altLang="en-US" sz="1350" dirty="0"/>
           </a:p>
         </p:txBody>
       </p:sp>
@@ -4272,8 +4279,8 @@
         </p:nvSpPr>
         <p:spPr>
           <a:xfrm>
-            <a:off x="496302" y="4003260"/>
-            <a:ext cx="1980029" cy="523220"/>
+            <a:off x="372227" y="3859695"/>
+            <a:ext cx="1531188" cy="415498"/>
           </a:xfrm>
           <a:prstGeom prst="rect">
             <a:avLst/>
@@ -4287,10 +4294,10 @@
           <a:lstStyle/>
           <a:p>
             <a:r>
-              <a:rPr lang="ja-JP" altLang="en-US" sz="2800" dirty="0" smtClean="0"/>
+              <a:rPr lang="ja-JP" altLang="en-US" sz="2100" dirty="0"/>
               <a:t>参考サイト</a:t>
             </a:r>
-            <a:endParaRPr kumimoji="1" lang="en-US" altLang="ja-JP" sz="2800" dirty="0" smtClean="0"/>
+            <a:endParaRPr lang="en-US" altLang="ja-JP" sz="2100" dirty="0"/>
           </a:p>
         </p:txBody>
       </p:sp>
@@ -4302,8 +4309,8 @@
         </p:nvSpPr>
         <p:spPr>
           <a:xfrm>
-            <a:off x="583387" y="5978227"/>
-            <a:ext cx="5828840" cy="646331"/>
+            <a:off x="437541" y="5340921"/>
+            <a:ext cx="4411785" cy="507831"/>
           </a:xfrm>
           <a:prstGeom prst="rect">
             <a:avLst/>
@@ -4317,25 +4324,25 @@
           <a:lstStyle/>
           <a:p>
             <a:r>
-              <a:rPr lang="en-US" altLang="ja-JP" dirty="0"/>
+              <a:rPr lang="en-US" altLang="ja-JP" sz="1350" dirty="0"/>
               <a:t>requests </a:t>
             </a:r>
             <a:r>
-              <a:rPr lang="ja-JP" altLang="en-US" dirty="0" smtClean="0"/>
+              <a:rPr lang="ja-JP" altLang="en-US" sz="1350" dirty="0"/>
               <a:t>モジュールについて</a:t>
             </a:r>
             <a:r>
-              <a:rPr lang="en-US" altLang="ja-JP" dirty="0" smtClean="0"/>
+              <a:rPr lang="en-US" altLang="ja-JP" sz="1350" dirty="0"/>
               <a:t/>
             </a:r>
             <a:br>
-              <a:rPr lang="en-US" altLang="ja-JP" dirty="0" smtClean="0"/>
+              <a:rPr lang="en-US" altLang="ja-JP" sz="1350" dirty="0"/>
             </a:br>
             <a:r>
-              <a:rPr lang="en-US" altLang="ja-JP" dirty="0" smtClean="0"/>
+              <a:rPr lang="en-US" altLang="ja-JP" sz="1350" dirty="0"/>
               <a:t>https://inokara.hateblo.jp/entry/2015/10/12/144532</a:t>
             </a:r>
-            <a:endParaRPr kumimoji="1" lang="ja-JP" altLang="en-US" dirty="0"/>
+            <a:endParaRPr lang="ja-JP" altLang="en-US" sz="1350" dirty="0"/>
           </a:p>
         </p:txBody>
       </p:sp>
@@ -4387,10 +4394,10 @@
           <a:lstStyle/>
           <a:p>
             <a:r>
-              <a:rPr kumimoji="1" lang="ja-JP" altLang="en-US" sz="4000" dirty="0" smtClean="0"/>
+              <a:rPr lang="ja-JP" altLang="en-US" sz="3000" dirty="0"/>
               <a:t>レスポンス速度を考慮したロードバランサー</a:t>
             </a:r>
-            <a:endParaRPr kumimoji="1" lang="ja-JP" altLang="en-US" sz="4000" dirty="0"/>
+            <a:endParaRPr lang="ja-JP" altLang="en-US" sz="3000" dirty="0"/>
           </a:p>
         </p:txBody>
       </p:sp>
@@ -4425,8 +4432,8 @@
         </p:nvSpPr>
         <p:spPr>
           <a:xfrm>
-            <a:off x="1414130" y="5834750"/>
-            <a:ext cx="9212778" cy="584775"/>
+            <a:off x="1060597" y="5233313"/>
+            <a:ext cx="6955750" cy="461665"/>
           </a:xfrm>
           <a:prstGeom prst="rect">
             <a:avLst/>
@@ -4440,10 +4447,9 @@
           <a:lstStyle/>
           <a:p>
             <a:r>
-              <a:rPr lang="ja-JP" altLang="en-US" sz="3200" dirty="0"/>
+              <a:rPr lang="ja-JP" altLang="en-US" sz="2400" dirty="0"/>
               <a:t>→これらを作り変えてデータを取るようにする。</a:t>
             </a:r>
-            <a:endParaRPr kumimoji="1" lang="ja-JP" altLang="en-US" sz="3200" dirty="0"/>
           </a:p>
         </p:txBody>
       </p:sp>
@@ -4469,8 +4475,8 @@
         </p:blipFill>
         <p:spPr>
           <a:xfrm>
-            <a:off x="538902" y="1828800"/>
-            <a:ext cx="5222069" cy="3150606"/>
+            <a:off x="404177" y="2228850"/>
+            <a:ext cx="3916552" cy="2362955"/>
           </a:xfrm>
           <a:prstGeom prst="rect">
             <a:avLst/>
@@ -4499,8 +4505,8 @@
         </p:blipFill>
         <p:spPr>
           <a:xfrm>
-            <a:off x="6266121" y="2484761"/>
-            <a:ext cx="5504121" cy="1799677"/>
+            <a:off x="4699591" y="2720821"/>
+            <a:ext cx="4128091" cy="1349758"/>
           </a:xfrm>
           <a:prstGeom prst="rect">
             <a:avLst/>
@@ -4515,8 +4521,8 @@
         </p:nvSpPr>
         <p:spPr>
           <a:xfrm>
-            <a:off x="838200" y="5160547"/>
-            <a:ext cx="8619667" cy="369332"/>
+            <a:off x="628650" y="4727660"/>
+            <a:ext cx="6513322" cy="300082"/>
           </a:xfrm>
           <a:prstGeom prst="rect">
             <a:avLst/>
@@ -4530,30 +4536,29 @@
           <a:lstStyle/>
           <a:p>
             <a:r>
-              <a:rPr lang="en-US" altLang="ja-JP" dirty="0"/>
+              <a:rPr lang="en-US" altLang="ja-JP" sz="1350" dirty="0"/>
               <a:t>requests </a:t>
             </a:r>
             <a:r>
-              <a:rPr lang="ja-JP" altLang="en-US" dirty="0"/>
+              <a:rPr lang="ja-JP" altLang="en-US" sz="1350" dirty="0"/>
               <a:t>モジュールの </a:t>
             </a:r>
             <a:r>
-              <a:rPr lang="en-US" altLang="ja-JP" dirty="0"/>
+              <a:rPr lang="en-US" altLang="ja-JP" sz="1350" dirty="0"/>
               <a:t>Response </a:t>
             </a:r>
             <a:r>
-              <a:rPr lang="ja-JP" altLang="en-US" dirty="0"/>
+              <a:rPr lang="ja-JP" altLang="en-US" sz="1350" dirty="0"/>
               <a:t>オブジェクトで利用可能な </a:t>
             </a:r>
             <a:r>
-              <a:rPr lang="en-US" altLang="ja-JP" dirty="0"/>
+              <a:rPr lang="en-US" altLang="ja-JP" sz="1350" dirty="0"/>
               <a:t>elapsed </a:t>
             </a:r>
             <a:r>
-              <a:rPr lang="ja-JP" altLang="en-US" dirty="0"/>
+              <a:rPr lang="ja-JP" altLang="en-US" sz="1350" dirty="0"/>
               <a:t>パラメータ</a:t>
             </a:r>
-            <a:endParaRPr kumimoji="1" lang="ja-JP" altLang="en-US" dirty="0"/>
           </a:p>
         </p:txBody>
       </p:sp>
@@ -4605,10 +4610,10 @@
           <a:lstStyle/>
           <a:p>
             <a:r>
-              <a:rPr kumimoji="1" lang="ja-JP" altLang="en-US" sz="4000" dirty="0" smtClean="0"/>
+              <a:rPr lang="ja-JP" altLang="en-US" sz="3000" dirty="0"/>
               <a:t>レスポンス速度を考慮したロードバランサー</a:t>
             </a:r>
-            <a:endParaRPr kumimoji="1" lang="ja-JP" altLang="en-US" sz="4000" dirty="0"/>
+            <a:endParaRPr lang="ja-JP" altLang="en-US" sz="3000" dirty="0"/>
           </a:p>
         </p:txBody>
       </p:sp>
@@ -4643,8 +4648,8 @@
         </p:nvSpPr>
         <p:spPr>
           <a:xfrm>
-            <a:off x="521502" y="1690688"/>
-            <a:ext cx="8802410" cy="4647426"/>
+            <a:off x="512506" y="1610316"/>
+            <a:ext cx="7183019" cy="3508653"/>
           </a:xfrm>
           <a:prstGeom prst="rect">
             <a:avLst/>
@@ -4652,140 +4657,139 @@
           <a:noFill/>
         </p:spPr>
         <p:txBody>
-          <a:bodyPr wrap="none" rtlCol="0">
+          <a:bodyPr wrap="square" rtlCol="0">
             <a:spAutoFit/>
           </a:bodyPr>
           <a:lstStyle/>
           <a:p>
             <a:r>
-              <a:rPr lang="ja-JP" altLang="en-US" sz="3200" dirty="0"/>
+              <a:rPr lang="ja-JP" altLang="en-US" sz="2400" dirty="0"/>
               <a:t>現時点の課題</a:t>
             </a:r>
           </a:p>
           <a:p>
-            <a:endParaRPr lang="ja-JP" altLang="en-US" sz="2400" dirty="0"/>
-          </a:p>
-          <a:p>
-            <a:r>
-              <a:rPr lang="ja-JP" altLang="en-US" sz="2400" dirty="0"/>
+            <a:endParaRPr lang="ja-JP" altLang="en-US" dirty="0"/>
+          </a:p>
+          <a:p>
+            <a:r>
+              <a:rPr lang="ja-JP" altLang="en-US" dirty="0"/>
               <a:t>・レスポンス速度の計測は出来たが、これをデータに落として</a:t>
             </a:r>
           </a:p>
           <a:p>
             <a:r>
-              <a:rPr lang="en-US" altLang="ja-JP" sz="2400" dirty="0"/>
+              <a:rPr lang="en-US" altLang="ja-JP" dirty="0"/>
               <a:t>1</a:t>
             </a:r>
             <a:r>
-              <a:rPr lang="ja-JP" altLang="en-US" sz="2400" dirty="0"/>
+              <a:rPr lang="ja-JP" altLang="en-US" dirty="0"/>
               <a:t>日の平均レスポンス速度の結果を得る。</a:t>
             </a:r>
           </a:p>
           <a:p>
             <a:r>
-              <a:rPr lang="ja-JP" altLang="en-US" sz="2400" dirty="0"/>
+              <a:rPr lang="ja-JP" altLang="en-US" dirty="0"/>
               <a:t>これが出来れば⇒</a:t>
             </a:r>
             <a:r>
-              <a:rPr lang="en-US" altLang="ja-JP" sz="2400" dirty="0"/>
+              <a:rPr lang="en-US" altLang="ja-JP" dirty="0"/>
               <a:t>LB</a:t>
             </a:r>
             <a:r>
-              <a:rPr lang="ja-JP" altLang="en-US" sz="2400" dirty="0"/>
+              <a:rPr lang="ja-JP" altLang="en-US" dirty="0"/>
               <a:t>の割り振りの判断材料になる！</a:t>
             </a:r>
           </a:p>
           <a:p>
-            <a:endParaRPr lang="ja-JP" altLang="en-US" sz="2400" dirty="0"/>
-          </a:p>
-          <a:p>
-            <a:r>
-              <a:rPr lang="ja-JP" altLang="en-US" sz="2400" dirty="0"/>
+            <a:endParaRPr lang="ja-JP" altLang="en-US" dirty="0"/>
+          </a:p>
+          <a:p>
+            <a:r>
+              <a:rPr lang="ja-JP" altLang="en-US" dirty="0"/>
               <a:t>・計測したデータをどこにとっておけばいいか。</a:t>
             </a:r>
           </a:p>
           <a:p>
             <a:r>
-              <a:rPr lang="ja-JP" altLang="en-US" sz="2400" dirty="0"/>
+              <a:rPr lang="ja-JP" altLang="en-US" dirty="0"/>
               <a:t>最終的に取ったデータは人間がみて判断するわけでは</a:t>
             </a:r>
             <a:r>
-              <a:rPr lang="ja-JP" altLang="en-US" sz="2400" dirty="0" smtClean="0"/>
+              <a:rPr lang="ja-JP" altLang="en-US" dirty="0"/>
               <a:t>ない</a:t>
             </a:r>
             <a:r>
-              <a:rPr lang="en-US" altLang="ja-JP" sz="2400" dirty="0" smtClean="0"/>
+              <a:rPr lang="en-US" altLang="ja-JP" dirty="0"/>
               <a:t/>
             </a:r>
             <a:br>
-              <a:rPr lang="en-US" altLang="ja-JP" sz="2400" dirty="0" smtClean="0"/>
+              <a:rPr lang="en-US" altLang="ja-JP" dirty="0"/>
             </a:br>
             <a:r>
-              <a:rPr lang="en-US" altLang="ja-JP" sz="2400" dirty="0" smtClean="0"/>
+              <a:rPr lang="en-US" altLang="ja-JP" dirty="0"/>
               <a:t>(</a:t>
             </a:r>
             <a:r>
-              <a:rPr lang="en-US" altLang="ja-JP" sz="2400" dirty="0"/>
+              <a:rPr lang="en-US" altLang="ja-JP" dirty="0"/>
               <a:t>LB</a:t>
             </a:r>
             <a:r>
-              <a:rPr lang="ja-JP" altLang="en-US" sz="2400" dirty="0"/>
+              <a:rPr lang="ja-JP" altLang="en-US" dirty="0"/>
               <a:t>が割り振るためにデータを計測している</a:t>
             </a:r>
             <a:r>
-              <a:rPr lang="en-US" altLang="ja-JP" sz="2400" dirty="0" smtClean="0"/>
+              <a:rPr lang="en-US" altLang="ja-JP" dirty="0"/>
               <a:t>)</a:t>
             </a:r>
             <a:r>
-              <a:rPr lang="ja-JP" altLang="en-US" sz="2400" dirty="0" smtClean="0"/>
+              <a:rPr lang="ja-JP" altLang="en-US" dirty="0"/>
               <a:t>ので</a:t>
             </a:r>
             <a:r>
-              <a:rPr lang="en-US" altLang="ja-JP" sz="2400" dirty="0" smtClean="0"/>
+              <a:rPr lang="en-US" altLang="ja-JP" dirty="0"/>
               <a:t/>
             </a:r>
             <a:br>
-              <a:rPr lang="en-US" altLang="ja-JP" sz="2400" dirty="0" smtClean="0"/>
+              <a:rPr lang="en-US" altLang="ja-JP" dirty="0"/>
             </a:br>
             <a:r>
-              <a:rPr lang="ja-JP" altLang="en-US" sz="2400" dirty="0" smtClean="0"/>
+              <a:rPr lang="ja-JP" altLang="en-US" dirty="0"/>
               <a:t>後</a:t>
             </a:r>
             <a:r>
-              <a:rPr lang="ja-JP" altLang="en-US" sz="2400" dirty="0"/>
+              <a:rPr lang="ja-JP" altLang="en-US" dirty="0"/>
               <a:t>のことを</a:t>
             </a:r>
             <a:r>
-              <a:rPr lang="ja-JP" altLang="en-US" sz="2400" dirty="0" smtClean="0"/>
+              <a:rPr lang="ja-JP" altLang="en-US" dirty="0"/>
               <a:t>考えると</a:t>
             </a:r>
             <a:r>
-              <a:rPr lang="en-US" altLang="ja-JP" sz="2400" dirty="0" smtClean="0"/>
+              <a:rPr lang="en-US" altLang="ja-JP" dirty="0"/>
               <a:t/>
             </a:r>
             <a:br>
-              <a:rPr lang="en-US" altLang="ja-JP" sz="2400" dirty="0" smtClean="0"/>
+              <a:rPr lang="en-US" altLang="ja-JP" dirty="0"/>
             </a:br>
-            <a:endParaRPr lang="ja-JP" altLang="en-US" sz="2400" dirty="0"/>
-          </a:p>
-          <a:p>
-            <a:r>
-              <a:rPr lang="en-US" altLang="ja-JP" sz="2400" dirty="0" smtClean="0"/>
+            <a:endParaRPr lang="ja-JP" altLang="en-US" dirty="0"/>
+          </a:p>
+          <a:p>
+            <a:r>
+              <a:rPr lang="en-US" altLang="ja-JP" dirty="0"/>
               <a:t>CSV</a:t>
             </a:r>
             <a:r>
-              <a:rPr lang="ja-JP" altLang="en-US" sz="2400" dirty="0" smtClean="0"/>
+              <a:rPr lang="ja-JP" altLang="en-US" dirty="0"/>
               <a:t>より</a:t>
             </a:r>
             <a:r>
-              <a:rPr lang="en-US" altLang="ja-JP" sz="2400" dirty="0" smtClean="0"/>
+              <a:rPr lang="en-US" altLang="ja-JP" dirty="0"/>
               <a:t>MYSQL</a:t>
             </a:r>
             <a:r>
-              <a:rPr lang="ja-JP" altLang="en-US" sz="2400" dirty="0"/>
+              <a:rPr lang="ja-JP" altLang="en-US" dirty="0"/>
               <a:t>？</a:t>
             </a:r>
-            <a:endParaRPr kumimoji="1" lang="ja-JP" altLang="en-US" sz="2400" dirty="0"/>
           </a:p>
         </p:txBody>
       </p:sp>
@@ -4837,10 +4841,10 @@
           <a:lstStyle/>
           <a:p>
             <a:r>
-              <a:rPr kumimoji="1" lang="ja-JP" altLang="en-US" sz="4000" dirty="0" smtClean="0"/>
+              <a:rPr lang="ja-JP" altLang="en-US" sz="3000" dirty="0"/>
               <a:t>レスポンス速度を考慮したロードバランサー</a:t>
             </a:r>
-            <a:endParaRPr kumimoji="1" lang="ja-JP" altLang="en-US" sz="4000" dirty="0"/>
+            <a:endParaRPr lang="ja-JP" altLang="en-US" sz="3000" dirty="0"/>
           </a:p>
         </p:txBody>
       </p:sp>
@@ -4875,8 +4879,8 @@
         </p:nvSpPr>
         <p:spPr>
           <a:xfrm>
-            <a:off x="968070" y="1961415"/>
-            <a:ext cx="9212778" cy="2062103"/>
+            <a:off x="726052" y="2328311"/>
+            <a:ext cx="6955750" cy="1569660"/>
           </a:xfrm>
           <a:prstGeom prst="rect">
             <a:avLst/>
@@ -4890,78 +4894,78 @@
           <a:lstStyle/>
           <a:p>
             <a:r>
-              <a:rPr lang="ja-JP" altLang="en-US" sz="3200" dirty="0"/>
+              <a:rPr lang="ja-JP" altLang="en-US" sz="2400" dirty="0"/>
               <a:t>今週</a:t>
             </a:r>
             <a:r>
-              <a:rPr lang="en-US" altLang="ja-JP" sz="3200" dirty="0"/>
+              <a:rPr lang="en-US" altLang="ja-JP" sz="2400" dirty="0"/>
               <a:t>(5/7)</a:t>
             </a:r>
             <a:r>
-              <a:rPr lang="ja-JP" altLang="en-US" sz="3200" dirty="0"/>
+              <a:rPr lang="ja-JP" altLang="en-US" sz="2400" dirty="0"/>
               <a:t>行ったこと</a:t>
             </a:r>
           </a:p>
           <a:p>
             <a:r>
-              <a:rPr lang="ja-JP" altLang="en-US" sz="3200" dirty="0"/>
+              <a:rPr lang="ja-JP" altLang="en-US" sz="2400" dirty="0"/>
               <a:t>・レスポンス速度を</a:t>
             </a:r>
             <a:r>
-              <a:rPr lang="ja-JP" altLang="en-US" sz="3200" dirty="0" smtClean="0"/>
+              <a:rPr lang="ja-JP" altLang="en-US" sz="2400" dirty="0"/>
               <a:t>測るプログラム作成（途中）</a:t>
             </a:r>
-            <a:endParaRPr lang="ja-JP" altLang="en-US" sz="3200" dirty="0"/>
-          </a:p>
-          <a:p>
-            <a:r>
-              <a:rPr lang="ja-JP" altLang="en-US" sz="3200" dirty="0"/>
+            <a:endParaRPr lang="ja-JP" altLang="en-US" sz="2400" dirty="0"/>
+          </a:p>
+          <a:p>
+            <a:r>
+              <a:rPr lang="ja-JP" altLang="en-US" sz="2400" dirty="0"/>
               <a:t>・</a:t>
             </a:r>
             <a:r>
-              <a:rPr lang="en-US" altLang="ja-JP" sz="3200" dirty="0"/>
+              <a:rPr lang="en-US" altLang="ja-JP" sz="2400" dirty="0"/>
               <a:t>C</a:t>
             </a:r>
             <a:r>
-              <a:rPr lang="ja-JP" altLang="en-US" sz="3200" dirty="0"/>
+              <a:rPr lang="ja-JP" altLang="en-US" sz="2400" dirty="0"/>
               <a:t>言語、</a:t>
             </a:r>
             <a:r>
-              <a:rPr lang="en-US" altLang="ja-JP" sz="3200" dirty="0"/>
+              <a:rPr lang="en-US" altLang="ja-JP" sz="2400" dirty="0"/>
               <a:t>Python</a:t>
             </a:r>
             <a:r>
-              <a:rPr lang="ja-JP" altLang="en-US" sz="3200" dirty="0"/>
+              <a:rPr lang="ja-JP" altLang="en-US" sz="2400" dirty="0"/>
               <a:t>の</a:t>
             </a:r>
             <a:r>
-              <a:rPr lang="ja-JP" altLang="en-US" sz="3200" dirty="0" smtClean="0"/>
+              <a:rPr lang="ja-JP" altLang="en-US" sz="2400" dirty="0"/>
               <a:t>勉強</a:t>
             </a:r>
             <a:r>
-              <a:rPr lang="en-US" altLang="ja-JP" sz="3200" dirty="0" smtClean="0"/>
+              <a:rPr lang="en-US" altLang="ja-JP" sz="2400" dirty="0"/>
               <a:t>(</a:t>
             </a:r>
             <a:r>
-              <a:rPr lang="ja-JP" altLang="en-US" sz="3200" dirty="0" smtClean="0"/>
+              <a:rPr lang="ja-JP" altLang="en-US" sz="2400" dirty="0"/>
               <a:t>ちょっとだけ</a:t>
             </a:r>
             <a:r>
-              <a:rPr lang="en-US" altLang="ja-JP" sz="3200" dirty="0" smtClean="0"/>
+              <a:rPr lang="en-US" altLang="ja-JP" sz="2400" dirty="0"/>
               <a:t>)</a:t>
             </a:r>
-            <a:endParaRPr lang="ja-JP" altLang="en-US" sz="3200" dirty="0"/>
-          </a:p>
-          <a:p>
-            <a:r>
-              <a:rPr lang="ja-JP" altLang="en-US" sz="3200" dirty="0"/>
+            <a:endParaRPr lang="ja-JP" altLang="en-US" sz="2400" dirty="0"/>
+          </a:p>
+          <a:p>
+            <a:r>
+              <a:rPr lang="ja-JP" altLang="en-US" sz="2400" dirty="0"/>
               <a:t>・レスポンス</a:t>
             </a:r>
             <a:r>
-              <a:rPr lang="ja-JP" altLang="en-US" sz="3200" dirty="0" smtClean="0"/>
+              <a:rPr lang="ja-JP" altLang="en-US" sz="2400" dirty="0"/>
               <a:t>時間の用語を調べた。</a:t>
             </a:r>
-            <a:endParaRPr kumimoji="1" lang="ja-JP" altLang="en-US" sz="2400" dirty="0"/>
+            <a:endParaRPr lang="ja-JP" altLang="en-US" dirty="0"/>
           </a:p>
         </p:txBody>
       </p:sp>
@@ -5024,14 +5028,37 @@
       </p:sp>
       <p:sp>
         <p:nvSpPr>
+          <p:cNvPr id="4" name="スライド番号プレースホルダー 3"/>
+          <p:cNvSpPr>
+            <a:spLocks noGrp="1"/>
+          </p:cNvSpPr>
+          <p:nvPr>
+            <p:ph type="sldNum" sz="quarter" idx="12"/>
+          </p:nvPr>
+        </p:nvSpPr>
+        <p:spPr/>
+        <p:txBody>
+          <a:bodyPr/>
+          <a:lstStyle/>
+          <a:p>
+            <a:fld id="{C1A4E16F-9CEB-47A6-B8DF-28924D05829B}" type="slidenum">
+              <a:rPr kumimoji="1" lang="ja-JP" altLang="en-US" smtClean="0"/>
+              <a:t>2</a:t>
+            </a:fld>
+            <a:endParaRPr kumimoji="1" lang="ja-JP" altLang="en-US"/>
+          </a:p>
+        </p:txBody>
+      </p:sp>
+      <p:sp>
+        <p:nvSpPr>
           <p:cNvPr id="3" name="正方形/長方形 2"/>
           <p:cNvSpPr/>
           <p:nvPr/>
         </p:nvSpPr>
         <p:spPr>
           <a:xfrm>
-            <a:off x="655455" y="2274838"/>
-            <a:ext cx="10924248" cy="1477328"/>
+            <a:off x="491591" y="2563378"/>
+            <a:ext cx="8193186" cy="1131079"/>
           </a:xfrm>
           <a:prstGeom prst="rect">
             <a:avLst/>
@@ -5044,58 +5071,35 @@
           <a:lstStyle/>
           <a:p>
             <a:r>
-              <a:rPr lang="ja-JP" altLang="en-US" dirty="0"/>
+              <a:rPr lang="ja-JP" altLang="en-US" sz="1350" dirty="0"/>
               <a:t>・行動に基づいた落とし物捜索システム。</a:t>
             </a:r>
-            <a:endParaRPr lang="en-US" altLang="ja-JP" dirty="0"/>
-          </a:p>
-          <a:p>
-            <a:r>
-              <a:rPr lang="ja-JP" altLang="en-US" dirty="0"/>
+            <a:endParaRPr lang="en-US" altLang="ja-JP" sz="1350" dirty="0"/>
+          </a:p>
+          <a:p>
+            <a:r>
+              <a:rPr lang="ja-JP" altLang="en-US" sz="1350" dirty="0"/>
               <a:t>→やみくもに落とした場所を探すのは効率が悪いので、機械学習を使いその人の落としそうな場所を知らせるシステム。</a:t>
             </a:r>
-            <a:endParaRPr lang="en-US" altLang="ja-JP" dirty="0"/>
-          </a:p>
-          <a:p>
-            <a:r>
-              <a:rPr lang="ja-JP" altLang="en-US" dirty="0"/>
+            <a:endParaRPr lang="en-US" altLang="ja-JP" sz="1350" dirty="0"/>
+          </a:p>
+          <a:p>
+            <a:r>
+              <a:rPr lang="ja-JP" altLang="en-US" sz="1350" dirty="0"/>
               <a:t>移動パスの絞り込みや数十万人の履歴のパスを匿名化して管理することになる。</a:t>
             </a:r>
             <a:r>
-              <a:rPr lang="en-US" altLang="ja-JP" dirty="0"/>
+              <a:rPr lang="en-US" altLang="ja-JP" sz="1350" dirty="0"/>
               <a:t/>
             </a:r>
             <a:br>
-              <a:rPr lang="en-US" altLang="ja-JP" dirty="0"/>
+              <a:rPr lang="en-US" altLang="ja-JP" sz="1350" dirty="0"/>
             </a:br>
             <a:r>
-              <a:rPr lang="ja-JP" altLang="en-US" dirty="0"/>
+              <a:rPr lang="ja-JP" altLang="en-US" sz="1350" dirty="0"/>
               <a:t>そもそもキーファインダーのようなタグを使えば落とし物を無くせるのでこのシステムはよくない。</a:t>
             </a:r>
-            <a:endParaRPr lang="en-US" altLang="ja-JP" dirty="0"/>
-          </a:p>
-        </p:txBody>
-      </p:sp>
-      <p:sp>
-        <p:nvSpPr>
-          <p:cNvPr id="4" name="スライド番号プレースホルダー 3"/>
-          <p:cNvSpPr>
-            <a:spLocks noGrp="1"/>
-          </p:cNvSpPr>
-          <p:nvPr>
-            <p:ph type="sldNum" sz="quarter" idx="12"/>
-          </p:nvPr>
-        </p:nvSpPr>
-        <p:spPr/>
-        <p:txBody>
-          <a:bodyPr/>
-          <a:lstStyle/>
-          <a:p>
-            <a:fld id="{C1A4E16F-9CEB-47A6-B8DF-28924D05829B}" type="slidenum">
-              <a:rPr kumimoji="1" lang="ja-JP" altLang="en-US" smtClean="0"/>
-              <a:t>2</a:t>
-            </a:fld>
-            <a:endParaRPr kumimoji="1" lang="ja-JP" altLang="en-US"/>
+            <a:endParaRPr lang="en-US" altLang="ja-JP" sz="1350" dirty="0"/>
           </a:p>
         </p:txBody>
       </p:sp>
@@ -5158,14 +5162,37 @@
       </p:sp>
       <p:sp>
         <p:nvSpPr>
+          <p:cNvPr id="4" name="スライド番号プレースホルダー 3"/>
+          <p:cNvSpPr>
+            <a:spLocks noGrp="1"/>
+          </p:cNvSpPr>
+          <p:nvPr>
+            <p:ph type="sldNum" sz="quarter" idx="12"/>
+          </p:nvPr>
+        </p:nvSpPr>
+        <p:spPr/>
+        <p:txBody>
+          <a:bodyPr/>
+          <a:lstStyle/>
+          <a:p>
+            <a:fld id="{C1A4E16F-9CEB-47A6-B8DF-28924D05829B}" type="slidenum">
+              <a:rPr kumimoji="1" lang="ja-JP" altLang="en-US" smtClean="0"/>
+              <a:t>3</a:t>
+            </a:fld>
+            <a:endParaRPr kumimoji="1" lang="ja-JP" altLang="en-US"/>
+          </a:p>
+        </p:txBody>
+      </p:sp>
+      <p:sp>
+        <p:nvSpPr>
           <p:cNvPr id="3" name="テキスト ボックス 2"/>
           <p:cNvSpPr txBox="1"/>
           <p:nvPr/>
         </p:nvSpPr>
         <p:spPr>
           <a:xfrm>
-            <a:off x="838200" y="1690688"/>
-            <a:ext cx="9623147" cy="2062103"/>
+            <a:off x="628651" y="2125266"/>
+            <a:ext cx="7263527" cy="1569660"/>
           </a:xfrm>
           <a:prstGeom prst="rect">
             <a:avLst/>
@@ -5179,74 +5206,50 @@
           <a:lstStyle/>
           <a:p>
             <a:r>
-              <a:rPr lang="ja-JP" altLang="en-US" sz="3200" dirty="0" smtClean="0"/>
+              <a:rPr lang="ja-JP" altLang="en-US" sz="2400" dirty="0"/>
               <a:t>「観光地</a:t>
             </a:r>
             <a:r>
-              <a:rPr lang="ja-JP" altLang="en-US" sz="3200" dirty="0"/>
+              <a:rPr lang="ja-JP" altLang="en-US" sz="2400" dirty="0"/>
               <a:t>推薦の動画を処理する</a:t>
             </a:r>
             <a:r>
-              <a:rPr lang="ja-JP" altLang="en-US" sz="3200" dirty="0" smtClean="0"/>
+              <a:rPr lang="ja-JP" altLang="en-US" sz="2400" dirty="0"/>
               <a:t>ロードバランサー」</a:t>
             </a:r>
-            <a:endParaRPr lang="ja-JP" altLang="en-US" sz="3200" dirty="0"/>
-          </a:p>
-          <a:p>
-            <a:r>
-              <a:rPr lang="ja-JP" altLang="en-US" sz="3200" dirty="0"/>
+            <a:endParaRPr lang="ja-JP" altLang="en-US" sz="2400" dirty="0"/>
+          </a:p>
+          <a:p>
+            <a:r>
+              <a:rPr lang="ja-JP" altLang="en-US" sz="2400" dirty="0"/>
               <a:t>という</a:t>
             </a:r>
             <a:r>
-              <a:rPr lang="ja-JP" altLang="en-US" sz="3200" dirty="0" smtClean="0"/>
+              <a:rPr lang="ja-JP" altLang="en-US" sz="2400" dirty="0"/>
               <a:t>アーキテクチャ</a:t>
             </a:r>
             <a:r>
-              <a:rPr lang="en-US" altLang="ja-JP" sz="3200" dirty="0" smtClean="0"/>
+              <a:rPr lang="en-US" altLang="ja-JP" sz="2400" dirty="0"/>
               <a:t/>
             </a:r>
             <a:br>
-              <a:rPr lang="en-US" altLang="ja-JP" sz="3200" dirty="0" smtClean="0"/>
+              <a:rPr lang="en-US" altLang="ja-JP" sz="2400" dirty="0"/>
             </a:br>
             <a:r>
-              <a:rPr lang="en-US" altLang="ja-JP" sz="3200" dirty="0" smtClean="0"/>
+              <a:rPr lang="en-US" altLang="ja-JP" sz="2400" dirty="0"/>
               <a:t/>
             </a:r>
             <a:br>
-              <a:rPr lang="en-US" altLang="ja-JP" sz="3200" dirty="0" smtClean="0"/>
+              <a:rPr lang="en-US" altLang="ja-JP" sz="2400" dirty="0"/>
             </a:br>
             <a:r>
-              <a:rPr lang="ja-JP" altLang="en-US" sz="3200" dirty="0" smtClean="0"/>
+              <a:rPr lang="ja-JP" altLang="en-US" sz="2400" dirty="0"/>
               <a:t>自分</a:t>
             </a:r>
             <a:r>
-              <a:rPr lang="ja-JP" altLang="en-US" sz="3200" dirty="0"/>
+              <a:rPr lang="ja-JP" altLang="en-US" sz="2400" dirty="0"/>
               <a:t>が担当するのはＬＢの部分</a:t>
             </a:r>
-            <a:endParaRPr kumimoji="1" lang="ja-JP" altLang="en-US" sz="3200" dirty="0"/>
-          </a:p>
-        </p:txBody>
-      </p:sp>
-      <p:sp>
-        <p:nvSpPr>
-          <p:cNvPr id="4" name="スライド番号プレースホルダー 3"/>
-          <p:cNvSpPr>
-            <a:spLocks noGrp="1"/>
-          </p:cNvSpPr>
-          <p:nvPr>
-            <p:ph type="sldNum" sz="quarter" idx="12"/>
-          </p:nvPr>
-        </p:nvSpPr>
-        <p:spPr/>
-        <p:txBody>
-          <a:bodyPr/>
-          <a:lstStyle/>
-          <a:p>
-            <a:fld id="{C1A4E16F-9CEB-47A6-B8DF-28924D05829B}" type="slidenum">
-              <a:rPr kumimoji="1" lang="ja-JP" altLang="en-US" smtClean="0"/>
-              <a:t>3</a:t>
-            </a:fld>
-            <a:endParaRPr kumimoji="1" lang="ja-JP" altLang="en-US"/>
           </a:p>
         </p:txBody>
       </p:sp>
@@ -5292,8 +5295,8 @@
         </p:nvSpPr>
         <p:spPr>
           <a:xfrm>
-            <a:off x="838200" y="365125"/>
-            <a:ext cx="10515600" cy="1325563"/>
+            <a:off x="628650" y="1131094"/>
+            <a:ext cx="7886700" cy="994172"/>
           </a:xfrm>
         </p:spPr>
         <p:txBody>
@@ -5309,6 +5312,29 @@
               <a:t>4/30</a:t>
             </a:r>
             <a:endParaRPr kumimoji="1" lang="ja-JP" altLang="en-US" dirty="0"/>
+          </a:p>
+        </p:txBody>
+      </p:sp>
+      <p:sp>
+        <p:nvSpPr>
+          <p:cNvPr id="2" name="スライド番号プレースホルダー 1"/>
+          <p:cNvSpPr>
+            <a:spLocks noGrp="1"/>
+          </p:cNvSpPr>
+          <p:nvPr>
+            <p:ph type="sldNum" sz="quarter" idx="12"/>
+          </p:nvPr>
+        </p:nvSpPr>
+        <p:spPr/>
+        <p:txBody>
+          <a:bodyPr/>
+          <a:lstStyle/>
+          <a:p>
+            <a:fld id="{C1A4E16F-9CEB-47A6-B8DF-28924D05829B}" type="slidenum">
+              <a:rPr kumimoji="1" lang="ja-JP" altLang="en-US" smtClean="0"/>
+              <a:t>4</a:t>
+            </a:fld>
+            <a:endParaRPr kumimoji="1" lang="ja-JP" altLang="en-US"/>
           </a:p>
         </p:txBody>
       </p:sp>
@@ -5320,8 +5346,8 @@
         </p:nvSpPr>
         <p:spPr>
           <a:xfrm>
-            <a:off x="838200" y="1690688"/>
-            <a:ext cx="9430787" cy="4524315"/>
+            <a:off x="628650" y="2125266"/>
+            <a:ext cx="7117654" cy="3416320"/>
           </a:xfrm>
           <a:prstGeom prst="rect">
             <a:avLst/>
@@ -5335,139 +5361,115 @@
           <a:lstStyle/>
           <a:p>
             <a:r>
-              <a:rPr lang="ja-JP" altLang="en-US" sz="3200" dirty="0" smtClean="0"/>
+              <a:rPr lang="ja-JP" altLang="en-US" sz="2400" dirty="0"/>
               <a:t>ロードバランサー</a:t>
             </a:r>
-            <a:endParaRPr lang="ja-JP" altLang="en-US" sz="3200" dirty="0"/>
-          </a:p>
-          <a:p>
-            <a:r>
-              <a:rPr lang="en-US" altLang="ja-JP" sz="3200" dirty="0" smtClean="0"/>
+            <a:endParaRPr lang="ja-JP" altLang="en-US" sz="2400" dirty="0"/>
+          </a:p>
+          <a:p>
+            <a:r>
+              <a:rPr lang="en-US" altLang="ja-JP" sz="2400" dirty="0"/>
               <a:t/>
             </a:r>
             <a:br>
-              <a:rPr lang="en-US" altLang="ja-JP" sz="3200" dirty="0" smtClean="0"/>
+              <a:rPr lang="en-US" altLang="ja-JP" sz="2400" dirty="0"/>
             </a:br>
             <a:r>
-              <a:rPr lang="en-US" altLang="ja-JP" sz="3200" dirty="0" smtClean="0"/>
+              <a:rPr lang="en-US" altLang="ja-JP" sz="2400" dirty="0"/>
               <a:t>client</a:t>
             </a:r>
             <a:r>
-              <a:rPr lang="ja-JP" altLang="en-US" sz="3200" dirty="0"/>
+              <a:rPr lang="ja-JP" altLang="en-US" sz="2400" dirty="0"/>
               <a:t>からのリクエストを現在のコネクション数が</a:t>
             </a:r>
           </a:p>
           <a:p>
             <a:r>
-              <a:rPr lang="ja-JP" altLang="en-US" sz="3200" dirty="0"/>
+              <a:rPr lang="ja-JP" altLang="en-US" sz="2400" dirty="0"/>
               <a:t>最も少ないサーバーに転送している</a:t>
             </a:r>
             <a:r>
-              <a:rPr lang="ja-JP" altLang="en-US" sz="3200" dirty="0" smtClean="0"/>
+              <a:rPr lang="ja-JP" altLang="en-US" sz="2400" dirty="0"/>
               <a:t>。</a:t>
             </a:r>
             <a:r>
-              <a:rPr lang="en-US" altLang="ja-JP" sz="3200" dirty="0" smtClean="0"/>
+              <a:rPr lang="en-US" altLang="ja-JP" sz="2400" dirty="0"/>
               <a:t/>
             </a:r>
             <a:br>
-              <a:rPr lang="en-US" altLang="ja-JP" sz="3200" dirty="0" smtClean="0"/>
+              <a:rPr lang="en-US" altLang="ja-JP" sz="2400" dirty="0"/>
             </a:br>
             <a:r>
-              <a:rPr lang="ja-JP" altLang="en-US" sz="3200" dirty="0" smtClean="0"/>
+              <a:rPr lang="ja-JP" altLang="en-US" sz="2400" dirty="0"/>
               <a:t>→「</a:t>
             </a:r>
             <a:r>
-              <a:rPr lang="ja-JP" altLang="en-US" sz="3200" dirty="0"/>
+              <a:rPr lang="ja-JP" altLang="en-US" sz="2400" dirty="0"/>
               <a:t>リーストコネクション」</a:t>
             </a:r>
           </a:p>
           <a:p>
             <a:r>
-              <a:rPr lang="en-US" altLang="ja-JP" sz="3200" dirty="0" smtClean="0"/>
+              <a:rPr lang="en-US" altLang="ja-JP" sz="2400" dirty="0"/>
               <a:t/>
             </a:r>
             <a:br>
-              <a:rPr lang="en-US" altLang="ja-JP" sz="3200" dirty="0" smtClean="0"/>
+              <a:rPr lang="en-US" altLang="ja-JP" sz="2400" dirty="0"/>
             </a:br>
             <a:r>
-              <a:rPr lang="ja-JP" altLang="en-US" sz="3200" dirty="0" smtClean="0"/>
+              <a:rPr lang="ja-JP" altLang="en-US" sz="2400" dirty="0"/>
               <a:t>アクセス</a:t>
             </a:r>
             <a:r>
-              <a:rPr lang="ja-JP" altLang="en-US" sz="3200" dirty="0"/>
+              <a:rPr lang="ja-JP" altLang="en-US" sz="2400" dirty="0"/>
               <a:t>のリクエストをすべてのサーバー</a:t>
             </a:r>
             <a:r>
-              <a:rPr lang="ja-JP" altLang="en-US" sz="3200" dirty="0" smtClean="0"/>
+              <a:rPr lang="ja-JP" altLang="en-US" sz="2400" dirty="0"/>
               <a:t>に</a:t>
             </a:r>
             <a:r>
-              <a:rPr lang="en-US" altLang="ja-JP" sz="3200" dirty="0" smtClean="0"/>
+              <a:rPr lang="en-US" altLang="ja-JP" sz="2400" dirty="0"/>
               <a:t/>
             </a:r>
             <a:br>
-              <a:rPr lang="en-US" altLang="ja-JP" sz="3200" dirty="0" smtClean="0"/>
+              <a:rPr lang="en-US" altLang="ja-JP" sz="2400" dirty="0"/>
             </a:br>
             <a:r>
-              <a:rPr lang="ja-JP" altLang="en-US" sz="3200" dirty="0" smtClean="0"/>
+              <a:rPr lang="ja-JP" altLang="en-US" sz="2400" dirty="0"/>
               <a:t>等しく</a:t>
             </a:r>
             <a:r>
-              <a:rPr lang="ja-JP" altLang="en-US" sz="3200" dirty="0"/>
+              <a:rPr lang="ja-JP" altLang="en-US" sz="2400" dirty="0"/>
               <a:t>分散</a:t>
             </a:r>
             <a:r>
-              <a:rPr lang="ja-JP" altLang="en-US" sz="3200" dirty="0" smtClean="0"/>
+              <a:rPr lang="ja-JP" altLang="en-US" sz="2400" dirty="0"/>
               <a:t>する</a:t>
             </a:r>
             <a:r>
-              <a:rPr lang="en-US" altLang="ja-JP" sz="3200" dirty="0" smtClean="0"/>
+              <a:rPr lang="en-US" altLang="ja-JP" sz="2400" dirty="0"/>
               <a:t/>
             </a:r>
             <a:br>
-              <a:rPr lang="en-US" altLang="ja-JP" sz="3200" dirty="0" smtClean="0"/>
+              <a:rPr lang="en-US" altLang="ja-JP" sz="2400" dirty="0"/>
             </a:br>
             <a:r>
-              <a:rPr lang="ja-JP" altLang="en-US" sz="3200" dirty="0" smtClean="0"/>
+              <a:rPr lang="ja-JP" altLang="en-US" sz="2400" dirty="0"/>
               <a:t>→「</a:t>
             </a:r>
             <a:r>
-              <a:rPr lang="ja-JP" altLang="en-US" sz="3200" dirty="0"/>
+              <a:rPr lang="ja-JP" altLang="en-US" sz="2400" dirty="0"/>
               <a:t>ラウンドロビン</a:t>
             </a:r>
             <a:r>
-              <a:rPr lang="ja-JP" altLang="en-US" sz="3200" dirty="0" smtClean="0"/>
+              <a:rPr lang="ja-JP" altLang="en-US" sz="2400" dirty="0"/>
               <a:t>」が</a:t>
             </a:r>
             <a:r>
-              <a:rPr lang="ja-JP" altLang="en-US" sz="3200" dirty="0"/>
+              <a:rPr lang="ja-JP" altLang="en-US" sz="2400" dirty="0"/>
               <a:t>主流</a:t>
             </a:r>
-            <a:endParaRPr kumimoji="1" lang="ja-JP" altLang="en-US" sz="3200" dirty="0"/>
-          </a:p>
-        </p:txBody>
-      </p:sp>
-      <p:sp>
-        <p:nvSpPr>
-          <p:cNvPr id="2" name="スライド番号プレースホルダー 1"/>
-          <p:cNvSpPr>
-            <a:spLocks noGrp="1"/>
-          </p:cNvSpPr>
-          <p:nvPr>
-            <p:ph type="sldNum" sz="quarter" idx="12"/>
-          </p:nvPr>
-        </p:nvSpPr>
-        <p:spPr/>
-        <p:txBody>
-          <a:bodyPr/>
-          <a:lstStyle/>
-          <a:p>
-            <a:fld id="{C1A4E16F-9CEB-47A6-B8DF-28924D05829B}" type="slidenum">
-              <a:rPr kumimoji="1" lang="ja-JP" altLang="en-US" smtClean="0"/>
-              <a:t>4</a:t>
-            </a:fld>
-            <a:endParaRPr kumimoji="1" lang="ja-JP" altLang="en-US"/>
           </a:p>
         </p:txBody>
       </p:sp>
@@ -5513,8 +5515,8 @@
         </p:nvSpPr>
         <p:spPr>
           <a:xfrm>
-            <a:off x="838200" y="365125"/>
-            <a:ext cx="10515600" cy="1325563"/>
+            <a:off x="628650" y="1131094"/>
+            <a:ext cx="7886700" cy="994172"/>
           </a:xfrm>
         </p:spPr>
         <p:txBody>
@@ -5530,6 +5532,29 @@
               <a:t>4/30</a:t>
             </a:r>
             <a:endParaRPr kumimoji="1" lang="ja-JP" altLang="en-US" dirty="0"/>
+          </a:p>
+        </p:txBody>
+      </p:sp>
+      <p:sp>
+        <p:nvSpPr>
+          <p:cNvPr id="2" name="スライド番号プレースホルダー 1"/>
+          <p:cNvSpPr>
+            <a:spLocks noGrp="1"/>
+          </p:cNvSpPr>
+          <p:nvPr>
+            <p:ph type="sldNum" sz="quarter" idx="12"/>
+          </p:nvPr>
+        </p:nvSpPr>
+        <p:spPr/>
+        <p:txBody>
+          <a:bodyPr/>
+          <a:lstStyle/>
+          <a:p>
+            <a:fld id="{C1A4E16F-9CEB-47A6-B8DF-28924D05829B}" type="slidenum">
+              <a:rPr kumimoji="1" lang="ja-JP" altLang="en-US" smtClean="0"/>
+              <a:t>5</a:t>
+            </a:fld>
+            <a:endParaRPr kumimoji="1" lang="ja-JP" altLang="en-US"/>
           </a:p>
         </p:txBody>
       </p:sp>
@@ -5541,8 +5566,8 @@
         </p:nvSpPr>
         <p:spPr>
           <a:xfrm>
-            <a:off x="838200" y="1690688"/>
-            <a:ext cx="10033516" cy="4524315"/>
+            <a:off x="628651" y="2125266"/>
+            <a:ext cx="7571303" cy="3416320"/>
           </a:xfrm>
           <a:prstGeom prst="rect">
             <a:avLst/>
@@ -5556,136 +5581,112 @@
           <a:lstStyle/>
           <a:p>
             <a:r>
-              <a:rPr lang="ja-JP" altLang="en-US" sz="3200" dirty="0" smtClean="0"/>
+              <a:rPr lang="ja-JP" altLang="en-US" sz="2400" dirty="0"/>
               <a:t>前回の卒研の会議で</a:t>
             </a:r>
             <a:r>
-              <a:rPr lang="en-US" altLang="ja-JP" sz="3200" dirty="0" smtClean="0"/>
+              <a:rPr lang="en-US" altLang="ja-JP" sz="2400" dirty="0"/>
               <a:t/>
             </a:r>
             <a:br>
-              <a:rPr lang="en-US" altLang="ja-JP" sz="3200" dirty="0" smtClean="0"/>
+              <a:rPr lang="en-US" altLang="ja-JP" sz="2400" dirty="0"/>
             </a:br>
-            <a:endParaRPr lang="en-US" altLang="ja-JP" sz="3200" dirty="0" smtClean="0"/>
-          </a:p>
-          <a:p>
-            <a:r>
-              <a:rPr lang="ja-JP" altLang="en-US" sz="3200" dirty="0" smtClean="0"/>
+            <a:endParaRPr lang="en-US" altLang="ja-JP" sz="2400" dirty="0"/>
+          </a:p>
+          <a:p>
+            <a:r>
+              <a:rPr lang="ja-JP" altLang="en-US" sz="2400" dirty="0"/>
               <a:t>現行の</a:t>
             </a:r>
             <a:r>
-              <a:rPr lang="en-US" altLang="ja-JP" sz="3200" dirty="0" smtClean="0"/>
+              <a:rPr lang="en-US" altLang="ja-JP" sz="2400" dirty="0"/>
               <a:t>LB</a:t>
             </a:r>
             <a:r>
-              <a:rPr lang="ja-JP" altLang="en-US" sz="3200" dirty="0" smtClean="0"/>
+              <a:rPr lang="ja-JP" altLang="en-US" sz="2400" dirty="0"/>
               <a:t>は負荷</a:t>
             </a:r>
             <a:r>
-              <a:rPr lang="ja-JP" altLang="en-US" sz="3200" dirty="0"/>
+              <a:rPr lang="ja-JP" altLang="en-US" sz="2400" dirty="0"/>
               <a:t>（ロード）しかみてないので</a:t>
             </a:r>
           </a:p>
           <a:p>
             <a:r>
-              <a:rPr lang="ja-JP" altLang="en-US" sz="3200" dirty="0"/>
+              <a:rPr lang="ja-JP" altLang="en-US" sz="2400" dirty="0"/>
               <a:t>観光地推薦をターゲット</a:t>
             </a:r>
             <a:r>
-              <a:rPr lang="ja-JP" altLang="en-US" sz="3200" dirty="0" smtClean="0"/>
+              <a:rPr lang="ja-JP" altLang="en-US" sz="2400" dirty="0"/>
               <a:t>に</a:t>
             </a:r>
-            <a:endParaRPr lang="en-US" altLang="ja-JP" sz="3200" dirty="0" smtClean="0"/>
-          </a:p>
-          <a:p>
-            <a:r>
-              <a:rPr lang="ja-JP" altLang="en-US" sz="3200" dirty="0"/>
+            <a:endParaRPr lang="en-US" altLang="ja-JP" sz="2400" dirty="0"/>
+          </a:p>
+          <a:p>
+            <a:r>
+              <a:rPr lang="ja-JP" altLang="en-US" sz="2400" dirty="0"/>
               <a:t>「</a:t>
             </a:r>
             <a:r>
-              <a:rPr lang="ja-JP" altLang="en-US" sz="3200" dirty="0" smtClean="0"/>
+              <a:rPr lang="ja-JP" altLang="en-US" sz="2400" dirty="0"/>
               <a:t>ネットワーク</a:t>
             </a:r>
             <a:r>
-              <a:rPr lang="ja-JP" altLang="en-US" sz="3200" dirty="0"/>
+              <a:rPr lang="ja-JP" altLang="en-US" sz="2400" dirty="0"/>
               <a:t>の</a:t>
             </a:r>
             <a:r>
-              <a:rPr lang="ja-JP" altLang="en-US" sz="3200" dirty="0" smtClean="0"/>
+              <a:rPr lang="ja-JP" altLang="en-US" sz="2400" dirty="0"/>
               <a:t>速度」や</a:t>
             </a:r>
             <a:r>
-              <a:rPr lang="ja-JP" altLang="en-US" sz="3200" dirty="0"/>
+              <a:rPr lang="ja-JP" altLang="en-US" sz="2400" dirty="0"/>
               <a:t>負荷に注目して</a:t>
             </a:r>
             <a:r>
-              <a:rPr lang="ja-JP" altLang="en-US" sz="3200" dirty="0" smtClean="0"/>
+              <a:rPr lang="ja-JP" altLang="en-US" sz="2400" dirty="0"/>
               <a:t>行う</a:t>
             </a:r>
             <a:r>
-              <a:rPr lang="en-US" altLang="ja-JP" sz="3200" dirty="0" smtClean="0"/>
+              <a:rPr lang="en-US" altLang="ja-JP" sz="2400" dirty="0"/>
               <a:t/>
             </a:r>
             <a:br>
-              <a:rPr lang="en-US" altLang="ja-JP" sz="3200" dirty="0" smtClean="0"/>
+              <a:rPr lang="en-US" altLang="ja-JP" sz="2400" dirty="0"/>
             </a:br>
             <a:r>
-              <a:rPr lang="ja-JP" altLang="en-US" sz="3200" dirty="0" smtClean="0"/>
+              <a:rPr lang="ja-JP" altLang="en-US" sz="2400" dirty="0"/>
               <a:t>ＬＢ</a:t>
             </a:r>
             <a:r>
-              <a:rPr lang="ja-JP" altLang="en-US" sz="3200" dirty="0"/>
+              <a:rPr lang="ja-JP" altLang="en-US" sz="2400" dirty="0"/>
               <a:t>が</a:t>
             </a:r>
             <a:r>
-              <a:rPr lang="ja-JP" altLang="en-US" sz="3200" dirty="0" smtClean="0"/>
+              <a:rPr lang="ja-JP" altLang="en-US" sz="2400" dirty="0"/>
               <a:t>作れたら良い。</a:t>
             </a:r>
-            <a:endParaRPr lang="en-US" altLang="ja-JP" sz="3200" dirty="0" smtClean="0"/>
-          </a:p>
-          <a:p>
-            <a:endParaRPr kumimoji="1" lang="en-US" altLang="ja-JP" sz="3200" dirty="0"/>
-          </a:p>
-          <a:p>
-            <a:r>
-              <a:rPr lang="ja-JP" altLang="en-US" sz="3200" dirty="0"/>
+            <a:endParaRPr lang="en-US" altLang="ja-JP" sz="2400" dirty="0"/>
+          </a:p>
+          <a:p>
+            <a:endParaRPr lang="en-US" altLang="ja-JP" sz="2400" dirty="0"/>
+          </a:p>
+          <a:p>
+            <a:r>
+              <a:rPr lang="ja-JP" altLang="en-US" sz="2400" dirty="0"/>
               <a:t>ロードバランサーを自分で</a:t>
             </a:r>
             <a:r>
-              <a:rPr lang="ja-JP" altLang="en-US" sz="3200" dirty="0" smtClean="0"/>
+              <a:rPr lang="ja-JP" altLang="en-US" sz="2400" dirty="0"/>
               <a:t>作れそうか調べる（宿題）</a:t>
             </a:r>
-            <a:endParaRPr lang="ja-JP" altLang="en-US" sz="3200" dirty="0"/>
-          </a:p>
-          <a:p>
-            <a:r>
-              <a:rPr lang="ja-JP" altLang="en-US" sz="3200" dirty="0"/>
+            <a:endParaRPr lang="ja-JP" altLang="en-US" sz="2400" dirty="0"/>
+          </a:p>
+          <a:p>
+            <a:r>
+              <a:rPr lang="ja-JP" altLang="en-US" sz="2400" dirty="0"/>
               <a:t>実装方法、プログラミング方法。</a:t>
             </a:r>
-            <a:endParaRPr kumimoji="1" lang="ja-JP" altLang="en-US" sz="3200" dirty="0"/>
-          </a:p>
-        </p:txBody>
-      </p:sp>
-      <p:sp>
-        <p:nvSpPr>
-          <p:cNvPr id="2" name="スライド番号プレースホルダー 1"/>
-          <p:cNvSpPr>
-            <a:spLocks noGrp="1"/>
-          </p:cNvSpPr>
-          <p:nvPr>
-            <p:ph type="sldNum" sz="quarter" idx="12"/>
-          </p:nvPr>
-        </p:nvSpPr>
-        <p:spPr/>
-        <p:txBody>
-          <a:bodyPr/>
-          <a:lstStyle/>
-          <a:p>
-            <a:fld id="{C1A4E16F-9CEB-47A6-B8DF-28924D05829B}" type="slidenum">
-              <a:rPr kumimoji="1" lang="ja-JP" altLang="en-US" smtClean="0"/>
-              <a:t>5</a:t>
-            </a:fld>
-            <a:endParaRPr kumimoji="1" lang="ja-JP" altLang="en-US"/>
           </a:p>
         </p:txBody>
       </p:sp>
@@ -5731,8 +5732,8 @@
         </p:nvSpPr>
         <p:spPr>
           <a:xfrm>
-            <a:off x="838200" y="365125"/>
-            <a:ext cx="10515600" cy="1325563"/>
+            <a:off x="628650" y="1131094"/>
+            <a:ext cx="7886700" cy="994172"/>
           </a:xfrm>
         </p:spPr>
         <p:txBody>
@@ -5748,6 +5749,29 @@
               <a:t>4/30</a:t>
             </a:r>
             <a:endParaRPr kumimoji="1" lang="ja-JP" altLang="en-US" dirty="0"/>
+          </a:p>
+        </p:txBody>
+      </p:sp>
+      <p:sp>
+        <p:nvSpPr>
+          <p:cNvPr id="2" name="スライド番号プレースホルダー 1"/>
+          <p:cNvSpPr>
+            <a:spLocks noGrp="1"/>
+          </p:cNvSpPr>
+          <p:nvPr>
+            <p:ph type="sldNum" sz="quarter" idx="12"/>
+          </p:nvPr>
+        </p:nvSpPr>
+        <p:spPr/>
+        <p:txBody>
+          <a:bodyPr/>
+          <a:lstStyle/>
+          <a:p>
+            <a:fld id="{C1A4E16F-9CEB-47A6-B8DF-28924D05829B}" type="slidenum">
+              <a:rPr kumimoji="1" lang="ja-JP" altLang="en-US" smtClean="0"/>
+              <a:t>6</a:t>
+            </a:fld>
+            <a:endParaRPr kumimoji="1" lang="ja-JP" altLang="en-US"/>
           </a:p>
         </p:txBody>
       </p:sp>
@@ -5759,8 +5783,8 @@
         </p:nvSpPr>
         <p:spPr>
           <a:xfrm>
-            <a:off x="838200" y="1690688"/>
-            <a:ext cx="10948792" cy="4524315"/>
+            <a:off x="628650" y="2125266"/>
+            <a:ext cx="8211594" cy="3416320"/>
           </a:xfrm>
           <a:prstGeom prst="rect">
             <a:avLst/>
@@ -5774,129 +5798,105 @@
           <a:lstStyle/>
           <a:p>
             <a:r>
-              <a:rPr lang="en-US" altLang="ja-JP" sz="3200" dirty="0"/>
+              <a:rPr lang="en-US" altLang="ja-JP" sz="2400" dirty="0"/>
               <a:t>APACHE(WEB</a:t>
             </a:r>
             <a:r>
-              <a:rPr lang="ja-JP" altLang="en-US" sz="3200" dirty="0"/>
+              <a:rPr lang="ja-JP" altLang="en-US" sz="2400" dirty="0"/>
               <a:t>サーバ</a:t>
             </a:r>
             <a:r>
-              <a:rPr lang="en-US" altLang="ja-JP" sz="3200" dirty="0"/>
+              <a:rPr lang="en-US" altLang="ja-JP" sz="2400" dirty="0"/>
               <a:t>)</a:t>
             </a:r>
             <a:r>
-              <a:rPr lang="ja-JP" altLang="en-US" sz="3200" dirty="0"/>
+              <a:rPr lang="ja-JP" altLang="en-US" sz="2400" dirty="0"/>
               <a:t>を使った</a:t>
             </a:r>
             <a:r>
-              <a:rPr lang="en-US" altLang="ja-JP" sz="3200" dirty="0"/>
+              <a:rPr lang="en-US" altLang="ja-JP" sz="2400" dirty="0"/>
               <a:t>LB</a:t>
             </a:r>
             <a:r>
-              <a:rPr lang="ja-JP" altLang="en-US" sz="3200" dirty="0"/>
+              <a:rPr lang="ja-JP" altLang="en-US" sz="2400" dirty="0"/>
               <a:t>の実装は</a:t>
             </a:r>
           </a:p>
           <a:p>
             <a:r>
-              <a:rPr lang="ja-JP" altLang="en-US" sz="3200" dirty="0"/>
+              <a:rPr lang="ja-JP" altLang="en-US" sz="2400" dirty="0"/>
               <a:t>サイトや</a:t>
             </a:r>
             <a:r>
-              <a:rPr lang="en-US" altLang="ja-JP" sz="3200" dirty="0"/>
+              <a:rPr lang="en-US" altLang="ja-JP" sz="2400" dirty="0"/>
               <a:t>2020</a:t>
             </a:r>
             <a:r>
-              <a:rPr lang="ja-JP" altLang="en-US" sz="3200" dirty="0"/>
+              <a:rPr lang="ja-JP" altLang="en-US" sz="2400" dirty="0"/>
               <a:t>前期のセミナー資料を</a:t>
             </a:r>
             <a:r>
-              <a:rPr lang="ja-JP" altLang="en-US" sz="3200" dirty="0" smtClean="0"/>
+              <a:rPr lang="ja-JP" altLang="en-US" sz="2400" dirty="0"/>
               <a:t>観て</a:t>
             </a:r>
-            <a:endParaRPr lang="en-US" altLang="ja-JP" sz="3200" dirty="0" smtClean="0"/>
-          </a:p>
-          <a:p>
-            <a:r>
-              <a:rPr lang="ja-JP" altLang="en-US" sz="3200" dirty="0" smtClean="0"/>
+            <a:endParaRPr lang="en-US" altLang="ja-JP" sz="2400" dirty="0"/>
+          </a:p>
+          <a:p>
+            <a:r>
+              <a:rPr lang="ja-JP" altLang="en-US" sz="2400" dirty="0"/>
               <a:t>できそう</a:t>
             </a:r>
             <a:r>
-              <a:rPr lang="ja-JP" altLang="en-US" sz="3200" dirty="0"/>
+              <a:rPr lang="ja-JP" altLang="en-US" sz="2400" dirty="0"/>
               <a:t>だと思った。</a:t>
             </a:r>
           </a:p>
           <a:p>
-            <a:endParaRPr lang="ja-JP" altLang="en-US" sz="3200" dirty="0"/>
-          </a:p>
-          <a:p>
-            <a:r>
-              <a:rPr lang="en-US" altLang="ja-JP" sz="3200" dirty="0" smtClean="0"/>
+            <a:endParaRPr lang="ja-JP" altLang="en-US" sz="2400" dirty="0"/>
+          </a:p>
+          <a:p>
+            <a:r>
+              <a:rPr lang="en-US" altLang="ja-JP" sz="2400" dirty="0"/>
               <a:t>BUT</a:t>
             </a:r>
           </a:p>
           <a:p>
             <a:r>
-              <a:rPr lang="en-US" altLang="ja-JP" sz="3200" dirty="0" smtClean="0"/>
+              <a:rPr lang="en-US" altLang="ja-JP" sz="2400" dirty="0"/>
               <a:t>→</a:t>
             </a:r>
             <a:r>
-              <a:rPr lang="ja-JP" altLang="en-US" sz="3200" dirty="0"/>
+              <a:rPr lang="ja-JP" altLang="en-US" sz="2400" dirty="0"/>
               <a:t>ネットワークの速度を考慮するとなると</a:t>
             </a:r>
             <a:r>
-              <a:rPr lang="ja-JP" altLang="en-US" sz="3200" dirty="0" smtClean="0"/>
+              <a:rPr lang="ja-JP" altLang="en-US" sz="2400" dirty="0"/>
               <a:t>、</a:t>
             </a:r>
-            <a:endParaRPr lang="en-US" altLang="ja-JP" sz="3200" dirty="0" smtClean="0"/>
-          </a:p>
-          <a:p>
-            <a:r>
-              <a:rPr lang="ja-JP" altLang="en-US" sz="3200" dirty="0" smtClean="0"/>
+            <a:endParaRPr lang="en-US" altLang="ja-JP" sz="2400" dirty="0"/>
+          </a:p>
+          <a:p>
+            <a:r>
+              <a:rPr lang="ja-JP" altLang="en-US" sz="2400" dirty="0"/>
               <a:t>どうプログラム</a:t>
             </a:r>
             <a:r>
-              <a:rPr lang="ja-JP" altLang="en-US" sz="3200" dirty="0"/>
+              <a:rPr lang="ja-JP" altLang="en-US" sz="2400" dirty="0"/>
               <a:t>を作っていいのかわからない。</a:t>
             </a:r>
           </a:p>
           <a:p>
-            <a:endParaRPr lang="en-US" altLang="ja-JP" sz="3200" dirty="0" smtClean="0"/>
-          </a:p>
-          <a:p>
-            <a:r>
-              <a:rPr lang="ja-JP" altLang="en-US" sz="3200" dirty="0" smtClean="0"/>
+            <a:endParaRPr lang="en-US" altLang="ja-JP" sz="2400" dirty="0"/>
+          </a:p>
+          <a:p>
+            <a:r>
+              <a:rPr lang="ja-JP" altLang="en-US" sz="2400" dirty="0"/>
               <a:t>調べて</a:t>
             </a:r>
             <a:r>
-              <a:rPr lang="ja-JP" altLang="en-US" sz="3200" dirty="0"/>
+              <a:rPr lang="ja-JP" altLang="en-US" sz="2400" dirty="0"/>
               <a:t>もあまり出てこなかった。</a:t>
             </a:r>
-            <a:endParaRPr kumimoji="1" lang="ja-JP" altLang="en-US" sz="3200" dirty="0"/>
-          </a:p>
-        </p:txBody>
-      </p:sp>
-      <p:sp>
-        <p:nvSpPr>
-          <p:cNvPr id="2" name="スライド番号プレースホルダー 1"/>
-          <p:cNvSpPr>
-            <a:spLocks noGrp="1"/>
-          </p:cNvSpPr>
-          <p:nvPr>
-            <p:ph type="sldNum" sz="quarter" idx="12"/>
-          </p:nvPr>
-        </p:nvSpPr>
-        <p:spPr/>
-        <p:txBody>
-          <a:bodyPr/>
-          <a:lstStyle/>
-          <a:p>
-            <a:fld id="{C1A4E16F-9CEB-47A6-B8DF-28924D05829B}" type="slidenum">
-              <a:rPr kumimoji="1" lang="ja-JP" altLang="en-US" smtClean="0"/>
-              <a:t>6</a:t>
-            </a:fld>
-            <a:endParaRPr kumimoji="1" lang="ja-JP" altLang="en-US"/>
           </a:p>
         </p:txBody>
       </p:sp>
@@ -5942,8 +5942,8 @@
         </p:nvSpPr>
         <p:spPr>
           <a:xfrm>
-            <a:off x="838200" y="365125"/>
-            <a:ext cx="10515600" cy="1325563"/>
+            <a:off x="628650" y="1131094"/>
+            <a:ext cx="7886700" cy="994172"/>
           </a:xfrm>
         </p:spPr>
         <p:txBody>
@@ -5959,6 +5959,29 @@
               <a:t>4/30</a:t>
             </a:r>
             <a:endParaRPr kumimoji="1" lang="ja-JP" altLang="en-US" dirty="0"/>
+          </a:p>
+        </p:txBody>
+      </p:sp>
+      <p:sp>
+        <p:nvSpPr>
+          <p:cNvPr id="2" name="スライド番号プレースホルダー 1"/>
+          <p:cNvSpPr>
+            <a:spLocks noGrp="1"/>
+          </p:cNvSpPr>
+          <p:nvPr>
+            <p:ph type="sldNum" sz="quarter" idx="12"/>
+          </p:nvPr>
+        </p:nvSpPr>
+        <p:spPr/>
+        <p:txBody>
+          <a:bodyPr/>
+          <a:lstStyle/>
+          <a:p>
+            <a:fld id="{C1A4E16F-9CEB-47A6-B8DF-28924D05829B}" type="slidenum">
+              <a:rPr kumimoji="1" lang="ja-JP" altLang="en-US" smtClean="0"/>
+              <a:t>7</a:t>
+            </a:fld>
+            <a:endParaRPr kumimoji="1" lang="ja-JP" altLang="en-US"/>
           </a:p>
         </p:txBody>
       </p:sp>
@@ -5970,8 +5993,8 @@
         </p:nvSpPr>
         <p:spPr>
           <a:xfrm>
-            <a:off x="838200" y="1690688"/>
-            <a:ext cx="10948792" cy="584775"/>
+            <a:off x="628650" y="2125266"/>
+            <a:ext cx="8211594" cy="461665"/>
           </a:xfrm>
           <a:prstGeom prst="rect">
             <a:avLst/>
@@ -5985,49 +6008,25 @@
           <a:lstStyle/>
           <a:p>
             <a:r>
-              <a:rPr lang="ja-JP" altLang="en-US" sz="3200" dirty="0"/>
+              <a:rPr lang="ja-JP" altLang="en-US" sz="2400" dirty="0"/>
               <a:t>今の</a:t>
             </a:r>
             <a:r>
-              <a:rPr lang="ja-JP" altLang="en-US" sz="3200" dirty="0" smtClean="0"/>
+              <a:rPr lang="ja-JP" altLang="en-US" sz="2400" dirty="0"/>
               <a:t>課題</a:t>
             </a:r>
             <a:r>
-              <a:rPr lang="ja-JP" altLang="en-US" sz="3200" dirty="0"/>
+              <a:rPr lang="ja-JP" altLang="en-US" sz="2400" dirty="0"/>
               <a:t>：回線速度を考慮した</a:t>
             </a:r>
             <a:r>
-              <a:rPr lang="en-US" altLang="ja-JP" sz="3200" dirty="0"/>
+              <a:rPr lang="en-US" altLang="ja-JP" sz="2400" dirty="0"/>
               <a:t>LB</a:t>
             </a:r>
             <a:r>
-              <a:rPr lang="ja-JP" altLang="en-US" sz="3200" dirty="0"/>
+              <a:rPr lang="ja-JP" altLang="en-US" sz="2400" dirty="0"/>
               <a:t>のプログラム方法。</a:t>
             </a:r>
-            <a:endParaRPr kumimoji="1" lang="ja-JP" altLang="en-US" sz="3200" dirty="0"/>
-          </a:p>
-        </p:txBody>
-      </p:sp>
-      <p:sp>
-        <p:nvSpPr>
-          <p:cNvPr id="2" name="スライド番号プレースホルダー 1"/>
-          <p:cNvSpPr>
-            <a:spLocks noGrp="1"/>
-          </p:cNvSpPr>
-          <p:nvPr>
-            <p:ph type="sldNum" sz="quarter" idx="12"/>
-          </p:nvPr>
-        </p:nvSpPr>
-        <p:spPr/>
-        <p:txBody>
-          <a:bodyPr/>
-          <a:lstStyle/>
-          <a:p>
-            <a:fld id="{C1A4E16F-9CEB-47A6-B8DF-28924D05829B}" type="slidenum">
-              <a:rPr kumimoji="1" lang="ja-JP" altLang="en-US" smtClean="0"/>
-              <a:t>7</a:t>
-            </a:fld>
-            <a:endParaRPr kumimoji="1" lang="ja-JP" altLang="en-US"/>
           </a:p>
         </p:txBody>
       </p:sp>
@@ -6079,10 +6078,10 @@
           <a:lstStyle/>
           <a:p>
             <a:r>
-              <a:rPr kumimoji="1" lang="ja-JP" altLang="en-US" sz="4000" dirty="0" smtClean="0"/>
+              <a:rPr lang="ja-JP" altLang="en-US" sz="3000" dirty="0"/>
               <a:t>レスポンス速度を考慮したロードバランサー</a:t>
             </a:r>
-            <a:endParaRPr kumimoji="1" lang="ja-JP" altLang="en-US" sz="4000" dirty="0"/>
+            <a:endParaRPr lang="ja-JP" altLang="en-US" sz="3000" dirty="0"/>
           </a:p>
         </p:txBody>
       </p:sp>
@@ -6125,8 +6124,8 @@
         </p:blipFill>
         <p:spPr>
           <a:xfrm>
-            <a:off x="1029742" y="1690688"/>
-            <a:ext cx="3296798" cy="4092577"/>
+            <a:off x="772306" y="2125266"/>
+            <a:ext cx="2472599" cy="3069433"/>
           </a:xfrm>
           <a:prstGeom prst="rect">
             <a:avLst/>
@@ -6141,8 +6140,8 @@
         </p:nvSpPr>
         <p:spPr>
           <a:xfrm>
-            <a:off x="4563762" y="2479589"/>
-            <a:ext cx="5724644" cy="1692771"/>
+            <a:off x="3422821" y="2716942"/>
+            <a:ext cx="4339650" cy="1292662"/>
           </a:xfrm>
           <a:prstGeom prst="rect">
             <a:avLst/>
@@ -6156,32 +6155,32 @@
           <a:lstStyle/>
           <a:p>
             <a:r>
-              <a:rPr kumimoji="1" lang="ja-JP" altLang="en-US" sz="3200" dirty="0" smtClean="0"/>
+              <a:rPr lang="ja-JP" altLang="en-US" sz="2400" dirty="0"/>
               <a:t>イメージ</a:t>
             </a:r>
-            <a:endParaRPr kumimoji="1" lang="en-US" altLang="ja-JP" sz="3200" dirty="0" smtClean="0"/>
-          </a:p>
-          <a:p>
-            <a:r>
-              <a:rPr kumimoji="1" lang="ja-JP" altLang="en-US" sz="2400" dirty="0" smtClean="0"/>
+            <a:endParaRPr lang="en-US" altLang="ja-JP" sz="2400" dirty="0"/>
+          </a:p>
+          <a:p>
+            <a:r>
+              <a:rPr lang="ja-JP" altLang="en-US" dirty="0"/>
               <a:t>冗長的なサーバ数個用意し</a:t>
             </a:r>
-            <a:endParaRPr kumimoji="1" lang="en-US" altLang="ja-JP" sz="2400" dirty="0" smtClean="0"/>
-          </a:p>
-          <a:p>
-            <a:r>
-              <a:rPr lang="ja-JP" altLang="en-US" sz="2400" dirty="0" smtClean="0"/>
+            <a:endParaRPr lang="en-US" altLang="ja-JP" dirty="0"/>
+          </a:p>
+          <a:p>
+            <a:r>
+              <a:rPr lang="ja-JP" altLang="en-US" dirty="0"/>
               <a:t>負荷だけでなく、応答速度にも配慮して</a:t>
             </a:r>
-            <a:endParaRPr lang="en-US" altLang="ja-JP" sz="2400" dirty="0" smtClean="0"/>
-          </a:p>
-          <a:p>
-            <a:r>
-              <a:rPr kumimoji="1" lang="ja-JP" altLang="en-US" sz="2400" dirty="0" smtClean="0"/>
+            <a:endParaRPr lang="en-US" altLang="ja-JP" dirty="0"/>
+          </a:p>
+          <a:p>
+            <a:r>
+              <a:rPr lang="ja-JP" altLang="en-US" dirty="0"/>
               <a:t>選択してくれる</a:t>
             </a:r>
             <a:r>
-              <a:rPr kumimoji="1" lang="en-US" altLang="ja-JP" sz="2400" dirty="0" smtClean="0"/>
+              <a:rPr lang="en-US" altLang="ja-JP" dirty="0"/>
               <a:t>LB</a:t>
             </a:r>
           </a:p>
@@ -6235,10 +6234,10 @@
           <a:lstStyle/>
           <a:p>
             <a:r>
-              <a:rPr kumimoji="1" lang="ja-JP" altLang="en-US" sz="4000" dirty="0" smtClean="0"/>
+              <a:rPr lang="ja-JP" altLang="en-US" sz="3000" dirty="0"/>
               <a:t>レスポンス速度を考慮したロードバランサー</a:t>
             </a:r>
-            <a:endParaRPr kumimoji="1" lang="ja-JP" altLang="en-US" sz="4000" dirty="0"/>
+            <a:endParaRPr lang="ja-JP" altLang="en-US" sz="3000" dirty="0"/>
           </a:p>
         </p:txBody>
       </p:sp>
@@ -6273,8 +6272,8 @@
         </p:nvSpPr>
         <p:spPr>
           <a:xfrm>
-            <a:off x="746673" y="1916063"/>
-            <a:ext cx="10443885" cy="3046988"/>
+            <a:off x="560005" y="2294297"/>
+            <a:ext cx="7879080" cy="2308324"/>
           </a:xfrm>
           <a:prstGeom prst="rect">
             <a:avLst/>
@@ -6288,42 +6287,42 @@
           <a:lstStyle/>
           <a:p>
             <a:r>
-              <a:rPr lang="ja-JP" altLang="en-US" sz="3200" dirty="0"/>
+              <a:rPr lang="ja-JP" altLang="en-US" sz="2400" dirty="0"/>
               <a:t>前回頂いたアドバイス</a:t>
             </a:r>
           </a:p>
           <a:p>
-            <a:endParaRPr lang="ja-JP" altLang="en-US" sz="3200" dirty="0"/>
-          </a:p>
-          <a:p>
-            <a:r>
-              <a:rPr lang="ja-JP" altLang="en-US" sz="3200" dirty="0"/>
+            <a:endParaRPr lang="ja-JP" altLang="en-US" sz="2400" dirty="0"/>
+          </a:p>
+          <a:p>
+            <a:r>
+              <a:rPr lang="ja-JP" altLang="en-US" sz="2400" dirty="0"/>
               <a:t>一日の平均レスポンス時間を</a:t>
             </a:r>
             <a:r>
-              <a:rPr lang="en-US" altLang="ja-JP" sz="3200" dirty="0"/>
+              <a:rPr lang="en-US" altLang="ja-JP" sz="2400" dirty="0"/>
               <a:t>DB</a:t>
             </a:r>
             <a:r>
-              <a:rPr lang="ja-JP" altLang="en-US" sz="3200" dirty="0"/>
+              <a:rPr lang="ja-JP" altLang="en-US" sz="2400" dirty="0"/>
               <a:t>に取っておく</a:t>
             </a:r>
           </a:p>
           <a:p>
             <a:r>
-              <a:rPr lang="ja-JP" altLang="en-US" sz="3200" dirty="0"/>
+              <a:rPr lang="ja-JP" altLang="en-US" sz="2400" dirty="0"/>
               <a:t>それを元にどのサーバを使うか選択する時の指標にする</a:t>
             </a:r>
           </a:p>
           <a:p>
-            <a:endParaRPr lang="ja-JP" altLang="en-US" sz="3200" dirty="0"/>
-          </a:p>
-          <a:p>
-            <a:r>
-              <a:rPr lang="ja-JP" altLang="en-US" sz="3200" dirty="0"/>
+            <a:endParaRPr lang="ja-JP" altLang="en-US" sz="2400" dirty="0"/>
+          </a:p>
+          <a:p>
+            <a:r>
+              <a:rPr lang="ja-JP" altLang="en-US" sz="2400" dirty="0"/>
               <a:t>→まずは応答速度のデータを取る所からスタート</a:t>
             </a:r>
-            <a:endParaRPr kumimoji="1" lang="en-US" altLang="ja-JP" sz="3200" dirty="0" smtClean="0"/>
+            <a:endParaRPr lang="en-US" altLang="ja-JP" sz="2400" dirty="0"/>
           </a:p>
         </p:txBody>
       </p:sp>
@@ -6343,7 +6342,7 @@
 <file path=ppt/theme/theme1.xml><?xml version="1.0" encoding="utf-8"?>
 <a:theme xmlns:a="http://schemas.openxmlformats.org/drawingml/2006/main" name="Office テーマ">
   <a:themeElements>
-    <a:clrScheme name="Office">
+    <a:clrScheme name="Office テーマ">
       <a:dk1>
         <a:sysClr val="windowText" lastClr="000000"/>
       </a:dk1>
@@ -6381,9 +6380,9 @@
         <a:srgbClr val="954F72"/>
       </a:folHlink>
     </a:clrScheme>
-    <a:fontScheme name="Office">
+    <a:fontScheme name="Office テーマ">
       <a:majorFont>
-        <a:latin typeface="游ゴシック Light" panose="020F0302020204030204"/>
+        <a:latin typeface="Calibri Light" panose="020F0302020204030204"/>
         <a:ea typeface=""/>
         <a:cs typeface=""/>
         <a:font script="Jpan" typeface="游ゴシック Light"/>
@@ -6418,7 +6417,7 @@
         <a:font script="Geor" typeface="Sylfaen"/>
       </a:majorFont>
       <a:minorFont>
-        <a:latin typeface="游ゴシック" panose="020F0502020204030204"/>
+        <a:latin typeface="Calibri" panose="020F0502020204030204"/>
         <a:ea typeface=""/>
         <a:cs typeface=""/>
         <a:font script="Jpan" typeface="游ゴシック"/>
@@ -6453,7 +6452,7 @@
         <a:font script="Geor" typeface="Sylfaen"/>
       </a:minorFont>
     </a:fontScheme>
-    <a:fmtScheme name="Office">
+    <a:fmtScheme name="Office テーマ">
       <a:fillStyleLst>
         <a:solidFill>
           <a:schemeClr val="phClr"/>

--- a/1821086_matsuo_sotsuken.pptx
+++ b/1821086_matsuo_sotsuken.pptx
@@ -5,7 +5,7 @@
     <p:sldMasterId id="2147483660" r:id="rId1"/>
   </p:sldMasterIdLst>
   <p:notesMasterIdLst>
-    <p:notesMasterId r:id="rId15"/>
+    <p:notesMasterId r:id="rId18"/>
   </p:notesMasterIdLst>
   <p:sldIdLst>
     <p:sldId id="257" r:id="rId2"/>
@@ -21,6 +21,9 @@
     <p:sldId id="270" r:id="rId12"/>
     <p:sldId id="271" r:id="rId13"/>
     <p:sldId id="273" r:id="rId14"/>
+    <p:sldId id="274" r:id="rId15"/>
+    <p:sldId id="275" r:id="rId16"/>
+    <p:sldId id="276" r:id="rId17"/>
   </p:sldIdLst>
   <p:sldSz cx="9144000" cy="6858000" type="screen4x3"/>
   <p:notesSz cx="6858000" cy="9144000"/>
@@ -209,7 +212,7 @@
           <a:p>
             <a:fld id="{869FDBD3-40C4-4F2A-82A8-38E5DBC6C4C1}" type="datetimeFigureOut">
               <a:rPr kumimoji="1" lang="ja-JP" altLang="en-US" smtClean="0"/>
-              <a:t>2021/5/10</a:t>
+              <a:t>2021/5/11</a:t>
             </a:fld>
             <a:endParaRPr kumimoji="1" lang="ja-JP" altLang="en-US"/>
           </a:p>
@@ -729,7 +732,7 @@
           <a:p>
             <a:fld id="{494AB2A1-E364-47CF-B5DC-53E264C607F6}" type="datetime1">
               <a:rPr kumimoji="1" lang="ja-JP" altLang="en-US" smtClean="0"/>
-              <a:t>2021/5/10</a:t>
+              <a:t>2021/5/11</a:t>
             </a:fld>
             <a:endParaRPr kumimoji="1" lang="ja-JP" altLang="en-US"/>
           </a:p>
@@ -931,7 +934,7 @@
           <a:p>
             <a:fld id="{493740D4-C406-4492-90E6-6432EEF92C60}" type="datetime1">
               <a:rPr kumimoji="1" lang="ja-JP" altLang="en-US" smtClean="0"/>
-              <a:t>2021/5/10</a:t>
+              <a:t>2021/5/11</a:t>
             </a:fld>
             <a:endParaRPr kumimoji="1" lang="ja-JP" altLang="en-US"/>
           </a:p>
@@ -1143,7 +1146,7 @@
           <a:p>
             <a:fld id="{ED69396B-CE42-4776-89F8-D39FC42CFB56}" type="datetime1">
               <a:rPr kumimoji="1" lang="ja-JP" altLang="en-US" smtClean="0"/>
-              <a:t>2021/5/10</a:t>
+              <a:t>2021/5/11</a:t>
             </a:fld>
             <a:endParaRPr kumimoji="1" lang="ja-JP" altLang="en-US"/>
           </a:p>
@@ -1345,7 +1348,7 @@
           <a:p>
             <a:fld id="{13625393-1B19-477D-ADB7-2A6386D3F149}" type="datetime1">
               <a:rPr kumimoji="1" lang="ja-JP" altLang="en-US" smtClean="0"/>
-              <a:t>2021/5/10</a:t>
+              <a:t>2021/5/11</a:t>
             </a:fld>
             <a:endParaRPr kumimoji="1" lang="ja-JP" altLang="en-US"/>
           </a:p>
@@ -1589,7 +1592,7 @@
           <a:p>
             <a:fld id="{E5FDA1EB-CBE3-4FB0-BB17-A44CDA0B54B3}" type="datetime1">
               <a:rPr kumimoji="1" lang="ja-JP" altLang="en-US" smtClean="0"/>
-              <a:t>2021/5/10</a:t>
+              <a:t>2021/5/11</a:t>
             </a:fld>
             <a:endParaRPr kumimoji="1" lang="ja-JP" altLang="en-US"/>
           </a:p>
@@ -1885,7 +1888,7 @@
           <a:p>
             <a:fld id="{C01EC069-9DC2-4DDB-AE63-C26A081803C1}" type="datetime1">
               <a:rPr kumimoji="1" lang="ja-JP" altLang="en-US" smtClean="0"/>
-              <a:t>2021/5/10</a:t>
+              <a:t>2021/5/11</a:t>
             </a:fld>
             <a:endParaRPr kumimoji="1" lang="ja-JP" altLang="en-US"/>
           </a:p>
@@ -2316,7 +2319,7 @@
           <a:p>
             <a:fld id="{FA16DDA6-9750-4222-A53D-9B2AFD4F7604}" type="datetime1">
               <a:rPr kumimoji="1" lang="ja-JP" altLang="en-US" smtClean="0"/>
-              <a:t>2021/5/10</a:t>
+              <a:t>2021/5/11</a:t>
             </a:fld>
             <a:endParaRPr kumimoji="1" lang="ja-JP" altLang="en-US"/>
           </a:p>
@@ -2434,7 +2437,7 @@
           <a:p>
             <a:fld id="{2A12A5DA-6757-4BE0-8138-B996B069D01C}" type="datetime1">
               <a:rPr kumimoji="1" lang="ja-JP" altLang="en-US" smtClean="0"/>
-              <a:t>2021/5/10</a:t>
+              <a:t>2021/5/11</a:t>
             </a:fld>
             <a:endParaRPr kumimoji="1" lang="ja-JP" altLang="en-US"/>
           </a:p>
@@ -2529,7 +2532,7 @@
           <a:p>
             <a:fld id="{80431E91-75F7-48C3-A2EB-716DBC94911B}" type="datetime1">
               <a:rPr kumimoji="1" lang="ja-JP" altLang="en-US" smtClean="0"/>
-              <a:t>2021/5/10</a:t>
+              <a:t>2021/5/11</a:t>
             </a:fld>
             <a:endParaRPr kumimoji="1" lang="ja-JP" altLang="en-US"/>
           </a:p>
@@ -2838,7 +2841,7 @@
           <a:p>
             <a:fld id="{2FD4BF64-4643-4F2F-9E14-ABA1F12A43DE}" type="datetime1">
               <a:rPr kumimoji="1" lang="ja-JP" altLang="en-US" smtClean="0"/>
-              <a:t>2021/5/10</a:t>
+              <a:t>2021/5/11</a:t>
             </a:fld>
             <a:endParaRPr kumimoji="1" lang="ja-JP" altLang="en-US"/>
           </a:p>
@@ -3095,7 +3098,7 @@
           <a:p>
             <a:fld id="{4775FF6E-0AC3-4CFF-BD5F-615BAFBBFB63}" type="datetime1">
               <a:rPr kumimoji="1" lang="ja-JP" altLang="en-US" smtClean="0"/>
-              <a:t>2021/5/10</a:t>
+              <a:t>2021/5/11</a:t>
             </a:fld>
             <a:endParaRPr kumimoji="1" lang="ja-JP" altLang="en-US"/>
           </a:p>
@@ -3340,7 +3343,7 @@
           <a:p>
             <a:fld id="{63DC7EF6-3FB0-4B29-8D75-11EE9B911EFB}" type="datetime1">
               <a:rPr kumimoji="1" lang="ja-JP" altLang="en-US" smtClean="0"/>
-              <a:t>2021/5/10</a:t>
+              <a:t>2021/5/11</a:t>
             </a:fld>
             <a:endParaRPr kumimoji="1" lang="ja-JP" altLang="en-US"/>
           </a:p>
@@ -3827,43 +3830,7 @@
             </a:br>
             <a:r>
               <a:rPr lang="ja-JP" altLang="en-US" sz="1350" dirty="0"/>
-              <a:t>→</a:t>
-            </a:r>
-            <a:r>
-              <a:rPr lang="ja-JP" altLang="en-US" sz="1350" dirty="0"/>
-              <a:t>職員室など入室</a:t>
-            </a:r>
-            <a:r>
-              <a:rPr lang="ja-JP" altLang="en-US" sz="1350" dirty="0"/>
-              <a:t>禁止の札が無いのに</a:t>
-            </a:r>
-            <a:r>
-              <a:rPr lang="ja-JP" altLang="en-US" sz="1350" dirty="0"/>
-              <a:t>入って、理不尽に怒られた。「会議中</a:t>
-            </a:r>
-            <a:r>
-              <a:rPr lang="ja-JP" altLang="en-US" sz="1350" dirty="0"/>
-              <a:t>だった、忙しい、</a:t>
-            </a:r>
-            <a:r>
-              <a:rPr lang="ja-JP" altLang="en-US" sz="1350" dirty="0"/>
-              <a:t>不在」等、無駄足</a:t>
-            </a:r>
-            <a:r>
-              <a:rPr lang="ja-JP" altLang="en-US" sz="1350" dirty="0"/>
-              <a:t>になることがある</a:t>
-            </a:r>
-            <a:r>
-              <a:rPr lang="ja-JP" altLang="en-US" sz="1350" dirty="0"/>
-              <a:t>ので雰囲気</a:t>
-            </a:r>
-            <a:r>
-              <a:rPr lang="ja-JP" altLang="en-US" sz="1350" dirty="0"/>
-              <a:t>を読み取って入室</a:t>
-            </a:r>
-            <a:r>
-              <a:rPr lang="ja-JP" altLang="en-US" sz="1350" dirty="0"/>
-              <a:t>許可知らせるシステム。</a:t>
+              <a:t>→職員室など入室禁止の札が無いのに入って、理不尽に怒られた。「会議中だった、忙しい、不在」等、無駄足になることがあるので雰囲気を読み取って入室許可知らせるシステム。</a:t>
             </a:r>
             <a:endParaRPr lang="en-US" altLang="ja-JP" sz="1350" dirty="0"/>
           </a:p>
@@ -3888,15 +3855,7 @@
             </a:br>
             <a:r>
               <a:rPr lang="ja-JP" altLang="en-US" sz="1350" dirty="0"/>
-              <a:t>音声から雰囲気を判断する場合、怒って音が大きい波形なのか、賑わっていて大きい波形なのか判別するのが難しそう。人数や距離感などを判断材料にして</a:t>
-            </a:r>
-            <a:r>
-              <a:rPr lang="ja-JP" altLang="en-US" sz="1350" dirty="0"/>
-              <a:t>行う方</a:t>
-            </a:r>
-            <a:r>
-              <a:rPr lang="ja-JP" altLang="en-US" sz="1350" dirty="0"/>
-              <a:t>がよさそう。</a:t>
+              <a:t>音声から雰囲気を判断する場合、怒って音が大きい波形なのか、賑わっていて大きい波形なのか判別するのが難しそう。人数や距離感などを判断材料にして行う方がよさそう。</a:t>
             </a:r>
             <a:br>
               <a:rPr lang="ja-JP" altLang="en-US" sz="1350" dirty="0"/>
@@ -4070,7 +4029,6 @@
               <a:rPr lang="ja-JP" altLang="en-US" sz="3000" dirty="0"/>
               <a:t>レスポンス速度を考慮したロードバランサー</a:t>
             </a:r>
-            <a:endParaRPr lang="ja-JP" altLang="en-US" sz="3000" dirty="0"/>
           </a:p>
         </p:txBody>
       </p:sp>
@@ -4133,13 +4091,8 @@
             </a:r>
             <a:r>
               <a:rPr lang="en-US" altLang="ja-JP" sz="2100" dirty="0"/>
-              <a:t>5/7</a:t>
-            </a:r>
-            <a:r>
-              <a:rPr lang="en-US" altLang="ja-JP" sz="2100" dirty="0"/>
-              <a:t>)</a:t>
-            </a:r>
-            <a:endParaRPr lang="en-US" altLang="ja-JP" sz="2100" dirty="0"/>
+              <a:t>5/7)</a:t>
+            </a:r>
           </a:p>
           <a:p>
             <a:endParaRPr lang="en-US" altLang="ja-JP" sz="2100" dirty="0"/>
@@ -4208,11 +4161,7 @@
             </a:br>
             <a:r>
               <a:rPr lang="en-US" altLang="ja-JP" sz="1350" dirty="0"/>
-              <a:t>https</a:t>
-            </a:r>
-            <a:r>
-              <a:rPr lang="en-US" altLang="ja-JP" sz="1350" dirty="0"/>
-              <a:t>://www.84kure.com/blog/2014/08/19/php-%E3%82%A6%E3%82%A7%E3%83%96%E3%82%B5%E3%83%BC%E3%83%90%E3%83%BC%E3%81%AE%E3%83%AC%E3%82%B9%E3%83%9D%E3%83%B3%E3%82%B9%E3%82%BF%E3%82%A4%E3%83%A0%E3%82%92%E8%A8%88%E6%B8%AC%E3%81%99%E3%82%8B/</a:t>
+              <a:t>https://www.84kure.com/blog/2014/08/19/php-%E3%82%A6%E3%82%A7%E3%83%96%E3%82%B5%E3%83%BC%E3%83%90%E3%83%BC%E3%81%AE%E3%83%AC%E3%82%B9%E3%83%9D%E3%83%B3%E3%82%B9%E3%82%BF%E3%82%A4%E3%83%A0%E3%82%92%E8%A8%88%E6%B8%AC%E3%81%99%E3%82%8B/</a:t>
             </a:r>
             <a:endParaRPr lang="ja-JP" altLang="en-US" sz="1350" dirty="0"/>
           </a:p>
@@ -4261,11 +4210,7 @@
             </a:br>
             <a:r>
               <a:rPr lang="en-US" altLang="ja-JP" sz="1350" dirty="0"/>
-              <a:t>https</a:t>
-            </a:r>
-            <a:r>
-              <a:rPr lang="en-US" altLang="ja-JP" sz="1350" dirty="0"/>
-              <a:t>://dot-blog.jp/news/python-measure-request-response-time/</a:t>
+              <a:t>https://dot-blog.jp/news/python-measure-request-response-time/</a:t>
             </a:r>
             <a:endParaRPr lang="ja-JP" altLang="en-US" sz="1350" dirty="0"/>
           </a:p>
@@ -4397,7 +4342,6 @@
               <a:rPr lang="ja-JP" altLang="en-US" sz="3000" dirty="0"/>
               <a:t>レスポンス速度を考慮したロードバランサー</a:t>
             </a:r>
-            <a:endParaRPr lang="ja-JP" altLang="en-US" sz="3000" dirty="0"/>
           </a:p>
         </p:txBody>
       </p:sp>
@@ -4613,7 +4557,6 @@
               <a:rPr lang="ja-JP" altLang="en-US" sz="3000" dirty="0"/>
               <a:t>レスポンス速度を考慮したロードバランサー</a:t>
             </a:r>
-            <a:endParaRPr lang="ja-JP" altLang="en-US" sz="3000" dirty="0"/>
           </a:p>
         </p:txBody>
       </p:sp>
@@ -4712,11 +4655,7 @@
           <a:p>
             <a:r>
               <a:rPr lang="ja-JP" altLang="en-US" dirty="0"/>
-              <a:t>最終的に取ったデータは人間がみて判断するわけでは</a:t>
-            </a:r>
-            <a:r>
-              <a:rPr lang="ja-JP" altLang="en-US" dirty="0"/>
-              <a:t>ない</a:t>
+              <a:t>最終的に取ったデータは人間がみて判断するわけではない</a:t>
             </a:r>
             <a:r>
               <a:rPr lang="en-US" altLang="ja-JP" dirty="0"/>
@@ -4727,11 +4666,7 @@
             </a:br>
             <a:r>
               <a:rPr lang="en-US" altLang="ja-JP" dirty="0"/>
-              <a:t>(</a:t>
-            </a:r>
-            <a:r>
-              <a:rPr lang="en-US" altLang="ja-JP" dirty="0"/>
-              <a:t>LB</a:t>
+              <a:t>(LB</a:t>
             </a:r>
             <a:r>
               <a:rPr lang="ja-JP" altLang="en-US" dirty="0"/>
@@ -4754,15 +4689,7 @@
             </a:br>
             <a:r>
               <a:rPr lang="ja-JP" altLang="en-US" dirty="0"/>
-              <a:t>後</a:t>
-            </a:r>
-            <a:r>
-              <a:rPr lang="ja-JP" altLang="en-US" dirty="0"/>
-              <a:t>のことを</a:t>
-            </a:r>
-            <a:r>
-              <a:rPr lang="ja-JP" altLang="en-US" dirty="0"/>
-              <a:t>考えると</a:t>
+              <a:t>後のことを考えると</a:t>
             </a:r>
             <a:r>
               <a:rPr lang="en-US" altLang="ja-JP" dirty="0"/>
@@ -4844,7 +4771,6 @@
               <a:rPr lang="ja-JP" altLang="en-US" sz="3000" dirty="0"/>
               <a:t>レスポンス速度を考慮したロードバランサー</a:t>
             </a:r>
-            <a:endParaRPr lang="ja-JP" altLang="en-US" sz="3000" dirty="0"/>
           </a:p>
         </p:txBody>
       </p:sp>
@@ -4909,13 +4835,8 @@
           <a:p>
             <a:r>
               <a:rPr lang="ja-JP" altLang="en-US" sz="2400" dirty="0"/>
-              <a:t>・レスポンス速度を</a:t>
-            </a:r>
-            <a:r>
-              <a:rPr lang="ja-JP" altLang="en-US" sz="2400" dirty="0"/>
-              <a:t>測るプログラム作成（途中）</a:t>
-            </a:r>
-            <a:endParaRPr lang="ja-JP" altLang="en-US" sz="2400" dirty="0"/>
+              <a:t>・レスポンス速度を測るプログラム作成（途中）</a:t>
+            </a:r>
           </a:p>
           <a:p>
             <a:r>
@@ -4936,11 +4857,7 @@
             </a:r>
             <a:r>
               <a:rPr lang="ja-JP" altLang="en-US" sz="2400" dirty="0"/>
-              <a:t>の</a:t>
-            </a:r>
-            <a:r>
-              <a:rPr lang="ja-JP" altLang="en-US" sz="2400" dirty="0"/>
-              <a:t>勉強</a:t>
+              <a:t>の勉強</a:t>
             </a:r>
             <a:r>
               <a:rPr lang="en-US" altLang="ja-JP" sz="2400" dirty="0"/>
@@ -4959,11 +4876,7 @@
           <a:p>
             <a:r>
               <a:rPr lang="ja-JP" altLang="en-US" sz="2400" dirty="0"/>
-              <a:t>・レスポンス</a:t>
-            </a:r>
-            <a:r>
-              <a:rPr lang="ja-JP" altLang="en-US" sz="2400" dirty="0"/>
-              <a:t>時間の用語を調べた。</a:t>
+              <a:t>・レスポンス時間の用語を調べた。</a:t>
             </a:r>
             <a:endParaRPr lang="ja-JP" altLang="en-US" dirty="0"/>
           </a:p>
@@ -4973,6 +4886,759 @@
     <p:extLst>
       <p:ext uri="{BB962C8B-B14F-4D97-AF65-F5344CB8AC3E}">
         <p14:creationId xmlns:p14="http://schemas.microsoft.com/office/powerpoint/2010/main" val="1210598288"/>
+      </p:ext>
+    </p:extLst>
+  </p:cSld>
+  <p:clrMapOvr>
+    <a:masterClrMapping/>
+  </p:clrMapOvr>
+</p:sld>
+</file>
+
+<file path=ppt/slides/slide14.xml><?xml version="1.0" encoding="utf-8"?>
+<p:sld xmlns:a="http://schemas.openxmlformats.org/drawingml/2006/main" xmlns:r="http://schemas.openxmlformats.org/officeDocument/2006/relationships" xmlns:p="http://schemas.openxmlformats.org/presentationml/2006/main">
+  <p:cSld>
+    <p:spTree>
+      <p:nvGrpSpPr>
+        <p:cNvPr id="1" name=""/>
+        <p:cNvGrpSpPr/>
+        <p:nvPr/>
+      </p:nvGrpSpPr>
+      <p:grpSpPr>
+        <a:xfrm>
+          <a:off x="0" y="0"/>
+          <a:ext cx="0" cy="0"/>
+          <a:chOff x="0" y="0"/>
+          <a:chExt cx="0" cy="0"/>
+        </a:xfrm>
+      </p:grpSpPr>
+      <p:sp>
+        <p:nvSpPr>
+          <p:cNvPr id="2" name="タイトル 1"/>
+          <p:cNvSpPr>
+            <a:spLocks noGrp="1"/>
+          </p:cNvSpPr>
+          <p:nvPr>
+            <p:ph type="title"/>
+          </p:nvPr>
+        </p:nvSpPr>
+        <p:spPr/>
+        <p:txBody>
+          <a:bodyPr/>
+          <a:lstStyle/>
+          <a:p>
+            <a:r>
+              <a:rPr kumimoji="1" lang="en-US" altLang="ja-JP" dirty="0" smtClean="0"/>
+              <a:t>5/14</a:t>
+            </a:r>
+            <a:endParaRPr kumimoji="1" lang="ja-JP" altLang="en-US" dirty="0"/>
+          </a:p>
+        </p:txBody>
+      </p:sp>
+      <p:sp>
+        <p:nvSpPr>
+          <p:cNvPr id="3" name="スライド番号プレースホルダー 2"/>
+          <p:cNvSpPr>
+            <a:spLocks noGrp="1"/>
+          </p:cNvSpPr>
+          <p:nvPr>
+            <p:ph type="sldNum" sz="quarter" idx="12"/>
+          </p:nvPr>
+        </p:nvSpPr>
+        <p:spPr/>
+        <p:txBody>
+          <a:bodyPr/>
+          <a:lstStyle/>
+          <a:p>
+            <a:fld id="{C1A4E16F-9CEB-47A6-B8DF-28924D05829B}" type="slidenum">
+              <a:rPr kumimoji="1" lang="ja-JP" altLang="en-US" smtClean="0"/>
+              <a:t>14</a:t>
+            </a:fld>
+            <a:endParaRPr kumimoji="1" lang="ja-JP" altLang="en-US" dirty="0"/>
+          </a:p>
+        </p:txBody>
+      </p:sp>
+      <p:sp>
+        <p:nvSpPr>
+          <p:cNvPr id="5" name="テキスト ボックス 4"/>
+          <p:cNvSpPr txBox="1"/>
+          <p:nvPr/>
+        </p:nvSpPr>
+        <p:spPr>
+          <a:xfrm>
+            <a:off x="428878" y="1462704"/>
+            <a:ext cx="8771765" cy="4739759"/>
+          </a:xfrm>
+          <a:prstGeom prst="rect">
+            <a:avLst/>
+          </a:prstGeom>
+          <a:noFill/>
+        </p:spPr>
+        <p:txBody>
+          <a:bodyPr wrap="square" rtlCol="0">
+            <a:spAutoFit/>
+          </a:bodyPr>
+          <a:lstStyle/>
+          <a:p>
+            <a:r>
+              <a:rPr lang="ja-JP" altLang="en-US" sz="2400" dirty="0" smtClean="0"/>
+              <a:t>前回頂いたアドバイス</a:t>
+            </a:r>
+            <a:endParaRPr lang="en-US" altLang="ja-JP" sz="2400" dirty="0" smtClean="0"/>
+          </a:p>
+          <a:p>
+            <a:r>
+              <a:rPr lang="ja-JP" altLang="en-US" sz="2400" dirty="0" smtClean="0"/>
+              <a:t>・ログファイルの保存方法</a:t>
+            </a:r>
+            <a:endParaRPr lang="en-US" altLang="ja-JP" sz="2400" dirty="0" smtClean="0"/>
+          </a:p>
+          <a:p>
+            <a:r>
+              <a:rPr lang="en-US" altLang="ja-JP" sz="2400" dirty="0"/>
+              <a:t>	</a:t>
+            </a:r>
+            <a:r>
+              <a:rPr lang="ja-JP" altLang="en-US" sz="2400" dirty="0" smtClean="0"/>
+              <a:t>→</a:t>
+            </a:r>
+            <a:r>
+              <a:rPr lang="ja-JP" altLang="en-US" sz="2000" dirty="0" smtClean="0"/>
+              <a:t>確かに</a:t>
+            </a:r>
+            <a:r>
+              <a:rPr lang="en-US" altLang="ja-JP" sz="2000" dirty="0" smtClean="0"/>
+              <a:t>MYSQL</a:t>
+            </a:r>
+            <a:r>
+              <a:rPr lang="ja-JP" altLang="en-US" sz="2000" dirty="0" smtClean="0"/>
+              <a:t>にこだわる必要ない。</a:t>
+            </a:r>
+            <a:r>
+              <a:rPr lang="ja-JP" altLang="en-US" dirty="0" smtClean="0"/>
+              <a:t>ログファイル的になる予定</a:t>
+            </a:r>
+            <a:r>
+              <a:rPr lang="en-US" altLang="ja-JP" sz="2400" dirty="0" smtClean="0"/>
+              <a:t/>
+            </a:r>
+            <a:br>
+              <a:rPr lang="en-US" altLang="ja-JP" sz="2400" dirty="0" smtClean="0"/>
+            </a:br>
+            <a:r>
+              <a:rPr lang="ja-JP" altLang="en-US" sz="2400" dirty="0" smtClean="0"/>
+              <a:t>　　　</a:t>
+            </a:r>
+            <a:r>
+              <a:rPr lang="ja-JP" altLang="en-US" sz="2400" dirty="0" smtClean="0"/>
+              <a:t>テキストファイルに出力</a:t>
+            </a:r>
+            <a:r>
+              <a:rPr lang="en-US" altLang="ja-JP" sz="2400" dirty="0" smtClean="0"/>
+              <a:t/>
+            </a:r>
+            <a:br>
+              <a:rPr lang="en-US" altLang="ja-JP" sz="2400" dirty="0" smtClean="0"/>
+            </a:br>
+            <a:r>
+              <a:rPr lang="en-US" altLang="ja-JP" sz="2400" dirty="0" smtClean="0"/>
+              <a:t>		</a:t>
+            </a:r>
+            <a:r>
+              <a:rPr lang="ja-JP" altLang="en-US" sz="2400" dirty="0" smtClean="0"/>
+              <a:t>別でプログラムを作ってレスポンス平均を取る</a:t>
+            </a:r>
+            <a:r>
+              <a:rPr lang="en-US" altLang="ja-JP" sz="2400" dirty="0" smtClean="0"/>
+              <a:t/>
+            </a:r>
+            <a:br>
+              <a:rPr lang="en-US" altLang="ja-JP" sz="2400" dirty="0" smtClean="0"/>
+            </a:br>
+            <a:r>
+              <a:rPr lang="en-US" altLang="ja-JP" sz="2400" dirty="0" smtClean="0"/>
+              <a:t/>
+            </a:r>
+            <a:br>
+              <a:rPr lang="en-US" altLang="ja-JP" sz="2400" dirty="0" smtClean="0"/>
+            </a:br>
+            <a:r>
+              <a:rPr lang="ja-JP" altLang="en-US" sz="2400" dirty="0"/>
+              <a:t>・何をロードバランスするのか</a:t>
+            </a:r>
+            <a:r>
+              <a:rPr lang="ja-JP" altLang="en-US" sz="2400" u="sng" dirty="0"/>
+              <a:t>用途を決めた方が良い</a:t>
+            </a:r>
+          </a:p>
+          <a:p>
+            <a:r>
+              <a:rPr lang="en-US" altLang="ja-JP" sz="2400" dirty="0"/>
+              <a:t>	</a:t>
+            </a:r>
+            <a:r>
+              <a:rPr lang="en-US" altLang="ja-JP" sz="2400" dirty="0" smtClean="0"/>
+              <a:t>WEB</a:t>
+            </a:r>
+            <a:r>
+              <a:rPr lang="ja-JP" altLang="en-US" sz="2400" dirty="0"/>
+              <a:t>サーバを使う</a:t>
+            </a:r>
+            <a:r>
+              <a:rPr lang="en-US" altLang="ja-JP" sz="2400" dirty="0" smtClean="0"/>
+              <a:t>LB</a:t>
+            </a:r>
+          </a:p>
+          <a:p>
+            <a:r>
+              <a:rPr lang="en-US" altLang="ja-JP" sz="2400" dirty="0"/>
+              <a:t>	</a:t>
+            </a:r>
+            <a:r>
+              <a:rPr lang="en-US" altLang="ja-JP" sz="2400" dirty="0" smtClean="0"/>
+              <a:t>WEB</a:t>
+            </a:r>
+            <a:r>
+              <a:rPr lang="ja-JP" altLang="en-US" sz="2400" dirty="0"/>
+              <a:t>サーバを使わない（処理だけの）</a:t>
+            </a:r>
+            <a:r>
+              <a:rPr lang="en-US" altLang="ja-JP" sz="2400" dirty="0"/>
+              <a:t>LB</a:t>
+            </a:r>
+            <a:r>
+              <a:rPr lang="ja-JP" altLang="en-US" sz="2400" dirty="0"/>
+              <a:t>がある</a:t>
+            </a:r>
+          </a:p>
+          <a:p>
+            <a:r>
+              <a:rPr lang="en-US" altLang="ja-JP" sz="2400" dirty="0" smtClean="0"/>
+              <a:t>	</a:t>
+            </a:r>
+            <a:br>
+              <a:rPr lang="en-US" altLang="ja-JP" sz="2400" dirty="0" smtClean="0"/>
+            </a:br>
+            <a:r>
+              <a:rPr lang="en-US" altLang="ja-JP" sz="2400" dirty="0" smtClean="0"/>
+              <a:t>	</a:t>
+            </a:r>
+            <a:r>
+              <a:rPr lang="ja-JP" altLang="en-US" sz="2400" dirty="0" smtClean="0"/>
+              <a:t>→</a:t>
+            </a:r>
+            <a:r>
+              <a:rPr lang="en-US" altLang="ja-JP" sz="2400" u="sng" dirty="0" smtClean="0"/>
+              <a:t>WEB</a:t>
+            </a:r>
+            <a:r>
+              <a:rPr lang="ja-JP" altLang="en-US" sz="2400" u="sng" dirty="0"/>
+              <a:t>サービス</a:t>
+            </a:r>
+            <a:r>
+              <a:rPr lang="ja-JP" altLang="en-US" sz="2400" dirty="0"/>
+              <a:t>を分散処理</a:t>
+            </a:r>
+            <a:r>
+              <a:rPr lang="ja-JP" altLang="en-US" sz="2400" dirty="0" smtClean="0"/>
+              <a:t>させたい。</a:t>
+            </a:r>
+            <a:r>
+              <a:rPr lang="ja-JP" altLang="en-US" sz="1600" dirty="0"/>
+              <a:t>研究</a:t>
+            </a:r>
+            <a:r>
+              <a:rPr lang="ja-JP" altLang="en-US" sz="1600" dirty="0" smtClean="0"/>
+              <a:t>動機が決まっている</a:t>
+            </a:r>
+            <a:r>
+              <a:rPr lang="en-US" altLang="ja-JP" sz="1400" dirty="0" smtClean="0"/>
+              <a:t>			</a:t>
+            </a:r>
+          </a:p>
+          <a:p>
+            <a:r>
+              <a:rPr lang="en-US" altLang="ja-JP" sz="1400" b="1" dirty="0"/>
+              <a:t>	</a:t>
+            </a:r>
+            <a:r>
+              <a:rPr lang="ja-JP" altLang="en-US" sz="2400" b="1" dirty="0" smtClean="0"/>
+              <a:t>（</a:t>
+            </a:r>
+            <a:r>
+              <a:rPr lang="ja-JP" altLang="en-US" sz="2400" dirty="0" smtClean="0"/>
+              <a:t>観光地）</a:t>
+            </a:r>
+            <a:r>
+              <a:rPr lang="ja-JP" altLang="en-US" sz="2400" u="sng" dirty="0" smtClean="0"/>
+              <a:t>検索システムや</a:t>
+            </a:r>
+            <a:r>
+              <a:rPr lang="en-US" altLang="ja-JP" sz="2400" u="sng" dirty="0" smtClean="0"/>
+              <a:t>EC</a:t>
+            </a:r>
+            <a:r>
+              <a:rPr lang="ja-JP" altLang="en-US" sz="2400" u="sng" dirty="0" smtClean="0"/>
+              <a:t>サイト</a:t>
+            </a:r>
+            <a:endParaRPr lang="ja-JP" altLang="en-US" sz="2400" u="sng" dirty="0"/>
+          </a:p>
+        </p:txBody>
+      </p:sp>
+    </p:spTree>
+    <p:extLst>
+      <p:ext uri="{BB962C8B-B14F-4D97-AF65-F5344CB8AC3E}">
+        <p14:creationId xmlns:p14="http://schemas.microsoft.com/office/powerpoint/2010/main" val="57192593"/>
+      </p:ext>
+    </p:extLst>
+  </p:cSld>
+  <p:clrMapOvr>
+    <a:masterClrMapping/>
+  </p:clrMapOvr>
+</p:sld>
+</file>
+
+<file path=ppt/slides/slide15.xml><?xml version="1.0" encoding="utf-8"?>
+<p:sld xmlns:a="http://schemas.openxmlformats.org/drawingml/2006/main" xmlns:r="http://schemas.openxmlformats.org/officeDocument/2006/relationships" xmlns:p="http://schemas.openxmlformats.org/presentationml/2006/main">
+  <p:cSld>
+    <p:spTree>
+      <p:nvGrpSpPr>
+        <p:cNvPr id="1" name=""/>
+        <p:cNvGrpSpPr/>
+        <p:nvPr/>
+      </p:nvGrpSpPr>
+      <p:grpSpPr>
+        <a:xfrm>
+          <a:off x="0" y="0"/>
+          <a:ext cx="0" cy="0"/>
+          <a:chOff x="0" y="0"/>
+          <a:chExt cx="0" cy="0"/>
+        </a:xfrm>
+      </p:grpSpPr>
+      <p:sp>
+        <p:nvSpPr>
+          <p:cNvPr id="2" name="タイトル 1"/>
+          <p:cNvSpPr>
+            <a:spLocks noGrp="1"/>
+          </p:cNvSpPr>
+          <p:nvPr>
+            <p:ph type="title"/>
+          </p:nvPr>
+        </p:nvSpPr>
+        <p:spPr/>
+        <p:txBody>
+          <a:bodyPr/>
+          <a:lstStyle/>
+          <a:p>
+            <a:r>
+              <a:rPr kumimoji="1" lang="en-US" altLang="ja-JP" dirty="0" smtClean="0"/>
+              <a:t>5/14</a:t>
+            </a:r>
+            <a:endParaRPr kumimoji="1" lang="ja-JP" altLang="en-US" dirty="0"/>
+          </a:p>
+        </p:txBody>
+      </p:sp>
+      <p:sp>
+        <p:nvSpPr>
+          <p:cNvPr id="3" name="スライド番号プレースホルダー 2"/>
+          <p:cNvSpPr>
+            <a:spLocks noGrp="1"/>
+          </p:cNvSpPr>
+          <p:nvPr>
+            <p:ph type="sldNum" sz="quarter" idx="12"/>
+          </p:nvPr>
+        </p:nvSpPr>
+        <p:spPr/>
+        <p:txBody>
+          <a:bodyPr/>
+          <a:lstStyle/>
+          <a:p>
+            <a:fld id="{C1A4E16F-9CEB-47A6-B8DF-28924D05829B}" type="slidenum">
+              <a:rPr kumimoji="1" lang="ja-JP" altLang="en-US" smtClean="0"/>
+              <a:t>15</a:t>
+            </a:fld>
+            <a:endParaRPr kumimoji="1" lang="ja-JP" altLang="en-US"/>
+          </a:p>
+        </p:txBody>
+      </p:sp>
+      <p:sp>
+        <p:nvSpPr>
+          <p:cNvPr id="4" name="テキスト ボックス 3"/>
+          <p:cNvSpPr txBox="1"/>
+          <p:nvPr/>
+        </p:nvSpPr>
+        <p:spPr>
+          <a:xfrm>
+            <a:off x="628650" y="1368212"/>
+            <a:ext cx="6955750" cy="1200329"/>
+          </a:xfrm>
+          <a:prstGeom prst="rect">
+            <a:avLst/>
+          </a:prstGeom>
+          <a:noFill/>
+        </p:spPr>
+        <p:txBody>
+          <a:bodyPr wrap="none" rtlCol="0">
+            <a:spAutoFit/>
+          </a:bodyPr>
+          <a:lstStyle/>
+          <a:p>
+            <a:r>
+              <a:rPr lang="ja-JP" altLang="en-US" sz="2400" dirty="0"/>
+              <a:t>今週</a:t>
+            </a:r>
+            <a:r>
+              <a:rPr lang="en-US" altLang="ja-JP" sz="2400" dirty="0"/>
+              <a:t>(</a:t>
+            </a:r>
+            <a:r>
+              <a:rPr lang="en-US" altLang="ja-JP" sz="2400" dirty="0" smtClean="0"/>
+              <a:t>5/14)</a:t>
+            </a:r>
+            <a:r>
+              <a:rPr lang="ja-JP" altLang="en-US" sz="2400" dirty="0"/>
+              <a:t>行ったこと</a:t>
+            </a:r>
+          </a:p>
+          <a:p>
+            <a:r>
+              <a:rPr lang="ja-JP" altLang="en-US" sz="2400" dirty="0"/>
+              <a:t>・レスポンス速度を測るプログラム作成（途中</a:t>
+            </a:r>
+            <a:r>
+              <a:rPr lang="ja-JP" altLang="en-US" sz="2400" dirty="0" smtClean="0"/>
+              <a:t>）</a:t>
+            </a:r>
+            <a:r>
+              <a:rPr lang="en-US" altLang="ja-JP" sz="2400" dirty="0" smtClean="0"/>
+              <a:t/>
+            </a:r>
+            <a:br>
+              <a:rPr lang="en-US" altLang="ja-JP" sz="2400" dirty="0" smtClean="0"/>
+            </a:br>
+            <a:r>
+              <a:rPr lang="ja-JP" altLang="en-US" sz="2400" dirty="0" smtClean="0"/>
+              <a:t>・</a:t>
+            </a:r>
+            <a:r>
+              <a:rPr lang="en-US" altLang="ja-JP" sz="2400" dirty="0" smtClean="0"/>
+              <a:t>Python</a:t>
+            </a:r>
+            <a:r>
+              <a:rPr lang="ja-JP" altLang="en-US" sz="2400" dirty="0" smtClean="0"/>
+              <a:t>の勉強</a:t>
+            </a:r>
+            <a:endParaRPr lang="en-US" altLang="ja-JP" sz="2400" dirty="0" smtClean="0"/>
+          </a:p>
+        </p:txBody>
+      </p:sp>
+      <p:pic>
+        <p:nvPicPr>
+          <p:cNvPr id="6" name="図 5"/>
+          <p:cNvPicPr>
+            <a:picLocks noChangeAspect="1"/>
+          </p:cNvPicPr>
+          <p:nvPr/>
+        </p:nvPicPr>
+        <p:blipFill>
+          <a:blip r:embed="rId2">
+            <a:extLst>
+              <a:ext uri="{28A0092B-C50C-407E-A947-70E740481C1C}">
+                <a14:useLocalDpi xmlns:a14="http://schemas.microsoft.com/office/drawing/2010/main" val="0"/>
+              </a:ext>
+            </a:extLst>
+          </a:blip>
+          <a:stretch>
+            <a:fillRect/>
+          </a:stretch>
+        </p:blipFill>
+        <p:spPr>
+          <a:xfrm>
+            <a:off x="4875576" y="2693775"/>
+            <a:ext cx="4098492" cy="1537749"/>
+          </a:xfrm>
+          <a:prstGeom prst="rect">
+            <a:avLst/>
+          </a:prstGeom>
+        </p:spPr>
+      </p:pic>
+      <p:pic>
+        <p:nvPicPr>
+          <p:cNvPr id="7" name="図 6"/>
+          <p:cNvPicPr>
+            <a:picLocks noChangeAspect="1"/>
+          </p:cNvPicPr>
+          <p:nvPr/>
+        </p:nvPicPr>
+        <p:blipFill>
+          <a:blip r:embed="rId3" cstate="print">
+            <a:extLst>
+              <a:ext uri="{28A0092B-C50C-407E-A947-70E740481C1C}">
+                <a14:useLocalDpi xmlns:a14="http://schemas.microsoft.com/office/drawing/2010/main" val="0"/>
+              </a:ext>
+            </a:extLst>
+          </a:blip>
+          <a:stretch>
+            <a:fillRect/>
+          </a:stretch>
+        </p:blipFill>
+        <p:spPr>
+          <a:xfrm>
+            <a:off x="396522" y="2496863"/>
+            <a:ext cx="4393963" cy="3514392"/>
+          </a:xfrm>
+          <a:prstGeom prst="rect">
+            <a:avLst/>
+          </a:prstGeom>
+        </p:spPr>
+      </p:pic>
+      <p:sp>
+        <p:nvSpPr>
+          <p:cNvPr id="8" name="テキスト ボックス 7"/>
+          <p:cNvSpPr txBox="1"/>
+          <p:nvPr/>
+        </p:nvSpPr>
+        <p:spPr>
+          <a:xfrm>
+            <a:off x="5037125" y="4693368"/>
+            <a:ext cx="3775393" cy="707886"/>
+          </a:xfrm>
+          <a:prstGeom prst="rect">
+            <a:avLst/>
+          </a:prstGeom>
+          <a:noFill/>
+        </p:spPr>
+        <p:txBody>
+          <a:bodyPr wrap="none" rtlCol="0">
+            <a:spAutoFit/>
+          </a:bodyPr>
+          <a:lstStyle/>
+          <a:p>
+            <a:r>
+              <a:rPr lang="ja-JP" altLang="en-US" sz="2000" dirty="0" smtClean="0"/>
+              <a:t>日付とレスポンス速度の結果を</a:t>
+            </a:r>
+            <a:r>
+              <a:rPr lang="en-US" altLang="ja-JP" sz="2000" dirty="0" smtClean="0"/>
+              <a:t/>
+            </a:r>
+            <a:br>
+              <a:rPr lang="en-US" altLang="ja-JP" sz="2000" dirty="0" smtClean="0"/>
+            </a:br>
+            <a:r>
+              <a:rPr lang="ja-JP" altLang="en-US" sz="2000" dirty="0" smtClean="0"/>
+              <a:t>テキストファイルへ保存</a:t>
+            </a:r>
+            <a:endParaRPr lang="en-US" altLang="ja-JP" sz="2000" dirty="0" smtClean="0"/>
+          </a:p>
+        </p:txBody>
+      </p:sp>
+    </p:spTree>
+    <p:extLst>
+      <p:ext uri="{BB962C8B-B14F-4D97-AF65-F5344CB8AC3E}">
+        <p14:creationId xmlns:p14="http://schemas.microsoft.com/office/powerpoint/2010/main" val="3795616461"/>
+      </p:ext>
+    </p:extLst>
+  </p:cSld>
+  <p:clrMapOvr>
+    <a:masterClrMapping/>
+  </p:clrMapOvr>
+</p:sld>
+</file>
+
+<file path=ppt/slides/slide16.xml><?xml version="1.0" encoding="utf-8"?>
+<p:sld xmlns:a="http://schemas.openxmlformats.org/drawingml/2006/main" xmlns:r="http://schemas.openxmlformats.org/officeDocument/2006/relationships" xmlns:p="http://schemas.openxmlformats.org/presentationml/2006/main">
+  <p:cSld>
+    <p:spTree>
+      <p:nvGrpSpPr>
+        <p:cNvPr id="1" name=""/>
+        <p:cNvGrpSpPr/>
+        <p:nvPr/>
+      </p:nvGrpSpPr>
+      <p:grpSpPr>
+        <a:xfrm>
+          <a:off x="0" y="0"/>
+          <a:ext cx="0" cy="0"/>
+          <a:chOff x="0" y="0"/>
+          <a:chExt cx="0" cy="0"/>
+        </a:xfrm>
+      </p:grpSpPr>
+      <p:sp>
+        <p:nvSpPr>
+          <p:cNvPr id="2" name="タイトル 1"/>
+          <p:cNvSpPr>
+            <a:spLocks noGrp="1"/>
+          </p:cNvSpPr>
+          <p:nvPr>
+            <p:ph type="title"/>
+          </p:nvPr>
+        </p:nvSpPr>
+        <p:spPr/>
+        <p:txBody>
+          <a:bodyPr/>
+          <a:lstStyle/>
+          <a:p>
+            <a:r>
+              <a:rPr kumimoji="1" lang="en-US" altLang="ja-JP" dirty="0" smtClean="0"/>
+              <a:t>5/14</a:t>
+            </a:r>
+            <a:endParaRPr kumimoji="1" lang="ja-JP" altLang="en-US" dirty="0"/>
+          </a:p>
+        </p:txBody>
+      </p:sp>
+      <p:sp>
+        <p:nvSpPr>
+          <p:cNvPr id="3" name="スライド番号プレースホルダー 2"/>
+          <p:cNvSpPr>
+            <a:spLocks noGrp="1"/>
+          </p:cNvSpPr>
+          <p:nvPr>
+            <p:ph type="sldNum" sz="quarter" idx="12"/>
+          </p:nvPr>
+        </p:nvSpPr>
+        <p:spPr/>
+        <p:txBody>
+          <a:bodyPr/>
+          <a:lstStyle/>
+          <a:p>
+            <a:fld id="{C1A4E16F-9CEB-47A6-B8DF-28924D05829B}" type="slidenum">
+              <a:rPr kumimoji="1" lang="ja-JP" altLang="en-US" smtClean="0"/>
+              <a:t>16</a:t>
+            </a:fld>
+            <a:endParaRPr kumimoji="1" lang="ja-JP" altLang="en-US"/>
+          </a:p>
+        </p:txBody>
+      </p:sp>
+      <p:sp>
+        <p:nvSpPr>
+          <p:cNvPr id="5" name="テキスト ボックス 4"/>
+          <p:cNvSpPr txBox="1"/>
+          <p:nvPr/>
+        </p:nvSpPr>
+        <p:spPr>
+          <a:xfrm>
+            <a:off x="517889" y="3700933"/>
+            <a:ext cx="8771765" cy="1200329"/>
+          </a:xfrm>
+          <a:prstGeom prst="rect">
+            <a:avLst/>
+          </a:prstGeom>
+          <a:noFill/>
+        </p:spPr>
+        <p:txBody>
+          <a:bodyPr wrap="square" rtlCol="0">
+            <a:spAutoFit/>
+          </a:bodyPr>
+          <a:lstStyle/>
+          <a:p>
+            <a:r>
+              <a:rPr lang="ja-JP" altLang="en-US" sz="2400" dirty="0" smtClean="0"/>
+              <a:t>現在の課題</a:t>
+            </a:r>
+            <a:endParaRPr lang="en-US" altLang="ja-JP" sz="2400" dirty="0"/>
+          </a:p>
+          <a:p>
+            <a:r>
+              <a:rPr lang="ja-JP" altLang="en-US" sz="2400" dirty="0" smtClean="0"/>
+              <a:t>・</a:t>
+            </a:r>
+            <a:r>
+              <a:rPr lang="en-US" altLang="ja-JP" sz="2400" dirty="0" smtClean="0"/>
+              <a:t>1</a:t>
+            </a:r>
+            <a:r>
+              <a:rPr lang="ja-JP" altLang="en-US" sz="2400" dirty="0" smtClean="0"/>
+              <a:t>日のレスポンス平均を取る</a:t>
+            </a:r>
+            <a:r>
+              <a:rPr lang="ja-JP" altLang="en-US" sz="2400" dirty="0" smtClean="0"/>
+              <a:t>が</a:t>
+            </a:r>
+            <a:r>
+              <a:rPr lang="en-US" altLang="ja-JP" sz="2400" dirty="0" smtClean="0"/>
+              <a:t/>
+            </a:r>
+            <a:br>
+              <a:rPr lang="en-US" altLang="ja-JP" sz="2400" dirty="0" smtClean="0"/>
+            </a:br>
+            <a:r>
+              <a:rPr lang="en-US" altLang="ja-JP" sz="2400" dirty="0" smtClean="0"/>
+              <a:t>	</a:t>
+            </a:r>
+            <a:r>
+              <a:rPr lang="ja-JP" altLang="en-US" sz="2400" dirty="0" smtClean="0"/>
+              <a:t>計測は何分毎にした方が良いか</a:t>
+            </a:r>
+            <a:endParaRPr lang="en-US" altLang="ja-JP" sz="2400" dirty="0" smtClean="0"/>
+          </a:p>
+        </p:txBody>
+      </p:sp>
+      <p:sp>
+        <p:nvSpPr>
+          <p:cNvPr id="6" name="テキスト ボックス 5"/>
+          <p:cNvSpPr txBox="1"/>
+          <p:nvPr/>
+        </p:nvSpPr>
+        <p:spPr>
+          <a:xfrm>
+            <a:off x="517890" y="1507182"/>
+            <a:ext cx="8771765" cy="1938992"/>
+          </a:xfrm>
+          <a:prstGeom prst="rect">
+            <a:avLst/>
+          </a:prstGeom>
+          <a:noFill/>
+        </p:spPr>
+        <p:txBody>
+          <a:bodyPr wrap="square" rtlCol="0">
+            <a:spAutoFit/>
+          </a:bodyPr>
+          <a:lstStyle/>
+          <a:p>
+            <a:r>
+              <a:rPr lang="ja-JP" altLang="en-US" sz="2400" dirty="0" smtClean="0"/>
+              <a:t>今後の予定</a:t>
+            </a:r>
+            <a:endParaRPr lang="en-US" altLang="ja-JP" sz="2400" dirty="0"/>
+          </a:p>
+          <a:p>
+            <a:r>
+              <a:rPr lang="ja-JP" altLang="en-US" sz="2400" dirty="0" smtClean="0"/>
+              <a:t>・前ページを繰り返し処理させて</a:t>
+            </a:r>
+            <a:endParaRPr lang="en-US" altLang="ja-JP" sz="2400" dirty="0" smtClean="0"/>
+          </a:p>
+          <a:p>
+            <a:r>
+              <a:rPr lang="ja-JP" altLang="en-US" sz="2400" dirty="0" smtClean="0"/>
+              <a:t>レスポンスデータ続けて取れれ</a:t>
+            </a:r>
+            <a:r>
+              <a:rPr lang="ja-JP" altLang="en-US" sz="2400" dirty="0" smtClean="0"/>
+              <a:t>るようにする</a:t>
+            </a:r>
+            <a:endParaRPr lang="en-US" altLang="ja-JP" sz="2400" dirty="0"/>
+          </a:p>
+          <a:p>
+            <a:r>
+              <a:rPr lang="en-US" altLang="ja-JP" sz="2400" dirty="0" smtClean="0"/>
+              <a:t/>
+            </a:r>
+            <a:br>
+              <a:rPr lang="en-US" altLang="ja-JP" sz="2400" dirty="0" smtClean="0"/>
+            </a:br>
+            <a:r>
+              <a:rPr lang="ja-JP" altLang="en-US" sz="2400" dirty="0" smtClean="0"/>
+              <a:t>・データから平均を求めるプログラムの作成</a:t>
+            </a:r>
+            <a:endParaRPr lang="en-US" altLang="ja-JP" sz="2400" dirty="0" smtClean="0"/>
+          </a:p>
+        </p:txBody>
+      </p:sp>
+    </p:spTree>
+    <p:extLst>
+      <p:ext uri="{BB962C8B-B14F-4D97-AF65-F5344CB8AC3E}">
+        <p14:creationId xmlns:p14="http://schemas.microsoft.com/office/powerpoint/2010/main" val="3795214465"/>
       </p:ext>
     </p:extLst>
   </p:cSld>
@@ -5207,26 +5873,13 @@
           <a:p>
             <a:r>
               <a:rPr lang="ja-JP" altLang="en-US" sz="2400" dirty="0"/>
-              <a:t>「観光地</a:t>
-            </a:r>
+              <a:t>「観光地推薦の動画を処理するロードバランサー」</a:t>
+            </a:r>
+          </a:p>
+          <a:p>
             <a:r>
               <a:rPr lang="ja-JP" altLang="en-US" sz="2400" dirty="0"/>
-              <a:t>推薦の動画を処理する</a:t>
-            </a:r>
-            <a:r>
-              <a:rPr lang="ja-JP" altLang="en-US" sz="2400" dirty="0"/>
-              <a:t>ロードバランサー」</a:t>
-            </a:r>
-            <a:endParaRPr lang="ja-JP" altLang="en-US" sz="2400" dirty="0"/>
-          </a:p>
-          <a:p>
-            <a:r>
-              <a:rPr lang="ja-JP" altLang="en-US" sz="2400" dirty="0"/>
-              <a:t>という</a:t>
-            </a:r>
-            <a:r>
-              <a:rPr lang="ja-JP" altLang="en-US" sz="2400" dirty="0"/>
-              <a:t>アーキテクチャ</a:t>
+              <a:t>というアーキテクチャ</a:t>
             </a:r>
             <a:r>
               <a:rPr lang="en-US" altLang="ja-JP" sz="2400" dirty="0"/>
@@ -5244,11 +5897,7 @@
             </a:br>
             <a:r>
               <a:rPr lang="ja-JP" altLang="en-US" sz="2400" dirty="0"/>
-              <a:t>自分</a:t>
-            </a:r>
-            <a:r>
-              <a:rPr lang="ja-JP" altLang="en-US" sz="2400" dirty="0"/>
-              <a:t>が担当するのはＬＢの部分</a:t>
+              <a:t>自分が担当するのはＬＢの部分</a:t>
             </a:r>
           </a:p>
         </p:txBody>
@@ -5364,7 +6013,6 @@
               <a:rPr lang="ja-JP" altLang="en-US" sz="2400" dirty="0"/>
               <a:t>ロードバランサー</a:t>
             </a:r>
-            <a:endParaRPr lang="ja-JP" altLang="en-US" sz="2400" dirty="0"/>
           </a:p>
           <a:p>
             <a:r>
@@ -5386,11 +6034,7 @@
           <a:p>
             <a:r>
               <a:rPr lang="ja-JP" altLang="en-US" sz="2400" dirty="0"/>
-              <a:t>最も少ないサーバーに転送している</a:t>
-            </a:r>
-            <a:r>
-              <a:rPr lang="ja-JP" altLang="en-US" sz="2400" dirty="0"/>
-              <a:t>。</a:t>
+              <a:t>最も少ないサーバーに転送している。</a:t>
             </a:r>
             <a:r>
               <a:rPr lang="en-US" altLang="ja-JP" sz="2400" dirty="0"/>
@@ -5401,11 +6045,7 @@
             </a:br>
             <a:r>
               <a:rPr lang="ja-JP" altLang="en-US" sz="2400" dirty="0"/>
-              <a:t>→「</a:t>
-            </a:r>
-            <a:r>
-              <a:rPr lang="ja-JP" altLang="en-US" sz="2400" dirty="0"/>
-              <a:t>リーストコネクション」</a:t>
+              <a:t>→「リーストコネクション」</a:t>
             </a:r>
           </a:p>
           <a:p>
@@ -5418,15 +6058,7 @@
             </a:br>
             <a:r>
               <a:rPr lang="ja-JP" altLang="en-US" sz="2400" dirty="0"/>
-              <a:t>アクセス</a:t>
-            </a:r>
-            <a:r>
-              <a:rPr lang="ja-JP" altLang="en-US" sz="2400" dirty="0"/>
-              <a:t>のリクエストをすべてのサーバー</a:t>
-            </a:r>
-            <a:r>
-              <a:rPr lang="ja-JP" altLang="en-US" sz="2400" dirty="0"/>
-              <a:t>に</a:t>
+              <a:t>アクセスのリクエストをすべてのサーバーに</a:t>
             </a:r>
             <a:r>
               <a:rPr lang="en-US" altLang="ja-JP" sz="2400" dirty="0"/>
@@ -5437,15 +6069,7 @@
             </a:br>
             <a:r>
               <a:rPr lang="ja-JP" altLang="en-US" sz="2400" dirty="0"/>
-              <a:t>等しく</a:t>
-            </a:r>
-            <a:r>
-              <a:rPr lang="ja-JP" altLang="en-US" sz="2400" dirty="0"/>
-              <a:t>分散</a:t>
-            </a:r>
-            <a:r>
-              <a:rPr lang="ja-JP" altLang="en-US" sz="2400" dirty="0"/>
-              <a:t>する</a:t>
+              <a:t>等しく分散する</a:t>
             </a:r>
             <a:r>
               <a:rPr lang="en-US" altLang="ja-JP" sz="2400" dirty="0"/>
@@ -5456,19 +6080,7 @@
             </a:br>
             <a:r>
               <a:rPr lang="ja-JP" altLang="en-US" sz="2400" dirty="0"/>
-              <a:t>→「</a:t>
-            </a:r>
-            <a:r>
-              <a:rPr lang="ja-JP" altLang="en-US" sz="2400" dirty="0"/>
-              <a:t>ラウンドロビン</a:t>
-            </a:r>
-            <a:r>
-              <a:rPr lang="ja-JP" altLang="en-US" sz="2400" dirty="0"/>
-              <a:t>」が</a:t>
-            </a:r>
-            <a:r>
-              <a:rPr lang="ja-JP" altLang="en-US" sz="2400" dirty="0"/>
-              <a:t>主流</a:t>
+              <a:t>→「ラウンドロビン」が主流</a:t>
             </a:r>
           </a:p>
         </p:txBody>
@@ -5604,48 +6216,20 @@
             </a:r>
             <a:r>
               <a:rPr lang="ja-JP" altLang="en-US" sz="2400" dirty="0"/>
-              <a:t>は負荷</a:t>
-            </a:r>
+              <a:t>は負荷（ロード）しかみてないので</a:t>
+            </a:r>
+          </a:p>
+          <a:p>
             <a:r>
               <a:rPr lang="ja-JP" altLang="en-US" sz="2400" dirty="0"/>
-              <a:t>（ロード）しかみてないので</a:t>
-            </a:r>
+              <a:t>観光地推薦をターゲットに</a:t>
+            </a:r>
+            <a:endParaRPr lang="en-US" altLang="ja-JP" sz="2400" dirty="0"/>
           </a:p>
           <a:p>
             <a:r>
               <a:rPr lang="ja-JP" altLang="en-US" sz="2400" dirty="0"/>
-              <a:t>観光地推薦をターゲット</a:t>
-            </a:r>
-            <a:r>
-              <a:rPr lang="ja-JP" altLang="en-US" sz="2400" dirty="0"/>
-              <a:t>に</a:t>
-            </a:r>
-            <a:endParaRPr lang="en-US" altLang="ja-JP" sz="2400" dirty="0"/>
-          </a:p>
-          <a:p>
-            <a:r>
-              <a:rPr lang="ja-JP" altLang="en-US" sz="2400" dirty="0"/>
-              <a:t>「</a:t>
-            </a:r>
-            <a:r>
-              <a:rPr lang="ja-JP" altLang="en-US" sz="2400" dirty="0"/>
-              <a:t>ネットワーク</a:t>
-            </a:r>
-            <a:r>
-              <a:rPr lang="ja-JP" altLang="en-US" sz="2400" dirty="0"/>
-              <a:t>の</a:t>
-            </a:r>
-            <a:r>
-              <a:rPr lang="ja-JP" altLang="en-US" sz="2400" dirty="0"/>
-              <a:t>速度」や</a:t>
-            </a:r>
-            <a:r>
-              <a:rPr lang="ja-JP" altLang="en-US" sz="2400" dirty="0"/>
-              <a:t>負荷に注目して</a:t>
-            </a:r>
-            <a:r>
-              <a:rPr lang="ja-JP" altLang="en-US" sz="2400" dirty="0"/>
-              <a:t>行う</a:t>
+              <a:t>「ネットワークの速度」や負荷に注目して行う</a:t>
             </a:r>
             <a:r>
               <a:rPr lang="en-US" altLang="ja-JP" sz="2400" dirty="0"/>
@@ -5656,31 +6240,18 @@
             </a:br>
             <a:r>
               <a:rPr lang="ja-JP" altLang="en-US" sz="2400" dirty="0"/>
-              <a:t>ＬＢ</a:t>
-            </a:r>
+              <a:t>ＬＢが作れたら良い。</a:t>
+            </a:r>
+            <a:endParaRPr lang="en-US" altLang="ja-JP" sz="2400" dirty="0"/>
+          </a:p>
+          <a:p>
+            <a:endParaRPr lang="en-US" altLang="ja-JP" sz="2400" dirty="0"/>
+          </a:p>
+          <a:p>
             <a:r>
               <a:rPr lang="ja-JP" altLang="en-US" sz="2400" dirty="0"/>
-              <a:t>が</a:t>
-            </a:r>
-            <a:r>
-              <a:rPr lang="ja-JP" altLang="en-US" sz="2400" dirty="0"/>
-              <a:t>作れたら良い。</a:t>
-            </a:r>
-            <a:endParaRPr lang="en-US" altLang="ja-JP" sz="2400" dirty="0"/>
-          </a:p>
-          <a:p>
-            <a:endParaRPr lang="en-US" altLang="ja-JP" sz="2400" dirty="0"/>
-          </a:p>
-          <a:p>
-            <a:r>
-              <a:rPr lang="ja-JP" altLang="en-US" sz="2400" dirty="0"/>
-              <a:t>ロードバランサーを自分で</a:t>
-            </a:r>
-            <a:r>
-              <a:rPr lang="ja-JP" altLang="en-US" sz="2400" dirty="0"/>
-              <a:t>作れそうか調べる（宿題）</a:t>
-            </a:r>
-            <a:endParaRPr lang="ja-JP" altLang="en-US" sz="2400" dirty="0"/>
+              <a:t>ロードバランサーを自分で作れそうか調べる（宿題）</a:t>
+            </a:r>
           </a:p>
           <a:p>
             <a:r>
@@ -5833,22 +6404,14 @@
             </a:r>
             <a:r>
               <a:rPr lang="ja-JP" altLang="en-US" sz="2400" dirty="0"/>
-              <a:t>前期のセミナー資料を</a:t>
-            </a:r>
+              <a:t>前期のセミナー資料を観て</a:t>
+            </a:r>
+            <a:endParaRPr lang="en-US" altLang="ja-JP" sz="2400" dirty="0"/>
+          </a:p>
+          <a:p>
             <a:r>
               <a:rPr lang="ja-JP" altLang="en-US" sz="2400" dirty="0"/>
-              <a:t>観て</a:t>
-            </a:r>
-            <a:endParaRPr lang="en-US" altLang="ja-JP" sz="2400" dirty="0"/>
-          </a:p>
-          <a:p>
-            <a:r>
-              <a:rPr lang="ja-JP" altLang="en-US" sz="2400" dirty="0"/>
-              <a:t>できそう</a:t>
-            </a:r>
-            <a:r>
-              <a:rPr lang="ja-JP" altLang="en-US" sz="2400" dirty="0"/>
-              <a:t>だと思った。</a:t>
+              <a:t>できそうだと思った。</a:t>
             </a:r>
           </a:p>
           <a:p>
@@ -5867,35 +6430,23 @@
             </a:r>
             <a:r>
               <a:rPr lang="ja-JP" altLang="en-US" sz="2400" dirty="0"/>
-              <a:t>ネットワークの速度を考慮するとなると</a:t>
-            </a:r>
+              <a:t>ネットワークの速度を考慮するとなると、</a:t>
+            </a:r>
+            <a:endParaRPr lang="en-US" altLang="ja-JP" sz="2400" dirty="0"/>
+          </a:p>
+          <a:p>
             <a:r>
               <a:rPr lang="ja-JP" altLang="en-US" sz="2400" dirty="0"/>
-              <a:t>、</a:t>
-            </a:r>
+              <a:t>どうプログラムを作っていいのかわからない。</a:t>
+            </a:r>
+          </a:p>
+          <a:p>
             <a:endParaRPr lang="en-US" altLang="ja-JP" sz="2400" dirty="0"/>
           </a:p>
           <a:p>
             <a:r>
               <a:rPr lang="ja-JP" altLang="en-US" sz="2400" dirty="0"/>
-              <a:t>どうプログラム</a:t>
-            </a:r>
-            <a:r>
-              <a:rPr lang="ja-JP" altLang="en-US" sz="2400" dirty="0"/>
-              <a:t>を作っていいのかわからない。</a:t>
-            </a:r>
-          </a:p>
-          <a:p>
-            <a:endParaRPr lang="en-US" altLang="ja-JP" sz="2400" dirty="0"/>
-          </a:p>
-          <a:p>
-            <a:r>
-              <a:rPr lang="ja-JP" altLang="en-US" sz="2400" dirty="0"/>
-              <a:t>調べて</a:t>
-            </a:r>
-            <a:r>
-              <a:rPr lang="ja-JP" altLang="en-US" sz="2400" dirty="0"/>
-              <a:t>もあまり出てこなかった。</a:t>
+              <a:t>調べてもあまり出てこなかった。</a:t>
             </a:r>
           </a:p>
         </p:txBody>
@@ -6009,15 +6560,7 @@
           <a:p>
             <a:r>
               <a:rPr lang="ja-JP" altLang="en-US" sz="2400" dirty="0"/>
-              <a:t>今の</a:t>
-            </a:r>
-            <a:r>
-              <a:rPr lang="ja-JP" altLang="en-US" sz="2400" dirty="0"/>
-              <a:t>課題</a:t>
-            </a:r>
-            <a:r>
-              <a:rPr lang="ja-JP" altLang="en-US" sz="2400" dirty="0"/>
-              <a:t>：回線速度を考慮した</a:t>
+              <a:t>今の課題：回線速度を考慮した</a:t>
             </a:r>
             <a:r>
               <a:rPr lang="en-US" altLang="ja-JP" sz="2400" dirty="0"/>
@@ -6081,7 +6624,6 @@
               <a:rPr lang="ja-JP" altLang="en-US" sz="3000" dirty="0"/>
               <a:t>レスポンス速度を考慮したロードバランサー</a:t>
             </a:r>
-            <a:endParaRPr lang="ja-JP" altLang="en-US" sz="3000" dirty="0"/>
           </a:p>
         </p:txBody>
       </p:sp>
@@ -6237,7 +6779,6 @@
               <a:rPr lang="ja-JP" altLang="en-US" sz="3000" dirty="0"/>
               <a:t>レスポンス速度を考慮したロードバランサー</a:t>
             </a:r>
-            <a:endParaRPr lang="ja-JP" altLang="en-US" sz="3000" dirty="0"/>
           </a:p>
         </p:txBody>
       </p:sp>

--- a/1821086_matsuo_sotsuken.pptx
+++ b/1821086_matsuo_sotsuken.pptx
@@ -212,7 +212,7 @@
           <a:p>
             <a:fld id="{869FDBD3-40C4-4F2A-82A8-38E5DBC6C4C1}" type="datetimeFigureOut">
               <a:rPr kumimoji="1" lang="ja-JP" altLang="en-US" smtClean="0"/>
-              <a:t>2021/5/11</a:t>
+              <a:t>2021/5/21</a:t>
             </a:fld>
             <a:endParaRPr kumimoji="1" lang="ja-JP" altLang="en-US"/>
           </a:p>
@@ -732,7 +732,7 @@
           <a:p>
             <a:fld id="{494AB2A1-E364-47CF-B5DC-53E264C607F6}" type="datetime1">
               <a:rPr kumimoji="1" lang="ja-JP" altLang="en-US" smtClean="0"/>
-              <a:t>2021/5/11</a:t>
+              <a:t>2021/5/21</a:t>
             </a:fld>
             <a:endParaRPr kumimoji="1" lang="ja-JP" altLang="en-US"/>
           </a:p>
@@ -934,7 +934,7 @@
           <a:p>
             <a:fld id="{493740D4-C406-4492-90E6-6432EEF92C60}" type="datetime1">
               <a:rPr kumimoji="1" lang="ja-JP" altLang="en-US" smtClean="0"/>
-              <a:t>2021/5/11</a:t>
+              <a:t>2021/5/21</a:t>
             </a:fld>
             <a:endParaRPr kumimoji="1" lang="ja-JP" altLang="en-US"/>
           </a:p>
@@ -1146,7 +1146,7 @@
           <a:p>
             <a:fld id="{ED69396B-CE42-4776-89F8-D39FC42CFB56}" type="datetime1">
               <a:rPr kumimoji="1" lang="ja-JP" altLang="en-US" smtClean="0"/>
-              <a:t>2021/5/11</a:t>
+              <a:t>2021/5/21</a:t>
             </a:fld>
             <a:endParaRPr kumimoji="1" lang="ja-JP" altLang="en-US"/>
           </a:p>
@@ -1348,7 +1348,7 @@
           <a:p>
             <a:fld id="{13625393-1B19-477D-ADB7-2A6386D3F149}" type="datetime1">
               <a:rPr kumimoji="1" lang="ja-JP" altLang="en-US" smtClean="0"/>
-              <a:t>2021/5/11</a:t>
+              <a:t>2021/5/21</a:t>
             </a:fld>
             <a:endParaRPr kumimoji="1" lang="ja-JP" altLang="en-US"/>
           </a:p>
@@ -1592,7 +1592,7 @@
           <a:p>
             <a:fld id="{E5FDA1EB-CBE3-4FB0-BB17-A44CDA0B54B3}" type="datetime1">
               <a:rPr kumimoji="1" lang="ja-JP" altLang="en-US" smtClean="0"/>
-              <a:t>2021/5/11</a:t>
+              <a:t>2021/5/21</a:t>
             </a:fld>
             <a:endParaRPr kumimoji="1" lang="ja-JP" altLang="en-US"/>
           </a:p>
@@ -1888,7 +1888,7 @@
           <a:p>
             <a:fld id="{C01EC069-9DC2-4DDB-AE63-C26A081803C1}" type="datetime1">
               <a:rPr kumimoji="1" lang="ja-JP" altLang="en-US" smtClean="0"/>
-              <a:t>2021/5/11</a:t>
+              <a:t>2021/5/21</a:t>
             </a:fld>
             <a:endParaRPr kumimoji="1" lang="ja-JP" altLang="en-US"/>
           </a:p>
@@ -2319,7 +2319,7 @@
           <a:p>
             <a:fld id="{FA16DDA6-9750-4222-A53D-9B2AFD4F7604}" type="datetime1">
               <a:rPr kumimoji="1" lang="ja-JP" altLang="en-US" smtClean="0"/>
-              <a:t>2021/5/11</a:t>
+              <a:t>2021/5/21</a:t>
             </a:fld>
             <a:endParaRPr kumimoji="1" lang="ja-JP" altLang="en-US"/>
           </a:p>
@@ -2437,7 +2437,7 @@
           <a:p>
             <a:fld id="{2A12A5DA-6757-4BE0-8138-B996B069D01C}" type="datetime1">
               <a:rPr kumimoji="1" lang="ja-JP" altLang="en-US" smtClean="0"/>
-              <a:t>2021/5/11</a:t>
+              <a:t>2021/5/21</a:t>
             </a:fld>
             <a:endParaRPr kumimoji="1" lang="ja-JP" altLang="en-US"/>
           </a:p>
@@ -2532,7 +2532,7 @@
           <a:p>
             <a:fld id="{80431E91-75F7-48C3-A2EB-716DBC94911B}" type="datetime1">
               <a:rPr kumimoji="1" lang="ja-JP" altLang="en-US" smtClean="0"/>
-              <a:t>2021/5/11</a:t>
+              <a:t>2021/5/21</a:t>
             </a:fld>
             <a:endParaRPr kumimoji="1" lang="ja-JP" altLang="en-US"/>
           </a:p>
@@ -2841,7 +2841,7 @@
           <a:p>
             <a:fld id="{2FD4BF64-4643-4F2F-9E14-ABA1F12A43DE}" type="datetime1">
               <a:rPr kumimoji="1" lang="ja-JP" altLang="en-US" smtClean="0"/>
-              <a:t>2021/5/11</a:t>
+              <a:t>2021/5/21</a:t>
             </a:fld>
             <a:endParaRPr kumimoji="1" lang="ja-JP" altLang="en-US"/>
           </a:p>
@@ -3098,7 +3098,7 @@
           <a:p>
             <a:fld id="{4775FF6E-0AC3-4CFF-BD5F-615BAFBBFB63}" type="datetime1">
               <a:rPr kumimoji="1" lang="ja-JP" altLang="en-US" smtClean="0"/>
-              <a:t>2021/5/11</a:t>
+              <a:t>2021/5/21</a:t>
             </a:fld>
             <a:endParaRPr kumimoji="1" lang="ja-JP" altLang="en-US"/>
           </a:p>
@@ -3343,7 +3343,7 @@
           <a:p>
             <a:fld id="{63DC7EF6-3FB0-4B29-8D75-11EE9B911EFB}" type="datetime1">
               <a:rPr kumimoji="1" lang="ja-JP" altLang="en-US" smtClean="0"/>
-              <a:t>2021/5/11</a:t>
+              <a:t>2021/5/21</a:t>
             </a:fld>
             <a:endParaRPr kumimoji="1" lang="ja-JP" altLang="en-US"/>
           </a:p>
@@ -4929,7 +4929,7 @@
           <a:p>
             <a:r>
               <a:rPr kumimoji="1" lang="en-US" altLang="ja-JP" dirty="0" smtClean="0"/>
-              <a:t>5/14</a:t>
+              <a:t>5/21</a:t>
             </a:r>
             <a:endParaRPr kumimoji="1" lang="ja-JP" altLang="en-US" dirty="0"/>
           </a:p>
@@ -5027,11 +5027,7 @@
             </a:br>
             <a:r>
               <a:rPr lang="ja-JP" altLang="en-US" sz="2400" dirty="0" smtClean="0"/>
-              <a:t>　　　</a:t>
-            </a:r>
-            <a:r>
-              <a:rPr lang="ja-JP" altLang="en-US" sz="2400" dirty="0" smtClean="0"/>
-              <a:t>テキストファイルに出力</a:t>
+              <a:t>　　　テキストファイルに出力</a:t>
             </a:r>
             <a:r>
               <a:rPr lang="en-US" altLang="ja-JP" sz="2400" dirty="0" smtClean="0"/>
@@ -5232,7 +5228,7 @@
           <a:p>
             <a:r>
               <a:rPr kumimoji="1" lang="en-US" altLang="ja-JP" dirty="0" smtClean="0"/>
-              <a:t>5/14</a:t>
+              <a:t>5/21</a:t>
             </a:r>
             <a:endParaRPr kumimoji="1" lang="ja-JP" altLang="en-US" dirty="0"/>
           </a:p>
@@ -5480,7 +5476,7 @@
           <a:p>
             <a:r>
               <a:rPr kumimoji="1" lang="en-US" altLang="ja-JP" dirty="0" smtClean="0"/>
-              <a:t>5/14</a:t>
+              <a:t>5/21</a:t>
             </a:r>
             <a:endParaRPr kumimoji="1" lang="ja-JP" altLang="en-US" dirty="0"/>
           </a:p>
@@ -5548,11 +5544,7 @@
             </a:r>
             <a:r>
               <a:rPr lang="ja-JP" altLang="en-US" sz="2400" dirty="0" smtClean="0"/>
-              <a:t>日のレスポンス平均を取る</a:t>
-            </a:r>
-            <a:r>
-              <a:rPr lang="ja-JP" altLang="en-US" sz="2400" dirty="0" smtClean="0"/>
-              <a:t>が</a:t>
+              <a:t>日のレスポンス平均を取るが</a:t>
             </a:r>
             <a:r>
               <a:rPr lang="en-US" altLang="ja-JP" sz="2400" dirty="0" smtClean="0"/>
@@ -5567,7 +5559,11 @@
             </a:r>
             <a:r>
               <a:rPr lang="ja-JP" altLang="en-US" sz="2400" dirty="0" smtClean="0"/>
-              <a:t>計測は何分毎にした方が良いか</a:t>
+              <a:t>計測は何分毎にした方が良い</a:t>
+            </a:r>
+            <a:r>
+              <a:rPr lang="ja-JP" altLang="en-US" sz="2400" dirty="0" smtClean="0"/>
+              <a:t>か</a:t>
             </a:r>
             <a:endParaRPr lang="en-US" altLang="ja-JP" sz="2400" dirty="0" smtClean="0"/>
           </a:p>
@@ -5604,18 +5600,34 @@
           <a:p>
             <a:r>
               <a:rPr lang="ja-JP" altLang="en-US" sz="2400" dirty="0" smtClean="0"/>
-              <a:t>・前ページを繰り返し処理させて</a:t>
+              <a:t>・</a:t>
+            </a:r>
+            <a:r>
+              <a:rPr lang="ja-JP" altLang="en-US" sz="2400" dirty="0" smtClean="0"/>
+              <a:t>前ページ</a:t>
+            </a:r>
+            <a:r>
+              <a:rPr lang="ja-JP" altLang="en-US" sz="2400" dirty="0" smtClean="0"/>
+              <a:t>のプログラム</a:t>
+            </a:r>
+            <a:r>
+              <a:rPr lang="ja-JP" altLang="en-US" sz="2400" dirty="0" smtClean="0"/>
+              <a:t>を</a:t>
+            </a:r>
+            <a:r>
+              <a:rPr lang="ja-JP" altLang="en-US" sz="2400" dirty="0" smtClean="0"/>
+              <a:t>繰り返し処理させて</a:t>
             </a:r>
             <a:endParaRPr lang="en-US" altLang="ja-JP" sz="2400" dirty="0" smtClean="0"/>
           </a:p>
           <a:p>
             <a:r>
               <a:rPr lang="ja-JP" altLang="en-US" sz="2400" dirty="0" smtClean="0"/>
-              <a:t>レスポンスデータ続けて取れれ</a:t>
+              <a:t>レスポンスデータ続けて取れれるように</a:t>
             </a:r>
             <a:r>
               <a:rPr lang="ja-JP" altLang="en-US" sz="2400" dirty="0" smtClean="0"/>
-              <a:t>るようにする</a:t>
+              <a:t>する</a:t>
             </a:r>
             <a:endParaRPr lang="en-US" altLang="ja-JP" sz="2400" dirty="0"/>
           </a:p>
